--- a/data/presentation/PS_presentation_FINAL.pptx
+++ b/data/presentation/PS_presentation_FINAL.pptx
@@ -3609,15 +3609,7 @@
             </a:pPr>
             <a:r>
               <a:rPr lang="en-US" dirty="0"/>
-              <a:t>For an easy access of the incoming an outgoing </a:t>
-            </a:r>
-            <a:r>
-              <a:rPr lang="en-US" dirty="0" err="1"/>
-              <a:t>pakets</a:t>
-            </a:r>
-            <a:r>
-              <a:rPr lang="en-US" dirty="0"/>
-              <a:t>, an easy expandable C-struct is used.</a:t>
+              <a:t>For an easy access of the incoming an outgoing packets, an easy expandable C-struct is used.</a:t>
             </a:r>
           </a:p>
           <a:p>
@@ -3980,7 +3972,15 @@
             </a:pPr>
             <a:r>
               <a:rPr lang="en-GB" dirty="0"/>
-              <a:t>When a packet is finished (so basically all data is updated, happening in 500Hz), the next layer comes on.  [CLICK]</a:t>
+              <a:t>When a packet is ready to </a:t>
+            </a:r>
+            <a:r>
+              <a:rPr lang="en-GB"/>
+              <a:t>get sent </a:t>
+            </a:r>
+            <a:r>
+              <a:rPr lang="en-GB" dirty="0"/>
+              <a:t>(so basically all data is updated, happening in 500Hz), the next layer comes on.  [CLICK]</a:t>
             </a:r>
           </a:p>
           <a:p>
@@ -7764,7 +7764,7 @@
                 </a:solidFill>
                 <a:latin typeface="+mn-lt"/>
               </a:rPr>
-              <a:t>12.08.18 | Projektseminar, Protocol design | Breitenbach, Chen, Hu </a:t>
+              <a:t>12.08.18 | Protocol Development | Breitenbach, Chen, Hu </a:t>
             </a:r>
             <a:r>
               <a:rPr lang="de-DE" sz="1000" dirty="0">
@@ -8599,16 +8599,16 @@
                 </a:solidFill>
                 <a:latin typeface="Arial"/>
               </a:rPr>
-              <a:t>12.08.18 | Protocol </a:t>
-            </a:r>
-            <a:r>
-              <a:rPr lang="de-DE" sz="1000" dirty="0" err="1">
+              <a:t>12.08.18 | </a:t>
+            </a:r>
+            <a:r>
+              <a:rPr lang="de-DE" sz="1000" dirty="0">
                 <a:solidFill>
                   <a:srgbClr val="000000"/>
                 </a:solidFill>
-                <a:latin typeface="Arial"/>
+                <a:latin typeface="+mn-lt"/>
               </a:rPr>
-              <a:t>development</a:t>
+              <a:t>Protocol Development </a:t>
             </a:r>
             <a:r>
               <a:rPr lang="de-DE" sz="1000" dirty="0">
@@ -8617,7 +8617,7 @@
                 </a:solidFill>
                 <a:latin typeface="Arial"/>
               </a:rPr>
-              <a:t> | Breitenbach, Chen, Hu |  </a:t>
+              <a:t>| Breitenbach, Chen, Hu |  </a:t>
             </a:r>
             <a:fld id="{D533869A-5E8B-4926-9AC7-B37A707100D4}" type="slidenum">
               <a:rPr lang="de-DE" sz="1000">
@@ -9274,111 +9274,15 @@
               </a:lnSpc>
             </a:pPr>
             <a:r>
-              <a:rPr lang="de-DE" sz="2400" b="1" dirty="0">
+              <a:rPr lang="en-GB" sz="2400" b="1" dirty="0">
                 <a:solidFill>
                   <a:srgbClr val="FFFFFF"/>
                 </a:solidFill>
               </a:rPr>
-              <a:t>Development </a:t>
-            </a:r>
-            <a:r>
-              <a:rPr lang="de-DE" sz="2400" b="1" dirty="0" err="1">
-                <a:solidFill>
-                  <a:srgbClr val="FFFFFF"/>
-                </a:solidFill>
-              </a:rPr>
-              <a:t>of</a:t>
-            </a:r>
-            <a:r>
-              <a:rPr lang="de-DE" sz="2400" b="1" dirty="0">
-                <a:solidFill>
-                  <a:srgbClr val="FFFFFF"/>
-                </a:solidFill>
-              </a:rPr>
-              <a:t> a </a:t>
-            </a:r>
-            <a:r>
-              <a:rPr lang="de-DE" sz="2400" b="1" dirty="0" err="1">
-                <a:solidFill>
-                  <a:srgbClr val="FFFFFF"/>
-                </a:solidFill>
-              </a:rPr>
-              <a:t>protocol</a:t>
-            </a:r>
-            <a:r>
-              <a:rPr lang="de-DE" sz="2400" b="1" dirty="0">
-                <a:solidFill>
-                  <a:srgbClr val="FFFFFF"/>
-                </a:solidFill>
-              </a:rPr>
-              <a:t> </a:t>
-            </a:r>
-            <a:r>
-              <a:rPr lang="de-DE" sz="2400" b="1" dirty="0" err="1">
-                <a:solidFill>
-                  <a:srgbClr val="FFFFFF"/>
-                </a:solidFill>
-              </a:rPr>
-              <a:t>for</a:t>
-            </a:r>
-            <a:r>
-              <a:rPr lang="de-DE" sz="2400" b="1" dirty="0">
-                <a:solidFill>
-                  <a:srgbClr val="FFFFFF"/>
-                </a:solidFill>
-              </a:rPr>
-              <a:t> </a:t>
-            </a:r>
-            <a:r>
-              <a:rPr lang="de-DE" sz="2400" b="1" dirty="0" err="1">
-                <a:solidFill>
-                  <a:srgbClr val="FFFFFF"/>
-                </a:solidFill>
-              </a:rPr>
-              <a:t>inclusion</a:t>
-            </a:r>
-            <a:r>
-              <a:rPr lang="de-DE" sz="2400" b="1" dirty="0">
-                <a:solidFill>
-                  <a:srgbClr val="FFFFFF"/>
-                </a:solidFill>
-              </a:rPr>
-              <a:t> </a:t>
-            </a:r>
-            <a:r>
-              <a:rPr lang="de-DE" sz="2400" b="1" dirty="0" err="1">
-                <a:solidFill>
-                  <a:srgbClr val="FFFFFF"/>
-                </a:solidFill>
-              </a:rPr>
-              <a:t>of</a:t>
-            </a:r>
-            <a:r>
-              <a:rPr lang="de-DE" sz="2400" b="1" dirty="0">
-                <a:solidFill>
-                  <a:srgbClr val="FFFFFF"/>
-                </a:solidFill>
-              </a:rPr>
-              <a:t> an </a:t>
-            </a:r>
-            <a:r>
-              <a:rPr lang="de-DE" sz="2400" b="1" dirty="0" err="1">
-                <a:solidFill>
-                  <a:srgbClr val="FFFFFF"/>
-                </a:solidFill>
-              </a:rPr>
-              <a:t>microcontroller</a:t>
-            </a:r>
-            <a:r>
-              <a:rPr lang="de-DE" sz="2400" b="1" dirty="0">
-                <a:solidFill>
-                  <a:srgbClr val="FFFFFF"/>
-                </a:solidFill>
-              </a:rPr>
-              <a:t> in an </a:t>
-            </a:r>
-            <a:r>
-              <a:rPr lang="de-DE" sz="2400" b="1" dirty="0" err="1">
+              <a:t>Development of a protocol for inclusion of an microcontroller in an </a:t>
+            </a:r>
+            <a:r>
+              <a:rPr lang="en-GB" sz="2400" b="1" dirty="0" err="1">
                 <a:solidFill>
                   <a:srgbClr val="FFFFFF"/>
                 </a:solidFill>
@@ -9386,30 +9290,14 @@
               <a:t>multicopter</a:t>
             </a:r>
             <a:r>
-              <a:rPr lang="de-DE" sz="2400" b="1" dirty="0">
+              <a:rPr lang="en-GB" sz="2400" b="1" dirty="0">
                 <a:solidFill>
                   <a:srgbClr val="FFFFFF"/>
                 </a:solidFill>
               </a:rPr>
-              <a:t> </a:t>
-            </a:r>
-            <a:r>
-              <a:rPr lang="de-DE" sz="2400" b="1" dirty="0" err="1">
-                <a:solidFill>
-                  <a:srgbClr val="FFFFFF"/>
-                </a:solidFill>
-              </a:rPr>
-              <a:t>system</a:t>
-            </a:r>
-            <a:r>
-              <a:rPr lang="de-DE" sz="2400" b="1" dirty="0">
-                <a:solidFill>
-                  <a:srgbClr val="FFFFFF"/>
-                </a:solidFill>
-              </a:rPr>
-              <a:t> </a:t>
-            </a:r>
-            <a:endParaRPr sz="2400" dirty="0"/>
+              <a:t> system </a:t>
+            </a:r>
+            <a:endParaRPr lang="en-GB" sz="2400" dirty="0"/>
           </a:p>
         </p:txBody>
       </p:sp>
@@ -11053,7 +10941,7 @@
               <a:buChar char="•"/>
             </a:pPr>
             <a:r>
-              <a:rPr lang="en-US" altLang="zh-CN" sz="2800"/>
+              <a:rPr lang="en-US" altLang="zh-CN" sz="2800" dirty="0"/>
               <a:t>Tested protocol</a:t>
             </a:r>
           </a:p>
@@ -11066,7 +10954,7 @@
               <a:buChar char="•"/>
             </a:pPr>
             <a:r>
-              <a:rPr lang="en-US" altLang="zh-CN" sz="2800"/>
+              <a:rPr lang="en-US" altLang="zh-CN" sz="2800" dirty="0"/>
               <a:t>500Hz packet exchange rate</a:t>
             </a:r>
           </a:p>
@@ -11079,7 +10967,7 @@
               <a:buChar char="•"/>
             </a:pPr>
             <a:r>
-              <a:rPr lang="en-US" altLang="zh-CN" sz="2800"/>
+              <a:rPr lang="en-US" altLang="zh-CN" sz="2800" dirty="0"/>
               <a:t>Real control performance not tested</a:t>
             </a:r>
           </a:p>
@@ -11924,7 +11812,7 @@
           </a:lstStyle>
           <a:p>
             <a:r>
-              <a:rPr lang="en-GB" dirty="0"/>
+              <a:rPr lang="en-GB" sz="2000" dirty="0"/>
               <a:t>Motivation</a:t>
             </a:r>
           </a:p>
@@ -11935,21 +11823,21 @@
               </a:lnSpc>
             </a:pPr>
             <a:r>
-              <a:rPr lang="en-GB" dirty="0"/>
+              <a:rPr lang="en-GB" sz="2000" dirty="0"/>
               <a:t>Basics</a:t>
             </a:r>
           </a:p>
           <a:p>
             <a:pPr lvl="1"/>
             <a:r>
-              <a:rPr lang="en-GB" dirty="0"/>
+              <a:rPr lang="en-GB" sz="2000" dirty="0"/>
               <a:t>System description</a:t>
             </a:r>
           </a:p>
           <a:p>
             <a:pPr lvl="1"/>
             <a:r>
-              <a:rPr lang="en-GB" dirty="0"/>
+              <a:rPr lang="en-GB" sz="2000" dirty="0"/>
               <a:t>Protocols</a:t>
             </a:r>
           </a:p>
@@ -11960,22 +11848,21 @@
               </a:lnSpc>
             </a:pPr>
             <a:r>
-              <a:rPr lang="en-GB" dirty="0" err="1"/>
-              <a:t>Protocoldesign</a:t>
-            </a:r>
-            <a:endParaRPr lang="en-GB" dirty="0"/>
+              <a:rPr lang="en-GB" sz="2000" dirty="0"/>
+              <a:t>Protocol design</a:t>
+            </a:r>
           </a:p>
           <a:p>
             <a:pPr lvl="1"/>
             <a:r>
-              <a:rPr lang="en-GB" dirty="0"/>
+              <a:rPr lang="en-GB" sz="2000" dirty="0"/>
               <a:t>Presentation</a:t>
             </a:r>
           </a:p>
           <a:p>
             <a:pPr lvl="1"/>
             <a:r>
-              <a:rPr lang="en-GB" dirty="0"/>
+              <a:rPr lang="en-GB" sz="2000" dirty="0"/>
               <a:t>Results</a:t>
             </a:r>
           </a:p>
@@ -11986,7 +11873,7 @@
               </a:lnSpc>
             </a:pPr>
             <a:r>
-              <a:rPr lang="en-GB" dirty="0"/>
+              <a:rPr lang="en-GB" sz="2000" dirty="0"/>
               <a:t>Summary &amp; Outlook</a:t>
             </a:r>
           </a:p>

--- a/data/presentation/PS_presentation_FINAL.pptx
+++ b/data/presentation/PS_presentation_FINAL.pptx
@@ -862,8 +862,24 @@
               <a:buChar char="•"/>
             </a:pPr>
             <a:r>
-              <a:rPr lang="en-US" altLang="en-US"/>
-              <a:t>so now we have a tested protocol, which guarantees a reliable and fast enough packet exchange speed. After we implement our protocol in both HLP and Nucleo, we can send all sensor data through the HLP to the high-performance Nucleo.</a:t>
+              <a:rPr lang="en-US" altLang="en-US" dirty="0"/>
+              <a:t>so now we have a tested protocol, which guarantees a reliable and fast enough packet exchange speed. After we implement our protocol in both HLP and </a:t>
+            </a:r>
+            <a:r>
+              <a:rPr lang="en-US" altLang="en-US" dirty="0" err="1"/>
+              <a:t>Nucleo</a:t>
+            </a:r>
+            <a:r>
+              <a:rPr lang="en-US" altLang="en-US" dirty="0"/>
+              <a:t>, we can send all sensor data through the HLP to the high-performance </a:t>
+            </a:r>
+            <a:r>
+              <a:rPr lang="en-US" altLang="en-US" dirty="0" err="1"/>
+              <a:t>Nucleo</a:t>
+            </a:r>
+            <a:r>
+              <a:rPr lang="en-US" altLang="en-US" dirty="0"/>
+              <a:t>.</a:t>
             </a:r>
           </a:p>
           <a:p>
@@ -872,11 +888,27 @@
               <a:buChar char="•"/>
             </a:pPr>
             <a:r>
-              <a:rPr lang="en-US" altLang="en-US"/>
-              <a:t>consider the error packet in our case will be direcktly droped, at a given SPI speed the protocol can reach ideally 500Hz </a:t>
-            </a:r>
-            <a:r>
-              <a:rPr lang="en-US" altLang="zh-CN">
+              <a:rPr lang="en-US" altLang="en-US" dirty="0"/>
+              <a:t>consider the error packet in our case will be </a:t>
+            </a:r>
+            <a:r>
+              <a:rPr lang="en-US" altLang="en-US" dirty="0" err="1"/>
+              <a:t>direcktly</a:t>
+            </a:r>
+            <a:r>
+              <a:rPr lang="en-US" altLang="en-US" dirty="0"/>
+              <a:t> </a:t>
+            </a:r>
+            <a:r>
+              <a:rPr lang="en-US" altLang="en-US" dirty="0" err="1"/>
+              <a:t>droped</a:t>
+            </a:r>
+            <a:r>
+              <a:rPr lang="en-US" altLang="en-US" dirty="0"/>
+              <a:t>, at a given SPI speed the protocol can reach ideally 500Hz </a:t>
+            </a:r>
+            <a:r>
+              <a:rPr lang="en-US" altLang="zh-CN" dirty="0">
                 <a:sym typeface="+mn-ea"/>
               </a:rPr>
               <a:t>packet exchange rate. </a:t>
@@ -888,10 +920,58 @@
               <a:buChar char="•"/>
             </a:pPr>
             <a:r>
-              <a:rPr lang="en-US" altLang="zh-CN">
+              <a:rPr lang="en-US" altLang="zh-CN" dirty="0">
                 <a:sym typeface="+mn-ea"/>
               </a:rPr>
-              <a:t>Although we still dont test, to implement our procotol in the real control situation of the UAV, we are not sure the real performance of the protocol. Future work can be based on this protocol, which allows to implement komplex control algorithm on the Nucleo and integrate additional sensors to improve the control performance.</a:t>
+              <a:t>Although we still </a:t>
+            </a:r>
+            <a:r>
+              <a:rPr lang="en-US" altLang="zh-CN" dirty="0" err="1">
+                <a:sym typeface="+mn-ea"/>
+              </a:rPr>
+              <a:t>dont</a:t>
+            </a:r>
+            <a:r>
+              <a:rPr lang="en-US" altLang="zh-CN" dirty="0">
+                <a:sym typeface="+mn-ea"/>
+              </a:rPr>
+              <a:t> test, to implement our </a:t>
+            </a:r>
+            <a:r>
+              <a:rPr lang="en-US" altLang="zh-CN" dirty="0" err="1">
+                <a:sym typeface="+mn-ea"/>
+              </a:rPr>
+              <a:t>procotol</a:t>
+            </a:r>
+            <a:r>
+              <a:rPr lang="en-US" altLang="zh-CN" dirty="0">
+                <a:sym typeface="+mn-ea"/>
+              </a:rPr>
+              <a:t> in the real control situation of the UAV, we are not sure the real performance of the protocol. Future work can be based on this protocol, which allows to implement </a:t>
+            </a:r>
+            <a:r>
+              <a:rPr lang="en-US" altLang="zh-CN" dirty="0" err="1">
+                <a:sym typeface="+mn-ea"/>
+              </a:rPr>
+              <a:t>komplex</a:t>
+            </a:r>
+            <a:r>
+              <a:rPr lang="en-US" altLang="zh-CN" dirty="0">
+                <a:sym typeface="+mn-ea"/>
+              </a:rPr>
+              <a:t> control algorithm on the </a:t>
+            </a:r>
+            <a:r>
+              <a:rPr lang="en-US" altLang="zh-CN" dirty="0" err="1">
+                <a:sym typeface="+mn-ea"/>
+              </a:rPr>
+              <a:t>Nucleo</a:t>
+            </a:r>
+            <a:r>
+              <a:rPr lang="en-US" altLang="zh-CN" dirty="0">
+                <a:sym typeface="+mn-ea"/>
+              </a:rPr>
+              <a:t> and integrate additional sensors to improve the control performance.</a:t>
             </a:r>
           </a:p>
           <a:p>
@@ -899,24 +979,24 @@
               <a:buFont typeface="Arial" panose="020B0604020202020204" pitchFamily="34" charset="0"/>
               <a:buChar char="•"/>
             </a:pPr>
-            <a:endParaRPr lang="en-US" altLang="en-US"/>
+            <a:endParaRPr lang="en-US" altLang="en-US" dirty="0"/>
           </a:p>
           <a:p>
             <a:pPr marL="285750" indent="-285750">
               <a:buFont typeface="Arial" panose="020B0604020202020204" pitchFamily="34" charset="0"/>
               <a:buChar char="•"/>
             </a:pPr>
-            <a:endParaRPr lang="en-US" altLang="en-US"/>
+            <a:endParaRPr lang="en-US" altLang="en-US" dirty="0"/>
           </a:p>
           <a:p>
             <a:pPr marL="285750" indent="-285750">
               <a:buFont typeface="Arial" panose="020B0604020202020204" pitchFamily="34" charset="0"/>
               <a:buChar char="•"/>
             </a:pPr>
-            <a:endParaRPr lang="en-US" altLang="en-US"/>
-          </a:p>
-          <a:p>
-            <a:endParaRPr lang="en-US" altLang="en-US"/>
+            <a:endParaRPr lang="en-US" altLang="en-US" dirty="0"/>
+          </a:p>
+          <a:p>
+            <a:endParaRPr lang="en-US" altLang="en-US" dirty="0"/>
           </a:p>
         </p:txBody>
       </p:sp>
@@ -1378,6 +1458,18 @@
           </a:p>
           <a:p>
             <a:r>
+              <a:rPr lang="en-US" altLang="zh-CN" sz="1200" b="0" i="0" kern="1200" dirty="0">
+                <a:solidFill>
+                  <a:schemeClr val="tx1"/>
+                </a:solidFill>
+                <a:effectLst/>
+                <a:latin typeface="+mn-lt"/>
+                <a:ea typeface="+mn-ea"/>
+                <a:cs typeface="+mn-cs"/>
+              </a:rPr>
+              <a:t>Theoretically</a:t>
+            </a:r>
+            <a:r>
               <a:rPr lang="en-US" altLang="zh-CN" sz="1200" b="0" i="0" kern="1200" baseline="0" dirty="0">
                 <a:solidFill>
                   <a:schemeClr val="tx1"/>
@@ -1387,20 +1479,10 @@
                 <a:ea typeface="+mn-ea"/>
                 <a:cs typeface="+mn-cs"/>
               </a:rPr>
-              <a:t>And to </a:t>
-            </a:r>
-            <a:r>
-              <a:rPr lang="en-US" altLang="zh-CN" sz="1200" b="0" i="0" kern="1200" baseline="0" dirty="0" err="1">
-                <a:solidFill>
-                  <a:schemeClr val="tx1"/>
-                </a:solidFill>
-                <a:effectLst/>
-                <a:latin typeface="+mn-lt"/>
-                <a:ea typeface="+mn-ea"/>
-                <a:cs typeface="+mn-cs"/>
-              </a:rPr>
-              <a:t>achiveve</a:t>
-            </a:r>
+              <a:t> there two approaches to implement the algorithm. One is , another is .</a:t>
+            </a:r>
+          </a:p>
+          <a:p>
             <a:r>
               <a:rPr lang="en-US" altLang="zh-CN" sz="1200" b="0" i="0" kern="1200" baseline="0" dirty="0">
                 <a:solidFill>
@@ -1411,113 +1493,7 @@
                 <a:ea typeface="+mn-ea"/>
                 <a:cs typeface="+mn-cs"/>
               </a:rPr>
-              <a:t> the </a:t>
-            </a:r>
-            <a:r>
-              <a:rPr lang="en-US" altLang="zh-CN" sz="1200" b="0" i="0" kern="1200" baseline="0" dirty="0" err="1">
-                <a:solidFill>
-                  <a:schemeClr val="tx1"/>
-                </a:solidFill>
-                <a:effectLst/>
-                <a:latin typeface="+mn-lt"/>
-                <a:ea typeface="+mn-ea"/>
-                <a:cs typeface="+mn-cs"/>
-              </a:rPr>
-              <a:t>sensorfusion</a:t>
-            </a:r>
-            <a:r>
-              <a:rPr lang="en-US" altLang="zh-CN" sz="1200" b="0" i="0" kern="1200" baseline="0" dirty="0">
-                <a:solidFill>
-                  <a:schemeClr val="tx1"/>
-                </a:solidFill>
-                <a:effectLst/>
-                <a:latin typeface="+mn-lt"/>
-                <a:ea typeface="+mn-ea"/>
-                <a:cs typeface="+mn-cs"/>
-              </a:rPr>
-              <a:t> task, we add a specific Processor to do this task.</a:t>
-            </a:r>
-            <a:endParaRPr lang="en-GB" altLang="zh-CN" sz="1200" b="0" i="0" kern="1200" dirty="0">
-              <a:solidFill>
-                <a:schemeClr val="tx1"/>
-              </a:solidFill>
-              <a:effectLst/>
-              <a:latin typeface="+mn-lt"/>
-              <a:ea typeface="+mn-ea"/>
-              <a:cs typeface="+mn-cs"/>
-            </a:endParaRPr>
-          </a:p>
-          <a:p>
-            <a:r>
-              <a:rPr lang="en-GB" altLang="zh-CN" sz="1200" b="0" i="0" kern="1200" dirty="0">
-                <a:solidFill>
-                  <a:schemeClr val="tx1"/>
-                </a:solidFill>
-                <a:effectLst/>
-                <a:latin typeface="+mn-lt"/>
-                <a:ea typeface="+mn-ea"/>
-                <a:cs typeface="+mn-cs"/>
-              </a:rPr>
-              <a:t>why we need</a:t>
-            </a:r>
-            <a:r>
-              <a:rPr lang="en-GB" altLang="zh-CN" sz="1200" b="0" i="0" kern="1200" baseline="0" dirty="0">
-                <a:solidFill>
-                  <a:schemeClr val="tx1"/>
-                </a:solidFill>
-                <a:effectLst/>
-                <a:latin typeface="+mn-lt"/>
-                <a:ea typeface="+mn-ea"/>
-                <a:cs typeface="+mn-cs"/>
-              </a:rPr>
-              <a:t> an additional processor and protocol specifically for the sensor fusion. </a:t>
-            </a:r>
-            <a:endParaRPr lang="en-GB" altLang="zh-CN" sz="1200" b="0" i="0" kern="1200" dirty="0">
-              <a:solidFill>
-                <a:schemeClr val="tx1"/>
-              </a:solidFill>
-              <a:effectLst/>
-              <a:latin typeface="+mn-lt"/>
-              <a:ea typeface="+mn-ea"/>
-              <a:cs typeface="+mn-cs"/>
-            </a:endParaRPr>
-          </a:p>
-          <a:p>
-            <a:r>
-              <a:rPr lang="en-GB" altLang="zh-CN" sz="1200" b="0" i="0" kern="1200" dirty="0">
-                <a:solidFill>
-                  <a:schemeClr val="tx1"/>
-                </a:solidFill>
-                <a:effectLst/>
-                <a:latin typeface="+mn-lt"/>
-                <a:ea typeface="+mn-ea"/>
-                <a:cs typeface="+mn-cs"/>
-              </a:rPr>
-              <a:t>Straightforward if we list</a:t>
-            </a:r>
-            <a:r>
-              <a:rPr lang="en-GB" altLang="zh-CN" sz="1200" b="0" i="0" kern="1200" baseline="0" dirty="0">
-                <a:solidFill>
-                  <a:schemeClr val="tx1"/>
-                </a:solidFill>
-                <a:effectLst/>
-                <a:latin typeface="+mn-lt"/>
-                <a:ea typeface="+mn-ea"/>
-                <a:cs typeface="+mn-cs"/>
-              </a:rPr>
-              <a:t> the </a:t>
-            </a:r>
-            <a:r>
-              <a:rPr lang="en-GB" altLang="zh-CN" sz="1200" kern="1200" dirty="0">
-                <a:solidFill>
-                  <a:schemeClr val="tx1"/>
-                </a:solidFill>
-                <a:effectLst/>
-                <a:latin typeface="+mn-lt"/>
-                <a:ea typeface="+mn-ea"/>
-                <a:cs typeface="+mn-cs"/>
-              </a:rPr>
-              <a:t>requirement</a:t>
+              <a:t>But actually we the Processor </a:t>
             </a:r>
             <a:r>
               <a:rPr lang="en-GB" altLang="zh-CN" sz="1200" kern="1200" baseline="0" dirty="0">
@@ -1529,7 +1505,21 @@
                 <a:ea typeface="+mn-ea"/>
                 <a:cs typeface="+mn-cs"/>
               </a:rPr>
-              <a:t> of sensor fusion and </a:t>
+              <a:t>can not afford calculation requirement.</a:t>
+            </a:r>
+          </a:p>
+          <a:p>
+            <a:r>
+              <a:rPr lang="en-GB" altLang="zh-CN" sz="1200" kern="1200" baseline="0" dirty="0">
+                <a:solidFill>
+                  <a:schemeClr val="tx1"/>
+                </a:solidFill>
+                <a:effectLst/>
+                <a:latin typeface="+mn-lt"/>
+                <a:ea typeface="+mn-ea"/>
+                <a:cs typeface="+mn-cs"/>
+              </a:rPr>
+              <a:t>The Processor in UAV, the architecture of processor. The calculation speed, the clock </a:t>
             </a:r>
             <a:r>
               <a:rPr lang="en-GB" altLang="zh-CN" sz="1200" kern="1200" baseline="0" dirty="0" err="1">
@@ -1541,7 +1531,7 @@
                 <a:ea typeface="+mn-ea"/>
                 <a:cs typeface="+mn-cs"/>
               </a:rPr>
-              <a:t>propoties</a:t>
+              <a:t>frequcy</a:t>
             </a:r>
             <a:r>
               <a:rPr lang="en-GB" altLang="zh-CN" sz="1200" kern="1200" baseline="0" dirty="0">
@@ -1553,45 +1543,7 @@
                 <a:ea typeface="+mn-ea"/>
                 <a:cs typeface="+mn-cs"/>
               </a:rPr>
-              <a:t> of HLP in UAV</a:t>
-            </a:r>
-            <a:r>
-              <a:rPr lang="en-US" altLang="zh-CN" sz="1200" kern="1200" baseline="0" dirty="0">
-                <a:solidFill>
-                  <a:schemeClr val="tx1"/>
-                </a:solidFill>
-                <a:effectLst/>
-                <a:latin typeface="+mn-lt"/>
-                <a:ea typeface="+mn-ea"/>
-                <a:cs typeface="+mn-cs"/>
-              </a:rPr>
               <a:t>.</a:t>
-            </a:r>
-          </a:p>
-          <a:p>
-            <a:r>
-              <a:rPr lang="en-GB" altLang="zh-CN" sz="1200" kern="1200" dirty="0">
-                <a:solidFill>
-                  <a:schemeClr val="tx1"/>
-                </a:solidFill>
-                <a:effectLst/>
-                <a:latin typeface="+mn-lt"/>
-                <a:ea typeface="+mn-ea"/>
-                <a:cs typeface="+mn-cs"/>
-              </a:rPr>
-              <a:t>It’s obviously that Pro in UAV</a:t>
-            </a:r>
-            <a:r>
-              <a:rPr lang="en-GB" altLang="zh-CN" sz="1200" kern="1200" baseline="0" dirty="0">
-                <a:solidFill>
-                  <a:schemeClr val="tx1"/>
-                </a:solidFill>
-                <a:effectLst/>
-                <a:latin typeface="+mn-lt"/>
-                <a:ea typeface="+mn-ea"/>
-                <a:cs typeface="+mn-cs"/>
-              </a:rPr>
-              <a:t> can not afford calculation.</a:t>
             </a:r>
           </a:p>
           <a:p>
@@ -1658,69 +1610,6 @@
               <a:t> have very big probability to conflict the original control logic, because the calculation takes time and frequently.</a:t>
             </a:r>
             <a:endParaRPr lang="en-GB" altLang="zh-CN" sz="1200" kern="1200" baseline="0" dirty="0">
-              <a:solidFill>
-                <a:schemeClr val="tx1"/>
-              </a:solidFill>
-              <a:effectLst/>
-              <a:latin typeface="+mn-lt"/>
-              <a:ea typeface="+mn-ea"/>
-              <a:cs typeface="+mn-cs"/>
-            </a:endParaRPr>
-          </a:p>
-          <a:p>
-            <a:r>
-              <a:rPr lang="en-GB" altLang="zh-CN" sz="1200" kern="1200" baseline="0" dirty="0">
-                <a:solidFill>
-                  <a:schemeClr val="tx1"/>
-                </a:solidFill>
-                <a:effectLst/>
-                <a:latin typeface="+mn-lt"/>
-                <a:ea typeface="+mn-ea"/>
-                <a:cs typeface="+mn-cs"/>
-              </a:rPr>
-              <a:t>So we add a specific processor to do sensor fusion task. </a:t>
-            </a:r>
-          </a:p>
-          <a:p>
-            <a:r>
-              <a:rPr lang="en-GB" altLang="zh-CN" sz="1200" kern="1200" baseline="0" dirty="0">
-                <a:solidFill>
-                  <a:schemeClr val="tx1"/>
-                </a:solidFill>
-                <a:effectLst/>
-                <a:latin typeface="+mn-lt"/>
-                <a:ea typeface="+mn-ea"/>
-                <a:cs typeface="+mn-cs"/>
-              </a:rPr>
-              <a:t>But firstly, we must ensure the reliable and high speed communication between our specific processer and the HLP, and only then we can make </a:t>
-            </a:r>
-            <a:r>
-              <a:rPr lang="en-GB" altLang="zh-CN" sz="1200" kern="1200" baseline="0" dirty="0" err="1">
-                <a:solidFill>
-                  <a:schemeClr val="tx1"/>
-                </a:solidFill>
-                <a:effectLst/>
-                <a:latin typeface="+mn-lt"/>
-                <a:ea typeface="+mn-ea"/>
-                <a:cs typeface="+mn-cs"/>
-              </a:rPr>
-              <a:t>sensorfusion</a:t>
-            </a:r>
-            <a:r>
-              <a:rPr lang="en-GB" altLang="zh-CN" sz="1200" kern="1200" baseline="0" dirty="0">
-                <a:solidFill>
-                  <a:schemeClr val="tx1"/>
-                </a:solidFill>
-                <a:effectLst/>
-                <a:latin typeface="+mn-lt"/>
-                <a:ea typeface="+mn-ea"/>
-                <a:cs typeface="+mn-cs"/>
-              </a:rPr>
-              <a:t> task.</a:t>
-            </a:r>
-          </a:p>
-          <a:p>
-            <a:endParaRPr lang="en-GB" altLang="zh-CN" sz="1200" kern="1200" dirty="0">
               <a:solidFill>
                 <a:schemeClr val="tx1"/>
               </a:solidFill>
@@ -1758,7 +1647,56 @@
                 <a:ea typeface="+mn-ea"/>
                 <a:cs typeface="+mn-cs"/>
               </a:rPr>
-              <a:t>Besides,  data comes from many different sensors, so we need large quantity of variables to save them. But the memory of HLP not very enough.</a:t>
+              <a:t>So sensor fusion task need an additional new powerful specific processor to do so.</a:t>
+            </a:r>
+          </a:p>
+          <a:p>
+            <a:endParaRPr lang="en-GB" altLang="zh-CN" sz="1200" kern="1200" baseline="0" dirty="0">
+              <a:solidFill>
+                <a:schemeClr val="tx1"/>
+              </a:solidFill>
+              <a:effectLst/>
+              <a:latin typeface="+mn-lt"/>
+              <a:ea typeface="+mn-ea"/>
+              <a:cs typeface="+mn-cs"/>
+            </a:endParaRPr>
+          </a:p>
+          <a:p>
+            <a:r>
+              <a:rPr lang="en-GB" altLang="zh-CN" sz="1200" kern="1200" baseline="0" dirty="0">
+                <a:solidFill>
+                  <a:schemeClr val="tx1"/>
+                </a:solidFill>
+                <a:effectLst/>
+                <a:latin typeface="+mn-lt"/>
+                <a:ea typeface="+mn-ea"/>
+                <a:cs typeface="+mn-cs"/>
+              </a:rPr>
+              <a:t>But firstly, we must ensure the reliable and high speed communication between our specific processer and the HLP, and only then we can make </a:t>
+            </a:r>
+            <a:r>
+              <a:rPr lang="en-GB" altLang="zh-CN" sz="1200" kern="1200" baseline="0" dirty="0" err="1">
+                <a:solidFill>
+                  <a:schemeClr val="tx1"/>
+                </a:solidFill>
+                <a:effectLst/>
+                <a:latin typeface="+mn-lt"/>
+                <a:ea typeface="+mn-ea"/>
+                <a:cs typeface="+mn-cs"/>
+              </a:rPr>
+              <a:t>sensorfusion</a:t>
+            </a:r>
+            <a:r>
+              <a:rPr lang="en-GB" altLang="zh-CN" sz="1200" kern="1200" baseline="0" dirty="0">
+                <a:solidFill>
+                  <a:schemeClr val="tx1"/>
+                </a:solidFill>
+                <a:effectLst/>
+                <a:latin typeface="+mn-lt"/>
+                <a:ea typeface="+mn-ea"/>
+                <a:cs typeface="+mn-cs"/>
+              </a:rPr>
+              <a:t> task. Pure processor is easy but…..</a:t>
             </a:r>
           </a:p>
           <a:p>
@@ -1773,6 +1711,300 @@
             </a:endParaRPr>
           </a:p>
           <a:p>
+            <a:r>
+              <a:rPr lang="en-US" altLang="zh-CN" dirty="0"/>
+              <a:t>This method intends a requirement analysis as the first step. </a:t>
+            </a:r>
+          </a:p>
+          <a:p>
+            <a:r>
+              <a:rPr lang="en-US" altLang="zh-CN" dirty="0"/>
+              <a:t>Here different requirements were set, like the protocol needs to be robust.</a:t>
+            </a:r>
+          </a:p>
+          <a:p>
+            <a:endParaRPr lang="en-US" altLang="zh-CN" dirty="0"/>
+          </a:p>
+          <a:p>
+            <a:r>
+              <a:rPr lang="en-US" altLang="zh-CN" dirty="0"/>
+              <a:t>The transfer needs to be fast of course, to reach a high data </a:t>
+            </a:r>
+            <a:r>
+              <a:rPr lang="en-US" altLang="zh-CN" dirty="0" err="1"/>
+              <a:t>throuput</a:t>
+            </a:r>
+            <a:r>
+              <a:rPr lang="en-US" altLang="zh-CN" dirty="0"/>
+              <a:t> (so the </a:t>
+            </a:r>
+            <a:r>
+              <a:rPr lang="en-US" altLang="zh-CN" dirty="0" err="1"/>
+              <a:t>hexacopter</a:t>
+            </a:r>
+            <a:r>
+              <a:rPr lang="en-US" altLang="zh-CN" dirty="0"/>
+              <a:t> can be </a:t>
+            </a:r>
+            <a:r>
+              <a:rPr lang="de-DE" altLang="zh-CN" dirty="0" err="1"/>
+              <a:t>stably</a:t>
+            </a:r>
+            <a:r>
+              <a:rPr lang="de-DE" altLang="zh-CN" dirty="0"/>
+              <a:t> </a:t>
+            </a:r>
+            <a:r>
+              <a:rPr lang="de-DE" altLang="zh-CN" dirty="0" err="1"/>
+              <a:t>controlled</a:t>
+            </a:r>
+            <a:r>
+              <a:rPr lang="en-US" altLang="zh-CN" dirty="0"/>
+              <a:t>).</a:t>
+            </a:r>
+          </a:p>
+          <a:p>
+            <a:r>
+              <a:rPr lang="de-DE" altLang="zh-CN" dirty="0" err="1"/>
+              <a:t>For</a:t>
+            </a:r>
+            <a:r>
+              <a:rPr lang="de-DE" altLang="zh-CN" dirty="0"/>
+              <a:t> </a:t>
+            </a:r>
+            <a:r>
+              <a:rPr lang="de-DE" altLang="zh-CN" dirty="0" err="1"/>
+              <a:t>the</a:t>
+            </a:r>
+            <a:r>
+              <a:rPr lang="de-DE" altLang="zh-CN" dirty="0"/>
+              <a:t> same </a:t>
+            </a:r>
+            <a:r>
+              <a:rPr lang="de-DE" altLang="zh-CN" dirty="0" err="1"/>
+              <a:t>reason</a:t>
+            </a:r>
+            <a:r>
+              <a:rPr lang="de-DE" altLang="zh-CN" dirty="0"/>
+              <a:t> </a:t>
+            </a:r>
+            <a:r>
+              <a:rPr lang="de-DE" altLang="zh-CN" dirty="0" err="1"/>
+              <a:t>the</a:t>
+            </a:r>
+            <a:r>
+              <a:rPr lang="de-DE" altLang="zh-CN" dirty="0"/>
+              <a:t> hole </a:t>
+            </a:r>
+            <a:r>
+              <a:rPr lang="de-DE" altLang="zh-CN" dirty="0" err="1"/>
+              <a:t>implementation</a:t>
+            </a:r>
+            <a:r>
+              <a:rPr lang="de-DE" altLang="zh-CN" dirty="0"/>
+              <a:t> </a:t>
+            </a:r>
+            <a:r>
+              <a:rPr lang="de-DE" altLang="zh-CN" dirty="0" err="1"/>
+              <a:t>needs</a:t>
+            </a:r>
+            <a:r>
+              <a:rPr lang="de-DE" altLang="zh-CN" dirty="0"/>
+              <a:t> </a:t>
+            </a:r>
+            <a:r>
+              <a:rPr lang="de-DE" altLang="zh-CN" dirty="0" err="1"/>
+              <a:t>to</a:t>
+            </a:r>
+            <a:r>
+              <a:rPr lang="de-DE" altLang="zh-CN" dirty="0"/>
+              <a:t> </a:t>
+            </a:r>
+            <a:r>
+              <a:rPr lang="de-DE" altLang="zh-CN" dirty="0" err="1"/>
+              <a:t>be</a:t>
+            </a:r>
+            <a:r>
+              <a:rPr lang="de-DE" altLang="zh-CN" dirty="0"/>
+              <a:t> </a:t>
+            </a:r>
+            <a:r>
+              <a:rPr lang="de-DE" altLang="zh-CN" dirty="0" err="1"/>
+              <a:t>realtime</a:t>
+            </a:r>
+            <a:r>
+              <a:rPr lang="de-DE" altLang="zh-CN" dirty="0"/>
+              <a:t> – </a:t>
+            </a:r>
+            <a:r>
+              <a:rPr lang="de-DE" altLang="zh-CN" dirty="0" err="1"/>
+              <a:t>capable</a:t>
+            </a:r>
+            <a:r>
+              <a:rPr lang="de-DE" altLang="zh-CN" dirty="0"/>
+              <a:t>.</a:t>
+            </a:r>
+          </a:p>
+          <a:p>
+            <a:endParaRPr lang="de-DE" altLang="zh-CN" dirty="0"/>
+          </a:p>
+          <a:p>
+            <a:r>
+              <a:rPr lang="de-DE" altLang="zh-CN" dirty="0"/>
+              <a:t>Last but not least, </a:t>
+            </a:r>
+            <a:r>
+              <a:rPr lang="de-DE" altLang="zh-CN" dirty="0" err="1"/>
+              <a:t>the</a:t>
+            </a:r>
+            <a:r>
+              <a:rPr lang="de-DE" altLang="zh-CN" dirty="0"/>
+              <a:t> </a:t>
+            </a:r>
+            <a:r>
+              <a:rPr lang="de-DE" altLang="zh-CN" dirty="0" err="1"/>
+              <a:t>protocol</a:t>
+            </a:r>
+            <a:r>
+              <a:rPr lang="de-DE" altLang="zh-CN" dirty="0"/>
+              <a:t> </a:t>
+            </a:r>
+            <a:r>
+              <a:rPr lang="de-DE" altLang="zh-CN" dirty="0" err="1"/>
+              <a:t>should</a:t>
+            </a:r>
+            <a:r>
+              <a:rPr lang="de-DE" altLang="zh-CN" dirty="0"/>
+              <a:t> </a:t>
+            </a:r>
+            <a:r>
+              <a:rPr lang="de-DE" altLang="zh-CN" dirty="0" err="1"/>
+              <a:t>be</a:t>
+            </a:r>
+            <a:r>
+              <a:rPr lang="de-DE" altLang="zh-CN" dirty="0"/>
+              <a:t> </a:t>
+            </a:r>
+            <a:r>
+              <a:rPr lang="de-DE" altLang="zh-CN" dirty="0" err="1"/>
+              <a:t>easily</a:t>
+            </a:r>
+            <a:r>
+              <a:rPr lang="de-DE" altLang="zh-CN" dirty="0"/>
+              <a:t> </a:t>
+            </a:r>
+            <a:r>
+              <a:rPr lang="de-DE" altLang="zh-CN" dirty="0" err="1"/>
+              <a:t>expandable</a:t>
+            </a:r>
+            <a:r>
+              <a:rPr lang="de-DE" altLang="zh-CN" dirty="0"/>
+              <a:t>, so </a:t>
+            </a:r>
+            <a:r>
+              <a:rPr lang="de-DE" altLang="zh-CN" dirty="0" err="1"/>
+              <a:t>it</a:t>
+            </a:r>
+            <a:r>
+              <a:rPr lang="de-DE" altLang="zh-CN" dirty="0"/>
+              <a:t> </a:t>
+            </a:r>
+            <a:r>
+              <a:rPr lang="de-DE" altLang="zh-CN" dirty="0" err="1"/>
+              <a:t>should</a:t>
+            </a:r>
+            <a:r>
+              <a:rPr lang="de-DE" altLang="zh-CN" dirty="0"/>
+              <a:t> </a:t>
+            </a:r>
+            <a:r>
+              <a:rPr lang="de-DE" altLang="zh-CN" dirty="0" err="1"/>
+              <a:t>be</a:t>
+            </a:r>
+            <a:r>
+              <a:rPr lang="de-DE" altLang="zh-CN" dirty="0"/>
+              <a:t> </a:t>
+            </a:r>
+            <a:r>
+              <a:rPr lang="de-DE" altLang="zh-CN" dirty="0" err="1"/>
+              <a:t>possible</a:t>
+            </a:r>
+            <a:r>
+              <a:rPr lang="de-DE" altLang="zh-CN" dirty="0"/>
+              <a:t> </a:t>
+            </a:r>
+            <a:r>
+              <a:rPr lang="de-DE" altLang="zh-CN" dirty="0" err="1"/>
+              <a:t>to</a:t>
+            </a:r>
+            <a:r>
+              <a:rPr lang="de-DE" altLang="zh-CN" dirty="0"/>
+              <a:t> </a:t>
+            </a:r>
+            <a:r>
+              <a:rPr lang="de-DE" altLang="zh-CN" dirty="0" err="1"/>
+              <a:t>add</a:t>
+            </a:r>
+            <a:r>
+              <a:rPr lang="de-DE" altLang="zh-CN" dirty="0"/>
+              <a:t> </a:t>
+            </a:r>
+            <a:r>
+              <a:rPr lang="de-DE" altLang="zh-CN" dirty="0" err="1"/>
+              <a:t>and</a:t>
+            </a:r>
+            <a:r>
+              <a:rPr lang="de-DE" altLang="zh-CN" dirty="0"/>
+              <a:t> </a:t>
+            </a:r>
+            <a:r>
+              <a:rPr lang="de-DE" altLang="zh-CN" dirty="0" err="1"/>
+              <a:t>remove</a:t>
+            </a:r>
+            <a:r>
+              <a:rPr lang="de-DE" altLang="zh-CN" dirty="0"/>
+              <a:t> </a:t>
+            </a:r>
+            <a:r>
+              <a:rPr lang="de-DE" altLang="zh-CN" dirty="0" err="1"/>
+              <a:t>new</a:t>
+            </a:r>
+            <a:r>
+              <a:rPr lang="de-DE" altLang="zh-CN" dirty="0"/>
+              <a:t> </a:t>
+            </a:r>
+            <a:r>
+              <a:rPr lang="de-DE" altLang="zh-CN" dirty="0" err="1"/>
+              <a:t>sensory</a:t>
+            </a:r>
+            <a:r>
+              <a:rPr lang="de-DE" altLang="zh-CN" dirty="0"/>
+              <a:t> </a:t>
+            </a:r>
+            <a:r>
+              <a:rPr lang="de-DE" altLang="zh-CN" dirty="0" err="1"/>
+              <a:t>by</a:t>
+            </a:r>
+            <a:r>
+              <a:rPr lang="de-DE" altLang="zh-CN" dirty="0"/>
+              <a:t> </a:t>
+            </a:r>
+            <a:r>
+              <a:rPr lang="de-DE" altLang="zh-CN" dirty="0" err="1"/>
+              <a:t>small</a:t>
+            </a:r>
+            <a:r>
+              <a:rPr lang="de-DE" altLang="zh-CN" dirty="0"/>
+              <a:t> </a:t>
+            </a:r>
+            <a:r>
+              <a:rPr lang="de-DE" altLang="zh-CN" dirty="0" err="1"/>
+              <a:t>effort</a:t>
+            </a:r>
+            <a:r>
+              <a:rPr lang="de-DE" altLang="zh-CN" dirty="0"/>
+              <a:t>. </a:t>
+            </a:r>
             <a:endParaRPr lang="en-GB" altLang="zh-CN" sz="1200" kern="1200" dirty="0">
               <a:solidFill>
                 <a:schemeClr val="tx1"/>
@@ -2030,8 +2262,9 @@
           <a:p>
             <a:r>
               <a:rPr lang="en-US" altLang="zh-CN" baseline="0" dirty="0"/>
-              <a:t>high level control, like flying along a certain trajectory, but can not afford  large quantity of calculations.</a:t>
-            </a:r>
+              <a:t>LL closed, HL have SDK, we can write the control command here. </a:t>
+            </a:r>
+            <a:endParaRPr lang="en-US" baseline="0" dirty="0"/>
           </a:p>
           <a:p>
             <a:r>
@@ -2162,6 +2395,58 @@
             </a:r>
           </a:p>
           <a:p>
+            <a:pPr marL="0" marR="0" lvl="0" indent="0" algn="l" defTabSz="914400" rtl="0" eaLnBrk="1" fontAlgn="auto" latinLnBrk="0" hangingPunct="1">
+              <a:lnSpc>
+                <a:spcPct val="100000"/>
+              </a:lnSpc>
+              <a:spcBef>
+                <a:spcPts val="0"/>
+              </a:spcBef>
+              <a:spcAft>
+                <a:spcPts val="0"/>
+              </a:spcAft>
+              <a:buClrTx/>
+              <a:buSzTx/>
+              <a:buFontTx/>
+              <a:buNone/>
+              <a:tabLst/>
+              <a:defRPr/>
+            </a:pPr>
+            <a:r>
+              <a:rPr lang="en-US" altLang="zh-CN" baseline="0" dirty="0"/>
+              <a:t>Pure Communication is easy between empty </a:t>
+            </a:r>
+            <a:r>
+              <a:rPr lang="en-US" altLang="zh-CN" baseline="0" dirty="0" err="1"/>
+              <a:t>Nucleo</a:t>
+            </a:r>
+            <a:r>
+              <a:rPr lang="en-US" altLang="zh-CN" baseline="0" dirty="0"/>
+              <a:t>. But now the logic in both sides is very complicated, the design of protocol must concern those parts. To avoid interference of program running we use interrupted based communication.</a:t>
+            </a:r>
+          </a:p>
+          <a:p>
+            <a:pPr marL="0" marR="0" lvl="0" indent="0" algn="l" defTabSz="914400" rtl="0" eaLnBrk="1" fontAlgn="auto" latinLnBrk="0" hangingPunct="1">
+              <a:lnSpc>
+                <a:spcPct val="100000"/>
+              </a:lnSpc>
+              <a:spcBef>
+                <a:spcPts val="0"/>
+              </a:spcBef>
+              <a:spcAft>
+                <a:spcPts val="0"/>
+              </a:spcAft>
+              <a:buClrTx/>
+              <a:buSzTx/>
+              <a:buFontTx/>
+              <a:buNone/>
+              <a:tabLst/>
+              <a:defRPr/>
+            </a:pPr>
+            <a:r>
+              <a:rPr lang="en-US" baseline="0" dirty="0"/>
+              <a:t>For more details,…</a:t>
+            </a:r>
             <a:endParaRPr dirty="0"/>
           </a:p>
         </p:txBody>
@@ -10638,12 +10923,20 @@
           <a:p>
             <a:pPr algn="ctr"/>
             <a:r>
-              <a:rPr lang="en-US" altLang="zh-CN">
+              <a:rPr lang="en-US" altLang="zh-CN" dirty="0" err="1">
                 <a:solidFill>
                   <a:schemeClr val="tx1"/>
                 </a:solidFill>
               </a:rPr>
-              <a:t>Successrate in %</a:t>
+              <a:t>Successrate</a:t>
+            </a:r>
+            <a:r>
+              <a:rPr lang="en-US" altLang="zh-CN" dirty="0">
+                <a:solidFill>
+                  <a:schemeClr val="tx1"/>
+                </a:solidFill>
+              </a:rPr>
+              <a:t> in %</a:t>
             </a:r>
           </a:p>
         </p:txBody>
@@ -10913,720 +11206,10 @@
       </p:sp>
       <p:sp>
         <p:nvSpPr>
-          <p:cNvPr id="3" name="文本框 2"/>
-          <p:cNvSpPr txBox="1"/>
-          <p:nvPr/>
-        </p:nvSpPr>
-        <p:spPr>
-          <a:xfrm>
-            <a:off x="805815" y="1842135"/>
-            <a:ext cx="7739380" cy="2030095"/>
-          </a:xfrm>
-          <a:prstGeom prst="rect">
-            <a:avLst/>
-          </a:prstGeom>
-          <a:noFill/>
-        </p:spPr>
-        <p:txBody>
-          <a:bodyPr wrap="square" rtlCol="0">
-            <a:spAutoFit/>
-          </a:bodyPr>
-          <a:lstStyle/>
-          <a:p>
-            <a:pPr marL="285750" indent="-285750" fontAlgn="auto">
-              <a:lnSpc>
-                <a:spcPct val="150000"/>
-              </a:lnSpc>
-              <a:buFont typeface="Arial" panose="020B0604020202020204" pitchFamily="34" charset="0"/>
-              <a:buChar char="•"/>
-            </a:pPr>
-            <a:r>
-              <a:rPr lang="en-US" altLang="zh-CN" sz="2800" dirty="0"/>
-              <a:t>Tested protocol</a:t>
-            </a:r>
-          </a:p>
-          <a:p>
-            <a:pPr marL="285750" indent="-285750" fontAlgn="auto">
-              <a:lnSpc>
-                <a:spcPct val="150000"/>
-              </a:lnSpc>
-              <a:buFont typeface="Arial" panose="020B0604020202020204" pitchFamily="34" charset="0"/>
-              <a:buChar char="•"/>
-            </a:pPr>
-            <a:r>
-              <a:rPr lang="en-US" altLang="zh-CN" sz="2800" dirty="0"/>
-              <a:t>500Hz packet exchange rate</a:t>
-            </a:r>
-          </a:p>
-          <a:p>
-            <a:pPr marL="285750" indent="-285750" fontAlgn="auto">
-              <a:lnSpc>
-                <a:spcPct val="150000"/>
-              </a:lnSpc>
-              <a:buFont typeface="Arial" panose="020B0604020202020204" pitchFamily="34" charset="0"/>
-              <a:buChar char="•"/>
-            </a:pPr>
-            <a:r>
-              <a:rPr lang="en-US" altLang="zh-CN" sz="2800" dirty="0"/>
-              <a:t>Real control performance not tested</a:t>
-            </a:r>
-          </a:p>
-        </p:txBody>
-      </p:sp>
-    </p:spTree>
-  </p:cSld>
-  <p:clrMapOvr>
-    <a:masterClrMapping/>
-  </p:clrMapOvr>
-</p:sld>
-</file>
-
-<file path=ppt/slides/slide13.xml><?xml version="1.0" encoding="utf-8"?>
-<p:sld xmlns:a="http://schemas.openxmlformats.org/drawingml/2006/main" xmlns:r="http://schemas.openxmlformats.org/officeDocument/2006/relationships" xmlns:p="http://schemas.openxmlformats.org/presentationml/2006/main">
-  <p:cSld>
-    <p:spTree>
-      <p:nvGrpSpPr>
-        <p:cNvPr id="1" name=""/>
-        <p:cNvGrpSpPr/>
-        <p:nvPr/>
-      </p:nvGrpSpPr>
-      <p:grpSpPr>
-        <a:xfrm>
-          <a:off x="0" y="0"/>
-          <a:ext cx="0" cy="0"/>
-          <a:chOff x="0" y="0"/>
-          <a:chExt cx="0" cy="0"/>
-        </a:xfrm>
-      </p:grpSpPr>
-      <p:sp>
-        <p:nvSpPr>
-          <p:cNvPr id="105" name="CustomShape 2"/>
-          <p:cNvSpPr/>
-          <p:nvPr/>
-        </p:nvSpPr>
-        <p:spPr>
-          <a:xfrm>
-            <a:off x="360000" y="1620000"/>
-            <a:ext cx="6822720" cy="4479120"/>
-          </a:xfrm>
-          <a:prstGeom prst="rect">
-            <a:avLst/>
-          </a:prstGeom>
-          <a:noFill/>
-          <a:ln>
-            <a:noFill/>
-          </a:ln>
-        </p:spPr>
-      </p:sp>
-      <p:sp>
-        <p:nvSpPr>
-          <p:cNvPr id="4" name="CustomShape 1">
+          <p:cNvPr id="5" name="Textplatzhalter 2">
             <a:extLst>
               <a:ext uri="{FF2B5EF4-FFF2-40B4-BE49-F238E27FC236}">
-                <a16:creationId xmlns:a16="http://schemas.microsoft.com/office/drawing/2014/main" id="{48B572DD-D83C-4D3D-9AB9-9C71DD6FF87D}"/>
-              </a:ext>
-            </a:extLst>
-          </p:cNvPr>
-          <p:cNvSpPr/>
-          <p:nvPr/>
-        </p:nvSpPr>
-        <p:spPr>
-          <a:xfrm>
-            <a:off x="358920" y="488880"/>
-            <a:ext cx="6641280" cy="837360"/>
-          </a:xfrm>
-          <a:prstGeom prst="rect">
-            <a:avLst/>
-          </a:prstGeom>
-          <a:noFill/>
-          <a:ln>
-            <a:noFill/>
-          </a:ln>
-        </p:spPr>
-        <p:txBody>
-          <a:bodyPr lIns="0" tIns="0" rIns="0" bIns="0" anchor="ctr"/>
-          <a:lstStyle/>
-          <a:p>
-            <a:pPr>
-              <a:lnSpc>
-                <a:spcPct val="100000"/>
-              </a:lnSpc>
-            </a:pPr>
-            <a:r>
-              <a:rPr lang="en-US" altLang="de-DE" sz="2400" b="1" dirty="0">
-                <a:solidFill>
-                  <a:srgbClr val="000000"/>
-                </a:solidFill>
-                <a:latin typeface="Arial" panose="020B0604020202020204"/>
-              </a:rPr>
-              <a:t>Sources</a:t>
-            </a:r>
-          </a:p>
-        </p:txBody>
-      </p:sp>
-      <p:sp>
-        <p:nvSpPr>
-          <p:cNvPr id="6" name="文本框 2">
-            <a:extLst>
-              <a:ext uri="{FF2B5EF4-FFF2-40B4-BE49-F238E27FC236}">
-                <a16:creationId xmlns:a16="http://schemas.microsoft.com/office/drawing/2014/main" id="{6230B1EF-835E-4246-AFF0-B1149C5414FE}"/>
-              </a:ext>
-            </a:extLst>
-          </p:cNvPr>
-          <p:cNvSpPr txBox="1"/>
-          <p:nvPr/>
-        </p:nvSpPr>
-        <p:spPr>
-          <a:xfrm>
-            <a:off x="358920" y="1620000"/>
-            <a:ext cx="8047355" cy="4647426"/>
-          </a:xfrm>
-          <a:prstGeom prst="rect">
-            <a:avLst/>
-          </a:prstGeom>
-          <a:noFill/>
-        </p:spPr>
-        <p:txBody>
-          <a:bodyPr wrap="square" rtlCol="0">
-            <a:spAutoFit/>
-          </a:bodyPr>
-          <a:lstStyle/>
-          <a:p>
-            <a:r>
-              <a:rPr lang="de-DE" sz="1600" dirty="0"/>
-              <a:t>[1] H. König, </a:t>
-            </a:r>
-            <a:r>
-              <a:rPr lang="de-DE" sz="1600" i="1" dirty="0"/>
-              <a:t>Protocol Engineering</a:t>
-            </a:r>
-            <a:r>
-              <a:rPr lang="de-DE" sz="1600" dirty="0"/>
-              <a:t>, 1st </a:t>
-            </a:r>
-            <a:r>
-              <a:rPr lang="de-DE" sz="1600" dirty="0" err="1"/>
-              <a:t>ed</a:t>
-            </a:r>
-            <a:r>
-              <a:rPr lang="de-DE" sz="1600" dirty="0"/>
-              <a:t>. Wiesbaden, Deutschland: Teubner,</a:t>
-            </a:r>
-          </a:p>
-          <a:p>
-            <a:r>
-              <a:rPr lang="de-DE" sz="1600" dirty="0"/>
-              <a:t>2003.</a:t>
-            </a:r>
-          </a:p>
-          <a:p>
-            <a:r>
-              <a:rPr lang="de-DE" sz="1600" dirty="0"/>
-              <a:t>[2] H. </a:t>
-            </a:r>
-            <a:r>
-              <a:rPr lang="de-DE" sz="1600" dirty="0" err="1"/>
-              <a:t>Wörn</a:t>
-            </a:r>
-            <a:r>
-              <a:rPr lang="de-DE" sz="1600" dirty="0"/>
-              <a:t>, </a:t>
-            </a:r>
-            <a:r>
-              <a:rPr lang="de-DE" sz="1600" i="1" dirty="0"/>
-              <a:t>Echtzeitsysteme</a:t>
-            </a:r>
-            <a:r>
-              <a:rPr lang="de-DE" sz="1600" dirty="0"/>
-              <a:t>, 1st </a:t>
-            </a:r>
-            <a:r>
-              <a:rPr lang="de-DE" sz="1600" dirty="0" err="1"/>
-              <a:t>ed</a:t>
-            </a:r>
-            <a:r>
-              <a:rPr lang="de-DE" sz="1600" dirty="0"/>
-              <a:t>. Springer-Verlag Berlin Heidelberg,</a:t>
-            </a:r>
-          </a:p>
-          <a:p>
-            <a:r>
-              <a:rPr lang="de-DE" sz="1600" dirty="0"/>
-              <a:t>2005.</a:t>
-            </a:r>
-          </a:p>
-          <a:p>
-            <a:r>
-              <a:rPr lang="en-US" sz="1600" dirty="0"/>
-              <a:t>[3] T.C. </a:t>
-            </a:r>
-            <a:r>
-              <a:rPr lang="en-US" sz="1600" dirty="0" err="1"/>
-              <a:t>Maxino</a:t>
-            </a:r>
-            <a:r>
-              <a:rPr lang="en-US" sz="1600" dirty="0"/>
-              <a:t> und P.J. Koopman, </a:t>
-            </a:r>
-            <a:r>
-              <a:rPr lang="en-US" sz="1600" i="1" dirty="0"/>
-              <a:t>The Effectiveness of Checksums for</a:t>
-            </a:r>
-          </a:p>
-          <a:p>
-            <a:r>
-              <a:rPr lang="en-US" sz="1600" i="1" dirty="0"/>
-              <a:t>Embedded Control Networks</a:t>
-            </a:r>
-            <a:r>
-              <a:rPr lang="en-US" sz="1600" dirty="0"/>
-              <a:t>, IEEE Xplore Digital Library, 2009.</a:t>
-            </a:r>
-          </a:p>
-          <a:p>
-            <a:r>
-              <a:rPr lang="en-US" sz="1600" dirty="0"/>
-              <a:t>[4] J.F. Kurose und K.W. Ross, </a:t>
-            </a:r>
-            <a:r>
-              <a:rPr lang="en-US" sz="1600" i="1" dirty="0"/>
-              <a:t>Computer networking</a:t>
-            </a:r>
-            <a:r>
-              <a:rPr lang="en-US" sz="1600" dirty="0"/>
-              <a:t>, 5. ed. Boston, MA :</a:t>
-            </a:r>
-          </a:p>
-          <a:p>
-            <a:r>
-              <a:rPr lang="en-US" sz="1600" dirty="0"/>
-              <a:t>Pearson/Addison-Wesley, Pearson Education, 2009.</a:t>
-            </a:r>
-          </a:p>
-          <a:p>
-            <a:r>
-              <a:rPr lang="de-DE" sz="1600" dirty="0"/>
-              <a:t>[5] S. Cheshire und M. Baker, </a:t>
-            </a:r>
-            <a:r>
-              <a:rPr lang="de-DE" sz="1600" i="1" dirty="0" err="1"/>
-              <a:t>Consistent</a:t>
-            </a:r>
-            <a:r>
-              <a:rPr lang="de-DE" sz="1600" i="1" dirty="0"/>
-              <a:t> Overhead Byte </a:t>
-            </a:r>
-            <a:r>
-              <a:rPr lang="de-DE" sz="1600" i="1" dirty="0" err="1"/>
-              <a:t>Stuffing</a:t>
-            </a:r>
-            <a:r>
-              <a:rPr lang="de-DE" sz="1600" dirty="0"/>
-              <a:t>, IEEE/ACM</a:t>
-            </a:r>
-          </a:p>
-          <a:p>
-            <a:r>
-              <a:rPr lang="en-US" sz="1600" dirty="0"/>
-              <a:t>TRANSACTIONS ON NETWORKING, VOL.7, NO. 2, 1999.</a:t>
-            </a:r>
-          </a:p>
-          <a:p>
-            <a:r>
-              <a:rPr lang="de-DE" sz="1600" dirty="0"/>
-              <a:t>[6] C. </a:t>
-            </a:r>
-            <a:r>
-              <a:rPr lang="de-DE" sz="1600" dirty="0" err="1"/>
-              <a:t>Noviello</a:t>
-            </a:r>
-            <a:r>
-              <a:rPr lang="de-DE" sz="1600" dirty="0"/>
-              <a:t>, </a:t>
-            </a:r>
-            <a:r>
-              <a:rPr lang="de-DE" sz="1600" i="1" dirty="0"/>
-              <a:t>Mastering STM32</a:t>
-            </a:r>
-            <a:r>
-              <a:rPr lang="de-DE" sz="1600" dirty="0"/>
-              <a:t>, Victoria, BC, Canada: </a:t>
-            </a:r>
-            <a:r>
-              <a:rPr lang="de-DE" sz="1600" dirty="0" err="1"/>
-              <a:t>Leanpub</a:t>
-            </a:r>
-            <a:r>
-              <a:rPr lang="de-DE" sz="1600" dirty="0"/>
-              <a:t>, 2017.</a:t>
-            </a:r>
-          </a:p>
-          <a:p>
-            <a:r>
-              <a:rPr lang="de-DE" sz="1600" dirty="0"/>
-              <a:t>[7] S.C. Hill und J. </a:t>
-            </a:r>
-            <a:r>
-              <a:rPr lang="de-DE" sz="1600" dirty="0" err="1"/>
-              <a:t>Jelemensky</a:t>
-            </a:r>
-            <a:r>
-              <a:rPr lang="de-DE" sz="1600" dirty="0"/>
-              <a:t> und M.R. </a:t>
-            </a:r>
-            <a:r>
-              <a:rPr lang="de-DE" sz="1600" dirty="0" err="1"/>
-              <a:t>Heene</a:t>
-            </a:r>
-            <a:r>
-              <a:rPr lang="de-DE" sz="1600" dirty="0"/>
-              <a:t>, </a:t>
-            </a:r>
-            <a:r>
-              <a:rPr lang="de-DE" sz="1600" i="1" dirty="0" err="1"/>
-              <a:t>Queued</a:t>
-            </a:r>
-            <a:r>
-              <a:rPr lang="de-DE" sz="1600" i="1" dirty="0"/>
-              <a:t> </a:t>
-            </a:r>
-            <a:r>
-              <a:rPr lang="de-DE" sz="1600" i="1" dirty="0" err="1"/>
-              <a:t>serial</a:t>
-            </a:r>
-            <a:r>
-              <a:rPr lang="de-DE" sz="1600" i="1" dirty="0"/>
-              <a:t> </a:t>
-            </a:r>
-            <a:r>
-              <a:rPr lang="de-DE" sz="1600" i="1" dirty="0" err="1"/>
-              <a:t>peripheral</a:t>
-            </a:r>
-            <a:endParaRPr lang="de-DE" sz="1600" i="1" dirty="0"/>
-          </a:p>
-          <a:p>
-            <a:r>
-              <a:rPr lang="en-US" sz="1600" i="1" dirty="0"/>
-              <a:t>interface for use in a data processing system</a:t>
-            </a:r>
-            <a:r>
-              <a:rPr lang="en-US" sz="1600" dirty="0"/>
-              <a:t>, Google Patents, 1989.</a:t>
-            </a:r>
-          </a:p>
-          <a:p>
-            <a:r>
-              <a:rPr lang="en-US" sz="1600" dirty="0"/>
-              <a:t>[8] D. HONEGGER, </a:t>
-            </a:r>
-            <a:r>
-              <a:rPr lang="en-US" sz="1600" i="1" dirty="0"/>
-              <a:t>An open source and open hardware embedded metric</a:t>
-            </a:r>
-          </a:p>
-          <a:p>
-            <a:r>
-              <a:rPr lang="en-US" sz="1600" i="1" dirty="0"/>
-              <a:t>optical flow </a:t>
-            </a:r>
-            <a:r>
-              <a:rPr lang="en-US" sz="1600" i="1" dirty="0" err="1"/>
-              <a:t>cmos</a:t>
-            </a:r>
-            <a:r>
-              <a:rPr lang="en-US" sz="1600" i="1" dirty="0"/>
-              <a:t> camera for indoor and outdoor applications</a:t>
-            </a:r>
-            <a:r>
-              <a:rPr lang="en-US" sz="1600" dirty="0"/>
-              <a:t>, Robotics</a:t>
-            </a:r>
-          </a:p>
-          <a:p>
-            <a:r>
-              <a:rPr lang="en-US" sz="1600" dirty="0"/>
-              <a:t>and Automation (ICRA), IEEE International Conference on. IEEE, 2013.</a:t>
-            </a:r>
-          </a:p>
-          <a:p>
-            <a:r>
-              <a:rPr lang="en-US" sz="1600" dirty="0"/>
-              <a:t>[9] J.G. Fletcher, </a:t>
-            </a:r>
-            <a:r>
-              <a:rPr lang="en-US" sz="1600" i="1" dirty="0"/>
-              <a:t>An Arithmetic Checksum for Serial Transmissions</a:t>
-            </a:r>
-            <a:r>
-              <a:rPr lang="en-US" sz="1600" dirty="0"/>
-              <a:t>, IEEE</a:t>
-            </a:r>
-          </a:p>
-          <a:p>
-            <a:r>
-              <a:rPr lang="fr-FR" sz="1600" dirty="0"/>
-              <a:t>Transactions on Communications Vol. 30, 1982.</a:t>
-            </a:r>
-            <a:endParaRPr lang="en-US" altLang="zh-CN" sz="2000" dirty="0">
-              <a:sym typeface="+mn-ea"/>
-            </a:endParaRPr>
-          </a:p>
-        </p:txBody>
-      </p:sp>
-      <p:sp>
-        <p:nvSpPr>
-          <p:cNvPr id="104" name="CustomShape 1"/>
-          <p:cNvSpPr/>
-          <p:nvPr/>
-        </p:nvSpPr>
-        <p:spPr>
-          <a:xfrm>
-            <a:off x="1825697" y="2179665"/>
-            <a:ext cx="5492605" cy="2498670"/>
-          </a:xfrm>
-          <a:prstGeom prst="rect">
-            <a:avLst/>
-          </a:prstGeom>
-          <a:gradFill flip="none" rotWithShape="1">
-            <a:gsLst>
-              <a:gs pos="0">
-                <a:schemeClr val="accent3">
-                  <a:lumMod val="67000"/>
-                </a:schemeClr>
-              </a:gs>
-              <a:gs pos="48000">
-                <a:schemeClr val="accent3">
-                  <a:lumMod val="97000"/>
-                  <a:lumOff val="3000"/>
-                </a:schemeClr>
-              </a:gs>
-              <a:gs pos="100000">
-                <a:schemeClr val="accent3">
-                  <a:lumMod val="60000"/>
-                  <a:lumOff val="40000"/>
-                </a:schemeClr>
-              </a:gs>
-            </a:gsLst>
-            <a:lin ang="16200000" scaled="1"/>
-            <a:tileRect/>
-          </a:gradFill>
-          <a:ln>
-            <a:noFill/>
-          </a:ln>
-        </p:spPr>
-        <p:style>
-          <a:lnRef idx="0">
-            <a:scrgbClr r="0" g="0" b="0"/>
-          </a:lnRef>
-          <a:fillRef idx="0">
-            <a:scrgbClr r="0" g="0" b="0"/>
-          </a:fillRef>
-          <a:effectRef idx="0">
-            <a:scrgbClr r="0" g="0" b="0"/>
-          </a:effectRef>
-          <a:fontRef idx="minor">
-            <a:schemeClr val="lt1"/>
-          </a:fontRef>
-        </p:style>
-        <p:txBody>
-          <a:bodyPr lIns="0" tIns="0" rIns="0" bIns="0" anchor="ctr"/>
-          <a:lstStyle/>
-          <a:p>
-            <a:pPr algn="ctr">
-              <a:lnSpc>
-                <a:spcPct val="100000"/>
-              </a:lnSpc>
-            </a:pPr>
-            <a:r>
-              <a:rPr lang="en-US" altLang="de-DE" sz="4000" b="1" dirty="0">
-                <a:solidFill>
-                  <a:srgbClr val="000000"/>
-                </a:solidFill>
-                <a:latin typeface="Arial" panose="020B0604020202020204"/>
-              </a:rPr>
-              <a:t>Thank you for your Attention!</a:t>
-            </a:r>
-          </a:p>
-        </p:txBody>
-      </p:sp>
-    </p:spTree>
-  </p:cSld>
-  <p:clrMapOvr>
-    <a:masterClrMapping/>
-  </p:clrMapOvr>
-  <p:timing>
-    <p:tnLst>
-      <p:par>
-        <p:cTn id="1" dur="indefinite" restart="never" nodeType="tmRoot">
-          <p:childTnLst>
-            <p:seq concurrent="1" nextAc="seek">
-              <p:cTn id="2" dur="indefinite" nodeType="mainSeq">
-                <p:childTnLst>
-                  <p:par>
-                    <p:cTn id="3" fill="hold">
-                      <p:stCondLst>
-                        <p:cond delay="indefinite"/>
-                      </p:stCondLst>
-                      <p:childTnLst>
-                        <p:par>
-                          <p:cTn id="4" fill="hold">
-                            <p:stCondLst>
-                              <p:cond delay="0"/>
-                            </p:stCondLst>
-                            <p:childTnLst>
-                              <p:par>
-                                <p:cTn id="5" presetID="10" presetClass="entr" presetSubtype="0" fill="hold" grpId="0" nodeType="clickEffect">
-                                  <p:stCondLst>
-                                    <p:cond delay="0"/>
-                                  </p:stCondLst>
-                                  <p:childTnLst>
-                                    <p:set>
-                                      <p:cBhvr>
-                                        <p:cTn id="6" dur="1" fill="hold">
-                                          <p:stCondLst>
-                                            <p:cond delay="0"/>
-                                          </p:stCondLst>
-                                        </p:cTn>
-                                        <p:tgtEl>
-                                          <p:spTgt spid="104"/>
-                                        </p:tgtEl>
-                                        <p:attrNameLst>
-                                          <p:attrName>style.visibility</p:attrName>
-                                        </p:attrNameLst>
-                                      </p:cBhvr>
-                                      <p:to>
-                                        <p:strVal val="visible"/>
-                                      </p:to>
-                                    </p:set>
-                                    <p:animEffect transition="in" filter="fade">
-                                      <p:cBhvr>
-                                        <p:cTn id="7" dur="250"/>
-                                        <p:tgtEl>
-                                          <p:spTgt spid="104"/>
-                                        </p:tgtEl>
-                                      </p:cBhvr>
-                                    </p:animEffect>
-                                  </p:childTnLst>
-                                </p:cTn>
-                              </p:par>
-                            </p:childTnLst>
-                          </p:cTn>
-                        </p:par>
-                      </p:childTnLst>
-                    </p:cTn>
-                  </p:par>
-                </p:childTnLst>
-              </p:cTn>
-              <p:prevCondLst>
-                <p:cond evt="onPrev" delay="0">
-                  <p:tgtEl>
-                    <p:sldTgt/>
-                  </p:tgtEl>
-                </p:cond>
-              </p:prevCondLst>
-              <p:nextCondLst>
-                <p:cond evt="onNext" delay="0">
-                  <p:tgtEl>
-                    <p:sldTgt/>
-                  </p:tgtEl>
-                </p:cond>
-              </p:nextCondLst>
-            </p:seq>
-          </p:childTnLst>
-        </p:cTn>
-      </p:par>
-    </p:tnLst>
-    <p:bldLst>
-      <p:bldP spid="104" grpId="0" animBg="1"/>
-    </p:bldLst>
-  </p:timing>
-</p:sld>
-</file>
-
-<file path=ppt/slides/slide2.xml><?xml version="1.0" encoding="utf-8"?>
-<p:sld xmlns:a="http://schemas.openxmlformats.org/drawingml/2006/main" xmlns:r="http://schemas.openxmlformats.org/officeDocument/2006/relationships" xmlns:p="http://schemas.openxmlformats.org/presentationml/2006/main">
-  <p:cSld>
-    <p:spTree>
-      <p:nvGrpSpPr>
-        <p:cNvPr id="1" name=""/>
-        <p:cNvGrpSpPr/>
-        <p:nvPr/>
-      </p:nvGrpSpPr>
-      <p:grpSpPr>
-        <a:xfrm>
-          <a:off x="0" y="0"/>
-          <a:ext cx="0" cy="0"/>
-          <a:chOff x="0" y="0"/>
-          <a:chExt cx="0" cy="0"/>
-        </a:xfrm>
-      </p:grpSpPr>
-      <p:sp>
-        <p:nvSpPr>
-          <p:cNvPr id="102" name="CustomShape 1"/>
-          <p:cNvSpPr/>
-          <p:nvPr/>
-        </p:nvSpPr>
-        <p:spPr>
-          <a:xfrm>
-            <a:off x="358920" y="488880"/>
-            <a:ext cx="6641280" cy="837360"/>
-          </a:xfrm>
-          <a:prstGeom prst="rect">
-            <a:avLst/>
-          </a:prstGeom>
-          <a:noFill/>
-          <a:ln>
-            <a:noFill/>
-          </a:ln>
-        </p:spPr>
-        <p:txBody>
-          <a:bodyPr lIns="0" tIns="0" rIns="0" bIns="0" anchor="ctr"/>
-          <a:lstStyle/>
-          <a:p>
-            <a:pPr>
-              <a:lnSpc>
-                <a:spcPct val="100000"/>
-              </a:lnSpc>
-            </a:pPr>
-            <a:r>
-              <a:rPr lang="de-DE" sz="2400" b="1" dirty="0">
-                <a:solidFill>
-                  <a:srgbClr val="000000"/>
-                </a:solidFill>
-                <a:latin typeface="Arial"/>
-              </a:rPr>
-              <a:t>Content</a:t>
-            </a:r>
-            <a:endParaRPr dirty="0"/>
-          </a:p>
-        </p:txBody>
-      </p:sp>
-      <p:sp>
-        <p:nvSpPr>
-          <p:cNvPr id="103" name="CustomShape 2"/>
-          <p:cNvSpPr/>
-          <p:nvPr/>
-        </p:nvSpPr>
-        <p:spPr>
-          <a:xfrm>
-            <a:off x="360000" y="1620000"/>
-            <a:ext cx="6822720" cy="4479120"/>
-          </a:xfrm>
-          <a:prstGeom prst="rect">
-            <a:avLst/>
-          </a:prstGeom>
-          <a:noFill/>
-          <a:ln>
-            <a:noFill/>
-          </a:ln>
-        </p:spPr>
-      </p:sp>
-      <p:sp>
-        <p:nvSpPr>
-          <p:cNvPr id="6" name="Textplatzhalter 2">
-            <a:extLst>
-              <a:ext uri="{FF2B5EF4-FFF2-40B4-BE49-F238E27FC236}">
-                <a16:creationId xmlns:a16="http://schemas.microsoft.com/office/drawing/2014/main" id="{6A1DDE6C-8155-4C45-BBA9-A98B7FCF26E3}"/>
+                <a16:creationId xmlns:a16="http://schemas.microsoft.com/office/drawing/2014/main" id="{89DCDE72-36AA-4E81-91AA-B12F183868B5}"/>
               </a:ext>
             </a:extLst>
           </p:cNvPr>
@@ -11637,8 +11220,8 @@
         </p:nvSpPr>
         <p:spPr>
           <a:xfrm>
-            <a:off x="457200" y="1604520"/>
-            <a:ext cx="8229240" cy="3977280"/>
+            <a:off x="457200" y="3598184"/>
+            <a:ext cx="8229240" cy="1983616"/>
           </a:xfrm>
           <a:prstGeom prst="rect">
             <a:avLst/>
@@ -11813,6 +11396,1054 @@
           <a:p>
             <a:r>
               <a:rPr lang="en-GB" sz="2000" dirty="0"/>
+              <a:t>A protocol has been developed that meets most expectations</a:t>
+            </a:r>
+          </a:p>
+          <a:p>
+            <a:pPr lvl="1"/>
+            <a:r>
+              <a:rPr lang="en-GB" sz="1600" dirty="0"/>
+              <a:t>500Hz Packet rate</a:t>
+            </a:r>
+          </a:p>
+          <a:p>
+            <a:pPr lvl="1"/>
+            <a:r>
+              <a:rPr lang="en-GB" sz="1600" dirty="0"/>
+              <a:t>Reliable error detection</a:t>
+            </a:r>
+          </a:p>
+          <a:p>
+            <a:pPr lvl="1"/>
+            <a:r>
+              <a:rPr lang="en-GB" sz="1600" dirty="0"/>
+              <a:t>Expandable by small effort</a:t>
+            </a:r>
+          </a:p>
+          <a:p>
+            <a:pPr lvl="1"/>
+            <a:r>
+              <a:rPr lang="en-US" altLang="zh-CN" sz="1600" dirty="0"/>
+              <a:t>Success rate is still improvable</a:t>
+            </a:r>
+          </a:p>
+          <a:p>
+            <a:pPr marL="285750" indent="-285750">
+              <a:lnSpc>
+                <a:spcPct val="150000"/>
+              </a:lnSpc>
+            </a:pPr>
+            <a:r>
+              <a:rPr lang="en-US" altLang="zh-CN" sz="2000" dirty="0"/>
+              <a:t>Real control performance not tested (future work)</a:t>
+            </a:r>
+          </a:p>
+          <a:p>
+            <a:endParaRPr lang="en-GB" sz="2000" dirty="0"/>
+          </a:p>
+          <a:p>
+            <a:endParaRPr lang="en-GB" sz="2000" dirty="0"/>
+          </a:p>
+        </p:txBody>
+      </p:sp>
+      <p:pic>
+        <p:nvPicPr>
+          <p:cNvPr id="6" name="Grafik 5">
+            <a:extLst>
+              <a:ext uri="{FF2B5EF4-FFF2-40B4-BE49-F238E27FC236}">
+                <a16:creationId xmlns:a16="http://schemas.microsoft.com/office/drawing/2014/main" id="{436528BE-B930-43B3-89EC-6ED60B0DEAF4}"/>
+              </a:ext>
+            </a:extLst>
+          </p:cNvPr>
+          <p:cNvPicPr>
+            <a:picLocks noChangeAspect="1"/>
+          </p:cNvPicPr>
+          <p:nvPr/>
+        </p:nvPicPr>
+        <p:blipFill>
+          <a:blip r:embed="rId3">
+            <a:extLst>
+              <a:ext uri="{28A0092B-C50C-407E-A947-70E740481C1C}">
+                <a14:useLocalDpi xmlns:a14="http://schemas.microsoft.com/office/drawing/2010/main" val="0"/>
+              </a:ext>
+            </a:extLst>
+          </a:blip>
+          <a:stretch>
+            <a:fillRect/>
+          </a:stretch>
+        </p:blipFill>
+        <p:spPr>
+          <a:xfrm>
+            <a:off x="1143000" y="1495425"/>
+            <a:ext cx="3429000" cy="1933575"/>
+          </a:xfrm>
+          <a:prstGeom prst="rect">
+            <a:avLst/>
+          </a:prstGeom>
+        </p:spPr>
+      </p:pic>
+      <p:pic>
+        <p:nvPicPr>
+          <p:cNvPr id="7" name="Grafik 6">
+            <a:extLst>
+              <a:ext uri="{FF2B5EF4-FFF2-40B4-BE49-F238E27FC236}">
+                <a16:creationId xmlns:a16="http://schemas.microsoft.com/office/drawing/2014/main" id="{766180EF-ECA1-406D-AAB1-F0DE20A9FD05}"/>
+              </a:ext>
+            </a:extLst>
+          </p:cNvPr>
+          <p:cNvPicPr>
+            <a:picLocks noChangeAspect="1"/>
+          </p:cNvPicPr>
+          <p:nvPr/>
+        </p:nvPicPr>
+        <p:blipFill>
+          <a:blip r:embed="rId4">
+            <a:extLst>
+              <a:ext uri="{28A0092B-C50C-407E-A947-70E740481C1C}">
+                <a14:useLocalDpi xmlns:a14="http://schemas.microsoft.com/office/drawing/2010/main" val="0"/>
+              </a:ext>
+            </a:extLst>
+          </a:blip>
+          <a:stretch>
+            <a:fillRect/>
+          </a:stretch>
+        </p:blipFill>
+        <p:spPr>
+          <a:xfrm>
+            <a:off x="5588000" y="1503362"/>
+            <a:ext cx="1917700" cy="1917700"/>
+          </a:xfrm>
+          <a:prstGeom prst="rect">
+            <a:avLst/>
+          </a:prstGeom>
+        </p:spPr>
+      </p:pic>
+      <p:cxnSp>
+        <p:nvCxnSpPr>
+          <p:cNvPr id="8" name="Gerade Verbindung mit Pfeil 7">
+            <a:extLst>
+              <a:ext uri="{FF2B5EF4-FFF2-40B4-BE49-F238E27FC236}">
+                <a16:creationId xmlns:a16="http://schemas.microsoft.com/office/drawing/2014/main" id="{2C38F474-5292-4793-B5CA-BA71C535F7E0}"/>
+              </a:ext>
+            </a:extLst>
+          </p:cNvPr>
+          <p:cNvCxnSpPr/>
+          <p:nvPr/>
+        </p:nvCxnSpPr>
+        <p:spPr>
+          <a:xfrm flipH="1">
+            <a:off x="4603750" y="2365375"/>
+            <a:ext cx="908050" cy="0"/>
+          </a:xfrm>
+          <a:prstGeom prst="straightConnector1">
+            <a:avLst/>
+          </a:prstGeom>
+          <a:ln w="57150">
+            <a:solidFill>
+              <a:srgbClr val="99C000"/>
+            </a:solidFill>
+            <a:tailEnd type="triangle"/>
+          </a:ln>
+        </p:spPr>
+        <p:style>
+          <a:lnRef idx="1">
+            <a:schemeClr val="accent1"/>
+          </a:lnRef>
+          <a:fillRef idx="0">
+            <a:schemeClr val="accent1"/>
+          </a:fillRef>
+          <a:effectRef idx="0">
+            <a:schemeClr val="accent1"/>
+          </a:effectRef>
+          <a:fontRef idx="minor">
+            <a:schemeClr val="tx1"/>
+          </a:fontRef>
+        </p:style>
+      </p:cxnSp>
+      <p:cxnSp>
+        <p:nvCxnSpPr>
+          <p:cNvPr id="9" name="Gerade Verbindung mit Pfeil 8">
+            <a:extLst>
+              <a:ext uri="{FF2B5EF4-FFF2-40B4-BE49-F238E27FC236}">
+                <a16:creationId xmlns:a16="http://schemas.microsoft.com/office/drawing/2014/main" id="{755853D3-9A3C-4DE5-8EEE-9ABFD413695B}"/>
+              </a:ext>
+            </a:extLst>
+          </p:cNvPr>
+          <p:cNvCxnSpPr>
+            <a:cxnSpLocks/>
+          </p:cNvCxnSpPr>
+          <p:nvPr/>
+        </p:nvCxnSpPr>
+        <p:spPr>
+          <a:xfrm>
+            <a:off x="4676775" y="2551112"/>
+            <a:ext cx="835025" cy="0"/>
+          </a:xfrm>
+          <a:prstGeom prst="straightConnector1">
+            <a:avLst/>
+          </a:prstGeom>
+          <a:ln w="57150">
+            <a:solidFill>
+              <a:srgbClr val="99C000"/>
+            </a:solidFill>
+            <a:tailEnd type="triangle"/>
+          </a:ln>
+        </p:spPr>
+        <p:style>
+          <a:lnRef idx="1">
+            <a:schemeClr val="accent1"/>
+          </a:lnRef>
+          <a:fillRef idx="0">
+            <a:schemeClr val="accent1"/>
+          </a:fillRef>
+          <a:effectRef idx="0">
+            <a:schemeClr val="accent1"/>
+          </a:effectRef>
+          <a:fontRef idx="minor">
+            <a:schemeClr val="tx1"/>
+          </a:fontRef>
+        </p:style>
+      </p:cxnSp>
+    </p:spTree>
+  </p:cSld>
+  <p:clrMapOvr>
+    <a:masterClrMapping/>
+  </p:clrMapOvr>
+</p:sld>
+</file>
+
+<file path=ppt/slides/slide13.xml><?xml version="1.0" encoding="utf-8"?>
+<p:sld xmlns:a="http://schemas.openxmlformats.org/drawingml/2006/main" xmlns:r="http://schemas.openxmlformats.org/officeDocument/2006/relationships" xmlns:p="http://schemas.openxmlformats.org/presentationml/2006/main">
+  <p:cSld>
+    <p:spTree>
+      <p:nvGrpSpPr>
+        <p:cNvPr id="1" name=""/>
+        <p:cNvGrpSpPr/>
+        <p:nvPr/>
+      </p:nvGrpSpPr>
+      <p:grpSpPr>
+        <a:xfrm>
+          <a:off x="0" y="0"/>
+          <a:ext cx="0" cy="0"/>
+          <a:chOff x="0" y="0"/>
+          <a:chExt cx="0" cy="0"/>
+        </a:xfrm>
+      </p:grpSpPr>
+      <p:sp>
+        <p:nvSpPr>
+          <p:cNvPr id="105" name="CustomShape 2"/>
+          <p:cNvSpPr/>
+          <p:nvPr/>
+        </p:nvSpPr>
+        <p:spPr>
+          <a:xfrm>
+            <a:off x="360000" y="1620000"/>
+            <a:ext cx="6822720" cy="4479120"/>
+          </a:xfrm>
+          <a:prstGeom prst="rect">
+            <a:avLst/>
+          </a:prstGeom>
+          <a:noFill/>
+          <a:ln>
+            <a:noFill/>
+          </a:ln>
+        </p:spPr>
+      </p:sp>
+      <p:sp>
+        <p:nvSpPr>
+          <p:cNvPr id="4" name="CustomShape 1">
+            <a:extLst>
+              <a:ext uri="{FF2B5EF4-FFF2-40B4-BE49-F238E27FC236}">
+                <a16:creationId xmlns:a16="http://schemas.microsoft.com/office/drawing/2014/main" id="{48B572DD-D83C-4D3D-9AB9-9C71DD6FF87D}"/>
+              </a:ext>
+            </a:extLst>
+          </p:cNvPr>
+          <p:cNvSpPr/>
+          <p:nvPr/>
+        </p:nvSpPr>
+        <p:spPr>
+          <a:xfrm>
+            <a:off x="358920" y="488880"/>
+            <a:ext cx="6641280" cy="837360"/>
+          </a:xfrm>
+          <a:prstGeom prst="rect">
+            <a:avLst/>
+          </a:prstGeom>
+          <a:noFill/>
+          <a:ln>
+            <a:noFill/>
+          </a:ln>
+        </p:spPr>
+        <p:txBody>
+          <a:bodyPr lIns="0" tIns="0" rIns="0" bIns="0" anchor="ctr"/>
+          <a:lstStyle/>
+          <a:p>
+            <a:pPr>
+              <a:lnSpc>
+                <a:spcPct val="100000"/>
+              </a:lnSpc>
+            </a:pPr>
+            <a:r>
+              <a:rPr lang="en-US" altLang="de-DE" sz="2400" b="1" dirty="0">
+                <a:solidFill>
+                  <a:srgbClr val="000000"/>
+                </a:solidFill>
+                <a:latin typeface="Arial" panose="020B0604020202020204"/>
+              </a:rPr>
+              <a:t>Sources</a:t>
+            </a:r>
+          </a:p>
+        </p:txBody>
+      </p:sp>
+      <p:sp>
+        <p:nvSpPr>
+          <p:cNvPr id="6" name="文本框 2">
+            <a:extLst>
+              <a:ext uri="{FF2B5EF4-FFF2-40B4-BE49-F238E27FC236}">
+                <a16:creationId xmlns:a16="http://schemas.microsoft.com/office/drawing/2014/main" id="{6230B1EF-835E-4246-AFF0-B1149C5414FE}"/>
+              </a:ext>
+            </a:extLst>
+          </p:cNvPr>
+          <p:cNvSpPr txBox="1"/>
+          <p:nvPr/>
+        </p:nvSpPr>
+        <p:spPr>
+          <a:xfrm>
+            <a:off x="358920" y="1620000"/>
+            <a:ext cx="8047355" cy="4647426"/>
+          </a:xfrm>
+          <a:prstGeom prst="rect">
+            <a:avLst/>
+          </a:prstGeom>
+          <a:noFill/>
+        </p:spPr>
+        <p:txBody>
+          <a:bodyPr wrap="square" rtlCol="0">
+            <a:spAutoFit/>
+          </a:bodyPr>
+          <a:lstStyle/>
+          <a:p>
+            <a:r>
+              <a:rPr lang="de-DE" sz="1600" dirty="0"/>
+              <a:t>[1] H. König, </a:t>
+            </a:r>
+            <a:r>
+              <a:rPr lang="de-DE" sz="1600" i="1" dirty="0"/>
+              <a:t>Protocol Engineering</a:t>
+            </a:r>
+            <a:r>
+              <a:rPr lang="de-DE" sz="1600" dirty="0"/>
+              <a:t>, 1st </a:t>
+            </a:r>
+            <a:r>
+              <a:rPr lang="de-DE" sz="1600" dirty="0" err="1"/>
+              <a:t>ed</a:t>
+            </a:r>
+            <a:r>
+              <a:rPr lang="de-DE" sz="1600" dirty="0"/>
+              <a:t>. Wiesbaden, Deutschland: Teubner,</a:t>
+            </a:r>
+          </a:p>
+          <a:p>
+            <a:r>
+              <a:rPr lang="de-DE" sz="1600" dirty="0"/>
+              <a:t>2003.</a:t>
+            </a:r>
+          </a:p>
+          <a:p>
+            <a:r>
+              <a:rPr lang="de-DE" sz="1600" dirty="0"/>
+              <a:t>[2] H. </a:t>
+            </a:r>
+            <a:r>
+              <a:rPr lang="de-DE" sz="1600" dirty="0" err="1"/>
+              <a:t>Wörn</a:t>
+            </a:r>
+            <a:r>
+              <a:rPr lang="de-DE" sz="1600" dirty="0"/>
+              <a:t>, </a:t>
+            </a:r>
+            <a:r>
+              <a:rPr lang="de-DE" sz="1600" i="1" dirty="0"/>
+              <a:t>Echtzeitsysteme</a:t>
+            </a:r>
+            <a:r>
+              <a:rPr lang="de-DE" sz="1600" dirty="0"/>
+              <a:t>, 1st </a:t>
+            </a:r>
+            <a:r>
+              <a:rPr lang="de-DE" sz="1600" dirty="0" err="1"/>
+              <a:t>ed</a:t>
+            </a:r>
+            <a:r>
+              <a:rPr lang="de-DE" sz="1600" dirty="0"/>
+              <a:t>. Springer-Verlag Berlin Heidelberg,</a:t>
+            </a:r>
+          </a:p>
+          <a:p>
+            <a:r>
+              <a:rPr lang="de-DE" sz="1600" dirty="0"/>
+              <a:t>2005.</a:t>
+            </a:r>
+          </a:p>
+          <a:p>
+            <a:r>
+              <a:rPr lang="en-US" sz="1600" dirty="0"/>
+              <a:t>[3] T.C. </a:t>
+            </a:r>
+            <a:r>
+              <a:rPr lang="en-US" sz="1600" dirty="0" err="1"/>
+              <a:t>Maxino</a:t>
+            </a:r>
+            <a:r>
+              <a:rPr lang="en-US" sz="1600" dirty="0"/>
+              <a:t> und P.J. Koopman, </a:t>
+            </a:r>
+            <a:r>
+              <a:rPr lang="en-US" sz="1600" i="1" dirty="0"/>
+              <a:t>The Effectiveness of Checksums for</a:t>
+            </a:r>
+          </a:p>
+          <a:p>
+            <a:r>
+              <a:rPr lang="en-US" sz="1600" i="1" dirty="0"/>
+              <a:t>Embedded Control Networks</a:t>
+            </a:r>
+            <a:r>
+              <a:rPr lang="en-US" sz="1600" dirty="0"/>
+              <a:t>, IEEE Xplore Digital Library, 2009.</a:t>
+            </a:r>
+          </a:p>
+          <a:p>
+            <a:r>
+              <a:rPr lang="en-US" sz="1600" dirty="0"/>
+              <a:t>[4] J.F. Kurose und K.W. Ross, </a:t>
+            </a:r>
+            <a:r>
+              <a:rPr lang="en-US" sz="1600" i="1" dirty="0"/>
+              <a:t>Computer networking</a:t>
+            </a:r>
+            <a:r>
+              <a:rPr lang="en-US" sz="1600" dirty="0"/>
+              <a:t>, 5. ed. Boston, MA :</a:t>
+            </a:r>
+          </a:p>
+          <a:p>
+            <a:r>
+              <a:rPr lang="en-US" sz="1600" dirty="0"/>
+              <a:t>Pearson/Addison-Wesley, Pearson Education, 2009.</a:t>
+            </a:r>
+          </a:p>
+          <a:p>
+            <a:r>
+              <a:rPr lang="de-DE" sz="1600" dirty="0"/>
+              <a:t>[5] S. Cheshire und M. Baker, </a:t>
+            </a:r>
+            <a:r>
+              <a:rPr lang="de-DE" sz="1600" i="1" dirty="0" err="1"/>
+              <a:t>Consistent</a:t>
+            </a:r>
+            <a:r>
+              <a:rPr lang="de-DE" sz="1600" i="1" dirty="0"/>
+              <a:t> Overhead Byte </a:t>
+            </a:r>
+            <a:r>
+              <a:rPr lang="de-DE" sz="1600" i="1" dirty="0" err="1"/>
+              <a:t>Stuffing</a:t>
+            </a:r>
+            <a:r>
+              <a:rPr lang="de-DE" sz="1600" dirty="0"/>
+              <a:t>, IEEE/ACM</a:t>
+            </a:r>
+          </a:p>
+          <a:p>
+            <a:r>
+              <a:rPr lang="en-US" sz="1600" dirty="0"/>
+              <a:t>TRANSACTIONS ON NETWORKING, VOL.7, NO. 2, 1999.</a:t>
+            </a:r>
+          </a:p>
+          <a:p>
+            <a:r>
+              <a:rPr lang="de-DE" sz="1600" dirty="0"/>
+              <a:t>[6] C. </a:t>
+            </a:r>
+            <a:r>
+              <a:rPr lang="de-DE" sz="1600" dirty="0" err="1"/>
+              <a:t>Noviello</a:t>
+            </a:r>
+            <a:r>
+              <a:rPr lang="de-DE" sz="1600" dirty="0"/>
+              <a:t>, </a:t>
+            </a:r>
+            <a:r>
+              <a:rPr lang="de-DE" sz="1600" i="1" dirty="0"/>
+              <a:t>Mastering STM32</a:t>
+            </a:r>
+            <a:r>
+              <a:rPr lang="de-DE" sz="1600" dirty="0"/>
+              <a:t>, Victoria, BC, Canada: </a:t>
+            </a:r>
+            <a:r>
+              <a:rPr lang="de-DE" sz="1600" dirty="0" err="1"/>
+              <a:t>Leanpub</a:t>
+            </a:r>
+            <a:r>
+              <a:rPr lang="de-DE" sz="1600" dirty="0"/>
+              <a:t>, 2017.</a:t>
+            </a:r>
+          </a:p>
+          <a:p>
+            <a:r>
+              <a:rPr lang="de-DE" sz="1600" dirty="0"/>
+              <a:t>[7] S.C. Hill und J. </a:t>
+            </a:r>
+            <a:r>
+              <a:rPr lang="de-DE" sz="1600" dirty="0" err="1"/>
+              <a:t>Jelemensky</a:t>
+            </a:r>
+            <a:r>
+              <a:rPr lang="de-DE" sz="1600" dirty="0"/>
+              <a:t> und M.R. </a:t>
+            </a:r>
+            <a:r>
+              <a:rPr lang="de-DE" sz="1600" dirty="0" err="1"/>
+              <a:t>Heene</a:t>
+            </a:r>
+            <a:r>
+              <a:rPr lang="de-DE" sz="1600" dirty="0"/>
+              <a:t>, </a:t>
+            </a:r>
+            <a:r>
+              <a:rPr lang="de-DE" sz="1600" i="1" dirty="0" err="1"/>
+              <a:t>Queued</a:t>
+            </a:r>
+            <a:r>
+              <a:rPr lang="de-DE" sz="1600" i="1" dirty="0"/>
+              <a:t> </a:t>
+            </a:r>
+            <a:r>
+              <a:rPr lang="de-DE" sz="1600" i="1" dirty="0" err="1"/>
+              <a:t>serial</a:t>
+            </a:r>
+            <a:r>
+              <a:rPr lang="de-DE" sz="1600" i="1" dirty="0"/>
+              <a:t> </a:t>
+            </a:r>
+            <a:r>
+              <a:rPr lang="de-DE" sz="1600" i="1" dirty="0" err="1"/>
+              <a:t>peripheral</a:t>
+            </a:r>
+            <a:endParaRPr lang="de-DE" sz="1600" i="1" dirty="0"/>
+          </a:p>
+          <a:p>
+            <a:r>
+              <a:rPr lang="en-US" sz="1600" i="1" dirty="0"/>
+              <a:t>interface for use in a data processing system</a:t>
+            </a:r>
+            <a:r>
+              <a:rPr lang="en-US" sz="1600" dirty="0"/>
+              <a:t>, Google Patents, 1989.</a:t>
+            </a:r>
+          </a:p>
+          <a:p>
+            <a:r>
+              <a:rPr lang="en-US" sz="1600" dirty="0"/>
+              <a:t>[8] D. HONEGGER, </a:t>
+            </a:r>
+            <a:r>
+              <a:rPr lang="en-US" sz="1600" i="1" dirty="0"/>
+              <a:t>An open source and open hardware embedded metric</a:t>
+            </a:r>
+          </a:p>
+          <a:p>
+            <a:r>
+              <a:rPr lang="en-US" sz="1600" i="1" dirty="0"/>
+              <a:t>optical flow </a:t>
+            </a:r>
+            <a:r>
+              <a:rPr lang="en-US" sz="1600" i="1" dirty="0" err="1"/>
+              <a:t>cmos</a:t>
+            </a:r>
+            <a:r>
+              <a:rPr lang="en-US" sz="1600" i="1" dirty="0"/>
+              <a:t> camera for indoor and outdoor applications</a:t>
+            </a:r>
+            <a:r>
+              <a:rPr lang="en-US" sz="1600" dirty="0"/>
+              <a:t>, Robotics</a:t>
+            </a:r>
+          </a:p>
+          <a:p>
+            <a:r>
+              <a:rPr lang="en-US" sz="1600" dirty="0"/>
+              <a:t>and Automation (ICRA), IEEE International Conference on. IEEE, 2013.</a:t>
+            </a:r>
+          </a:p>
+          <a:p>
+            <a:r>
+              <a:rPr lang="en-US" sz="1600" dirty="0"/>
+              <a:t>[9] J.G. Fletcher, </a:t>
+            </a:r>
+            <a:r>
+              <a:rPr lang="en-US" sz="1600" i="1" dirty="0"/>
+              <a:t>An Arithmetic Checksum for Serial Transmissions</a:t>
+            </a:r>
+            <a:r>
+              <a:rPr lang="en-US" sz="1600" dirty="0"/>
+              <a:t>, IEEE</a:t>
+            </a:r>
+          </a:p>
+          <a:p>
+            <a:r>
+              <a:rPr lang="fr-FR" sz="1600" dirty="0"/>
+              <a:t>Transactions on Communications Vol. 30, 1982.</a:t>
+            </a:r>
+            <a:endParaRPr lang="en-US" altLang="zh-CN" sz="2000" dirty="0">
+              <a:sym typeface="+mn-ea"/>
+            </a:endParaRPr>
+          </a:p>
+        </p:txBody>
+      </p:sp>
+      <p:sp>
+        <p:nvSpPr>
+          <p:cNvPr id="104" name="CustomShape 1"/>
+          <p:cNvSpPr/>
+          <p:nvPr/>
+        </p:nvSpPr>
+        <p:spPr>
+          <a:xfrm>
+            <a:off x="1825697" y="2179665"/>
+            <a:ext cx="5492605" cy="2498670"/>
+          </a:xfrm>
+          <a:prstGeom prst="rect">
+            <a:avLst/>
+          </a:prstGeom>
+          <a:gradFill flip="none" rotWithShape="1">
+            <a:gsLst>
+              <a:gs pos="0">
+                <a:schemeClr val="accent3">
+                  <a:lumMod val="67000"/>
+                </a:schemeClr>
+              </a:gs>
+              <a:gs pos="48000">
+                <a:schemeClr val="accent3">
+                  <a:lumMod val="97000"/>
+                  <a:lumOff val="3000"/>
+                </a:schemeClr>
+              </a:gs>
+              <a:gs pos="100000">
+                <a:schemeClr val="accent3">
+                  <a:lumMod val="60000"/>
+                  <a:lumOff val="40000"/>
+                </a:schemeClr>
+              </a:gs>
+            </a:gsLst>
+            <a:lin ang="16200000" scaled="1"/>
+            <a:tileRect/>
+          </a:gradFill>
+          <a:ln>
+            <a:noFill/>
+          </a:ln>
+        </p:spPr>
+        <p:style>
+          <a:lnRef idx="0">
+            <a:scrgbClr r="0" g="0" b="0"/>
+          </a:lnRef>
+          <a:fillRef idx="0">
+            <a:scrgbClr r="0" g="0" b="0"/>
+          </a:fillRef>
+          <a:effectRef idx="0">
+            <a:scrgbClr r="0" g="0" b="0"/>
+          </a:effectRef>
+          <a:fontRef idx="minor">
+            <a:schemeClr val="lt1"/>
+          </a:fontRef>
+        </p:style>
+        <p:txBody>
+          <a:bodyPr lIns="0" tIns="0" rIns="0" bIns="0" anchor="ctr"/>
+          <a:lstStyle/>
+          <a:p>
+            <a:pPr algn="ctr">
+              <a:lnSpc>
+                <a:spcPct val="100000"/>
+              </a:lnSpc>
+            </a:pPr>
+            <a:r>
+              <a:rPr lang="en-US" altLang="de-DE" sz="4000" b="1" dirty="0">
+                <a:solidFill>
+                  <a:srgbClr val="000000"/>
+                </a:solidFill>
+                <a:latin typeface="Arial" panose="020B0604020202020204"/>
+              </a:rPr>
+              <a:t>Thank you for your Attention!</a:t>
+            </a:r>
+          </a:p>
+        </p:txBody>
+      </p:sp>
+    </p:spTree>
+  </p:cSld>
+  <p:clrMapOvr>
+    <a:masterClrMapping/>
+  </p:clrMapOvr>
+  <p:timing>
+    <p:tnLst>
+      <p:par>
+        <p:cTn id="1" dur="indefinite" restart="never" nodeType="tmRoot">
+          <p:childTnLst>
+            <p:seq concurrent="1" nextAc="seek">
+              <p:cTn id="2" dur="indefinite" nodeType="mainSeq">
+                <p:childTnLst>
+                  <p:par>
+                    <p:cTn id="3" fill="hold">
+                      <p:stCondLst>
+                        <p:cond delay="indefinite"/>
+                      </p:stCondLst>
+                      <p:childTnLst>
+                        <p:par>
+                          <p:cTn id="4" fill="hold">
+                            <p:stCondLst>
+                              <p:cond delay="0"/>
+                            </p:stCondLst>
+                            <p:childTnLst>
+                              <p:par>
+                                <p:cTn id="5" presetID="10" presetClass="entr" presetSubtype="0" fill="hold" grpId="0" nodeType="clickEffect">
+                                  <p:stCondLst>
+                                    <p:cond delay="0"/>
+                                  </p:stCondLst>
+                                  <p:childTnLst>
+                                    <p:set>
+                                      <p:cBhvr>
+                                        <p:cTn id="6" dur="1" fill="hold">
+                                          <p:stCondLst>
+                                            <p:cond delay="0"/>
+                                          </p:stCondLst>
+                                        </p:cTn>
+                                        <p:tgtEl>
+                                          <p:spTgt spid="104"/>
+                                        </p:tgtEl>
+                                        <p:attrNameLst>
+                                          <p:attrName>style.visibility</p:attrName>
+                                        </p:attrNameLst>
+                                      </p:cBhvr>
+                                      <p:to>
+                                        <p:strVal val="visible"/>
+                                      </p:to>
+                                    </p:set>
+                                    <p:animEffect transition="in" filter="fade">
+                                      <p:cBhvr>
+                                        <p:cTn id="7" dur="250"/>
+                                        <p:tgtEl>
+                                          <p:spTgt spid="104"/>
+                                        </p:tgtEl>
+                                      </p:cBhvr>
+                                    </p:animEffect>
+                                  </p:childTnLst>
+                                </p:cTn>
+                              </p:par>
+                            </p:childTnLst>
+                          </p:cTn>
+                        </p:par>
+                      </p:childTnLst>
+                    </p:cTn>
+                  </p:par>
+                </p:childTnLst>
+              </p:cTn>
+              <p:prevCondLst>
+                <p:cond evt="onPrev" delay="0">
+                  <p:tgtEl>
+                    <p:sldTgt/>
+                  </p:tgtEl>
+                </p:cond>
+              </p:prevCondLst>
+              <p:nextCondLst>
+                <p:cond evt="onNext" delay="0">
+                  <p:tgtEl>
+                    <p:sldTgt/>
+                  </p:tgtEl>
+                </p:cond>
+              </p:nextCondLst>
+            </p:seq>
+          </p:childTnLst>
+        </p:cTn>
+      </p:par>
+    </p:tnLst>
+    <p:bldLst>
+      <p:bldP spid="104" grpId="0" animBg="1"/>
+    </p:bldLst>
+  </p:timing>
+</p:sld>
+</file>
+
+<file path=ppt/slides/slide2.xml><?xml version="1.0" encoding="utf-8"?>
+<p:sld xmlns:a="http://schemas.openxmlformats.org/drawingml/2006/main" xmlns:r="http://schemas.openxmlformats.org/officeDocument/2006/relationships" xmlns:p="http://schemas.openxmlformats.org/presentationml/2006/main">
+  <p:cSld>
+    <p:spTree>
+      <p:nvGrpSpPr>
+        <p:cNvPr id="1" name=""/>
+        <p:cNvGrpSpPr/>
+        <p:nvPr/>
+      </p:nvGrpSpPr>
+      <p:grpSpPr>
+        <a:xfrm>
+          <a:off x="0" y="0"/>
+          <a:ext cx="0" cy="0"/>
+          <a:chOff x="0" y="0"/>
+          <a:chExt cx="0" cy="0"/>
+        </a:xfrm>
+      </p:grpSpPr>
+      <p:sp>
+        <p:nvSpPr>
+          <p:cNvPr id="102" name="CustomShape 1"/>
+          <p:cNvSpPr/>
+          <p:nvPr/>
+        </p:nvSpPr>
+        <p:spPr>
+          <a:xfrm>
+            <a:off x="358920" y="488880"/>
+            <a:ext cx="6641280" cy="837360"/>
+          </a:xfrm>
+          <a:prstGeom prst="rect">
+            <a:avLst/>
+          </a:prstGeom>
+          <a:noFill/>
+          <a:ln>
+            <a:noFill/>
+          </a:ln>
+        </p:spPr>
+        <p:txBody>
+          <a:bodyPr lIns="0" tIns="0" rIns="0" bIns="0" anchor="ctr"/>
+          <a:lstStyle/>
+          <a:p>
+            <a:pPr>
+              <a:lnSpc>
+                <a:spcPct val="100000"/>
+              </a:lnSpc>
+            </a:pPr>
+            <a:r>
+              <a:rPr lang="de-DE" sz="2400" b="1" dirty="0">
+                <a:solidFill>
+                  <a:srgbClr val="000000"/>
+                </a:solidFill>
+                <a:latin typeface="Arial"/>
+              </a:rPr>
+              <a:t>Content</a:t>
+            </a:r>
+            <a:endParaRPr dirty="0"/>
+          </a:p>
+        </p:txBody>
+      </p:sp>
+      <p:sp>
+        <p:nvSpPr>
+          <p:cNvPr id="103" name="CustomShape 2"/>
+          <p:cNvSpPr/>
+          <p:nvPr/>
+        </p:nvSpPr>
+        <p:spPr>
+          <a:xfrm>
+            <a:off x="360000" y="1620000"/>
+            <a:ext cx="6822720" cy="4479120"/>
+          </a:xfrm>
+          <a:prstGeom prst="rect">
+            <a:avLst/>
+          </a:prstGeom>
+          <a:noFill/>
+          <a:ln>
+            <a:noFill/>
+          </a:ln>
+        </p:spPr>
+      </p:sp>
+      <p:sp>
+        <p:nvSpPr>
+          <p:cNvPr id="6" name="Textplatzhalter 2">
+            <a:extLst>
+              <a:ext uri="{FF2B5EF4-FFF2-40B4-BE49-F238E27FC236}">
+                <a16:creationId xmlns:a16="http://schemas.microsoft.com/office/drawing/2014/main" id="{6A1DDE6C-8155-4C45-BBA9-A98B7FCF26E3}"/>
+              </a:ext>
+            </a:extLst>
+          </p:cNvPr>
+          <p:cNvSpPr txBox="1">
+            <a:spLocks/>
+          </p:cNvSpPr>
+          <p:nvPr/>
+        </p:nvSpPr>
+        <p:spPr>
+          <a:xfrm>
+            <a:off x="457200" y="1604520"/>
+            <a:ext cx="8229240" cy="3977280"/>
+          </a:xfrm>
+          <a:prstGeom prst="rect">
+            <a:avLst/>
+          </a:prstGeom>
+        </p:spPr>
+        <p:txBody>
+          <a:bodyPr/>
+          <a:lstStyle>
+            <a:lvl1pPr marL="228600" indent="-228600" algn="l" defTabSz="914400" rtl="0" eaLnBrk="1" latinLnBrk="0" hangingPunct="1">
+              <a:lnSpc>
+                <a:spcPct val="90000"/>
+              </a:lnSpc>
+              <a:spcBef>
+                <a:spcPts val="1000"/>
+              </a:spcBef>
+              <a:buFont typeface="Arial" panose="020B0604020202020204" pitchFamily="34" charset="0"/>
+              <a:buChar char="•"/>
+              <a:defRPr sz="2800" kern="1200">
+                <a:solidFill>
+                  <a:schemeClr val="tx1"/>
+                </a:solidFill>
+                <a:latin typeface="+mn-lt"/>
+                <a:ea typeface="+mn-ea"/>
+                <a:cs typeface="+mn-cs"/>
+              </a:defRPr>
+            </a:lvl1pPr>
+            <a:lvl2pPr marL="685800" indent="-228600" algn="l" defTabSz="914400" rtl="0" eaLnBrk="1" latinLnBrk="0" hangingPunct="1">
+              <a:lnSpc>
+                <a:spcPct val="90000"/>
+              </a:lnSpc>
+              <a:spcBef>
+                <a:spcPts val="500"/>
+              </a:spcBef>
+              <a:buFont typeface="Arial" panose="020B0604020202020204" pitchFamily="34" charset="0"/>
+              <a:buChar char="•"/>
+              <a:defRPr sz="2400" kern="1200">
+                <a:solidFill>
+                  <a:schemeClr val="tx1"/>
+                </a:solidFill>
+                <a:latin typeface="+mn-lt"/>
+                <a:ea typeface="+mn-ea"/>
+                <a:cs typeface="+mn-cs"/>
+              </a:defRPr>
+            </a:lvl2pPr>
+            <a:lvl3pPr marL="1143000" indent="-228600" algn="l" defTabSz="914400" rtl="0" eaLnBrk="1" latinLnBrk="0" hangingPunct="1">
+              <a:lnSpc>
+                <a:spcPct val="90000"/>
+              </a:lnSpc>
+              <a:spcBef>
+                <a:spcPts val="500"/>
+              </a:spcBef>
+              <a:buFont typeface="Arial" panose="020B0604020202020204" pitchFamily="34" charset="0"/>
+              <a:buChar char="•"/>
+              <a:defRPr sz="2000" kern="1200">
+                <a:solidFill>
+                  <a:schemeClr val="tx1"/>
+                </a:solidFill>
+                <a:latin typeface="+mn-lt"/>
+                <a:ea typeface="+mn-ea"/>
+                <a:cs typeface="+mn-cs"/>
+              </a:defRPr>
+            </a:lvl3pPr>
+            <a:lvl4pPr marL="1600200" indent="-228600" algn="l" defTabSz="914400" rtl="0" eaLnBrk="1" latinLnBrk="0" hangingPunct="1">
+              <a:lnSpc>
+                <a:spcPct val="90000"/>
+              </a:lnSpc>
+              <a:spcBef>
+                <a:spcPts val="500"/>
+              </a:spcBef>
+              <a:buFont typeface="Arial" panose="020B0604020202020204" pitchFamily="34" charset="0"/>
+              <a:buChar char="•"/>
+              <a:defRPr sz="1800" kern="1200">
+                <a:solidFill>
+                  <a:schemeClr val="tx1"/>
+                </a:solidFill>
+                <a:latin typeface="+mn-lt"/>
+                <a:ea typeface="+mn-ea"/>
+                <a:cs typeface="+mn-cs"/>
+              </a:defRPr>
+            </a:lvl4pPr>
+            <a:lvl5pPr marL="2057400" indent="-228600" algn="l" defTabSz="914400" rtl="0" eaLnBrk="1" latinLnBrk="0" hangingPunct="1">
+              <a:lnSpc>
+                <a:spcPct val="90000"/>
+              </a:lnSpc>
+              <a:spcBef>
+                <a:spcPts val="500"/>
+              </a:spcBef>
+              <a:buFont typeface="Arial" panose="020B0604020202020204" pitchFamily="34" charset="0"/>
+              <a:buChar char="•"/>
+              <a:defRPr sz="1800" kern="1200">
+                <a:solidFill>
+                  <a:schemeClr val="tx1"/>
+                </a:solidFill>
+                <a:latin typeface="+mn-lt"/>
+                <a:ea typeface="+mn-ea"/>
+                <a:cs typeface="+mn-cs"/>
+              </a:defRPr>
+            </a:lvl5pPr>
+            <a:lvl6pPr marL="2514600" indent="-228600" algn="l" defTabSz="914400" rtl="0" eaLnBrk="1" latinLnBrk="0" hangingPunct="1">
+              <a:lnSpc>
+                <a:spcPct val="90000"/>
+              </a:lnSpc>
+              <a:spcBef>
+                <a:spcPts val="500"/>
+              </a:spcBef>
+              <a:buFont typeface="Arial" panose="020B0604020202020204" pitchFamily="34" charset="0"/>
+              <a:buChar char="•"/>
+              <a:defRPr sz="1800" kern="1200">
+                <a:solidFill>
+                  <a:schemeClr val="tx1"/>
+                </a:solidFill>
+                <a:latin typeface="+mn-lt"/>
+                <a:ea typeface="+mn-ea"/>
+                <a:cs typeface="+mn-cs"/>
+              </a:defRPr>
+            </a:lvl6pPr>
+            <a:lvl7pPr marL="2971800" indent="-228600" algn="l" defTabSz="914400" rtl="0" eaLnBrk="1" latinLnBrk="0" hangingPunct="1">
+              <a:lnSpc>
+                <a:spcPct val="90000"/>
+              </a:lnSpc>
+              <a:spcBef>
+                <a:spcPts val="500"/>
+              </a:spcBef>
+              <a:buFont typeface="Arial" panose="020B0604020202020204" pitchFamily="34" charset="0"/>
+              <a:buChar char="•"/>
+              <a:defRPr sz="1800" kern="1200">
+                <a:solidFill>
+                  <a:schemeClr val="tx1"/>
+                </a:solidFill>
+                <a:latin typeface="+mn-lt"/>
+                <a:ea typeface="+mn-ea"/>
+                <a:cs typeface="+mn-cs"/>
+              </a:defRPr>
+            </a:lvl7pPr>
+            <a:lvl8pPr marL="3429000" indent="-228600" algn="l" defTabSz="914400" rtl="0" eaLnBrk="1" latinLnBrk="0" hangingPunct="1">
+              <a:lnSpc>
+                <a:spcPct val="90000"/>
+              </a:lnSpc>
+              <a:spcBef>
+                <a:spcPts val="500"/>
+              </a:spcBef>
+              <a:buFont typeface="Arial" panose="020B0604020202020204" pitchFamily="34" charset="0"/>
+              <a:buChar char="•"/>
+              <a:defRPr sz="1800" kern="1200">
+                <a:solidFill>
+                  <a:schemeClr val="tx1"/>
+                </a:solidFill>
+                <a:latin typeface="+mn-lt"/>
+                <a:ea typeface="+mn-ea"/>
+                <a:cs typeface="+mn-cs"/>
+              </a:defRPr>
+            </a:lvl8pPr>
+            <a:lvl9pPr marL="3886200" indent="-228600" algn="l" defTabSz="914400" rtl="0" eaLnBrk="1" latinLnBrk="0" hangingPunct="1">
+              <a:lnSpc>
+                <a:spcPct val="90000"/>
+              </a:lnSpc>
+              <a:spcBef>
+                <a:spcPts val="500"/>
+              </a:spcBef>
+              <a:buFont typeface="Arial" panose="020B0604020202020204" pitchFamily="34" charset="0"/>
+              <a:buChar char="•"/>
+              <a:defRPr sz="1800" kern="1200">
+                <a:solidFill>
+                  <a:schemeClr val="tx1"/>
+                </a:solidFill>
+                <a:latin typeface="+mn-lt"/>
+                <a:ea typeface="+mn-ea"/>
+                <a:cs typeface="+mn-cs"/>
+              </a:defRPr>
+            </a:lvl9pPr>
+          </a:lstStyle>
+          <a:p>
+            <a:r>
+              <a:rPr lang="en-GB" sz="2000" dirty="0"/>
               <a:t>Motivation</a:t>
             </a:r>
           </a:p>
@@ -11980,7 +12611,7 @@
         </p:nvSpPr>
         <p:spPr>
           <a:xfrm>
-            <a:off x="177480" y="1189440"/>
+            <a:off x="358920" y="2847"/>
             <a:ext cx="6822720" cy="4479120"/>
           </a:xfrm>
           <a:prstGeom prst="rect">
@@ -12000,8 +12631,8 @@
         </p:nvSpPr>
         <p:spPr>
           <a:xfrm>
-            <a:off x="4248437" y="3746749"/>
-            <a:ext cx="549180" cy="594045"/>
+            <a:off x="5645406" y="3326325"/>
+            <a:ext cx="369735" cy="988808"/>
           </a:xfrm>
           <a:prstGeom prst="downArrow">
             <a:avLst/>
@@ -12048,7 +12679,7 @@
         </p:nvSpPr>
         <p:spPr>
           <a:xfrm>
-            <a:off x="2716629" y="4694973"/>
+            <a:off x="1398411" y="4708754"/>
             <a:ext cx="4066725" cy="369332"/>
           </a:xfrm>
           <a:prstGeom prst="rect">
@@ -12070,174 +12701,6 @@
           </a:p>
         </p:txBody>
       </p:sp>
-      <p:cxnSp>
-        <p:nvCxnSpPr>
-          <p:cNvPr id="10" name="直接箭头连接符 9">
-            <a:extLst>
-              <a:ext uri="{FF2B5EF4-FFF2-40B4-BE49-F238E27FC236}">
-                <a16:creationId xmlns:a16="http://schemas.microsoft.com/office/drawing/2014/main" id="{9F642B10-260F-4752-BCC0-59C63F07CA05}"/>
-              </a:ext>
-            </a:extLst>
-          </p:cNvPr>
-          <p:cNvCxnSpPr>
-            <a:cxnSpLocks/>
-          </p:cNvCxnSpPr>
-          <p:nvPr/>
-        </p:nvCxnSpPr>
-        <p:spPr>
-          <a:xfrm>
-            <a:off x="3588840" y="2485095"/>
-            <a:ext cx="2253503" cy="0"/>
-          </a:xfrm>
-          <a:prstGeom prst="straightConnector1">
-            <a:avLst/>
-          </a:prstGeom>
-          <a:ln>
-            <a:headEnd type="triangle"/>
-            <a:tailEnd type="triangle"/>
-          </a:ln>
-        </p:spPr>
-        <p:style>
-          <a:lnRef idx="1">
-            <a:schemeClr val="accent1"/>
-          </a:lnRef>
-          <a:fillRef idx="0">
-            <a:schemeClr val="accent1"/>
-          </a:fillRef>
-          <a:effectRef idx="0">
-            <a:schemeClr val="accent1"/>
-          </a:effectRef>
-          <a:fontRef idx="minor">
-            <a:schemeClr val="tx1"/>
-          </a:fontRef>
-        </p:style>
-      </p:cxnSp>
-      <p:cxnSp>
-        <p:nvCxnSpPr>
-          <p:cNvPr id="13" name="直接箭头连接符 12">
-            <a:extLst>
-              <a:ext uri="{FF2B5EF4-FFF2-40B4-BE49-F238E27FC236}">
-                <a16:creationId xmlns:a16="http://schemas.microsoft.com/office/drawing/2014/main" id="{2D1C4C74-CCE0-4F97-9272-63184E26A203}"/>
-              </a:ext>
-            </a:extLst>
-          </p:cNvPr>
-          <p:cNvCxnSpPr>
-            <a:cxnSpLocks/>
-          </p:cNvCxnSpPr>
-          <p:nvPr/>
-        </p:nvCxnSpPr>
-        <p:spPr>
-          <a:xfrm>
-            <a:off x="3588840" y="2807647"/>
-            <a:ext cx="2253503" cy="0"/>
-          </a:xfrm>
-          <a:prstGeom prst="straightConnector1">
-            <a:avLst/>
-          </a:prstGeom>
-          <a:ln>
-            <a:headEnd type="triangle"/>
-            <a:tailEnd type="triangle"/>
-          </a:ln>
-        </p:spPr>
-        <p:style>
-          <a:lnRef idx="1">
-            <a:schemeClr val="accent1"/>
-          </a:lnRef>
-          <a:fillRef idx="0">
-            <a:schemeClr val="accent1"/>
-          </a:fillRef>
-          <a:effectRef idx="0">
-            <a:schemeClr val="accent1"/>
-          </a:effectRef>
-          <a:fontRef idx="minor">
-            <a:schemeClr val="tx1"/>
-          </a:fontRef>
-        </p:style>
-      </p:cxnSp>
-      <p:cxnSp>
-        <p:nvCxnSpPr>
-          <p:cNvPr id="14" name="直接箭头连接符 13">
-            <a:extLst>
-              <a:ext uri="{FF2B5EF4-FFF2-40B4-BE49-F238E27FC236}">
-                <a16:creationId xmlns:a16="http://schemas.microsoft.com/office/drawing/2014/main" id="{119ED372-05FD-48D5-A341-7B9B1ED2867D}"/>
-              </a:ext>
-            </a:extLst>
-          </p:cNvPr>
-          <p:cNvCxnSpPr>
-            <a:cxnSpLocks/>
-          </p:cNvCxnSpPr>
-          <p:nvPr/>
-        </p:nvCxnSpPr>
-        <p:spPr>
-          <a:xfrm>
-            <a:off x="3588840" y="3156383"/>
-            <a:ext cx="2253503" cy="0"/>
-          </a:xfrm>
-          <a:prstGeom prst="straightConnector1">
-            <a:avLst/>
-          </a:prstGeom>
-          <a:ln>
-            <a:headEnd type="triangle"/>
-            <a:tailEnd type="triangle"/>
-          </a:ln>
-        </p:spPr>
-        <p:style>
-          <a:lnRef idx="1">
-            <a:schemeClr val="accent1"/>
-          </a:lnRef>
-          <a:fillRef idx="0">
-            <a:schemeClr val="accent1"/>
-          </a:fillRef>
-          <a:effectRef idx="0">
-            <a:schemeClr val="accent1"/>
-          </a:effectRef>
-          <a:fontRef idx="minor">
-            <a:schemeClr val="tx1"/>
-          </a:fontRef>
-        </p:style>
-      </p:cxnSp>
-      <p:cxnSp>
-        <p:nvCxnSpPr>
-          <p:cNvPr id="15" name="直接箭头连接符 14">
-            <a:extLst>
-              <a:ext uri="{FF2B5EF4-FFF2-40B4-BE49-F238E27FC236}">
-                <a16:creationId xmlns:a16="http://schemas.microsoft.com/office/drawing/2014/main" id="{E672B561-4467-42B8-A228-D8AFC1A3BDA1}"/>
-              </a:ext>
-            </a:extLst>
-          </p:cNvPr>
-          <p:cNvCxnSpPr>
-            <a:cxnSpLocks/>
-          </p:cNvCxnSpPr>
-          <p:nvPr/>
-        </p:nvCxnSpPr>
-        <p:spPr>
-          <a:xfrm>
-            <a:off x="3588840" y="3533357"/>
-            <a:ext cx="2253503" cy="0"/>
-          </a:xfrm>
-          <a:prstGeom prst="straightConnector1">
-            <a:avLst/>
-          </a:prstGeom>
-          <a:ln>
-            <a:headEnd type="triangle"/>
-            <a:tailEnd type="triangle"/>
-          </a:ln>
-        </p:spPr>
-        <p:style>
-          <a:lnRef idx="1">
-            <a:schemeClr val="accent1"/>
-          </a:lnRef>
-          <a:fillRef idx="0">
-            <a:schemeClr val="accent1"/>
-          </a:fillRef>
-          <a:effectRef idx="0">
-            <a:schemeClr val="accent1"/>
-          </a:effectRef>
-          <a:fontRef idx="minor">
-            <a:schemeClr val="tx1"/>
-          </a:fontRef>
-        </p:style>
-      </p:cxnSp>
       <p:grpSp>
         <p:nvGrpSpPr>
           <p:cNvPr id="19" name="组合 18">
@@ -12252,7 +12715,7 @@
         </p:nvGrpSpPr>
         <p:grpSpPr>
           <a:xfrm>
-            <a:off x="1682161" y="4458854"/>
+            <a:off x="363943" y="4472635"/>
             <a:ext cx="6010458" cy="653800"/>
             <a:chOff x="3288" y="1291966"/>
             <a:chExt cx="1795344" cy="653800"/>
@@ -12373,7 +12836,7 @@
         </p:nvGrpSpPr>
         <p:grpSpPr>
           <a:xfrm>
-            <a:off x="1682161" y="5134630"/>
+            <a:off x="363943" y="5148411"/>
             <a:ext cx="6010458" cy="1075541"/>
             <a:chOff x="3288" y="1945767"/>
             <a:chExt cx="1977147" cy="1641252"/>
@@ -12487,7 +12950,7 @@
             </a:bodyPr>
             <a:lstStyle/>
             <a:p>
-              <a:pPr marL="0" lvl="1" algn="l" defTabSz="844550">
+              <a:pPr marL="342900" lvl="1" indent="-342900" algn="l" defTabSz="844550">
                 <a:lnSpc>
                   <a:spcPct val="90000"/>
                 </a:lnSpc>
@@ -12497,66 +12960,48 @@
                 <a:spcAft>
                   <a:spcPct val="15000"/>
                 </a:spcAft>
+                <a:buFont typeface="Arial" panose="020B0604020202020204" pitchFamily="34" charset="0"/>
+                <a:buChar char="•"/>
               </a:pPr>
               <a:r>
-                <a:rPr lang="en-US" altLang="zh-CN" sz="1900" dirty="0"/>
-                <a:t>1.</a:t>
+                <a:rPr lang="en-US" altLang="zh-CN" sz="2000" dirty="0"/>
+                <a:t>Reliable and high</a:t>
               </a:r>
               <a:r>
-                <a:rPr lang="zh-CN" altLang="en-US" sz="1900" dirty="0"/>
+                <a:rPr lang="zh-CN" altLang="en-US" sz="2000" dirty="0"/>
                 <a:t> </a:t>
               </a:r>
               <a:r>
-                <a:rPr lang="en-US" altLang="zh-CN" sz="1900" dirty="0"/>
-                <a:t>Reliable and High</a:t>
+                <a:rPr lang="en-US" altLang="zh-CN" sz="2000" dirty="0"/>
+                <a:t>speed </a:t>
+              </a:r>
+              <a:br>
+                <a:rPr lang="en-US" altLang="zh-CN" sz="2000" dirty="0"/>
+              </a:br>
+              <a:r>
+                <a:rPr lang="en-US" altLang="zh-CN" sz="2000" dirty="0"/>
+                <a:t>communication </a:t>
               </a:r>
               <a:r>
-                <a:rPr lang="zh-CN" altLang="en-US" sz="1900" dirty="0"/>
+                <a:rPr lang="en-GB" altLang="zh-CN" sz="2000" dirty="0"/>
+                <a:t>to</a:t>
+              </a:r>
+              <a:r>
+                <a:rPr lang="de-DE" altLang="zh-CN" sz="2000" dirty="0"/>
                 <a:t> </a:t>
               </a:r>
               <a:r>
-                <a:rPr lang="en-US" altLang="zh-CN" sz="1900" dirty="0"/>
-                <a:t>Speed Communication</a:t>
+                <a:rPr lang="en-GB" altLang="zh-CN" sz="2000" dirty="0"/>
+                <a:t>the </a:t>
               </a:r>
-            </a:p>
-            <a:p>
-              <a:pPr marL="0" lvl="1" algn="l" defTabSz="844550">
-                <a:lnSpc>
-                  <a:spcPct val="90000"/>
-                </a:lnSpc>
-                <a:spcBef>
-                  <a:spcPct val="0"/>
-                </a:spcBef>
-                <a:spcAft>
-                  <a:spcPct val="15000"/>
-                </a:spcAft>
-              </a:pPr>
+              <a:br>
+                <a:rPr lang="en-GB" altLang="zh-CN" sz="2000" dirty="0"/>
+              </a:br>
               <a:r>
-                <a:rPr lang="en-US" altLang="zh-CN" sz="1900" dirty="0"/>
-                <a:t>2. …</a:t>
+                <a:rPr lang="en-GB" altLang="zh-CN" sz="2000" dirty="0"/>
+                <a:t>UAV is required</a:t>
               </a:r>
-            </a:p>
-            <a:p>
-              <a:pPr marL="0" lvl="1" algn="l" defTabSz="844550">
-                <a:lnSpc>
-                  <a:spcPct val="90000"/>
-                </a:lnSpc>
-                <a:spcBef>
-                  <a:spcPct val="0"/>
-                </a:spcBef>
-                <a:spcAft>
-                  <a:spcPct val="15000"/>
-                </a:spcAft>
-              </a:pPr>
-              <a:r>
-                <a:rPr lang="en-US" altLang="zh-CN" sz="1900" dirty="0"/>
-                <a:t>3. …</a:t>
-              </a:r>
-              <a:r>
-                <a:rPr lang="zh-CN" altLang="en-US" sz="1900" dirty="0"/>
-                <a:t> </a:t>
-              </a:r>
-              <a:endParaRPr lang="en-GB" sz="1900" kern="1200" dirty="0"/>
+              <a:endParaRPr lang="en-GB" sz="2000" kern="1200" dirty="0"/>
             </a:p>
             <a:p>
               <a:pPr marL="171450" lvl="1" indent="-171450" algn="l" defTabSz="844550">
@@ -12691,14 +13136,14 @@
               <a:pPr algn="ctr"/>
               <a:r>
                 <a:rPr lang="en-US" altLang="zh-CN" sz="2000" dirty="0"/>
-                <a:t>Requirement of </a:t>
+                <a:t>Requirements for </a:t>
               </a:r>
             </a:p>
             <a:p>
               <a:pPr algn="ctr"/>
               <a:r>
                 <a:rPr lang="en-US" altLang="zh-CN" sz="2000" dirty="0"/>
-                <a:t>Sensor Fusion</a:t>
+                <a:t>sensor fusion</a:t>
               </a:r>
             </a:p>
           </p:txBody>
@@ -12925,12 +13370,108 @@
           </p:txBody>
         </p:sp>
       </p:grpSp>
+      <p:sp>
+        <p:nvSpPr>
+          <p:cNvPr id="25" name="下箭头 24"/>
+          <p:cNvSpPr/>
+          <p:nvPr/>
+        </p:nvSpPr>
+        <p:spPr>
+          <a:xfrm rot="15212754">
+            <a:off x="4184130" y="1146492"/>
+            <a:ext cx="336371" cy="1681293"/>
+          </a:xfrm>
+          <a:prstGeom prst="downArrow">
+            <a:avLst/>
+          </a:prstGeom>
+          <a:solidFill>
+            <a:schemeClr val="bg1"/>
+          </a:solidFill>
+          <a:ln>
+            <a:solidFill>
+              <a:schemeClr val="tx1"/>
+            </a:solidFill>
+          </a:ln>
+        </p:spPr>
+        <p:style>
+          <a:lnRef idx="2">
+            <a:schemeClr val="accent1">
+              <a:shade val="50000"/>
+            </a:schemeClr>
+          </a:lnRef>
+          <a:fillRef idx="1">
+            <a:schemeClr val="accent1"/>
+          </a:fillRef>
+          <a:effectRef idx="0">
+            <a:schemeClr val="accent1"/>
+          </a:effectRef>
+          <a:fontRef idx="minor">
+            <a:schemeClr val="lt1"/>
+          </a:fontRef>
+        </p:style>
+        <p:txBody>
+          <a:bodyPr rtlCol="0" anchor="ctr"/>
+          <a:lstStyle/>
+          <a:p>
+            <a:pPr algn="ctr"/>
+            <a:endParaRPr lang="zh-CN" altLang="en-US"/>
+          </a:p>
+        </p:txBody>
+      </p:sp>
+      <p:sp>
+        <p:nvSpPr>
+          <p:cNvPr id="26" name="下箭头 25"/>
+          <p:cNvSpPr/>
+          <p:nvPr/>
+        </p:nvSpPr>
+        <p:spPr>
+          <a:xfrm rot="17100000">
+            <a:off x="4167992" y="1876648"/>
+            <a:ext cx="336371" cy="1594996"/>
+          </a:xfrm>
+          <a:prstGeom prst="downArrow">
+            <a:avLst/>
+          </a:prstGeom>
+          <a:solidFill>
+            <a:schemeClr val="bg1"/>
+          </a:solidFill>
+          <a:ln>
+            <a:solidFill>
+              <a:schemeClr val="tx1"/>
+            </a:solidFill>
+          </a:ln>
+        </p:spPr>
+        <p:style>
+          <a:lnRef idx="2">
+            <a:schemeClr val="accent1">
+              <a:shade val="50000"/>
+            </a:schemeClr>
+          </a:lnRef>
+          <a:fillRef idx="1">
+            <a:schemeClr val="accent1"/>
+          </a:fillRef>
+          <a:effectRef idx="0">
+            <a:schemeClr val="accent1"/>
+          </a:effectRef>
+          <a:fontRef idx="minor">
+            <a:schemeClr val="lt1"/>
+          </a:fontRef>
+        </p:style>
+        <p:txBody>
+          <a:bodyPr rtlCol="0" anchor="ctr"/>
+          <a:lstStyle/>
+          <a:p>
+            <a:pPr algn="ctr"/>
+            <a:endParaRPr lang="zh-CN" altLang="en-US"/>
+          </a:p>
+        </p:txBody>
+      </p:sp>
       <p:grpSp>
         <p:nvGrpSpPr>
           <p:cNvPr id="31" name="组合 30">
             <a:extLst>
               <a:ext uri="{FF2B5EF4-FFF2-40B4-BE49-F238E27FC236}">
-                <a16:creationId xmlns:a16="http://schemas.microsoft.com/office/drawing/2014/main" id="{64ED3988-CCF2-4396-A0ED-EE0A8F2EDAE6}"/>
+                <a16:creationId xmlns:a16="http://schemas.microsoft.com/office/drawing/2014/main" id="{DF841A08-2BEC-48D8-B6E0-1BC79FCA6B50}"/>
               </a:ext>
             </a:extLst>
           </p:cNvPr>
@@ -12939,18 +13480,18 @@
         </p:nvGrpSpPr>
         <p:grpSpPr>
           <a:xfrm>
-            <a:off x="5999580" y="1588607"/>
-            <a:ext cx="2477173" cy="653800"/>
-            <a:chOff x="2257236" y="1291966"/>
-            <a:chExt cx="1977147" cy="653800"/>
+            <a:off x="5330739" y="1603779"/>
+            <a:ext cx="3139826" cy="746182"/>
+            <a:chOff x="3288" y="1945767"/>
+            <a:chExt cx="1977147" cy="1641252"/>
           </a:xfrm>
         </p:grpSpPr>
         <p:sp>
           <p:nvSpPr>
-            <p:cNvPr id="35" name="矩形 34">
+            <p:cNvPr id="32" name="矩形 31">
               <a:extLst>
                 <a:ext uri="{FF2B5EF4-FFF2-40B4-BE49-F238E27FC236}">
-                  <a16:creationId xmlns:a16="http://schemas.microsoft.com/office/drawing/2014/main" id="{40A5F236-752C-4953-AAC4-90DB24AF9439}"/>
+                  <a16:creationId xmlns:a16="http://schemas.microsoft.com/office/drawing/2014/main" id="{39820319-4F37-48FF-BDC1-56396DA6CDFA}"/>
                 </a:ext>
               </a:extLst>
             </p:cNvPr>
@@ -12959,136 +13500,7 @@
           </p:nvSpPr>
           <p:spPr>
             <a:xfrm>
-              <a:off x="2257236" y="1291966"/>
-              <a:ext cx="1977147" cy="653800"/>
-            </a:xfrm>
-            <a:prstGeom prst="rect">
-              <a:avLst/>
-            </a:prstGeom>
-          </p:spPr>
-          <p:style>
-            <a:lnRef idx="2">
-              <a:schemeClr val="accent3">
-                <a:hueOff val="0"/>
-                <a:satOff val="0"/>
-                <a:lumOff val="0"/>
-                <a:alphaOff val="0"/>
-              </a:schemeClr>
-            </a:lnRef>
-            <a:fillRef idx="1">
-              <a:schemeClr val="accent3">
-                <a:hueOff val="0"/>
-                <a:satOff val="0"/>
-                <a:lumOff val="0"/>
-                <a:alphaOff val="0"/>
-              </a:schemeClr>
-            </a:fillRef>
-            <a:effectRef idx="0">
-              <a:schemeClr val="accent3">
-                <a:hueOff val="0"/>
-                <a:satOff val="0"/>
-                <a:lumOff val="0"/>
-                <a:alphaOff val="0"/>
-              </a:schemeClr>
-            </a:effectRef>
-            <a:fontRef idx="minor">
-              <a:schemeClr val="lt1"/>
-            </a:fontRef>
-          </p:style>
-        </p:sp>
-        <p:sp>
-          <p:nvSpPr>
-            <p:cNvPr id="36" name="文本框 35">
-              <a:extLst>
-                <a:ext uri="{FF2B5EF4-FFF2-40B4-BE49-F238E27FC236}">
-                  <a16:creationId xmlns:a16="http://schemas.microsoft.com/office/drawing/2014/main" id="{FD3CB231-E347-4761-98D3-DBD697F228D6}"/>
-                </a:ext>
-              </a:extLst>
-            </p:cNvPr>
-            <p:cNvSpPr txBox="1"/>
-            <p:nvPr/>
-          </p:nvSpPr>
-          <p:spPr>
-            <a:xfrm>
-              <a:off x="2257236" y="1291966"/>
-              <a:ext cx="1977147" cy="653800"/>
-            </a:xfrm>
-            <a:prstGeom prst="rect">
-              <a:avLst/>
-            </a:prstGeom>
-          </p:spPr>
-          <p:style>
-            <a:lnRef idx="0">
-              <a:scrgbClr r="0" g="0" b="0"/>
-            </a:lnRef>
-            <a:fillRef idx="0">
-              <a:scrgbClr r="0" g="0" b="0"/>
-            </a:fillRef>
-            <a:effectRef idx="0">
-              <a:scrgbClr r="0" g="0" b="0"/>
-            </a:effectRef>
-            <a:fontRef idx="minor">
-              <a:schemeClr val="lt1"/>
-            </a:fontRef>
-          </p:style>
-          <p:txBody>
-            <a:bodyPr spcFirstLastPara="0" vert="horz" wrap="square" lIns="135128" tIns="77216" rIns="135128" bIns="77216" numCol="1" spcCol="1270" anchor="ctr" anchorCtr="0">
-              <a:noAutofit/>
-            </a:bodyPr>
-            <a:lstStyle/>
-            <a:p>
-              <a:pPr algn="ctr"/>
-              <a:r>
-                <a:rPr lang="de-DE" altLang="zh-CN" sz="2000" dirty="0"/>
-                <a:t>Properties of </a:t>
-              </a:r>
-              <a:r>
-                <a:rPr lang="en-US" altLang="zh-CN" sz="2000" dirty="0"/>
-                <a:t>Processor</a:t>
-              </a:r>
-              <a:r>
-                <a:rPr lang="de-DE" altLang="zh-CN" sz="2000" dirty="0"/>
-                <a:t> in UAV</a:t>
-              </a:r>
-            </a:p>
-          </p:txBody>
-        </p:sp>
-      </p:grpSp>
-      <p:grpSp>
-        <p:nvGrpSpPr>
-          <p:cNvPr id="32" name="组合 31">
-            <a:extLst>
-              <a:ext uri="{FF2B5EF4-FFF2-40B4-BE49-F238E27FC236}">
-                <a16:creationId xmlns:a16="http://schemas.microsoft.com/office/drawing/2014/main" id="{95D65243-0ACC-4EE2-98D4-75F67C6746C5}"/>
-              </a:ext>
-            </a:extLst>
-          </p:cNvPr>
-          <p:cNvGrpSpPr/>
-          <p:nvPr/>
-        </p:nvGrpSpPr>
-        <p:grpSpPr>
-          <a:xfrm>
-            <a:off x="5999580" y="2242408"/>
-            <a:ext cx="2477173" cy="1641252"/>
-            <a:chOff x="2257236" y="1945767"/>
-            <a:chExt cx="1977147" cy="1641252"/>
-          </a:xfrm>
-        </p:grpSpPr>
-        <p:sp>
-          <p:nvSpPr>
-            <p:cNvPr id="33" name="矩形 32">
-              <a:extLst>
-                <a:ext uri="{FF2B5EF4-FFF2-40B4-BE49-F238E27FC236}">
-                  <a16:creationId xmlns:a16="http://schemas.microsoft.com/office/drawing/2014/main" id="{539AC879-2539-42ED-95E3-995FA9A106AB}"/>
-                </a:ext>
-              </a:extLst>
-            </p:cNvPr>
-            <p:cNvSpPr/>
-            <p:nvPr/>
-          </p:nvSpPr>
-          <p:spPr>
-            <a:xfrm>
-              <a:off x="2257236" y="1945767"/>
+              <a:off x="3288" y="1945767"/>
               <a:ext cx="1977147" cy="1641252"/>
             </a:xfrm>
             <a:prstGeom prst="rect">
@@ -13138,10 +13550,10 @@
         </p:sp>
         <p:sp>
           <p:nvSpPr>
-            <p:cNvPr id="34" name="文本框 33">
+            <p:cNvPr id="33" name="文本框 32">
               <a:extLst>
                 <a:ext uri="{FF2B5EF4-FFF2-40B4-BE49-F238E27FC236}">
-                  <a16:creationId xmlns:a16="http://schemas.microsoft.com/office/drawing/2014/main" id="{0F6FA8F5-48CF-40B1-B878-CB6818CAF916}"/>
+                  <a16:creationId xmlns:a16="http://schemas.microsoft.com/office/drawing/2014/main" id="{9BA9971F-6700-4DB4-978F-2D85CCB32F62}"/>
                 </a:ext>
               </a:extLst>
             </p:cNvPr>
@@ -13150,7 +13562,7 @@
           </p:nvSpPr>
           <p:spPr>
             <a:xfrm>
-              <a:off x="2257236" y="1945767"/>
+              <a:off x="3288" y="1945767"/>
               <a:ext cx="1977147" cy="1641252"/>
             </a:xfrm>
             <a:prstGeom prst="rect">
@@ -13182,7 +13594,7 @@
             </a:bodyPr>
             <a:lstStyle/>
             <a:p>
-              <a:pPr marL="171450" lvl="1" indent="-171450" defTabSz="844550">
+              <a:pPr marL="0" lvl="1" algn="l" defTabSz="844550">
                 <a:lnSpc>
                   <a:spcPct val="90000"/>
                 </a:lnSpc>
@@ -13192,73 +13604,12 @@
                 <a:spcAft>
                   <a:spcPct val="15000"/>
                 </a:spcAft>
-                <a:buChar char="•"/>
-              </a:pPr>
-              <a:r>
-                <a:rPr lang="de-DE" sz="2000" dirty="0" err="1"/>
-                <a:t>difficult</a:t>
-              </a:r>
-              <a:endParaRPr lang="en-GB" sz="1900" kern="1200" dirty="0"/>
-            </a:p>
-            <a:p>
-              <a:pPr marL="171450" lvl="1" indent="-171450" defTabSz="844550">
-                <a:lnSpc>
-                  <a:spcPct val="90000"/>
-                </a:lnSpc>
-                <a:spcBef>
-                  <a:spcPct val="0"/>
-                </a:spcBef>
-                <a:spcAft>
-                  <a:spcPct val="15000"/>
-                </a:spcAft>
-                <a:buChar char="•"/>
-              </a:pPr>
-              <a:r>
-                <a:rPr lang="de-DE" altLang="zh-CN" sz="2000" dirty="0"/>
-                <a:t>limited</a:t>
-              </a:r>
-              <a:r>
-                <a:rPr lang="en-US" altLang="zh-CN" sz="2000" dirty="0"/>
-                <a:t> </a:t>
-              </a:r>
-            </a:p>
-            <a:p>
-              <a:pPr marL="171450" lvl="1" indent="-171450" defTabSz="844550">
-                <a:lnSpc>
-                  <a:spcPct val="90000"/>
-                </a:lnSpc>
-                <a:spcBef>
-                  <a:spcPct val="0"/>
-                </a:spcBef>
-                <a:spcAft>
-                  <a:spcPct val="15000"/>
-                </a:spcAft>
-                <a:buChar char="•"/>
               </a:pPr>
               <a:r>
                 <a:rPr lang="en-US" altLang="zh-CN" sz="2000" dirty="0"/>
-                <a:t>slow</a:t>
+                <a:t>Processor provided by UAV</a:t>
               </a:r>
-              <a:endParaRPr lang="en-GB" sz="1900" kern="1200" dirty="0"/>
-            </a:p>
-            <a:p>
-              <a:pPr marL="171450" lvl="1" indent="-171450" algn="l" defTabSz="844550">
-                <a:lnSpc>
-                  <a:spcPct val="90000"/>
-                </a:lnSpc>
-                <a:spcBef>
-                  <a:spcPct val="0"/>
-                </a:spcBef>
-                <a:spcAft>
-                  <a:spcPct val="15000"/>
-                </a:spcAft>
-                <a:buChar char="•"/>
-              </a:pPr>
-              <a:r>
-                <a:rPr lang="en-US" altLang="zh-CN" sz="1900" dirty="0"/>
-                <a:t>Not very enough</a:t>
-              </a:r>
-              <a:endParaRPr lang="en-GB" sz="1900" kern="1200" dirty="0"/>
+              <a:endParaRPr lang="en-GB" sz="2000" kern="1200" dirty="0"/>
             </a:p>
             <a:p>
               <a:pPr marL="171450" lvl="1" indent="-171450" algn="l" defTabSz="844550">
@@ -13278,6 +13629,607 @@
           </p:txBody>
         </p:sp>
       </p:grpSp>
+      <p:grpSp>
+        <p:nvGrpSpPr>
+          <p:cNvPr id="35" name="组合 34">
+            <a:extLst>
+              <a:ext uri="{FF2B5EF4-FFF2-40B4-BE49-F238E27FC236}">
+                <a16:creationId xmlns:a16="http://schemas.microsoft.com/office/drawing/2014/main" id="{DF841A08-2BEC-48D8-B6E0-1BC79FCA6B50}"/>
+              </a:ext>
+            </a:extLst>
+          </p:cNvPr>
+          <p:cNvGrpSpPr/>
+          <p:nvPr/>
+        </p:nvGrpSpPr>
+        <p:grpSpPr>
+          <a:xfrm>
+            <a:off x="5330739" y="2708239"/>
+            <a:ext cx="3255368" cy="440266"/>
+            <a:chOff x="3288" y="1945767"/>
+            <a:chExt cx="1977147" cy="1641252"/>
+          </a:xfrm>
+        </p:grpSpPr>
+        <p:sp>
+          <p:nvSpPr>
+            <p:cNvPr id="36" name="矩形 35">
+              <a:extLst>
+                <a:ext uri="{FF2B5EF4-FFF2-40B4-BE49-F238E27FC236}">
+                  <a16:creationId xmlns:a16="http://schemas.microsoft.com/office/drawing/2014/main" id="{39820319-4F37-48FF-BDC1-56396DA6CDFA}"/>
+                </a:ext>
+              </a:extLst>
+            </p:cNvPr>
+            <p:cNvSpPr/>
+            <p:nvPr/>
+          </p:nvSpPr>
+          <p:spPr>
+            <a:xfrm>
+              <a:off x="3288" y="1945767"/>
+              <a:ext cx="1977147" cy="1641252"/>
+            </a:xfrm>
+            <a:prstGeom prst="rect">
+              <a:avLst/>
+            </a:prstGeom>
+          </p:spPr>
+          <p:style>
+            <a:lnRef idx="2">
+              <a:schemeClr val="accent3">
+                <a:alpha val="90000"/>
+                <a:tint val="40000"/>
+                <a:hueOff val="0"/>
+                <a:satOff val="0"/>
+                <a:lumOff val="0"/>
+                <a:alphaOff val="0"/>
+              </a:schemeClr>
+            </a:lnRef>
+            <a:fillRef idx="1">
+              <a:schemeClr val="accent3">
+                <a:alpha val="90000"/>
+                <a:tint val="40000"/>
+                <a:hueOff val="0"/>
+                <a:satOff val="0"/>
+                <a:lumOff val="0"/>
+                <a:alphaOff val="0"/>
+              </a:schemeClr>
+            </a:fillRef>
+            <a:effectRef idx="0">
+              <a:schemeClr val="accent3">
+                <a:alpha val="90000"/>
+                <a:tint val="40000"/>
+                <a:hueOff val="0"/>
+                <a:satOff val="0"/>
+                <a:lumOff val="0"/>
+                <a:alphaOff val="0"/>
+              </a:schemeClr>
+            </a:effectRef>
+            <a:fontRef idx="minor">
+              <a:schemeClr val="dk1">
+                <a:hueOff val="0"/>
+                <a:satOff val="0"/>
+                <a:lumOff val="0"/>
+                <a:alphaOff val="0"/>
+              </a:schemeClr>
+            </a:fontRef>
+          </p:style>
+        </p:sp>
+        <p:sp>
+          <p:nvSpPr>
+            <p:cNvPr id="41" name="文本框 40">
+              <a:extLst>
+                <a:ext uri="{FF2B5EF4-FFF2-40B4-BE49-F238E27FC236}">
+                  <a16:creationId xmlns:a16="http://schemas.microsoft.com/office/drawing/2014/main" id="{9BA9971F-6700-4DB4-978F-2D85CCB32F62}"/>
+                </a:ext>
+              </a:extLst>
+            </p:cNvPr>
+            <p:cNvSpPr txBox="1"/>
+            <p:nvPr/>
+          </p:nvSpPr>
+          <p:spPr>
+            <a:xfrm>
+              <a:off x="3288" y="1945767"/>
+              <a:ext cx="1977147" cy="1641252"/>
+            </a:xfrm>
+            <a:prstGeom prst="rect">
+              <a:avLst/>
+            </a:prstGeom>
+          </p:spPr>
+          <p:style>
+            <a:lnRef idx="0">
+              <a:scrgbClr r="0" g="0" b="0"/>
+            </a:lnRef>
+            <a:fillRef idx="0">
+              <a:scrgbClr r="0" g="0" b="0"/>
+            </a:fillRef>
+            <a:effectRef idx="0">
+              <a:scrgbClr r="0" g="0" b="0"/>
+            </a:effectRef>
+            <a:fontRef idx="minor">
+              <a:schemeClr val="dk1">
+                <a:hueOff val="0"/>
+                <a:satOff val="0"/>
+                <a:lumOff val="0"/>
+                <a:alphaOff val="0"/>
+              </a:schemeClr>
+            </a:fontRef>
+          </p:style>
+          <p:txBody>
+            <a:bodyPr spcFirstLastPara="0" vert="horz" wrap="square" lIns="101346" tIns="101346" rIns="135128" bIns="152019" numCol="1" spcCol="1270" anchor="t" anchorCtr="0">
+              <a:noAutofit/>
+            </a:bodyPr>
+            <a:lstStyle/>
+            <a:p>
+              <a:pPr marL="0" lvl="1" algn="l" defTabSz="844550">
+                <a:lnSpc>
+                  <a:spcPct val="90000"/>
+                </a:lnSpc>
+                <a:spcBef>
+                  <a:spcPct val="0"/>
+                </a:spcBef>
+                <a:spcAft>
+                  <a:spcPct val="15000"/>
+                </a:spcAft>
+              </a:pPr>
+              <a:r>
+                <a:rPr lang="en-US" sz="2000" dirty="0"/>
+                <a:t>A new powerful processor</a:t>
+              </a:r>
+              <a:endParaRPr lang="en-GB" sz="2000" kern="1200" dirty="0"/>
+            </a:p>
+          </p:txBody>
+        </p:sp>
+      </p:grpSp>
+      <p:sp>
+        <p:nvSpPr>
+          <p:cNvPr id="42" name="Freihandform: Form 2">
+            <a:extLst>
+              <a:ext uri="{FF2B5EF4-FFF2-40B4-BE49-F238E27FC236}">
+                <a16:creationId xmlns:a16="http://schemas.microsoft.com/office/drawing/2014/main" id="{D0B23CD9-5234-4841-9579-ACFF2C7E72B0}"/>
+              </a:ext>
+            </a:extLst>
+          </p:cNvPr>
+          <p:cNvSpPr/>
+          <p:nvPr/>
+        </p:nvSpPr>
+        <p:spPr>
+          <a:xfrm>
+            <a:off x="6900652" y="3501530"/>
+            <a:ext cx="1953094" cy="589850"/>
+          </a:xfrm>
+          <a:custGeom>
+            <a:avLst/>
+            <a:gdLst>
+              <a:gd name="connsiteX0" fmla="*/ 0 w 1953094"/>
+              <a:gd name="connsiteY0" fmla="*/ 0 h 589850"/>
+              <a:gd name="connsiteX1" fmla="*/ 1953094 w 1953094"/>
+              <a:gd name="connsiteY1" fmla="*/ 0 h 589850"/>
+              <a:gd name="connsiteX2" fmla="*/ 1953094 w 1953094"/>
+              <a:gd name="connsiteY2" fmla="*/ 589850 h 589850"/>
+              <a:gd name="connsiteX3" fmla="*/ 0 w 1953094"/>
+              <a:gd name="connsiteY3" fmla="*/ 589850 h 589850"/>
+              <a:gd name="connsiteX4" fmla="*/ 0 w 1953094"/>
+              <a:gd name="connsiteY4" fmla="*/ 0 h 589850"/>
+            </a:gdLst>
+            <a:ahLst/>
+            <a:cxnLst>
+              <a:cxn ang="0">
+                <a:pos x="connsiteX0" y="connsiteY0"/>
+              </a:cxn>
+              <a:cxn ang="0">
+                <a:pos x="connsiteX1" y="connsiteY1"/>
+              </a:cxn>
+              <a:cxn ang="0">
+                <a:pos x="connsiteX2" y="connsiteY2"/>
+              </a:cxn>
+              <a:cxn ang="0">
+                <a:pos x="connsiteX3" y="connsiteY3"/>
+              </a:cxn>
+              <a:cxn ang="0">
+                <a:pos x="connsiteX4" y="connsiteY4"/>
+              </a:cxn>
+            </a:cxnLst>
+            <a:rect l="l" t="t" r="r" b="b"/>
+            <a:pathLst>
+              <a:path w="1953094" h="589850">
+                <a:moveTo>
+                  <a:pt x="0" y="0"/>
+                </a:moveTo>
+                <a:lnTo>
+                  <a:pt x="1953094" y="0"/>
+                </a:lnTo>
+                <a:lnTo>
+                  <a:pt x="1953094" y="589850"/>
+                </a:lnTo>
+                <a:lnTo>
+                  <a:pt x="0" y="589850"/>
+                </a:lnTo>
+                <a:lnTo>
+                  <a:pt x="0" y="0"/>
+                </a:lnTo>
+                <a:close/>
+              </a:path>
+            </a:pathLst>
+          </a:custGeom>
+        </p:spPr>
+        <p:style>
+          <a:lnRef idx="2">
+            <a:schemeClr val="accent3">
+              <a:hueOff val="0"/>
+              <a:satOff val="0"/>
+              <a:lumOff val="0"/>
+              <a:alphaOff val="0"/>
+            </a:schemeClr>
+          </a:lnRef>
+          <a:fillRef idx="1">
+            <a:schemeClr val="accent3">
+              <a:hueOff val="0"/>
+              <a:satOff val="0"/>
+              <a:lumOff val="0"/>
+              <a:alphaOff val="0"/>
+            </a:schemeClr>
+          </a:fillRef>
+          <a:effectRef idx="0">
+            <a:schemeClr val="accent3">
+              <a:hueOff val="0"/>
+              <a:satOff val="0"/>
+              <a:lumOff val="0"/>
+              <a:alphaOff val="0"/>
+            </a:schemeClr>
+          </a:effectRef>
+          <a:fontRef idx="minor">
+            <a:schemeClr val="lt1"/>
+          </a:fontRef>
+        </p:style>
+        <p:txBody>
+          <a:bodyPr spcFirstLastPara="0" vert="horz" wrap="square" lIns="120904" tIns="69088" rIns="120904" bIns="69088" numCol="1" spcCol="1270" anchor="ctr" anchorCtr="0">
+            <a:noAutofit/>
+          </a:bodyPr>
+          <a:lstStyle/>
+          <a:p>
+            <a:pPr marL="0" lvl="0" indent="0" algn="ctr" defTabSz="755650">
+              <a:lnSpc>
+                <a:spcPct val="90000"/>
+              </a:lnSpc>
+              <a:spcBef>
+                <a:spcPct val="0"/>
+              </a:spcBef>
+              <a:spcAft>
+                <a:spcPct val="35000"/>
+              </a:spcAft>
+              <a:buNone/>
+            </a:pPr>
+            <a:r>
+              <a:rPr lang="en-GB" sz="2000" kern="1200" dirty="0"/>
+              <a:t>Requirements</a:t>
+            </a:r>
+            <a:endParaRPr lang="en-GB" sz="1700" kern="1200" dirty="0"/>
+          </a:p>
+        </p:txBody>
+      </p:sp>
+      <p:sp>
+        <p:nvSpPr>
+          <p:cNvPr id="43" name="Freihandform: Form 3">
+            <a:extLst>
+              <a:ext uri="{FF2B5EF4-FFF2-40B4-BE49-F238E27FC236}">
+                <a16:creationId xmlns:a16="http://schemas.microsoft.com/office/drawing/2014/main" id="{125B5C43-BB9D-4640-9E89-0BDC2F71919F}"/>
+              </a:ext>
+            </a:extLst>
+          </p:cNvPr>
+          <p:cNvSpPr/>
+          <p:nvPr/>
+        </p:nvSpPr>
+        <p:spPr>
+          <a:xfrm>
+            <a:off x="6900652" y="4091381"/>
+            <a:ext cx="1953094" cy="2132007"/>
+          </a:xfrm>
+          <a:custGeom>
+            <a:avLst/>
+            <a:gdLst>
+              <a:gd name="connsiteX0" fmla="*/ 0 w 1953094"/>
+              <a:gd name="connsiteY0" fmla="*/ 0 h 2132007"/>
+              <a:gd name="connsiteX1" fmla="*/ 1953094 w 1953094"/>
+              <a:gd name="connsiteY1" fmla="*/ 0 h 2132007"/>
+              <a:gd name="connsiteX2" fmla="*/ 1953094 w 1953094"/>
+              <a:gd name="connsiteY2" fmla="*/ 2132007 h 2132007"/>
+              <a:gd name="connsiteX3" fmla="*/ 0 w 1953094"/>
+              <a:gd name="connsiteY3" fmla="*/ 2132007 h 2132007"/>
+              <a:gd name="connsiteX4" fmla="*/ 0 w 1953094"/>
+              <a:gd name="connsiteY4" fmla="*/ 0 h 2132007"/>
+            </a:gdLst>
+            <a:ahLst/>
+            <a:cxnLst>
+              <a:cxn ang="0">
+                <a:pos x="connsiteX0" y="connsiteY0"/>
+              </a:cxn>
+              <a:cxn ang="0">
+                <a:pos x="connsiteX1" y="connsiteY1"/>
+              </a:cxn>
+              <a:cxn ang="0">
+                <a:pos x="connsiteX2" y="connsiteY2"/>
+              </a:cxn>
+              <a:cxn ang="0">
+                <a:pos x="connsiteX3" y="connsiteY3"/>
+              </a:cxn>
+              <a:cxn ang="0">
+                <a:pos x="connsiteX4" y="connsiteY4"/>
+              </a:cxn>
+            </a:cxnLst>
+            <a:rect l="l" t="t" r="r" b="b"/>
+            <a:pathLst>
+              <a:path w="1953094" h="2132007">
+                <a:moveTo>
+                  <a:pt x="0" y="0"/>
+                </a:moveTo>
+                <a:lnTo>
+                  <a:pt x="1953094" y="0"/>
+                </a:lnTo>
+                <a:lnTo>
+                  <a:pt x="1953094" y="2132007"/>
+                </a:lnTo>
+                <a:lnTo>
+                  <a:pt x="0" y="2132007"/>
+                </a:lnTo>
+                <a:lnTo>
+                  <a:pt x="0" y="0"/>
+                </a:lnTo>
+                <a:close/>
+              </a:path>
+            </a:pathLst>
+          </a:custGeom>
+        </p:spPr>
+        <p:style>
+          <a:lnRef idx="2">
+            <a:schemeClr val="accent3">
+              <a:alpha val="90000"/>
+              <a:tint val="40000"/>
+              <a:hueOff val="0"/>
+              <a:satOff val="0"/>
+              <a:lumOff val="0"/>
+              <a:alphaOff val="0"/>
+            </a:schemeClr>
+          </a:lnRef>
+          <a:fillRef idx="1">
+            <a:schemeClr val="accent3">
+              <a:alpha val="90000"/>
+              <a:tint val="40000"/>
+              <a:hueOff val="0"/>
+              <a:satOff val="0"/>
+              <a:lumOff val="0"/>
+              <a:alphaOff val="0"/>
+            </a:schemeClr>
+          </a:fillRef>
+          <a:effectRef idx="0">
+            <a:schemeClr val="accent3">
+              <a:alpha val="90000"/>
+              <a:tint val="40000"/>
+              <a:hueOff val="0"/>
+              <a:satOff val="0"/>
+              <a:lumOff val="0"/>
+              <a:alphaOff val="0"/>
+            </a:schemeClr>
+          </a:effectRef>
+          <a:fontRef idx="minor">
+            <a:schemeClr val="dk1">
+              <a:hueOff val="0"/>
+              <a:satOff val="0"/>
+              <a:lumOff val="0"/>
+              <a:alphaOff val="0"/>
+            </a:schemeClr>
+          </a:fontRef>
+        </p:style>
+        <p:txBody>
+          <a:bodyPr spcFirstLastPara="0" vert="horz" wrap="square" lIns="90678" tIns="90678" rIns="120904" bIns="136017" numCol="1" spcCol="1270" anchor="t" anchorCtr="0">
+            <a:noAutofit/>
+          </a:bodyPr>
+          <a:lstStyle/>
+          <a:p>
+            <a:pPr marL="171450" lvl="1" indent="-171450" algn="l" defTabSz="755650">
+              <a:lnSpc>
+                <a:spcPct val="90000"/>
+              </a:lnSpc>
+              <a:spcBef>
+                <a:spcPct val="0"/>
+              </a:spcBef>
+              <a:spcAft>
+                <a:spcPct val="15000"/>
+              </a:spcAft>
+              <a:buChar char="•"/>
+            </a:pPr>
+            <a:r>
+              <a:rPr lang="en-GB" sz="1700" kern="1200" dirty="0"/>
+              <a:t>Robust</a:t>
+            </a:r>
+          </a:p>
+          <a:p>
+            <a:pPr marL="342900" lvl="2" indent="-171450" algn="l" defTabSz="755650">
+              <a:lnSpc>
+                <a:spcPct val="90000"/>
+              </a:lnSpc>
+              <a:spcBef>
+                <a:spcPct val="0"/>
+              </a:spcBef>
+              <a:spcAft>
+                <a:spcPct val="15000"/>
+              </a:spcAft>
+              <a:buChar char="•"/>
+            </a:pPr>
+            <a:r>
+              <a:rPr lang="en-GB" sz="1700" kern="1200" dirty="0"/>
+              <a:t>Error detection</a:t>
+            </a:r>
+          </a:p>
+          <a:p>
+            <a:pPr marL="342900" lvl="2" indent="-171450" algn="l" defTabSz="755650">
+              <a:lnSpc>
+                <a:spcPct val="90000"/>
+              </a:lnSpc>
+              <a:spcBef>
+                <a:spcPct val="0"/>
+              </a:spcBef>
+              <a:spcAft>
+                <a:spcPct val="15000"/>
+              </a:spcAft>
+              <a:buChar char="•"/>
+            </a:pPr>
+            <a:r>
+              <a:rPr lang="en-GB" sz="1700" kern="1200" dirty="0"/>
+              <a:t>Reliability</a:t>
+            </a:r>
+          </a:p>
+          <a:p>
+            <a:pPr marL="171450" lvl="1" indent="-171450" algn="l" defTabSz="755650">
+              <a:lnSpc>
+                <a:spcPct val="90000"/>
+              </a:lnSpc>
+              <a:spcBef>
+                <a:spcPct val="0"/>
+              </a:spcBef>
+              <a:spcAft>
+                <a:spcPct val="15000"/>
+              </a:spcAft>
+              <a:buChar char="•"/>
+            </a:pPr>
+            <a:r>
+              <a:rPr lang="en-GB" sz="1700" kern="1200" dirty="0"/>
+              <a:t>Fast</a:t>
+            </a:r>
+          </a:p>
+          <a:p>
+            <a:pPr marL="171450" lvl="1" indent="-171450" algn="l" defTabSz="755650">
+              <a:lnSpc>
+                <a:spcPct val="90000"/>
+              </a:lnSpc>
+              <a:spcBef>
+                <a:spcPct val="0"/>
+              </a:spcBef>
+              <a:spcAft>
+                <a:spcPct val="15000"/>
+              </a:spcAft>
+              <a:buChar char="•"/>
+            </a:pPr>
+            <a:r>
+              <a:rPr lang="en-GB" sz="1700" kern="1200" dirty="0"/>
+              <a:t>Real time</a:t>
+            </a:r>
+          </a:p>
+          <a:p>
+            <a:pPr marL="171450" lvl="1" indent="-171450" algn="l" defTabSz="755650">
+              <a:lnSpc>
+                <a:spcPct val="90000"/>
+              </a:lnSpc>
+              <a:spcBef>
+                <a:spcPct val="0"/>
+              </a:spcBef>
+              <a:spcAft>
+                <a:spcPct val="15000"/>
+              </a:spcAft>
+              <a:buChar char="•"/>
+            </a:pPr>
+            <a:r>
+              <a:rPr lang="en-GB" sz="1700" kern="1200" dirty="0"/>
+              <a:t>Expandable</a:t>
+            </a:r>
+          </a:p>
+        </p:txBody>
+      </p:sp>
+      <p:sp>
+        <p:nvSpPr>
+          <p:cNvPr id="4" name="乘号 3"/>
+          <p:cNvSpPr/>
+          <p:nvPr/>
+        </p:nvSpPr>
+        <p:spPr>
+          <a:xfrm>
+            <a:off x="5414293" y="1151755"/>
+            <a:ext cx="3171813" cy="1682432"/>
+          </a:xfrm>
+          <a:prstGeom prst="mathMultiply">
+            <a:avLst>
+              <a:gd name="adj1" fmla="val 6853"/>
+            </a:avLst>
+          </a:prstGeom>
+          <a:solidFill>
+            <a:srgbClr val="C00000"/>
+          </a:solidFill>
+        </p:spPr>
+        <p:style>
+          <a:lnRef idx="2">
+            <a:schemeClr val="accent1">
+              <a:shade val="50000"/>
+            </a:schemeClr>
+          </a:lnRef>
+          <a:fillRef idx="1">
+            <a:schemeClr val="accent1"/>
+          </a:fillRef>
+          <a:effectRef idx="0">
+            <a:schemeClr val="accent1"/>
+          </a:effectRef>
+          <a:fontRef idx="minor">
+            <a:schemeClr val="lt1"/>
+          </a:fontRef>
+        </p:style>
+        <p:txBody>
+          <a:bodyPr rtlCol="0" anchor="ctr"/>
+          <a:lstStyle/>
+          <a:p>
+            <a:pPr algn="ctr"/>
+            <a:endParaRPr lang="zh-CN" altLang="en-US"/>
+          </a:p>
+        </p:txBody>
+      </p:sp>
+      <p:sp>
+        <p:nvSpPr>
+          <p:cNvPr id="34" name="下箭头 1">
+            <a:extLst>
+              <a:ext uri="{FF2B5EF4-FFF2-40B4-BE49-F238E27FC236}">
+                <a16:creationId xmlns:a16="http://schemas.microsoft.com/office/drawing/2014/main" id="{12FAF61E-5D79-40D1-831C-BE398FA76230}"/>
+              </a:ext>
+            </a:extLst>
+          </p:cNvPr>
+          <p:cNvSpPr/>
+          <p:nvPr/>
+        </p:nvSpPr>
+        <p:spPr>
+          <a:xfrm rot="16200000">
+            <a:off x="5011982" y="4032251"/>
+            <a:ext cx="549180" cy="3214023"/>
+          </a:xfrm>
+          <a:prstGeom prst="downArrow">
+            <a:avLst/>
+          </a:prstGeom>
+          <a:solidFill>
+            <a:schemeClr val="bg1"/>
+          </a:solidFill>
+          <a:ln>
+            <a:solidFill>
+              <a:schemeClr val="tx1"/>
+            </a:solidFill>
+          </a:ln>
+        </p:spPr>
+        <p:style>
+          <a:lnRef idx="2">
+            <a:schemeClr val="accent1">
+              <a:shade val="50000"/>
+            </a:schemeClr>
+          </a:lnRef>
+          <a:fillRef idx="1">
+            <a:schemeClr val="accent1"/>
+          </a:fillRef>
+          <a:effectRef idx="0">
+            <a:schemeClr val="accent1"/>
+          </a:effectRef>
+          <a:fontRef idx="minor">
+            <a:schemeClr val="lt1"/>
+          </a:fontRef>
+        </p:style>
+        <p:txBody>
+          <a:bodyPr rtlCol="0" anchor="ctr"/>
+          <a:lstStyle/>
+          <a:p>
+            <a:pPr algn="ctr"/>
+            <a:endParaRPr lang="zh-CN" altLang="en-US"/>
+          </a:p>
+        </p:txBody>
+      </p:sp>
     </p:spTree>
   </p:cSld>
   <p:clrMapOvr>
@@ -13288,8 +14240,345 @@
       <p:par>
         <p:cTn id="1" dur="indefinite" restart="never" nodeType="tmRoot">
           <p:childTnLst>
-            <p:seq>
-              <p:cTn id="2" nodeType="mainSeq"/>
+            <p:seq concurrent="1" nextAc="seek">
+              <p:cTn id="2" dur="indefinite" nodeType="mainSeq">
+                <p:childTnLst>
+                  <p:par>
+                    <p:cTn id="3" fill="hold">
+                      <p:stCondLst>
+                        <p:cond delay="indefinite"/>
+                      </p:stCondLst>
+                      <p:childTnLst>
+                        <p:par>
+                          <p:cTn id="4" fill="hold">
+                            <p:stCondLst>
+                              <p:cond delay="0"/>
+                            </p:stCondLst>
+                            <p:childTnLst>
+                              <p:par>
+                                <p:cTn id="5" presetID="10" presetClass="entr" presetSubtype="0" fill="hold" grpId="0" nodeType="clickEffect">
+                                  <p:stCondLst>
+                                    <p:cond delay="0"/>
+                                  </p:stCondLst>
+                                  <p:childTnLst>
+                                    <p:set>
+                                      <p:cBhvr>
+                                        <p:cTn id="6" dur="1" fill="hold">
+                                          <p:stCondLst>
+                                            <p:cond delay="0"/>
+                                          </p:stCondLst>
+                                        </p:cTn>
+                                        <p:tgtEl>
+                                          <p:spTgt spid="4"/>
+                                        </p:tgtEl>
+                                        <p:attrNameLst>
+                                          <p:attrName>style.visibility</p:attrName>
+                                        </p:attrNameLst>
+                                      </p:cBhvr>
+                                      <p:to>
+                                        <p:strVal val="visible"/>
+                                      </p:to>
+                                    </p:set>
+                                    <p:animEffect transition="in" filter="fade">
+                                      <p:cBhvr>
+                                        <p:cTn id="7" dur="500"/>
+                                        <p:tgtEl>
+                                          <p:spTgt spid="4"/>
+                                        </p:tgtEl>
+                                      </p:cBhvr>
+                                    </p:animEffect>
+                                  </p:childTnLst>
+                                </p:cTn>
+                              </p:par>
+                            </p:childTnLst>
+                          </p:cTn>
+                        </p:par>
+                      </p:childTnLst>
+                    </p:cTn>
+                  </p:par>
+                  <p:par>
+                    <p:cTn id="8" fill="hold">
+                      <p:stCondLst>
+                        <p:cond delay="indefinite"/>
+                      </p:stCondLst>
+                      <p:childTnLst>
+                        <p:par>
+                          <p:cTn id="9" fill="hold">
+                            <p:stCondLst>
+                              <p:cond delay="0"/>
+                            </p:stCondLst>
+                            <p:childTnLst>
+                              <p:par>
+                                <p:cTn id="10" presetID="10" presetClass="entr" presetSubtype="0" fill="hold" grpId="0" nodeType="clickEffect">
+                                  <p:stCondLst>
+                                    <p:cond delay="0"/>
+                                  </p:stCondLst>
+                                  <p:childTnLst>
+                                    <p:set>
+                                      <p:cBhvr>
+                                        <p:cTn id="11" dur="1" fill="hold">
+                                          <p:stCondLst>
+                                            <p:cond delay="0"/>
+                                          </p:stCondLst>
+                                        </p:cTn>
+                                        <p:tgtEl>
+                                          <p:spTgt spid="8"/>
+                                        </p:tgtEl>
+                                        <p:attrNameLst>
+                                          <p:attrName>style.visibility</p:attrName>
+                                        </p:attrNameLst>
+                                      </p:cBhvr>
+                                      <p:to>
+                                        <p:strVal val="visible"/>
+                                      </p:to>
+                                    </p:set>
+                                    <p:animEffect transition="in" filter="fade">
+                                      <p:cBhvr>
+                                        <p:cTn id="12" dur="250"/>
+                                        <p:tgtEl>
+                                          <p:spTgt spid="8"/>
+                                        </p:tgtEl>
+                                      </p:cBhvr>
+                                    </p:animEffect>
+                                  </p:childTnLst>
+                                </p:cTn>
+                              </p:par>
+                              <p:par>
+                                <p:cTn id="13" presetID="10" presetClass="entr" presetSubtype="0" fill="hold" nodeType="withEffect">
+                                  <p:stCondLst>
+                                    <p:cond delay="0"/>
+                                  </p:stCondLst>
+                                  <p:childTnLst>
+                                    <p:set>
+                                      <p:cBhvr>
+                                        <p:cTn id="14" dur="1" fill="hold">
+                                          <p:stCondLst>
+                                            <p:cond delay="0"/>
+                                          </p:stCondLst>
+                                        </p:cTn>
+                                        <p:tgtEl>
+                                          <p:spTgt spid="19"/>
+                                        </p:tgtEl>
+                                        <p:attrNameLst>
+                                          <p:attrName>style.visibility</p:attrName>
+                                        </p:attrNameLst>
+                                      </p:cBhvr>
+                                      <p:to>
+                                        <p:strVal val="visible"/>
+                                      </p:to>
+                                    </p:set>
+                                    <p:animEffect transition="in" filter="fade">
+                                      <p:cBhvr>
+                                        <p:cTn id="15" dur="250"/>
+                                        <p:tgtEl>
+                                          <p:spTgt spid="19"/>
+                                        </p:tgtEl>
+                                      </p:cBhvr>
+                                    </p:animEffect>
+                                  </p:childTnLst>
+                                </p:cTn>
+                              </p:par>
+                              <p:par>
+                                <p:cTn id="16" presetID="10" presetClass="entr" presetSubtype="0" fill="hold" nodeType="withEffect">
+                                  <p:stCondLst>
+                                    <p:cond delay="0"/>
+                                  </p:stCondLst>
+                                  <p:childTnLst>
+                                    <p:set>
+                                      <p:cBhvr>
+                                        <p:cTn id="17" dur="1" fill="hold">
+                                          <p:stCondLst>
+                                            <p:cond delay="0"/>
+                                          </p:stCondLst>
+                                        </p:cTn>
+                                        <p:tgtEl>
+                                          <p:spTgt spid="20"/>
+                                        </p:tgtEl>
+                                        <p:attrNameLst>
+                                          <p:attrName>style.visibility</p:attrName>
+                                        </p:attrNameLst>
+                                      </p:cBhvr>
+                                      <p:to>
+                                        <p:strVal val="visible"/>
+                                      </p:to>
+                                    </p:set>
+                                    <p:animEffect transition="in" filter="fade">
+                                      <p:cBhvr>
+                                        <p:cTn id="18" dur="250"/>
+                                        <p:tgtEl>
+                                          <p:spTgt spid="20"/>
+                                        </p:tgtEl>
+                                      </p:cBhvr>
+                                    </p:animEffect>
+                                  </p:childTnLst>
+                                </p:cTn>
+                              </p:par>
+                              <p:par>
+                                <p:cTn id="19" presetID="10" presetClass="entr" presetSubtype="0" fill="hold" grpId="0" nodeType="withEffect">
+                                  <p:stCondLst>
+                                    <p:cond delay="0"/>
+                                  </p:stCondLst>
+                                  <p:childTnLst>
+                                    <p:set>
+                                      <p:cBhvr>
+                                        <p:cTn id="20" dur="1" fill="hold">
+                                          <p:stCondLst>
+                                            <p:cond delay="0"/>
+                                          </p:stCondLst>
+                                        </p:cTn>
+                                        <p:tgtEl>
+                                          <p:spTgt spid="2"/>
+                                        </p:tgtEl>
+                                        <p:attrNameLst>
+                                          <p:attrName>style.visibility</p:attrName>
+                                        </p:attrNameLst>
+                                      </p:cBhvr>
+                                      <p:to>
+                                        <p:strVal val="visible"/>
+                                      </p:to>
+                                    </p:set>
+                                    <p:animEffect transition="in" filter="fade">
+                                      <p:cBhvr>
+                                        <p:cTn id="21" dur="250"/>
+                                        <p:tgtEl>
+                                          <p:spTgt spid="2"/>
+                                        </p:tgtEl>
+                                      </p:cBhvr>
+                                    </p:animEffect>
+                                  </p:childTnLst>
+                                </p:cTn>
+                              </p:par>
+                            </p:childTnLst>
+                          </p:cTn>
+                        </p:par>
+                      </p:childTnLst>
+                    </p:cTn>
+                  </p:par>
+                  <p:par>
+                    <p:cTn id="22" fill="hold">
+                      <p:stCondLst>
+                        <p:cond delay="indefinite"/>
+                      </p:stCondLst>
+                      <p:childTnLst>
+                        <p:par>
+                          <p:cTn id="23" fill="hold">
+                            <p:stCondLst>
+                              <p:cond delay="0"/>
+                            </p:stCondLst>
+                            <p:childTnLst>
+                              <p:par>
+                                <p:cTn id="24" presetID="10" presetClass="entr" presetSubtype="0" fill="hold" grpId="0" nodeType="clickEffect">
+                                  <p:stCondLst>
+                                    <p:cond delay="0"/>
+                                  </p:stCondLst>
+                                  <p:childTnLst>
+                                    <p:set>
+                                      <p:cBhvr>
+                                        <p:cTn id="25" dur="1" fill="hold">
+                                          <p:stCondLst>
+                                            <p:cond delay="0"/>
+                                          </p:stCondLst>
+                                        </p:cTn>
+                                        <p:tgtEl>
+                                          <p:spTgt spid="34"/>
+                                        </p:tgtEl>
+                                        <p:attrNameLst>
+                                          <p:attrName>style.visibility</p:attrName>
+                                        </p:attrNameLst>
+                                      </p:cBhvr>
+                                      <p:to>
+                                        <p:strVal val="visible"/>
+                                      </p:to>
+                                    </p:set>
+                                    <p:animEffect transition="in" filter="fade">
+                                      <p:cBhvr>
+                                        <p:cTn id="26" dur="500"/>
+                                        <p:tgtEl>
+                                          <p:spTgt spid="34"/>
+                                        </p:tgtEl>
+                                      </p:cBhvr>
+                                    </p:animEffect>
+                                  </p:childTnLst>
+                                </p:cTn>
+                              </p:par>
+                              <p:par>
+                                <p:cTn id="27" presetID="10" presetClass="entr" presetSubtype="0" fill="hold" grpId="0" nodeType="withEffect">
+                                  <p:stCondLst>
+                                    <p:cond delay="0"/>
+                                  </p:stCondLst>
+                                  <p:childTnLst>
+                                    <p:set>
+                                      <p:cBhvr>
+                                        <p:cTn id="28" dur="1" fill="hold">
+                                          <p:stCondLst>
+                                            <p:cond delay="0"/>
+                                          </p:stCondLst>
+                                        </p:cTn>
+                                        <p:tgtEl>
+                                          <p:spTgt spid="42"/>
+                                        </p:tgtEl>
+                                        <p:attrNameLst>
+                                          <p:attrName>style.visibility</p:attrName>
+                                        </p:attrNameLst>
+                                      </p:cBhvr>
+                                      <p:to>
+                                        <p:strVal val="visible"/>
+                                      </p:to>
+                                    </p:set>
+                                    <p:animEffect transition="in" filter="fade">
+                                      <p:cBhvr>
+                                        <p:cTn id="29" dur="500"/>
+                                        <p:tgtEl>
+                                          <p:spTgt spid="42"/>
+                                        </p:tgtEl>
+                                      </p:cBhvr>
+                                    </p:animEffect>
+                                  </p:childTnLst>
+                                </p:cTn>
+                              </p:par>
+                              <p:par>
+                                <p:cTn id="30" presetID="10" presetClass="entr" presetSubtype="0" fill="hold" grpId="0" nodeType="withEffect">
+                                  <p:stCondLst>
+                                    <p:cond delay="0"/>
+                                  </p:stCondLst>
+                                  <p:childTnLst>
+                                    <p:set>
+                                      <p:cBhvr>
+                                        <p:cTn id="31" dur="1" fill="hold">
+                                          <p:stCondLst>
+                                            <p:cond delay="0"/>
+                                          </p:stCondLst>
+                                        </p:cTn>
+                                        <p:tgtEl>
+                                          <p:spTgt spid="43"/>
+                                        </p:tgtEl>
+                                        <p:attrNameLst>
+                                          <p:attrName>style.visibility</p:attrName>
+                                        </p:attrNameLst>
+                                      </p:cBhvr>
+                                      <p:to>
+                                        <p:strVal val="visible"/>
+                                      </p:to>
+                                    </p:set>
+                                    <p:animEffect transition="in" filter="fade">
+                                      <p:cBhvr>
+                                        <p:cTn id="32" dur="500"/>
+                                        <p:tgtEl>
+                                          <p:spTgt spid="43"/>
+                                        </p:tgtEl>
+                                      </p:cBhvr>
+                                    </p:animEffect>
+                                  </p:childTnLst>
+                                </p:cTn>
+                              </p:par>
+                            </p:childTnLst>
+                          </p:cTn>
+                        </p:par>
+                      </p:childTnLst>
+                    </p:cTn>
+                  </p:par>
+                </p:childTnLst>
+              </p:cTn>
               <p:prevCondLst>
                 <p:cond evt="onPrev" delay="0">
                   <p:tgtEl>
@@ -13309,6 +14598,14 @@
         </p:cTn>
       </p:par>
     </p:tnLst>
+    <p:bldLst>
+      <p:bldP spid="2" grpId="0" animBg="1"/>
+      <p:bldP spid="8" grpId="0"/>
+      <p:bldP spid="42" grpId="0" animBg="1"/>
+      <p:bldP spid="43" grpId="0" animBg="1"/>
+      <p:bldP spid="4" grpId="0" animBg="1"/>
+      <p:bldP spid="34" grpId="0" animBg="1"/>
+    </p:bldLst>
   </p:timing>
 </p:sld>
 </file>
@@ -13359,7 +14656,7 @@
         </p:blipFill>
         <p:spPr bwMode="auto">
           <a:xfrm>
-            <a:off x="129475" y="1504943"/>
+            <a:off x="23089" y="1546910"/>
             <a:ext cx="2858984" cy="1612150"/>
           </a:xfrm>
           <a:prstGeom prst="rect">
@@ -13377,50 +14674,9 @@
           </a:extLst>
         </p:spPr>
       </p:pic>
-      <p:sp>
-        <p:nvSpPr>
-          <p:cNvPr id="104" name="CustomShape 1"/>
-          <p:cNvSpPr/>
-          <p:nvPr/>
-        </p:nvSpPr>
-        <p:spPr>
-          <a:xfrm>
-            <a:off x="358920" y="488880"/>
-            <a:ext cx="6641280" cy="837360"/>
-          </a:xfrm>
-          <a:prstGeom prst="rect">
-            <a:avLst/>
-          </a:prstGeom>
-          <a:noFill/>
-          <a:ln>
-            <a:noFill/>
-          </a:ln>
-        </p:spPr>
-        <p:txBody>
-          <a:bodyPr lIns="0" tIns="0" rIns="0" bIns="0" anchor="ctr"/>
-          <a:lstStyle/>
-          <a:p>
-            <a:pPr>
-              <a:lnSpc>
-                <a:spcPct val="100000"/>
-              </a:lnSpc>
-            </a:pPr>
-            <a:r>
-              <a:rPr lang="de-DE" sz="2400" b="1" dirty="0">
-                <a:solidFill>
-                  <a:srgbClr val="000000"/>
-                </a:solidFill>
-                <a:latin typeface="Arial"/>
-              </a:rPr>
-              <a:t>Basics – System Description</a:t>
-            </a:r>
-            <a:endParaRPr dirty="0"/>
-          </a:p>
-        </p:txBody>
-      </p:sp>
       <p:pic>
         <p:nvPicPr>
-          <p:cNvPr id="8" name="图片 7"/>
+          <p:cNvPr id="4" name="图片 3"/>
           <p:cNvPicPr>
             <a:picLocks noChangeAspect="1"/>
           </p:cNvPicPr>
@@ -13440,14 +14696,55 @@
         </p:blipFill>
         <p:spPr>
           <a:xfrm>
-            <a:off x="1810388" y="1789340"/>
-            <a:ext cx="6222837" cy="4459005"/>
+            <a:off x="1755648" y="2208916"/>
+            <a:ext cx="6053305" cy="4051413"/>
           </a:xfrm>
           <a:prstGeom prst="rect">
             <a:avLst/>
           </a:prstGeom>
         </p:spPr>
       </p:pic>
+      <p:sp>
+        <p:nvSpPr>
+          <p:cNvPr id="104" name="CustomShape 1"/>
+          <p:cNvSpPr/>
+          <p:nvPr/>
+        </p:nvSpPr>
+        <p:spPr>
+          <a:xfrm>
+            <a:off x="358920" y="488880"/>
+            <a:ext cx="6641280" cy="837360"/>
+          </a:xfrm>
+          <a:prstGeom prst="rect">
+            <a:avLst/>
+          </a:prstGeom>
+          <a:noFill/>
+          <a:ln>
+            <a:noFill/>
+          </a:ln>
+        </p:spPr>
+        <p:txBody>
+          <a:bodyPr lIns="0" tIns="0" rIns="0" bIns="0" anchor="ctr"/>
+          <a:lstStyle/>
+          <a:p>
+            <a:pPr>
+              <a:lnSpc>
+                <a:spcPct val="100000"/>
+              </a:lnSpc>
+            </a:pPr>
+            <a:r>
+              <a:rPr lang="de-DE" sz="2400" b="1" dirty="0">
+                <a:solidFill>
+                  <a:srgbClr val="000000"/>
+                </a:solidFill>
+                <a:latin typeface="Arial"/>
+              </a:rPr>
+              <a:t>Basics – System Description</a:t>
+            </a:r>
+            <a:endParaRPr dirty="0"/>
+          </a:p>
+        </p:txBody>
+      </p:sp>
       <p:cxnSp>
         <p:nvCxnSpPr>
           <p:cNvPr id="10" name="直接连接符 9"/>
@@ -13495,8 +14792,8 @@
         </p:nvSpPr>
         <p:spPr>
           <a:xfrm>
-            <a:off x="6358063" y="3196874"/>
-            <a:ext cx="787672" cy="967055"/>
+            <a:off x="5808028" y="2957479"/>
+            <a:ext cx="1092644" cy="1146379"/>
           </a:xfrm>
           <a:prstGeom prst="rect">
             <a:avLst/>
@@ -13588,8 +14885,8 @@
         </p:nvCxnSpPr>
         <p:spPr>
           <a:xfrm>
-            <a:off x="6738144" y="1546910"/>
-            <a:ext cx="0" cy="4752585"/>
+            <a:off x="6738144" y="1924791"/>
+            <a:ext cx="1" cy="4374704"/>
           </a:xfrm>
           <a:prstGeom prst="line">
             <a:avLst/>
@@ -13884,12 +15181,200 @@
           </p:txBody>
         </p:sp>
       </p:grpSp>
+      <p:pic>
+        <p:nvPicPr>
+          <p:cNvPr id="29" name="Picture 6" descr="Bildergebnis fÃ¼r nucleo 144">
+            <a:extLst>
+              <a:ext uri="{FF2B5EF4-FFF2-40B4-BE49-F238E27FC236}">
+                <a16:creationId xmlns:a16="http://schemas.microsoft.com/office/drawing/2014/main" id="{401A97C0-289E-463B-9108-5A73309B0608}"/>
+              </a:ext>
+            </a:extLst>
+          </p:cNvPr>
+          <p:cNvPicPr>
+            <a:picLocks noChangeAspect="1" noChangeArrowheads="1"/>
+          </p:cNvPicPr>
+          <p:nvPr/>
+        </p:nvPicPr>
+        <p:blipFill>
+          <a:blip r:embed="rId5" cstate="hqprint">
+            <a:extLst>
+              <a:ext uri="{28A0092B-C50C-407E-A947-70E740481C1C}">
+                <a14:useLocalDpi xmlns:a14="http://schemas.microsoft.com/office/drawing/2010/main" val="0"/>
+              </a:ext>
+            </a:extLst>
+          </a:blip>
+          <a:srcRect/>
+          <a:stretch>
+            <a:fillRect/>
+          </a:stretch>
+        </p:blipFill>
+        <p:spPr bwMode="auto">
+          <a:xfrm>
+            <a:off x="7985589" y="2720542"/>
+            <a:ext cx="803655" cy="1548468"/>
+          </a:xfrm>
+          <a:prstGeom prst="rect">
+            <a:avLst/>
+          </a:prstGeom>
+          <a:noFill/>
+          <a:extLst>
+            <a:ext uri="{909E8E84-426E-40DD-AFC4-6F175D3DCCD1}">
+              <a14:hiddenFill xmlns:a14="http://schemas.microsoft.com/office/drawing/2010/main">
+                <a:solidFill>
+                  <a:srgbClr val="FFFFFF"/>
+                </a:solidFill>
+              </a14:hiddenFill>
+            </a:ext>
+          </a:extLst>
+        </p:spPr>
+      </p:pic>
+      <p:cxnSp>
+        <p:nvCxnSpPr>
+          <p:cNvPr id="30" name="直接连接符 29">
+            <a:extLst>
+              <a:ext uri="{FF2B5EF4-FFF2-40B4-BE49-F238E27FC236}">
+                <a16:creationId xmlns:a16="http://schemas.microsoft.com/office/drawing/2014/main" id="{98EB6BF7-122B-4A3A-8062-5C11E235D78B}"/>
+              </a:ext>
+            </a:extLst>
+          </p:cNvPr>
+          <p:cNvCxnSpPr>
+            <a:cxnSpLocks/>
+          </p:cNvCxnSpPr>
+          <p:nvPr/>
+        </p:nvCxnSpPr>
+        <p:spPr>
+          <a:xfrm>
+            <a:off x="6740405" y="1924791"/>
+            <a:ext cx="2159353" cy="0"/>
+          </a:xfrm>
+          <a:prstGeom prst="line">
+            <a:avLst/>
+          </a:prstGeom>
+          <a:ln w="9525" cap="flat" cmpd="sng" algn="ctr">
+            <a:solidFill>
+              <a:schemeClr val="dk1"/>
+            </a:solidFill>
+            <a:prstDash val="dash"/>
+            <a:round/>
+            <a:headEnd type="none" w="med" len="med"/>
+            <a:tailEnd type="none" w="med" len="med"/>
+          </a:ln>
+        </p:spPr>
+        <p:style>
+          <a:lnRef idx="0">
+            <a:scrgbClr r="0" g="0" b="0"/>
+          </a:lnRef>
+          <a:fillRef idx="0">
+            <a:scrgbClr r="0" g="0" b="0"/>
+          </a:fillRef>
+          <a:effectRef idx="0">
+            <a:scrgbClr r="0" g="0" b="0"/>
+          </a:effectRef>
+          <a:fontRef idx="minor">
+            <a:schemeClr val="tx1"/>
+          </a:fontRef>
+        </p:style>
+      </p:cxnSp>
+      <p:cxnSp>
+        <p:nvCxnSpPr>
+          <p:cNvPr id="31" name="直接连接符 30">
+            <a:extLst>
+              <a:ext uri="{FF2B5EF4-FFF2-40B4-BE49-F238E27FC236}">
+                <a16:creationId xmlns:a16="http://schemas.microsoft.com/office/drawing/2014/main" id="{753EA9F3-AED5-410C-A6F0-CD8BE100BBB3}"/>
+              </a:ext>
+            </a:extLst>
+          </p:cNvPr>
+          <p:cNvCxnSpPr>
+            <a:cxnSpLocks/>
+          </p:cNvCxnSpPr>
+          <p:nvPr/>
+        </p:nvCxnSpPr>
+        <p:spPr>
+          <a:xfrm>
+            <a:off x="8897497" y="1924791"/>
+            <a:ext cx="0" cy="4374704"/>
+          </a:xfrm>
+          <a:prstGeom prst="line">
+            <a:avLst/>
+          </a:prstGeom>
+          <a:ln w="9525" cap="flat" cmpd="sng" algn="ctr">
+            <a:solidFill>
+              <a:schemeClr val="dk1"/>
+            </a:solidFill>
+            <a:prstDash val="dash"/>
+            <a:round/>
+            <a:headEnd type="none" w="med" len="med"/>
+            <a:tailEnd type="none" w="med" len="med"/>
+          </a:ln>
+        </p:spPr>
+        <p:style>
+          <a:lnRef idx="0">
+            <a:scrgbClr r="0" g="0" b="0"/>
+          </a:lnRef>
+          <a:fillRef idx="0">
+            <a:scrgbClr r="0" g="0" b="0"/>
+          </a:fillRef>
+          <a:effectRef idx="0">
+            <a:scrgbClr r="0" g="0" b="0"/>
+          </a:effectRef>
+          <a:fontRef idx="minor">
+            <a:schemeClr val="tx1"/>
+          </a:fontRef>
+        </p:style>
+      </p:cxnSp>
+      <p:cxnSp>
+        <p:nvCxnSpPr>
+          <p:cNvPr id="32" name="直接连接符 31">
+            <a:extLst>
+              <a:ext uri="{FF2B5EF4-FFF2-40B4-BE49-F238E27FC236}">
+                <a16:creationId xmlns:a16="http://schemas.microsoft.com/office/drawing/2014/main" id="{2BFECA4F-34F6-4564-B4AE-C44EAF744F50}"/>
+              </a:ext>
+            </a:extLst>
+          </p:cNvPr>
+          <p:cNvCxnSpPr>
+            <a:cxnSpLocks/>
+          </p:cNvCxnSpPr>
+          <p:nvPr/>
+        </p:nvCxnSpPr>
+        <p:spPr>
+          <a:xfrm>
+            <a:off x="6730811" y="6299495"/>
+            <a:ext cx="2159353" cy="0"/>
+          </a:xfrm>
+          <a:prstGeom prst="line">
+            <a:avLst/>
+          </a:prstGeom>
+          <a:ln w="9525" cap="flat" cmpd="sng" algn="ctr">
+            <a:solidFill>
+              <a:schemeClr val="dk1"/>
+            </a:solidFill>
+            <a:prstDash val="dash"/>
+            <a:round/>
+            <a:headEnd type="none" w="med" len="med"/>
+            <a:tailEnd type="none" w="med" len="med"/>
+          </a:ln>
+        </p:spPr>
+        <p:style>
+          <a:lnRef idx="0">
+            <a:scrgbClr r="0" g="0" b="0"/>
+          </a:lnRef>
+          <a:fillRef idx="0">
+            <a:scrgbClr r="0" g="0" b="0"/>
+          </a:fillRef>
+          <a:effectRef idx="0">
+            <a:scrgbClr r="0" g="0" b="0"/>
+          </a:effectRef>
+          <a:fontRef idx="minor">
+            <a:schemeClr val="tx1"/>
+          </a:fontRef>
+        </p:style>
+      </p:cxnSp>
       <p:grpSp>
         <p:nvGrpSpPr>
-          <p:cNvPr id="25" name="组合 24">
+          <p:cNvPr id="33" name="组合 32">
             <a:extLst>
               <a:ext uri="{FF2B5EF4-FFF2-40B4-BE49-F238E27FC236}">
-                <a16:creationId xmlns:a16="http://schemas.microsoft.com/office/drawing/2014/main" id="{0220BECA-08F2-4AD9-9B69-1A26AC581ECA}"/>
+                <a16:creationId xmlns:a16="http://schemas.microsoft.com/office/drawing/2014/main" id="{BF985023-0BA6-4DB5-BAED-E4206B82F4D6}"/>
               </a:ext>
             </a:extLst>
           </p:cNvPr>
@@ -13898,18 +15383,18 @@
         </p:nvGrpSpPr>
         <p:grpSpPr>
           <a:xfrm>
-            <a:off x="7054874" y="1648012"/>
-            <a:ext cx="1511229" cy="780939"/>
+            <a:off x="7000200" y="2076268"/>
+            <a:ext cx="1450603" cy="447075"/>
             <a:chOff x="3288" y="1291966"/>
             <a:chExt cx="1977147" cy="653800"/>
           </a:xfrm>
         </p:grpSpPr>
         <p:sp>
           <p:nvSpPr>
-            <p:cNvPr id="26" name="矩形 25">
+            <p:cNvPr id="34" name="矩形 33">
               <a:extLst>
                 <a:ext uri="{FF2B5EF4-FFF2-40B4-BE49-F238E27FC236}">
-                  <a16:creationId xmlns:a16="http://schemas.microsoft.com/office/drawing/2014/main" id="{FC16A95B-4241-41B9-BFB2-01FE1283CE77}"/>
+                  <a16:creationId xmlns:a16="http://schemas.microsoft.com/office/drawing/2014/main" id="{81CBA676-E5B6-4274-A9FA-66C3E0F86E5E}"/>
                 </a:ext>
               </a:extLst>
             </p:cNvPr>
@@ -13957,10 +15442,10 @@
         </p:sp>
         <p:sp>
           <p:nvSpPr>
-            <p:cNvPr id="27" name="文本框 26">
+            <p:cNvPr id="35" name="文本框 34">
               <a:extLst>
                 <a:ext uri="{FF2B5EF4-FFF2-40B4-BE49-F238E27FC236}">
-                  <a16:creationId xmlns:a16="http://schemas.microsoft.com/office/drawing/2014/main" id="{AC696439-72CB-4FA9-93AD-40687E2FEBF1}"/>
+                  <a16:creationId xmlns:a16="http://schemas.microsoft.com/office/drawing/2014/main" id="{DF3F8FB3-F23E-4726-B2C4-7B66CBAC4B54}"/>
                 </a:ext>
               </a:extLst>
             </p:cNvPr>
@@ -14009,201 +15494,14 @@
                 <a:buNone/>
               </a:pPr>
               <a:r>
-                <a:rPr lang="en-GB" sz="1900" kern="1200" dirty="0"/>
-                <a:t>Additional Processor</a:t>
+                <a:rPr lang="en-GB" sz="1900" dirty="0" err="1"/>
+                <a:t>Nucleo</a:t>
               </a:r>
+              <a:endParaRPr lang="en-GB" sz="1900" kern="1200" dirty="0"/>
             </a:p>
           </p:txBody>
         </p:sp>
       </p:grpSp>
-      <p:pic>
-        <p:nvPicPr>
-          <p:cNvPr id="29" name="Picture 6" descr="Bildergebnis fÃ¼r nucleo 144">
-            <a:extLst>
-              <a:ext uri="{FF2B5EF4-FFF2-40B4-BE49-F238E27FC236}">
-                <a16:creationId xmlns:a16="http://schemas.microsoft.com/office/drawing/2014/main" id="{401A97C0-289E-463B-9108-5A73309B0608}"/>
-              </a:ext>
-            </a:extLst>
-          </p:cNvPr>
-          <p:cNvPicPr>
-            <a:picLocks noChangeAspect="1" noChangeArrowheads="1"/>
-          </p:cNvPicPr>
-          <p:nvPr/>
-        </p:nvPicPr>
-        <p:blipFill>
-          <a:blip r:embed="rId5" cstate="hqprint">
-            <a:extLst>
-              <a:ext uri="{28A0092B-C50C-407E-A947-70E740481C1C}">
-                <a14:useLocalDpi xmlns:a14="http://schemas.microsoft.com/office/drawing/2010/main" val="0"/>
-              </a:ext>
-            </a:extLst>
-          </a:blip>
-          <a:srcRect/>
-          <a:stretch>
-            <a:fillRect/>
-          </a:stretch>
-        </p:blipFill>
-        <p:spPr bwMode="auto">
-          <a:xfrm>
-            <a:off x="8093842" y="2771306"/>
-            <a:ext cx="803655" cy="1548468"/>
-          </a:xfrm>
-          <a:prstGeom prst="rect">
-            <a:avLst/>
-          </a:prstGeom>
-          <a:noFill/>
-          <a:extLst>
-            <a:ext uri="{909E8E84-426E-40DD-AFC4-6F175D3DCCD1}">
-              <a14:hiddenFill xmlns:a14="http://schemas.microsoft.com/office/drawing/2010/main">
-                <a:solidFill>
-                  <a:srgbClr val="FFFFFF"/>
-                </a:solidFill>
-              </a14:hiddenFill>
-            </a:ext>
-          </a:extLst>
-        </p:spPr>
-      </p:pic>
-      <p:cxnSp>
-        <p:nvCxnSpPr>
-          <p:cNvPr id="30" name="直接连接符 29">
-            <a:extLst>
-              <a:ext uri="{FF2B5EF4-FFF2-40B4-BE49-F238E27FC236}">
-                <a16:creationId xmlns:a16="http://schemas.microsoft.com/office/drawing/2014/main" id="{98EB6BF7-122B-4A3A-8062-5C11E235D78B}"/>
-              </a:ext>
-            </a:extLst>
-          </p:cNvPr>
-          <p:cNvCxnSpPr>
-            <a:cxnSpLocks/>
-          </p:cNvCxnSpPr>
-          <p:nvPr/>
-        </p:nvCxnSpPr>
-        <p:spPr>
-          <a:xfrm>
-            <a:off x="6738144" y="1546910"/>
-            <a:ext cx="2159353" cy="0"/>
-          </a:xfrm>
-          <a:prstGeom prst="line">
-            <a:avLst/>
-          </a:prstGeom>
-          <a:ln w="9525" cap="flat" cmpd="sng" algn="ctr">
-            <a:solidFill>
-              <a:schemeClr val="dk1"/>
-            </a:solidFill>
-            <a:prstDash val="dash"/>
-            <a:round/>
-            <a:headEnd type="none" w="med" len="med"/>
-            <a:tailEnd type="none" w="med" len="med"/>
-          </a:ln>
-        </p:spPr>
-        <p:style>
-          <a:lnRef idx="0">
-            <a:scrgbClr r="0" g="0" b="0"/>
-          </a:lnRef>
-          <a:fillRef idx="0">
-            <a:scrgbClr r="0" g="0" b="0"/>
-          </a:fillRef>
-          <a:effectRef idx="0">
-            <a:scrgbClr r="0" g="0" b="0"/>
-          </a:effectRef>
-          <a:fontRef idx="minor">
-            <a:schemeClr val="tx1"/>
-          </a:fontRef>
-        </p:style>
-      </p:cxnSp>
-      <p:cxnSp>
-        <p:nvCxnSpPr>
-          <p:cNvPr id="31" name="直接连接符 30">
-            <a:extLst>
-              <a:ext uri="{FF2B5EF4-FFF2-40B4-BE49-F238E27FC236}">
-                <a16:creationId xmlns:a16="http://schemas.microsoft.com/office/drawing/2014/main" id="{753EA9F3-AED5-410C-A6F0-CD8BE100BBB3}"/>
-              </a:ext>
-            </a:extLst>
-          </p:cNvPr>
-          <p:cNvCxnSpPr>
-            <a:cxnSpLocks/>
-          </p:cNvCxnSpPr>
-          <p:nvPr/>
-        </p:nvCxnSpPr>
-        <p:spPr>
-          <a:xfrm>
-            <a:off x="8897497" y="1546910"/>
-            <a:ext cx="0" cy="4752585"/>
-          </a:xfrm>
-          <a:prstGeom prst="line">
-            <a:avLst/>
-          </a:prstGeom>
-          <a:ln w="9525" cap="flat" cmpd="sng" algn="ctr">
-            <a:solidFill>
-              <a:schemeClr val="dk1"/>
-            </a:solidFill>
-            <a:prstDash val="dash"/>
-            <a:round/>
-            <a:headEnd type="none" w="med" len="med"/>
-            <a:tailEnd type="none" w="med" len="med"/>
-          </a:ln>
-        </p:spPr>
-        <p:style>
-          <a:lnRef idx="0">
-            <a:scrgbClr r="0" g="0" b="0"/>
-          </a:lnRef>
-          <a:fillRef idx="0">
-            <a:scrgbClr r="0" g="0" b="0"/>
-          </a:fillRef>
-          <a:effectRef idx="0">
-            <a:scrgbClr r="0" g="0" b="0"/>
-          </a:effectRef>
-          <a:fontRef idx="minor">
-            <a:schemeClr val="tx1"/>
-          </a:fontRef>
-        </p:style>
-      </p:cxnSp>
-      <p:cxnSp>
-        <p:nvCxnSpPr>
-          <p:cNvPr id="32" name="直接连接符 31">
-            <a:extLst>
-              <a:ext uri="{FF2B5EF4-FFF2-40B4-BE49-F238E27FC236}">
-                <a16:creationId xmlns:a16="http://schemas.microsoft.com/office/drawing/2014/main" id="{2BFECA4F-34F6-4564-B4AE-C44EAF744F50}"/>
-              </a:ext>
-            </a:extLst>
-          </p:cNvPr>
-          <p:cNvCxnSpPr>
-            <a:cxnSpLocks/>
-          </p:cNvCxnSpPr>
-          <p:nvPr/>
-        </p:nvCxnSpPr>
-        <p:spPr>
-          <a:xfrm>
-            <a:off x="6730811" y="6299495"/>
-            <a:ext cx="2159353" cy="0"/>
-          </a:xfrm>
-          <a:prstGeom prst="line">
-            <a:avLst/>
-          </a:prstGeom>
-          <a:ln w="9525" cap="flat" cmpd="sng" algn="ctr">
-            <a:solidFill>
-              <a:schemeClr val="dk1"/>
-            </a:solidFill>
-            <a:prstDash val="dash"/>
-            <a:round/>
-            <a:headEnd type="none" w="med" len="med"/>
-            <a:tailEnd type="none" w="med" len="med"/>
-          </a:ln>
-        </p:spPr>
-        <p:style>
-          <a:lnRef idx="0">
-            <a:scrgbClr r="0" g="0" b="0"/>
-          </a:lnRef>
-          <a:fillRef idx="0">
-            <a:scrgbClr r="0" g="0" b="0"/>
-          </a:fillRef>
-          <a:effectRef idx="0">
-            <a:scrgbClr r="0" g="0" b="0"/>
-          </a:effectRef>
-          <a:fontRef idx="minor">
-            <a:schemeClr val="tx1"/>
-          </a:fontRef>
-        </p:style>
-      </p:cxnSp>
     </p:spTree>
     <p:extLst>
       <p:ext uri="{BB962C8B-B14F-4D97-AF65-F5344CB8AC3E}">
@@ -16866,7 +18164,7 @@
         <p:spPr>
           <a:xfrm>
             <a:off x="5692214" y="4369981"/>
-            <a:ext cx="3200887" cy="1937991"/>
+            <a:ext cx="3200886" cy="1937991"/>
           </a:xfrm>
           <a:prstGeom prst="rect">
             <a:avLst/>

--- a/data/presentation/PS_presentation_FINAL.pptx
+++ b/data/presentation/PS_presentation_FINAL.pptx
@@ -4955,6 +4955,7 @@
               <a:buChar char="•"/>
             </a:pPr>
             <a:r>
+              <a:rPr dirty="0"/>
               <a:t>In order to evaluate a communication protocol, there are basically four criterion. Conformity shows whether the protocol meets the demand of the design specification. Interoperability means whether the protocol compatible is when implemented in other microcontroller. </a:t>
             </a:r>
           </a:p>
@@ -4964,13 +4965,39 @@
               <a:buChar char="•"/>
             </a:pPr>
             <a:r>
-              <a:t>In our project are focoused on the existing HLP and Nucleo, so the follwing last two criterion: Performance and robust of the protocol are more important and will be tested. The Performance will show how fast using this protocol </a:t>
-            </a:r>
-            <a:r>
-              <a:rPr lang="en-US" altLang="en-US"/>
+              <a:rPr dirty="0"/>
+              <a:t>In our project are </a:t>
+            </a:r>
+            <a:r>
+              <a:rPr dirty="0" err="1"/>
+              <a:t>focoused</a:t>
+            </a:r>
+            <a:r>
+              <a:rPr dirty="0"/>
+              <a:t> on the existing HLP and </a:t>
+            </a:r>
+            <a:r>
+              <a:rPr dirty="0" err="1"/>
+              <a:t>Nucleo</a:t>
+            </a:r>
+            <a:r>
+              <a:rPr dirty="0"/>
+              <a:t>, so the </a:t>
+            </a:r>
+            <a:r>
+              <a:rPr dirty="0" err="1"/>
+              <a:t>follwing</a:t>
+            </a:r>
+            <a:r>
+              <a:rPr dirty="0"/>
+              <a:t> last two criterion: Performance and robust of the protocol are more important and will be tested. The Performance will show how fast using this protocol </a:t>
+            </a:r>
+            <a:r>
+              <a:rPr lang="en-US" altLang="en-US" dirty="0"/>
               <a:t>transmission </a:t>
             </a:r>
             <a:r>
+              <a:rPr dirty="0"/>
               <a:t>information. and for Robust means under some influence factors, to what extend will the performance be affected. </a:t>
             </a:r>
           </a:p>
@@ -4980,13 +5007,23 @@
               <a:buChar char="•"/>
             </a:pPr>
             <a:r>
-              <a:t>In our caces there are mainly </a:t>
-            </a:r>
-            <a:r>
-              <a:rPr lang="en-US" altLang="en-US"/>
+              <a:rPr dirty="0"/>
+              <a:t>In our </a:t>
+            </a:r>
+            <a:r>
+              <a:rPr dirty="0" err="1"/>
+              <a:t>caces</a:t>
+            </a:r>
+            <a:r>
+              <a:rPr dirty="0"/>
+              <a:t> there are mainly </a:t>
+            </a:r>
+            <a:r>
+              <a:rPr lang="en-US" altLang="en-US" dirty="0"/>
               <a:t>4</a:t>
             </a:r>
             <a:r>
+              <a:rPr dirty="0"/>
               <a:t> factors could affect protocol's performance.</a:t>
             </a:r>
           </a:p>
@@ -9880,17 +9917,17 @@
               </a:lnSpc>
             </a:pPr>
             <a:r>
-              <a:rPr lang="en-US" altLang="de-DE" sz="2400" b="1">
+              <a:rPr lang="en-US" altLang="de-DE" sz="2400" b="1" dirty="0">
                 <a:solidFill>
                   <a:srgbClr val="000000"/>
                 </a:solidFill>
                 <a:latin typeface="Arial" panose="020B0604020202020204"/>
                 <a:sym typeface="+mn-ea"/>
               </a:rPr>
-              <a:t>Analysing </a:t>
-            </a:r>
-            <a:r>
-              <a:rPr lang="en-US" altLang="de-DE" sz="2400" b="1">
+              <a:t>Analyzing </a:t>
+            </a:r>
+            <a:r>
+              <a:rPr lang="en-US" altLang="de-DE" sz="2400" b="1" dirty="0">
                 <a:solidFill>
                   <a:srgbClr val="000000"/>
                 </a:solidFill>
@@ -9933,7 +9970,7 @@
                   <a:schemeClr val="tx1"/>
                 </a:solidFill>
               </a:rPr>
-              <a:t>Best situation A: protocol accepts the packet and i</a:t>
+              <a:t>Best situation A: Protocol accepts the packet and i</a:t>
             </a:r>
             <a:r>
               <a:rPr lang="en-US" altLang="zh-CN" sz="2000" dirty="0">
@@ -9950,7 +9987,7 @@
                   <a:schemeClr val="tx1"/>
                 </a:solidFill>
               </a:rPr>
-              <a:t>the packet is also true.</a:t>
+              <a:t>the packet is correct.</a:t>
             </a:r>
           </a:p>
           <a:p>
@@ -9964,7 +10001,19 @@
                   <a:schemeClr val="tx1"/>
                 </a:solidFill>
               </a:rPr>
-              <a:t>Worst situation C: protocol accepts but the packet is wrong.</a:t>
+              <a:t>Worst situation C: </a:t>
+            </a:r>
+            <a:r>
+              <a:rPr lang="en-US" altLang="zh-CN" sz="2000" dirty="0"/>
+              <a:t>Protocol accepts the packet </a:t>
+            </a:r>
+            <a:r>
+              <a:rPr lang="en-US" altLang="zh-CN" sz="2000" dirty="0">
+                <a:solidFill>
+                  <a:schemeClr val="tx1"/>
+                </a:solidFill>
+              </a:rPr>
+              <a:t>but the packet is incorrect.</a:t>
             </a:r>
           </a:p>
         </p:txBody>
@@ -10771,13 +10820,13 @@
               </a:lnSpc>
             </a:pPr>
             <a:r>
-              <a:rPr lang="en-US" altLang="de-DE" sz="2400" b="1">
+              <a:rPr lang="en-US" altLang="de-DE" sz="2400" b="1" dirty="0">
                 <a:solidFill>
                   <a:srgbClr val="000000"/>
                 </a:solidFill>
                 <a:latin typeface="Arial" panose="020B0604020202020204"/>
               </a:rPr>
-              <a:t>Nucleo Receiving</a:t>
+              <a:t>Benchmark Results</a:t>
             </a:r>
           </a:p>
         </p:txBody>
@@ -16536,22 +16585,13 @@
               </a:lnSpc>
             </a:pPr>
             <a:r>
-              <a:rPr lang="en-GB" sz="2400" b="1" dirty="0" err="1">
-                <a:solidFill>
-                  <a:srgbClr val="000000"/>
-                </a:solidFill>
-                <a:latin typeface="Arial"/>
-              </a:rPr>
-              <a:t>Protocoldesign</a:t>
-            </a:r>
-            <a:r>
               <a:rPr lang="en-GB" sz="2400" b="1" dirty="0">
                 <a:solidFill>
                   <a:srgbClr val="000000"/>
                 </a:solidFill>
                 <a:latin typeface="Arial"/>
               </a:rPr>
-              <a:t> – Presentation (1)</a:t>
+              <a:t>Protocol design – Presentation (1)</a:t>
             </a:r>
             <a:endParaRPr lang="en-GB" dirty="0"/>
           </a:p>
@@ -19591,13 +19631,13 @@
               </a:lnSpc>
             </a:pPr>
             <a:r>
-              <a:rPr lang="en-GB" sz="2400" b="1" dirty="0" err="1">
+              <a:rPr lang="en-GB" sz="2400" b="1" dirty="0">
                 <a:solidFill>
                   <a:srgbClr val="000000"/>
                 </a:solidFill>
                 <a:latin typeface="Arial"/>
               </a:rPr>
-              <a:t>Protocoldesign</a:t>
+              <a:t>Protocol design</a:t>
             </a:r>
             <a:r>
               <a:rPr lang="en-GB" sz="2400" b="1" dirty="0">
@@ -26764,13 +26804,13 @@
               </a:lnSpc>
             </a:pPr>
             <a:r>
-              <a:rPr lang="en-GB" sz="2400" b="1" dirty="0" err="1">
+              <a:rPr lang="en-GB" sz="2400" b="1" dirty="0">
                 <a:solidFill>
                   <a:srgbClr val="000000"/>
                 </a:solidFill>
                 <a:latin typeface="Arial"/>
               </a:rPr>
-              <a:t>Protocoldesign</a:t>
+              <a:t>Protocol design</a:t>
             </a:r>
             <a:r>
               <a:rPr lang="en-GB" sz="2400" b="1" dirty="0">
@@ -26843,41 +26883,20 @@
               </a:lnSpc>
             </a:pPr>
             <a:r>
-              <a:rPr lang="de-DE" sz="2400" b="1">
+              <a:rPr lang="de-DE" sz="2400" b="1" dirty="0">
                 <a:solidFill>
                   <a:srgbClr val="000000"/>
                 </a:solidFill>
                 <a:latin typeface="Arial" panose="020B0604020202020204"/>
               </a:rPr>
-              <a:t>Evaluation </a:t>
-            </a:r>
-            <a:r>
-              <a:rPr lang="en-US" altLang="de-DE" sz="2400" b="1">
-                <a:solidFill>
-                  <a:srgbClr val="000000"/>
-                </a:solidFill>
-                <a:latin typeface="Arial" panose="020B0604020202020204"/>
-              </a:rPr>
-              <a:t>S</a:t>
-            </a:r>
-            <a:r>
-              <a:rPr lang="de-DE" sz="2400" b="1">
-                <a:solidFill>
-                  <a:srgbClr val="000000"/>
-                </a:solidFill>
-                <a:latin typeface="Arial" panose="020B0604020202020204"/>
-              </a:rPr>
-              <a:t>tandard</a:t>
-            </a:r>
-            <a:r>
-              <a:rPr lang="en-US" altLang="de-DE" sz="2400" b="1">
-                <a:solidFill>
-                  <a:srgbClr val="000000"/>
-                </a:solidFill>
-                <a:latin typeface="Arial" panose="020B0604020202020204"/>
-              </a:rPr>
-              <a:t>s</a:t>
-            </a:r>
+              <a:t>Evaluation Standards</a:t>
+            </a:r>
+            <a:endParaRPr lang="en-US" altLang="de-DE" sz="2400" b="1" dirty="0">
+              <a:solidFill>
+                <a:srgbClr val="000000"/>
+              </a:solidFill>
+              <a:latin typeface="Arial" panose="020B0604020202020204"/>
+            </a:endParaRPr>
           </a:p>
         </p:txBody>
       </p:sp>
@@ -26931,7 +26950,7 @@
               <a:buChar char="•"/>
             </a:pPr>
             <a:r>
-              <a:rPr lang="en-US" altLang="zh-CN" sz="2000"/>
+              <a:rPr lang="en-US" altLang="zh-CN" sz="2000" dirty="0"/>
               <a:t>Conformity</a:t>
             </a:r>
           </a:p>
@@ -26944,7 +26963,7 @@
               <a:buChar char="•"/>
             </a:pPr>
             <a:r>
-              <a:rPr lang="en-US" altLang="zh-CN" sz="2000"/>
+              <a:rPr lang="en-US" altLang="zh-CN" sz="2000" dirty="0"/>
               <a:t>Interoperability</a:t>
             </a:r>
           </a:p>
@@ -26957,7 +26976,7 @@
               <a:buChar char="•"/>
             </a:pPr>
             <a:r>
-              <a:rPr lang="en-US" altLang="zh-CN" sz="2000">
+              <a:rPr lang="en-US" altLang="zh-CN" sz="2000" dirty="0">
                 <a:solidFill>
                   <a:srgbClr val="D0D8E8"/>
                 </a:solidFill>
@@ -26965,7 +26984,7 @@
               </a:rPr>
               <a:t>Performance</a:t>
             </a:r>
-            <a:endParaRPr lang="en-US" altLang="zh-CN" sz="2000">
+            <a:endParaRPr lang="en-US" altLang="zh-CN" sz="2000" dirty="0">
               <a:solidFill>
                 <a:srgbClr val="D0D8E8"/>
               </a:solidFill>
@@ -26980,7 +26999,7 @@
               <a:buChar char="•"/>
             </a:pPr>
             <a:r>
-              <a:rPr lang="en-US" altLang="zh-CN" sz="2000">
+              <a:rPr lang="en-US" altLang="zh-CN" sz="2000" dirty="0">
                 <a:solidFill>
                   <a:srgbClr val="D0D8E8"/>
                 </a:solidFill>
@@ -27020,7 +27039,7 @@
               <a:buNone/>
             </a:pPr>
             <a:r>
-              <a:rPr lang="en-US" altLang="zh-CN" sz="2000">
+              <a:rPr lang="en-US" altLang="zh-CN" sz="2000" dirty="0">
                 <a:solidFill>
                   <a:srgbClr val="D0D8E8"/>
                 </a:solidFill>
@@ -27038,7 +27057,7 @@
               <a:buChar char="•"/>
             </a:pPr>
             <a:r>
-              <a:rPr lang="en-US" altLang="zh-CN" sz="2000">
+              <a:rPr lang="en-US" altLang="zh-CN" sz="2000" dirty="0">
                 <a:solidFill>
                   <a:srgbClr val="D0D8E8"/>
                 </a:solidFill>
@@ -27046,7 +27065,7 @@
               </a:rPr>
               <a:t>SPI transfer speed (in bits per second)</a:t>
             </a:r>
-            <a:endParaRPr lang="en-US" altLang="zh-CN" sz="2000">
+            <a:endParaRPr lang="en-US" altLang="zh-CN" sz="2000" dirty="0">
               <a:solidFill>
                 <a:srgbClr val="D0D8E8"/>
               </a:solidFill>
@@ -27061,7 +27080,7 @@
               <a:buChar char="•"/>
             </a:pPr>
             <a:r>
-              <a:rPr lang="en-US" altLang="zh-CN" sz="2000">
+              <a:rPr lang="en-US" altLang="zh-CN" sz="2000" dirty="0">
                 <a:solidFill>
                   <a:srgbClr val="D0D8E8"/>
                 </a:solidFill>
@@ -27079,13 +27098,31 @@
               <a:buChar char="•"/>
             </a:pPr>
             <a:r>
-              <a:rPr lang="en-US" altLang="zh-CN" sz="2000">
+              <a:rPr lang="en-US" altLang="zh-CN" sz="2000" dirty="0">
                 <a:solidFill>
                   <a:srgbClr val="D0D8E8"/>
                 </a:solidFill>
                 <a:sym typeface="+mn-ea"/>
               </a:rPr>
-              <a:t>Packet exchange rate (number of transmited PDUs per second)</a:t>
+              <a:t>Packet exchange rate (number of </a:t>
+            </a:r>
+            <a:r>
+              <a:rPr lang="en-US" altLang="zh-CN" sz="2000" dirty="0" err="1">
+                <a:solidFill>
+                  <a:srgbClr val="D0D8E8"/>
+                </a:solidFill>
+                <a:sym typeface="+mn-ea"/>
+              </a:rPr>
+              <a:t>transmited</a:t>
+            </a:r>
+            <a:r>
+              <a:rPr lang="en-US" altLang="zh-CN" sz="2000" dirty="0">
+                <a:solidFill>
+                  <a:srgbClr val="D0D8E8"/>
+                </a:solidFill>
+                <a:sym typeface="+mn-ea"/>
+              </a:rPr>
+              <a:t> PDUs per second)</a:t>
             </a:r>
           </a:p>
           <a:p>
@@ -27097,7 +27134,7 @@
               <a:buChar char="•"/>
             </a:pPr>
             <a:r>
-              <a:rPr lang="en-US" altLang="zh-CN" sz="2000">
+              <a:rPr lang="en-US" altLang="zh-CN" sz="2000" dirty="0">
                 <a:solidFill>
                   <a:srgbClr val="D0D8E8"/>
                 </a:solidFill>
@@ -27105,12 +27142,12 @@
               </a:rPr>
               <a:t>Operating status of UAV (calibration/initialization)</a:t>
             </a:r>
-            <a:endParaRPr lang="en-US" altLang="zh-CN">
+            <a:endParaRPr lang="en-US" altLang="zh-CN" dirty="0">
               <a:sym typeface="+mn-ea"/>
             </a:endParaRPr>
           </a:p>
           <a:p>
-            <a:endParaRPr lang="zh-CN" altLang="en-US"/>
+            <a:endParaRPr lang="zh-CN" altLang="en-US" dirty="0"/>
           </a:p>
         </p:txBody>
       </p:sp>

--- a/data/presentation/PS_presentation_FINAL.pptx
+++ b/data/presentation/PS_presentation_FINAL.pptx
@@ -24,7 +24,7 @@
     <p:sldId id="269" r:id="rId15"/>
   </p:sldIdLst>
   <p:sldSz cx="9144000" cy="6858000" type="screen4x3"/>
-  <p:notesSz cx="6858000" cy="9144000"/>
+  <p:notesSz cx="7104063" cy="10234613"/>
   <p:defaultTextStyle>
     <a:defPPr>
       <a:defRPr lang="de-DE"/>
@@ -165,8 +165,8 @@
         </p:nvSpPr>
         <p:spPr>
           <a:xfrm>
-            <a:off x="756000" y="5078520"/>
-            <a:ext cx="6047640" cy="4811040"/>
+            <a:off x="783126" y="5684243"/>
+            <a:ext cx="6264627" cy="5384857"/>
           </a:xfrm>
           <a:prstGeom prst="rect">
             <a:avLst/>
@@ -177,7 +177,7 @@
           <a:lstStyle/>
           <a:p>
             <a:r>
-              <a:rPr lang="de-DE" sz="2000">
+              <a:rPr lang="de-DE" sz="2300">
                 <a:latin typeface="Arial"/>
               </a:rPr>
               <a:t>Click to edit the notes format</a:t>
@@ -198,8 +198,8 @@
         </p:nvSpPr>
         <p:spPr>
           <a:xfrm>
-            <a:off x="0" y="0"/>
-            <a:ext cx="3280680" cy="534240"/>
+            <a:off x="1" y="2"/>
+            <a:ext cx="3398389" cy="597959"/>
           </a:xfrm>
           <a:prstGeom prst="rect">
             <a:avLst/>
@@ -231,8 +231,8 @@
         </p:nvSpPr>
         <p:spPr>
           <a:xfrm>
-            <a:off x="4278960" y="0"/>
-            <a:ext cx="3280680" cy="534240"/>
+            <a:off x="4432489" y="2"/>
+            <a:ext cx="3398389" cy="597959"/>
           </a:xfrm>
           <a:prstGeom prst="rect">
             <a:avLst/>
@@ -265,8 +265,8 @@
         </p:nvSpPr>
         <p:spPr>
           <a:xfrm>
-            <a:off x="0" y="10157400"/>
-            <a:ext cx="3280680" cy="534240"/>
+            <a:off x="1" y="11368884"/>
+            <a:ext cx="3398389" cy="597959"/>
           </a:xfrm>
           <a:prstGeom prst="rect">
             <a:avLst/>
@@ -298,8 +298,8 @@
         </p:nvSpPr>
         <p:spPr>
           <a:xfrm>
-            <a:off x="4278960" y="10157400"/>
-            <a:ext cx="3280680" cy="534240"/>
+            <a:off x="4432489" y="11368884"/>
+            <a:ext cx="3398389" cy="597959"/>
           </a:xfrm>
           <a:prstGeom prst="rect">
             <a:avLst/>
@@ -447,8 +447,8 @@
         </p:nvSpPr>
         <p:spPr>
           <a:xfrm>
-            <a:off x="190440" y="4284720"/>
-            <a:ext cx="6476400" cy="4282200"/>
+            <a:off x="197275" y="4795766"/>
+            <a:ext cx="6708771" cy="4792940"/>
           </a:xfrm>
           <a:prstGeom prst="rect">
             <a:avLst/>
@@ -470,8 +470,8 @@
         </p:nvSpPr>
         <p:spPr>
           <a:xfrm>
-            <a:off x="189000" y="8685360"/>
-            <a:ext cx="1618560" cy="456480"/>
+            <a:off x="195784" y="9721271"/>
+            <a:ext cx="1676633" cy="510926"/>
           </a:xfrm>
           <a:prstGeom prst="rect">
             <a:avLst/>
@@ -482,12 +482,12 @@
           </a:ln>
         </p:spPr>
         <p:txBody>
-          <a:bodyPr lIns="90000" tIns="45000" rIns="90000" bIns="45000" anchor="ctr"/>
+          <a:bodyPr lIns="97497" tIns="48749" rIns="97497" bIns="48749" anchor="ctr"/>
           <a:lstStyle/>
           <a:p>
             <a:pPr>
               <a:lnSpc>
-                <a:spcPts val="162"/>
+                <a:spcPts val="175"/>
               </a:lnSpc>
             </a:pPr>
             <a:r>
@@ -496,7 +496,6 @@
                   <a:srgbClr val="000000"/>
                 </a:solidFill>
                 <a:latin typeface="Stafford"/>
-                <a:ea typeface="+mn-ea"/>
               </a:rPr>
               <a:t>15.06.16</a:t>
             </a:r>
@@ -512,8 +511,8 @@
         </p:nvSpPr>
         <p:spPr>
           <a:xfrm>
-            <a:off x="1808280" y="8685360"/>
-            <a:ext cx="4104720" cy="456480"/>
+            <a:off x="1873162" y="9721271"/>
+            <a:ext cx="4251996" cy="510926"/>
           </a:xfrm>
           <a:prstGeom prst="rect">
             <a:avLst/>
@@ -524,12 +523,12 @@
           </a:ln>
         </p:spPr>
         <p:txBody>
-          <a:bodyPr lIns="90000" tIns="45000" rIns="90000" bIns="45000" anchor="ctr"/>
+          <a:bodyPr lIns="97497" tIns="48749" rIns="97497" bIns="48749" anchor="ctr"/>
           <a:lstStyle/>
           <a:p>
             <a:pPr>
               <a:lnSpc>
-                <a:spcPts val="162"/>
+                <a:spcPts val="175"/>
               </a:lnSpc>
             </a:pPr>
             <a:r>
@@ -538,7 +537,6 @@
                   <a:srgbClr val="000000"/>
                 </a:solidFill>
                 <a:latin typeface="Stafford"/>
-                <a:ea typeface="+mn-ea"/>
               </a:rPr>
               <a:t>|  </a:t>
             </a:r>
@@ -554,8 +552,8 @@
         </p:nvSpPr>
         <p:spPr>
           <a:xfrm>
-            <a:off x="5913360" y="8685360"/>
-            <a:ext cx="942120" cy="456480"/>
+            <a:off x="6125531" y="9721271"/>
+            <a:ext cx="975922" cy="510926"/>
           </a:xfrm>
           <a:prstGeom prst="rect">
             <a:avLst/>
@@ -566,12 +564,12 @@
           </a:ln>
         </p:spPr>
         <p:txBody>
-          <a:bodyPr lIns="90000" tIns="45000" rIns="90000" bIns="45000" anchor="ctr"/>
+          <a:bodyPr lIns="97497" tIns="48749" rIns="97497" bIns="48749" anchor="ctr"/>
           <a:lstStyle/>
           <a:p>
             <a:pPr algn="r">
               <a:lnSpc>
-                <a:spcPts val="162"/>
+                <a:spcPts val="175"/>
               </a:lnSpc>
             </a:pPr>
             <a:r>
@@ -580,7 +578,6 @@
                   <a:srgbClr val="000000"/>
                 </a:solidFill>
                 <a:latin typeface="Stafford"/>
-                <a:ea typeface="+mn-ea"/>
               </a:rPr>
               <a:t>|  </a:t>
             </a:r>
@@ -590,8 +587,12 @@
                   <a:srgbClr val="000000"/>
                 </a:solidFill>
                 <a:latin typeface="Stafford"/>
-                <a:ea typeface="+mn-ea"/>
               </a:rPr>
+              <a:pPr algn="r">
+                <a:lnSpc>
+                  <a:spcPts val="175"/>
+                </a:lnSpc>
+              </a:pPr>
               <a:t>2</a:t>
             </a:fld>
             <a:endParaRPr/>
@@ -635,8 +636,8 @@
         </p:nvSpPr>
         <p:spPr>
           <a:xfrm>
-            <a:off x="190440" y="4284720"/>
-            <a:ext cx="6476400" cy="4282200"/>
+            <a:off x="197275" y="4795766"/>
+            <a:ext cx="6708771" cy="4792940"/>
           </a:xfrm>
           <a:prstGeom prst="rect">
             <a:avLst/>
@@ -677,8 +678,8 @@
         </p:nvSpPr>
         <p:spPr>
           <a:xfrm>
-            <a:off x="189000" y="8685360"/>
-            <a:ext cx="1618560" cy="456480"/>
+            <a:off x="195784" y="9721271"/>
+            <a:ext cx="1676633" cy="510926"/>
           </a:xfrm>
           <a:prstGeom prst="rect">
             <a:avLst/>
@@ -689,12 +690,12 @@
           </a:ln>
         </p:spPr>
         <p:txBody>
-          <a:bodyPr lIns="90000" tIns="45000" rIns="90000" bIns="45000" anchor="ctr"/>
+          <a:bodyPr lIns="97497" tIns="48749" rIns="97497" bIns="48749" anchor="ctr"/>
           <a:lstStyle/>
           <a:p>
             <a:pPr>
               <a:lnSpc>
-                <a:spcPts val="160"/>
+                <a:spcPts val="173"/>
               </a:lnSpc>
             </a:pPr>
             <a:r>
@@ -703,7 +704,6 @@
                   <a:srgbClr val="000000"/>
                 </a:solidFill>
                 <a:latin typeface="Stafford"/>
-                <a:ea typeface="+mn-ea"/>
               </a:rPr>
               <a:t>15.06.16</a:t>
             </a:r>
@@ -718,8 +718,8 @@
         </p:nvSpPr>
         <p:spPr>
           <a:xfrm>
-            <a:off x="1808280" y="8685360"/>
-            <a:ext cx="4104720" cy="456480"/>
+            <a:off x="1873162" y="9721271"/>
+            <a:ext cx="4251996" cy="510926"/>
           </a:xfrm>
           <a:prstGeom prst="rect">
             <a:avLst/>
@@ -730,12 +730,12 @@
           </a:ln>
         </p:spPr>
         <p:txBody>
-          <a:bodyPr lIns="90000" tIns="45000" rIns="90000" bIns="45000" anchor="ctr"/>
+          <a:bodyPr lIns="97497" tIns="48749" rIns="97497" bIns="48749" anchor="ctr"/>
           <a:lstStyle/>
           <a:p>
             <a:pPr>
               <a:lnSpc>
-                <a:spcPts val="160"/>
+                <a:spcPts val="173"/>
               </a:lnSpc>
             </a:pPr>
             <a:r>
@@ -744,7 +744,6 @@
                   <a:srgbClr val="000000"/>
                 </a:solidFill>
                 <a:latin typeface="Stafford"/>
-                <a:ea typeface="+mn-ea"/>
               </a:rPr>
               <a:t>|  </a:t>
             </a:r>
@@ -759,8 +758,8 @@
         </p:nvSpPr>
         <p:spPr>
           <a:xfrm>
-            <a:off x="5913360" y="8685360"/>
-            <a:ext cx="942120" cy="456480"/>
+            <a:off x="6125531" y="9721271"/>
+            <a:ext cx="975922" cy="510926"/>
           </a:xfrm>
           <a:prstGeom prst="rect">
             <a:avLst/>
@@ -771,12 +770,12 @@
           </a:ln>
         </p:spPr>
         <p:txBody>
-          <a:bodyPr lIns="90000" tIns="45000" rIns="90000" bIns="45000" anchor="ctr"/>
+          <a:bodyPr lIns="97497" tIns="48749" rIns="97497" bIns="48749" anchor="ctr"/>
           <a:lstStyle/>
           <a:p>
             <a:pPr algn="r">
               <a:lnSpc>
-                <a:spcPts val="160"/>
+                <a:spcPts val="173"/>
               </a:lnSpc>
             </a:pPr>
             <a:r>
@@ -785,7 +784,6 @@
                   <a:srgbClr val="000000"/>
                 </a:solidFill>
                 <a:latin typeface="Stafford"/>
-                <a:ea typeface="+mn-ea"/>
               </a:rPr>
               <a:t>|  </a:t>
             </a:r>
@@ -795,8 +793,12 @@
                   <a:srgbClr val="000000"/>
                 </a:solidFill>
                 <a:latin typeface="Stafford"/>
-                <a:ea typeface="+mn-ea"/>
               </a:rPr>
+              <a:pPr algn="r">
+                <a:lnSpc>
+                  <a:spcPts val="173"/>
+                </a:lnSpc>
+              </a:pPr>
               <a:t>11</a:t>
             </a:fld>
             <a:endParaRPr lang="de-DE" sz="1000">
@@ -804,7 +806,6 @@
                 <a:srgbClr val="000000"/>
               </a:solidFill>
               <a:latin typeface="Stafford"/>
-              <a:ea typeface="+mn-ea"/>
             </a:endParaRPr>
           </a:p>
         </p:txBody>
@@ -846,8 +847,8 @@
         </p:nvSpPr>
         <p:spPr>
           <a:xfrm>
-            <a:off x="190440" y="4284720"/>
-            <a:ext cx="6476400" cy="4282200"/>
+            <a:off x="197275" y="4795766"/>
+            <a:ext cx="6708771" cy="4792940"/>
           </a:xfrm>
           <a:prstGeom prst="rect">
             <a:avLst/>
@@ -857,7 +858,7 @@
           <a:bodyPr lIns="0" tIns="0" rIns="0" bIns="0"/>
           <a:lstStyle/>
           <a:p>
-            <a:pPr marL="285750" indent="-285750">
+            <a:pPr marL="309554" indent="-309554">
               <a:buFont typeface="Arial" panose="020B0604020202020204" pitchFamily="34" charset="0"/>
               <a:buChar char="•"/>
             </a:pPr>
@@ -883,7 +884,7 @@
             </a:r>
           </a:p>
           <a:p>
-            <a:pPr marL="285750" indent="-285750">
+            <a:pPr marL="309554" indent="-309554">
               <a:buFont typeface="Arial" panose="020B0604020202020204" pitchFamily="34" charset="0"/>
               <a:buChar char="•"/>
             </a:pPr>
@@ -915,7 +916,7 @@
             </a:r>
           </a:p>
           <a:p>
-            <a:pPr marL="285750" indent="-285750">
+            <a:pPr marL="309554" indent="-309554">
               <a:buFont typeface="Arial" panose="020B0604020202020204" pitchFamily="34" charset="0"/>
               <a:buChar char="•"/>
             </a:pPr>
@@ -975,21 +976,21 @@
             </a:r>
           </a:p>
           <a:p>
-            <a:pPr marL="285750" indent="-285750">
+            <a:pPr marL="309554" indent="-309554">
               <a:buFont typeface="Arial" panose="020B0604020202020204" pitchFamily="34" charset="0"/>
               <a:buChar char="•"/>
             </a:pPr>
             <a:endParaRPr lang="en-US" altLang="en-US" dirty="0"/>
           </a:p>
           <a:p>
-            <a:pPr marL="285750" indent="-285750">
+            <a:pPr marL="309554" indent="-309554">
               <a:buFont typeface="Arial" panose="020B0604020202020204" pitchFamily="34" charset="0"/>
               <a:buChar char="•"/>
             </a:pPr>
             <a:endParaRPr lang="en-US" altLang="en-US" dirty="0"/>
           </a:p>
           <a:p>
-            <a:pPr marL="285750" indent="-285750">
+            <a:pPr marL="309554" indent="-309554">
               <a:buFont typeface="Arial" panose="020B0604020202020204" pitchFamily="34" charset="0"/>
               <a:buChar char="•"/>
             </a:pPr>
@@ -1008,8 +1009,8 @@
         </p:nvSpPr>
         <p:spPr>
           <a:xfrm>
-            <a:off x="189000" y="8685360"/>
-            <a:ext cx="1618560" cy="456480"/>
+            <a:off x="195784" y="9721271"/>
+            <a:ext cx="1676633" cy="510926"/>
           </a:xfrm>
           <a:prstGeom prst="rect">
             <a:avLst/>
@@ -1020,12 +1021,12 @@
           </a:ln>
         </p:spPr>
         <p:txBody>
-          <a:bodyPr lIns="90000" tIns="45000" rIns="90000" bIns="45000" anchor="ctr"/>
+          <a:bodyPr lIns="97497" tIns="48749" rIns="97497" bIns="48749" anchor="ctr"/>
           <a:lstStyle/>
           <a:p>
             <a:pPr>
               <a:lnSpc>
-                <a:spcPts val="160"/>
+                <a:spcPts val="173"/>
               </a:lnSpc>
             </a:pPr>
             <a:r>
@@ -1034,7 +1035,6 @@
                   <a:srgbClr val="000000"/>
                 </a:solidFill>
                 <a:latin typeface="Stafford"/>
-                <a:ea typeface="+mn-ea"/>
               </a:rPr>
               <a:t>15.06.16</a:t>
             </a:r>
@@ -1049,8 +1049,8 @@
         </p:nvSpPr>
         <p:spPr>
           <a:xfrm>
-            <a:off x="1808280" y="8685360"/>
-            <a:ext cx="4104720" cy="456480"/>
+            <a:off x="1873162" y="9721271"/>
+            <a:ext cx="4251996" cy="510926"/>
           </a:xfrm>
           <a:prstGeom prst="rect">
             <a:avLst/>
@@ -1061,12 +1061,12 @@
           </a:ln>
         </p:spPr>
         <p:txBody>
-          <a:bodyPr lIns="90000" tIns="45000" rIns="90000" bIns="45000" anchor="ctr"/>
+          <a:bodyPr lIns="97497" tIns="48749" rIns="97497" bIns="48749" anchor="ctr"/>
           <a:lstStyle/>
           <a:p>
             <a:pPr>
               <a:lnSpc>
-                <a:spcPts val="160"/>
+                <a:spcPts val="173"/>
               </a:lnSpc>
             </a:pPr>
             <a:r>
@@ -1075,7 +1075,6 @@
                   <a:srgbClr val="000000"/>
                 </a:solidFill>
                 <a:latin typeface="Stafford"/>
-                <a:ea typeface="+mn-ea"/>
               </a:rPr>
               <a:t>|  </a:t>
             </a:r>
@@ -1090,8 +1089,8 @@
         </p:nvSpPr>
         <p:spPr>
           <a:xfrm>
-            <a:off x="5913360" y="8685360"/>
-            <a:ext cx="942120" cy="456480"/>
+            <a:off x="6125531" y="9721271"/>
+            <a:ext cx="975922" cy="510926"/>
           </a:xfrm>
           <a:prstGeom prst="rect">
             <a:avLst/>
@@ -1102,12 +1101,12 @@
           </a:ln>
         </p:spPr>
         <p:txBody>
-          <a:bodyPr lIns="90000" tIns="45000" rIns="90000" bIns="45000" anchor="ctr"/>
+          <a:bodyPr lIns="97497" tIns="48749" rIns="97497" bIns="48749" anchor="ctr"/>
           <a:lstStyle/>
           <a:p>
             <a:pPr algn="r">
               <a:lnSpc>
-                <a:spcPts val="160"/>
+                <a:spcPts val="173"/>
               </a:lnSpc>
             </a:pPr>
             <a:r>
@@ -1116,7 +1115,6 @@
                   <a:srgbClr val="000000"/>
                 </a:solidFill>
                 <a:latin typeface="Stafford"/>
-                <a:ea typeface="+mn-ea"/>
               </a:rPr>
               <a:t>|  </a:t>
             </a:r>
@@ -1126,8 +1124,12 @@
                   <a:srgbClr val="000000"/>
                 </a:solidFill>
                 <a:latin typeface="Stafford"/>
-                <a:ea typeface="+mn-ea"/>
               </a:rPr>
+              <a:pPr algn="r">
+                <a:lnSpc>
+                  <a:spcPts val="173"/>
+                </a:lnSpc>
+              </a:pPr>
               <a:t>12</a:t>
             </a:fld>
             <a:endParaRPr lang="de-DE" sz="1000">
@@ -1135,7 +1137,6 @@
                 <a:srgbClr val="000000"/>
               </a:solidFill>
               <a:latin typeface="Stafford"/>
-              <a:ea typeface="+mn-ea"/>
             </a:endParaRPr>
           </a:p>
         </p:txBody>
@@ -1177,8 +1178,8 @@
         </p:nvSpPr>
         <p:spPr>
           <a:xfrm>
-            <a:off x="190440" y="4284720"/>
-            <a:ext cx="6476400" cy="4282200"/>
+            <a:off x="197275" y="4795766"/>
+            <a:ext cx="6708771" cy="4792940"/>
           </a:xfrm>
           <a:prstGeom prst="rect">
             <a:avLst/>
@@ -1203,8 +1204,8 @@
         </p:nvSpPr>
         <p:spPr>
           <a:xfrm>
-            <a:off x="189000" y="8685360"/>
-            <a:ext cx="1618560" cy="456480"/>
+            <a:off x="195784" y="9721271"/>
+            <a:ext cx="1676633" cy="510926"/>
           </a:xfrm>
           <a:prstGeom prst="rect">
             <a:avLst/>
@@ -1215,12 +1216,12 @@
           </a:ln>
         </p:spPr>
         <p:txBody>
-          <a:bodyPr lIns="90000" tIns="45000" rIns="90000" bIns="45000" anchor="ctr"/>
+          <a:bodyPr lIns="97497" tIns="48749" rIns="97497" bIns="48749" anchor="ctr"/>
           <a:lstStyle/>
           <a:p>
             <a:pPr>
               <a:lnSpc>
-                <a:spcPts val="160"/>
+                <a:spcPts val="173"/>
               </a:lnSpc>
             </a:pPr>
             <a:r>
@@ -1229,7 +1230,6 @@
                   <a:srgbClr val="000000"/>
                 </a:solidFill>
                 <a:latin typeface="Stafford"/>
-                <a:ea typeface="+mn-ea"/>
               </a:rPr>
               <a:t>15.06.16</a:t>
             </a:r>
@@ -1244,8 +1244,8 @@
         </p:nvSpPr>
         <p:spPr>
           <a:xfrm>
-            <a:off x="1808280" y="8685360"/>
-            <a:ext cx="4104720" cy="456480"/>
+            <a:off x="1873162" y="9721271"/>
+            <a:ext cx="4251996" cy="510926"/>
           </a:xfrm>
           <a:prstGeom prst="rect">
             <a:avLst/>
@@ -1256,12 +1256,12 @@
           </a:ln>
         </p:spPr>
         <p:txBody>
-          <a:bodyPr lIns="90000" tIns="45000" rIns="90000" bIns="45000" anchor="ctr"/>
+          <a:bodyPr lIns="97497" tIns="48749" rIns="97497" bIns="48749" anchor="ctr"/>
           <a:lstStyle/>
           <a:p>
             <a:pPr>
               <a:lnSpc>
-                <a:spcPts val="160"/>
+                <a:spcPts val="173"/>
               </a:lnSpc>
             </a:pPr>
             <a:r>
@@ -1270,7 +1270,6 @@
                   <a:srgbClr val="000000"/>
                 </a:solidFill>
                 <a:latin typeface="Stafford"/>
-                <a:ea typeface="+mn-ea"/>
               </a:rPr>
               <a:t>|  </a:t>
             </a:r>
@@ -1285,8 +1284,8 @@
         </p:nvSpPr>
         <p:spPr>
           <a:xfrm>
-            <a:off x="5913360" y="8685360"/>
-            <a:ext cx="942120" cy="456480"/>
+            <a:off x="6125531" y="9721271"/>
+            <a:ext cx="975922" cy="510926"/>
           </a:xfrm>
           <a:prstGeom prst="rect">
             <a:avLst/>
@@ -1297,12 +1296,12 @@
           </a:ln>
         </p:spPr>
         <p:txBody>
-          <a:bodyPr lIns="90000" tIns="45000" rIns="90000" bIns="45000" anchor="ctr"/>
+          <a:bodyPr lIns="97497" tIns="48749" rIns="97497" bIns="48749" anchor="ctr"/>
           <a:lstStyle/>
           <a:p>
             <a:pPr algn="r">
               <a:lnSpc>
-                <a:spcPts val="160"/>
+                <a:spcPts val="173"/>
               </a:lnSpc>
             </a:pPr>
             <a:r>
@@ -1311,7 +1310,6 @@
                   <a:srgbClr val="000000"/>
                 </a:solidFill>
                 <a:latin typeface="Stafford"/>
-                <a:ea typeface="+mn-ea"/>
               </a:rPr>
               <a:t>|  </a:t>
             </a:r>
@@ -1321,8 +1319,12 @@
                   <a:srgbClr val="000000"/>
                 </a:solidFill>
                 <a:latin typeface="Stafford"/>
-                <a:ea typeface="+mn-ea"/>
               </a:rPr>
+              <a:pPr algn="r">
+                <a:lnSpc>
+                  <a:spcPts val="173"/>
+                </a:lnSpc>
+              </a:pPr>
               <a:t>13</a:t>
             </a:fld>
             <a:endParaRPr lang="de-DE" sz="1000">
@@ -1330,7 +1332,6 @@
                 <a:srgbClr val="000000"/>
               </a:solidFill>
               <a:latin typeface="Stafford"/>
-              <a:ea typeface="+mn-ea"/>
             </a:endParaRPr>
           </a:p>
         </p:txBody>
@@ -1372,8 +1373,8 @@
         </p:nvSpPr>
         <p:spPr>
           <a:xfrm>
-            <a:off x="190440" y="4284720"/>
-            <a:ext cx="6476400" cy="4282200"/>
+            <a:off x="197275" y="4795766"/>
+            <a:ext cx="6708771" cy="4792940"/>
           </a:xfrm>
           <a:prstGeom prst="rect">
             <a:avLst/>
@@ -1384,331 +1385,109 @@
           <a:lstStyle/>
           <a:p>
             <a:r>
-              <a:rPr lang="en-GB" altLang="zh-CN" sz="1200" b="0" i="0" kern="1200" dirty="0">
-                <a:solidFill>
-                  <a:schemeClr val="tx1"/>
-                </a:solidFill>
-                <a:effectLst/>
-                <a:latin typeface="+mn-lt"/>
-                <a:ea typeface="+mn-ea"/>
-                <a:cs typeface="+mn-cs"/>
-              </a:rPr>
+              <a:rPr lang="en-GB" altLang="zh-CN" dirty="0"/>
               <a:t>So firstly, our project belongs to a bigger project about </a:t>
             </a:r>
             <a:r>
-              <a:rPr lang="en-US" altLang="zh-CN" sz="1200" b="0" i="0" kern="1200" dirty="0">
-                <a:solidFill>
-                  <a:schemeClr val="tx1"/>
-                </a:solidFill>
-                <a:effectLst/>
-                <a:latin typeface="+mn-lt"/>
-                <a:ea typeface="+mn-ea"/>
-                <a:cs typeface="+mn-cs"/>
-              </a:rPr>
+              <a:rPr lang="en-US" altLang="zh-CN" dirty="0"/>
               <a:t>implementing</a:t>
             </a:r>
             <a:r>
-              <a:rPr lang="en-GB" altLang="zh-CN" sz="1200" b="0" i="0" kern="1200" dirty="0">
-                <a:solidFill>
-                  <a:schemeClr val="tx1"/>
-                </a:solidFill>
-                <a:effectLst/>
-                <a:latin typeface="+mn-lt"/>
-                <a:ea typeface="+mn-ea"/>
-                <a:cs typeface="+mn-cs"/>
-              </a:rPr>
+              <a:rPr lang="en-GB" altLang="zh-CN" dirty="0"/>
               <a:t> </a:t>
             </a:r>
             <a:r>
-              <a:rPr lang="en-GB" altLang="zh-CN" sz="1200" b="0" i="0" kern="1200" dirty="0" err="1">
-                <a:solidFill>
-                  <a:schemeClr val="tx1"/>
-                </a:solidFill>
-                <a:effectLst/>
-                <a:latin typeface="+mn-lt"/>
-                <a:ea typeface="+mn-ea"/>
-                <a:cs typeface="+mn-cs"/>
-              </a:rPr>
+              <a:rPr lang="en-GB" altLang="zh-CN" dirty="0" err="1"/>
               <a:t>Sensorfusion</a:t>
             </a:r>
             <a:r>
-              <a:rPr lang="en-GB" altLang="zh-CN" sz="1200" b="0" i="0" kern="1200" dirty="0">
-                <a:solidFill>
-                  <a:schemeClr val="tx1"/>
-                </a:solidFill>
-                <a:effectLst/>
-                <a:latin typeface="+mn-lt"/>
-                <a:ea typeface="+mn-ea"/>
-                <a:cs typeface="+mn-cs"/>
-              </a:rPr>
+              <a:rPr lang="en-GB" altLang="zh-CN" dirty="0"/>
               <a:t> algorithm in UAV UAV means unmanned aerial vehicle, </a:t>
             </a:r>
             <a:r>
-              <a:rPr lang="en-US" altLang="zh-CN" sz="1200" b="0" i="0" kern="1200" dirty="0">
-                <a:solidFill>
-                  <a:schemeClr val="tx1"/>
-                </a:solidFill>
-                <a:effectLst/>
-                <a:latin typeface="+mn-lt"/>
-                <a:ea typeface="+mn-ea"/>
-                <a:cs typeface="+mn-cs"/>
-              </a:rPr>
+              <a:rPr lang="en-US" altLang="zh-CN" dirty="0"/>
               <a:t>commonly known as a drone.</a:t>
             </a:r>
           </a:p>
           <a:p>
             <a:r>
-              <a:rPr lang="en-US" altLang="zh-CN" sz="1200" b="0" i="0" kern="1200" dirty="0">
-                <a:solidFill>
-                  <a:schemeClr val="tx1"/>
-                </a:solidFill>
-                <a:effectLst/>
-                <a:latin typeface="+mn-lt"/>
-                <a:ea typeface="+mn-ea"/>
-                <a:cs typeface="+mn-cs"/>
-              </a:rPr>
-              <a:t>Theoretically</a:t>
-            </a:r>
-            <a:r>
-              <a:rPr lang="en-US" altLang="zh-CN" sz="1200" b="0" i="0" kern="1200" baseline="0" dirty="0">
-                <a:solidFill>
-                  <a:schemeClr val="tx1"/>
-                </a:solidFill>
-                <a:effectLst/>
-                <a:latin typeface="+mn-lt"/>
-                <a:ea typeface="+mn-ea"/>
-                <a:cs typeface="+mn-cs"/>
-              </a:rPr>
-              <a:t> there two approaches to implement the algorithm. One is , another is .</a:t>
-            </a:r>
-          </a:p>
-          <a:p>
-            <a:r>
-              <a:rPr lang="en-US" altLang="zh-CN" sz="1200" b="0" i="0" kern="1200" baseline="0" dirty="0">
-                <a:solidFill>
-                  <a:schemeClr val="tx1"/>
-                </a:solidFill>
-                <a:effectLst/>
-                <a:latin typeface="+mn-lt"/>
-                <a:ea typeface="+mn-ea"/>
-                <a:cs typeface="+mn-cs"/>
-              </a:rPr>
+              <a:rPr lang="en-US" altLang="zh-CN" dirty="0"/>
+              <a:t>Theoretically there two approaches to implement the algorithm. One is , another is .</a:t>
+            </a:r>
+          </a:p>
+          <a:p>
+            <a:r>
+              <a:rPr lang="en-US" altLang="zh-CN" dirty="0"/>
               <a:t>But actually we the Processor </a:t>
             </a:r>
             <a:r>
-              <a:rPr lang="en-GB" altLang="zh-CN" sz="1200" kern="1200" baseline="0" dirty="0">
-                <a:solidFill>
-                  <a:schemeClr val="tx1"/>
-                </a:solidFill>
-                <a:effectLst/>
-                <a:latin typeface="+mn-lt"/>
-                <a:ea typeface="+mn-ea"/>
-                <a:cs typeface="+mn-cs"/>
-              </a:rPr>
+              <a:rPr lang="en-GB" altLang="zh-CN" dirty="0"/>
               <a:t>can not afford calculation requirement.</a:t>
             </a:r>
           </a:p>
           <a:p>
             <a:r>
-              <a:rPr lang="en-GB" altLang="zh-CN" sz="1200" kern="1200" baseline="0" dirty="0">
-                <a:solidFill>
-                  <a:schemeClr val="tx1"/>
-                </a:solidFill>
-                <a:effectLst/>
-                <a:latin typeface="+mn-lt"/>
-                <a:ea typeface="+mn-ea"/>
-                <a:cs typeface="+mn-cs"/>
-              </a:rPr>
+              <a:rPr lang="en-GB" altLang="zh-CN" dirty="0"/>
               <a:t>The Processor in UAV, the architecture of processor. The calculation speed, the clock </a:t>
             </a:r>
             <a:r>
-              <a:rPr lang="en-GB" altLang="zh-CN" sz="1200" kern="1200" baseline="0" dirty="0" err="1">
-                <a:solidFill>
-                  <a:schemeClr val="tx1"/>
-                </a:solidFill>
-                <a:effectLst/>
-                <a:latin typeface="+mn-lt"/>
-                <a:ea typeface="+mn-ea"/>
-                <a:cs typeface="+mn-cs"/>
-              </a:rPr>
+              <a:rPr lang="en-GB" altLang="zh-CN" dirty="0" err="1"/>
               <a:t>frequcy</a:t>
             </a:r>
             <a:r>
-              <a:rPr lang="en-GB" altLang="zh-CN" sz="1200" kern="1200" baseline="0" dirty="0">
-                <a:solidFill>
-                  <a:schemeClr val="tx1"/>
-                </a:solidFill>
-                <a:effectLst/>
-                <a:latin typeface="+mn-lt"/>
-                <a:ea typeface="+mn-ea"/>
-                <a:cs typeface="+mn-cs"/>
-              </a:rPr>
+              <a:rPr lang="en-GB" altLang="zh-CN" dirty="0"/>
               <a:t>.</a:t>
             </a:r>
           </a:p>
           <a:p>
             <a:r>
-              <a:rPr lang="en-GB" altLang="zh-CN" sz="1200" kern="1200" dirty="0">
-                <a:solidFill>
-                  <a:schemeClr val="tx1"/>
-                </a:solidFill>
-                <a:effectLst/>
-                <a:latin typeface="+mn-lt"/>
-                <a:ea typeface="+mn-ea"/>
-                <a:cs typeface="+mn-cs"/>
-              </a:rPr>
-              <a:t>Pro in UAV</a:t>
-            </a:r>
-            <a:r>
-              <a:rPr lang="en-GB" altLang="zh-CN" sz="1200" kern="1200" baseline="0" dirty="0">
-                <a:solidFill>
-                  <a:schemeClr val="tx1"/>
-                </a:solidFill>
-                <a:effectLst/>
-                <a:latin typeface="+mn-lt"/>
-                <a:ea typeface="+mn-ea"/>
-                <a:cs typeface="+mn-cs"/>
-              </a:rPr>
-              <a:t> will do many control task. It demands precise real-time response and also demands calculation sources.</a:t>
-            </a:r>
-          </a:p>
-          <a:p>
-            <a:r>
-              <a:rPr lang="en-US" altLang="zh-CN" sz="1200" kern="1200" baseline="0" dirty="0">
-                <a:solidFill>
-                  <a:schemeClr val="tx1"/>
-                </a:solidFill>
-                <a:effectLst/>
-                <a:latin typeface="+mn-lt"/>
-                <a:ea typeface="+mn-ea"/>
-                <a:cs typeface="+mn-cs"/>
-              </a:rPr>
+              <a:rPr lang="en-GB" altLang="zh-CN" dirty="0"/>
+              <a:t>Pro in UAV will do many control task. It demands precise real-time response and also demands calculation sources.</a:t>
+            </a:r>
+          </a:p>
+          <a:p>
+            <a:r>
+              <a:rPr lang="en-US" altLang="zh-CN" dirty="0"/>
               <a:t>Also the </a:t>
             </a:r>
             <a:r>
-              <a:rPr lang="en-US" altLang="zh-CN" sz="1200" kern="1200" baseline="0" dirty="0" err="1">
-                <a:solidFill>
-                  <a:schemeClr val="tx1"/>
-                </a:solidFill>
-                <a:effectLst/>
-                <a:latin typeface="+mn-lt"/>
-                <a:ea typeface="+mn-ea"/>
-                <a:cs typeface="+mn-cs"/>
-              </a:rPr>
+              <a:rPr lang="en-US" altLang="zh-CN" dirty="0" err="1"/>
               <a:t>sensorfusion</a:t>
             </a:r>
             <a:r>
-              <a:rPr lang="en-US" altLang="zh-CN" sz="1200" kern="1200" baseline="0" dirty="0">
-                <a:solidFill>
-                  <a:schemeClr val="tx1"/>
-                </a:solidFill>
-                <a:effectLst/>
-                <a:latin typeface="+mn-lt"/>
-                <a:ea typeface="+mn-ea"/>
-                <a:cs typeface="+mn-cs"/>
-              </a:rPr>
+              <a:rPr lang="en-US" altLang="zh-CN" dirty="0"/>
               <a:t> have very big probability to conflict the original control logic, because the calculation takes time and frequently.</a:t>
             </a:r>
-            <a:endParaRPr lang="en-GB" altLang="zh-CN" sz="1200" kern="1200" baseline="0" dirty="0">
-              <a:solidFill>
-                <a:schemeClr val="tx1"/>
-              </a:solidFill>
-              <a:effectLst/>
-              <a:latin typeface="+mn-lt"/>
-              <a:ea typeface="+mn-ea"/>
-              <a:cs typeface="+mn-cs"/>
-            </a:endParaRPr>
-          </a:p>
-          <a:p>
-            <a:pPr marL="0" marR="0" lvl="0" indent="0" algn="l" defTabSz="914400" rtl="0" eaLnBrk="1" fontAlgn="auto" latinLnBrk="0" hangingPunct="1">
-              <a:lnSpc>
-                <a:spcPct val="100000"/>
-              </a:lnSpc>
-              <a:spcBef>
-                <a:spcPts val="0"/>
-              </a:spcBef>
-              <a:spcAft>
-                <a:spcPts val="0"/>
-              </a:spcAft>
-              <a:buClrTx/>
-              <a:buSzTx/>
-              <a:buFontTx/>
-              <a:buNone/>
-              <a:tabLst/>
+            <a:endParaRPr lang="en-GB" altLang="zh-CN" dirty="0"/>
+          </a:p>
+          <a:p>
+            <a:pPr defTabSz="990572">
               <a:defRPr/>
             </a:pPr>
             <a:r>
-              <a:rPr lang="en-GB" altLang="zh-CN" sz="1200" kern="1200" baseline="0" dirty="0">
-                <a:solidFill>
-                  <a:schemeClr val="tx1"/>
-                </a:solidFill>
-                <a:effectLst/>
-                <a:latin typeface="+mn-lt"/>
-                <a:ea typeface="+mn-ea"/>
-                <a:cs typeface="+mn-cs"/>
-              </a:rPr>
+              <a:rPr lang="en-GB" altLang="zh-CN" dirty="0"/>
               <a:t>So sensor fusion task need an additional new powerful specific processor to do so.</a:t>
             </a:r>
           </a:p>
           <a:p>
-            <a:endParaRPr lang="en-GB" altLang="zh-CN" sz="1200" kern="1200" baseline="0" dirty="0">
-              <a:solidFill>
-                <a:schemeClr val="tx1"/>
-              </a:solidFill>
-              <a:effectLst/>
-              <a:latin typeface="+mn-lt"/>
-              <a:ea typeface="+mn-ea"/>
-              <a:cs typeface="+mn-cs"/>
-            </a:endParaRPr>
-          </a:p>
-          <a:p>
-            <a:r>
-              <a:rPr lang="en-GB" altLang="zh-CN" sz="1200" kern="1200" baseline="0" dirty="0">
-                <a:solidFill>
-                  <a:schemeClr val="tx1"/>
-                </a:solidFill>
-                <a:effectLst/>
-                <a:latin typeface="+mn-lt"/>
-                <a:ea typeface="+mn-ea"/>
-                <a:cs typeface="+mn-cs"/>
-              </a:rPr>
+            <a:endParaRPr lang="en-GB" altLang="zh-CN" dirty="0"/>
+          </a:p>
+          <a:p>
+            <a:r>
+              <a:rPr lang="en-GB" altLang="zh-CN" dirty="0"/>
               <a:t>But firstly, we must ensure the reliable and high speed communication between our specific processer and the HLP, and only then we can make </a:t>
             </a:r>
             <a:r>
-              <a:rPr lang="en-GB" altLang="zh-CN" sz="1200" kern="1200" baseline="0" dirty="0" err="1">
-                <a:solidFill>
-                  <a:schemeClr val="tx1"/>
-                </a:solidFill>
-                <a:effectLst/>
-                <a:latin typeface="+mn-lt"/>
-                <a:ea typeface="+mn-ea"/>
-                <a:cs typeface="+mn-cs"/>
-              </a:rPr>
+              <a:rPr lang="en-GB" altLang="zh-CN" dirty="0" err="1"/>
               <a:t>sensorfusion</a:t>
             </a:r>
             <a:r>
-              <a:rPr lang="en-GB" altLang="zh-CN" sz="1200" kern="1200" baseline="0" dirty="0">
-                <a:solidFill>
-                  <a:schemeClr val="tx1"/>
-                </a:solidFill>
-                <a:effectLst/>
-                <a:latin typeface="+mn-lt"/>
-                <a:ea typeface="+mn-ea"/>
-                <a:cs typeface="+mn-cs"/>
-              </a:rPr>
+              <a:rPr lang="en-GB" altLang="zh-CN" dirty="0"/>
               <a:t> task. Pure processor is easy but…..</a:t>
             </a:r>
           </a:p>
           <a:p>
-            <a:endParaRPr lang="en-GB" altLang="zh-CN" sz="1200" kern="1200" dirty="0">
-              <a:solidFill>
-                <a:schemeClr val="tx1"/>
-              </a:solidFill>
-              <a:effectLst/>
-              <a:latin typeface="+mn-lt"/>
-              <a:ea typeface="+mn-ea"/>
-              <a:cs typeface="+mn-cs"/>
-            </a:endParaRPr>
+            <a:endParaRPr lang="en-GB" altLang="zh-CN" dirty="0"/>
           </a:p>
           <a:p>
             <a:r>
@@ -2005,15 +1784,7 @@
               <a:rPr lang="de-DE" altLang="zh-CN" dirty="0"/>
               <a:t>. </a:t>
             </a:r>
-            <a:endParaRPr lang="en-GB" altLang="zh-CN" sz="1200" kern="1200" dirty="0">
-              <a:solidFill>
-                <a:schemeClr val="tx1"/>
-              </a:solidFill>
-              <a:effectLst/>
-              <a:latin typeface="+mn-lt"/>
-              <a:ea typeface="+mn-ea"/>
-              <a:cs typeface="+mn-cs"/>
-            </a:endParaRPr>
+            <a:endParaRPr lang="en-GB" altLang="zh-CN" dirty="0"/>
           </a:p>
           <a:p>
             <a:endParaRPr lang="en-GB" altLang="zh-CN" dirty="0">
@@ -2036,8 +1807,8 @@
         </p:nvSpPr>
         <p:spPr>
           <a:xfrm>
-            <a:off x="189000" y="8685360"/>
-            <a:ext cx="1618560" cy="456480"/>
+            <a:off x="195784" y="9721271"/>
+            <a:ext cx="1676633" cy="510926"/>
           </a:xfrm>
           <a:prstGeom prst="rect">
             <a:avLst/>
@@ -2048,12 +1819,12 @@
           </a:ln>
         </p:spPr>
         <p:txBody>
-          <a:bodyPr lIns="90000" tIns="45000" rIns="90000" bIns="45000" anchor="ctr"/>
+          <a:bodyPr lIns="97497" tIns="48749" rIns="97497" bIns="48749" anchor="ctr"/>
           <a:lstStyle/>
           <a:p>
             <a:pPr>
               <a:lnSpc>
-                <a:spcPts val="162"/>
+                <a:spcPts val="175"/>
               </a:lnSpc>
             </a:pPr>
             <a:r>
@@ -2062,7 +1833,6 @@
                   <a:srgbClr val="000000"/>
                 </a:solidFill>
                 <a:latin typeface="Stafford"/>
-                <a:ea typeface="+mn-ea"/>
               </a:rPr>
               <a:t>15.06.16</a:t>
             </a:r>
@@ -2078,8 +1848,8 @@
         </p:nvSpPr>
         <p:spPr>
           <a:xfrm>
-            <a:off x="1808280" y="8685360"/>
-            <a:ext cx="4104720" cy="456480"/>
+            <a:off x="1873162" y="9721271"/>
+            <a:ext cx="4251996" cy="510926"/>
           </a:xfrm>
           <a:prstGeom prst="rect">
             <a:avLst/>
@@ -2090,12 +1860,12 @@
           </a:ln>
         </p:spPr>
         <p:txBody>
-          <a:bodyPr lIns="90000" tIns="45000" rIns="90000" bIns="45000" anchor="ctr"/>
+          <a:bodyPr lIns="97497" tIns="48749" rIns="97497" bIns="48749" anchor="ctr"/>
           <a:lstStyle/>
           <a:p>
             <a:pPr>
               <a:lnSpc>
-                <a:spcPts val="162"/>
+                <a:spcPts val="175"/>
               </a:lnSpc>
             </a:pPr>
             <a:r>
@@ -2104,7 +1874,6 @@
                   <a:srgbClr val="000000"/>
                 </a:solidFill>
                 <a:latin typeface="Stafford"/>
-                <a:ea typeface="+mn-ea"/>
               </a:rPr>
               <a:t>|  </a:t>
             </a:r>
@@ -2120,8 +1889,8 @@
         </p:nvSpPr>
         <p:spPr>
           <a:xfrm>
-            <a:off x="5913360" y="8685360"/>
-            <a:ext cx="942120" cy="456480"/>
+            <a:off x="6125531" y="9721271"/>
+            <a:ext cx="975922" cy="510926"/>
           </a:xfrm>
           <a:prstGeom prst="rect">
             <a:avLst/>
@@ -2132,12 +1901,12 @@
           </a:ln>
         </p:spPr>
         <p:txBody>
-          <a:bodyPr lIns="90000" tIns="45000" rIns="90000" bIns="45000" anchor="ctr"/>
+          <a:bodyPr lIns="97497" tIns="48749" rIns="97497" bIns="48749" anchor="ctr"/>
           <a:lstStyle/>
           <a:p>
             <a:pPr algn="r">
               <a:lnSpc>
-                <a:spcPts val="162"/>
+                <a:spcPts val="175"/>
               </a:lnSpc>
             </a:pPr>
             <a:r>
@@ -2146,7 +1915,6 @@
                   <a:srgbClr val="000000"/>
                 </a:solidFill>
                 <a:latin typeface="Stafford"/>
-                <a:ea typeface="+mn-ea"/>
               </a:rPr>
               <a:t>|  </a:t>
             </a:r>
@@ -2156,8 +1924,12 @@
                   <a:srgbClr val="000000"/>
                 </a:solidFill>
                 <a:latin typeface="Stafford"/>
-                <a:ea typeface="+mn-ea"/>
               </a:rPr>
+              <a:pPr algn="r">
+                <a:lnSpc>
+                  <a:spcPts val="175"/>
+                </a:lnSpc>
+              </a:pPr>
               <a:t>3</a:t>
             </a:fld>
             <a:endParaRPr/>
@@ -2201,8 +1973,8 @@
         </p:nvSpPr>
         <p:spPr>
           <a:xfrm>
-            <a:off x="190440" y="4284720"/>
-            <a:ext cx="6476400" cy="4282200"/>
+            <a:off x="197275" y="4795766"/>
+            <a:ext cx="6708771" cy="4792940"/>
           </a:xfrm>
           <a:prstGeom prst="rect">
             <a:avLst/>
@@ -2348,21 +2120,7 @@
             </a:r>
           </a:p>
           <a:p>
-            <a:pPr marL="0" marR="0" lvl="0" indent="0" algn="l" defTabSz="914400" rtl="0" eaLnBrk="1" fontAlgn="auto" latinLnBrk="0" hangingPunct="1">
-              <a:lnSpc>
-                <a:spcPct val="100000"/>
-              </a:lnSpc>
-              <a:spcBef>
-                <a:spcPts val="0"/>
-              </a:spcBef>
-              <a:spcAft>
-                <a:spcPts val="0"/>
-              </a:spcAft>
-              <a:buClrTx/>
-              <a:buSzTx/>
-              <a:buFontTx/>
-              <a:buNone/>
-              <a:tabLst/>
+            <a:pPr defTabSz="990572">
               <a:defRPr/>
             </a:pPr>
             <a:r>
@@ -2395,21 +2153,7 @@
             </a:r>
           </a:p>
           <a:p>
-            <a:pPr marL="0" marR="0" lvl="0" indent="0" algn="l" defTabSz="914400" rtl="0" eaLnBrk="1" fontAlgn="auto" latinLnBrk="0" hangingPunct="1">
-              <a:lnSpc>
-                <a:spcPct val="100000"/>
-              </a:lnSpc>
-              <a:spcBef>
-                <a:spcPts val="0"/>
-              </a:spcBef>
-              <a:spcAft>
-                <a:spcPts val="0"/>
-              </a:spcAft>
-              <a:buClrTx/>
-              <a:buSzTx/>
-              <a:buFontTx/>
-              <a:buNone/>
-              <a:tabLst/>
+            <a:pPr defTabSz="990572">
               <a:defRPr/>
             </a:pPr>
             <a:r>
@@ -2426,21 +2170,7 @@
             </a:r>
           </a:p>
           <a:p>
-            <a:pPr marL="0" marR="0" lvl="0" indent="0" algn="l" defTabSz="914400" rtl="0" eaLnBrk="1" fontAlgn="auto" latinLnBrk="0" hangingPunct="1">
-              <a:lnSpc>
-                <a:spcPct val="100000"/>
-              </a:lnSpc>
-              <a:spcBef>
-                <a:spcPts val="0"/>
-              </a:spcBef>
-              <a:spcAft>
-                <a:spcPts val="0"/>
-              </a:spcAft>
-              <a:buClrTx/>
-              <a:buSzTx/>
-              <a:buFontTx/>
-              <a:buNone/>
-              <a:tabLst/>
+            <a:pPr defTabSz="990572">
               <a:defRPr/>
             </a:pPr>
             <a:r>
@@ -2459,8 +2189,8 @@
         </p:nvSpPr>
         <p:spPr>
           <a:xfrm>
-            <a:off x="189000" y="8685360"/>
-            <a:ext cx="1618560" cy="456480"/>
+            <a:off x="195784" y="9721271"/>
+            <a:ext cx="1676633" cy="510926"/>
           </a:xfrm>
           <a:prstGeom prst="rect">
             <a:avLst/>
@@ -2471,12 +2201,12 @@
           </a:ln>
         </p:spPr>
         <p:txBody>
-          <a:bodyPr lIns="90000" tIns="45000" rIns="90000" bIns="45000" anchor="ctr"/>
+          <a:bodyPr lIns="97497" tIns="48749" rIns="97497" bIns="48749" anchor="ctr"/>
           <a:lstStyle/>
           <a:p>
             <a:pPr>
               <a:lnSpc>
-                <a:spcPts val="162"/>
+                <a:spcPts val="175"/>
               </a:lnSpc>
             </a:pPr>
             <a:r>
@@ -2485,7 +2215,6 @@
                   <a:srgbClr val="000000"/>
                 </a:solidFill>
                 <a:latin typeface="Stafford"/>
-                <a:ea typeface="+mn-ea"/>
               </a:rPr>
               <a:t>15.06.16</a:t>
             </a:r>
@@ -2501,8 +2230,8 @@
         </p:nvSpPr>
         <p:spPr>
           <a:xfrm>
-            <a:off x="1808280" y="8685360"/>
-            <a:ext cx="4104720" cy="456480"/>
+            <a:off x="1873162" y="9721271"/>
+            <a:ext cx="4251996" cy="510926"/>
           </a:xfrm>
           <a:prstGeom prst="rect">
             <a:avLst/>
@@ -2513,12 +2242,12 @@
           </a:ln>
         </p:spPr>
         <p:txBody>
-          <a:bodyPr lIns="90000" tIns="45000" rIns="90000" bIns="45000" anchor="ctr"/>
+          <a:bodyPr lIns="97497" tIns="48749" rIns="97497" bIns="48749" anchor="ctr"/>
           <a:lstStyle/>
           <a:p>
             <a:pPr>
               <a:lnSpc>
-                <a:spcPts val="162"/>
+                <a:spcPts val="175"/>
               </a:lnSpc>
             </a:pPr>
             <a:r>
@@ -2527,7 +2256,6 @@
                   <a:srgbClr val="000000"/>
                 </a:solidFill>
                 <a:latin typeface="Stafford"/>
-                <a:ea typeface="+mn-ea"/>
               </a:rPr>
               <a:t>|  </a:t>
             </a:r>
@@ -2543,8 +2271,8 @@
         </p:nvSpPr>
         <p:spPr>
           <a:xfrm>
-            <a:off x="5913360" y="8685360"/>
-            <a:ext cx="942120" cy="456480"/>
+            <a:off x="6125531" y="9721271"/>
+            <a:ext cx="975922" cy="510926"/>
           </a:xfrm>
           <a:prstGeom prst="rect">
             <a:avLst/>
@@ -2555,12 +2283,12 @@
           </a:ln>
         </p:spPr>
         <p:txBody>
-          <a:bodyPr lIns="90000" tIns="45000" rIns="90000" bIns="45000" anchor="ctr"/>
+          <a:bodyPr lIns="97497" tIns="48749" rIns="97497" bIns="48749" anchor="ctr"/>
           <a:lstStyle/>
           <a:p>
             <a:pPr algn="r">
               <a:lnSpc>
-                <a:spcPts val="162"/>
+                <a:spcPts val="175"/>
               </a:lnSpc>
             </a:pPr>
             <a:r>
@@ -2569,7 +2297,6 @@
                   <a:srgbClr val="000000"/>
                 </a:solidFill>
                 <a:latin typeface="Stafford"/>
-                <a:ea typeface="+mn-ea"/>
               </a:rPr>
               <a:t>|  </a:t>
             </a:r>
@@ -2579,8 +2306,12 @@
                   <a:srgbClr val="000000"/>
                 </a:solidFill>
                 <a:latin typeface="Stafford"/>
-                <a:ea typeface="+mn-ea"/>
               </a:rPr>
+              <a:pPr algn="r">
+                <a:lnSpc>
+                  <a:spcPts val="175"/>
+                </a:lnSpc>
+              </a:pPr>
               <a:t>4</a:t>
             </a:fld>
             <a:endParaRPr/>
@@ -2629,8 +2360,8 @@
         </p:nvSpPr>
         <p:spPr>
           <a:xfrm>
-            <a:off x="190440" y="4284720"/>
-            <a:ext cx="6476400" cy="4282200"/>
+            <a:off x="197275" y="4795766"/>
+            <a:ext cx="6708771" cy="4792940"/>
           </a:xfrm>
           <a:prstGeom prst="rect">
             <a:avLst/>
@@ -2640,21 +2371,7 @@
           <a:bodyPr lIns="0" tIns="0" rIns="0" bIns="0"/>
           <a:lstStyle/>
           <a:p>
-            <a:pPr marL="0" marR="0" lvl="0" indent="0" algn="l" defTabSz="914400" rtl="0" eaLnBrk="1" fontAlgn="auto" latinLnBrk="0" hangingPunct="1">
-              <a:lnSpc>
-                <a:spcPct val="100000"/>
-              </a:lnSpc>
-              <a:spcBef>
-                <a:spcPts val="0"/>
-              </a:spcBef>
-              <a:spcAft>
-                <a:spcPts val="0"/>
-              </a:spcAft>
-              <a:buClrTx/>
-              <a:buSzTx/>
-              <a:buFontTx/>
-              <a:buNone/>
-              <a:tabLst/>
+            <a:pPr defTabSz="990572">
               <a:defRPr/>
             </a:pPr>
             <a:r>
@@ -2699,21 +2416,7 @@
             </a:r>
           </a:p>
           <a:p>
-            <a:pPr marL="0" marR="0" lvl="0" indent="0" algn="l" defTabSz="914400" rtl="0" eaLnBrk="1" fontAlgn="auto" latinLnBrk="0" hangingPunct="1">
-              <a:lnSpc>
-                <a:spcPct val="100000"/>
-              </a:lnSpc>
-              <a:spcBef>
-                <a:spcPts val="0"/>
-              </a:spcBef>
-              <a:spcAft>
-                <a:spcPts val="0"/>
-              </a:spcAft>
-              <a:buClrTx/>
-              <a:buSzTx/>
-              <a:buFontTx/>
-              <a:buNone/>
-              <a:tabLst/>
+            <a:pPr defTabSz="990572">
               <a:defRPr/>
             </a:pPr>
             <a:r>
@@ -2730,21 +2433,7 @@
             </a:r>
           </a:p>
           <a:p>
-            <a:pPr marL="0" marR="0" lvl="0" indent="0" algn="l" defTabSz="914400" rtl="0" eaLnBrk="1" fontAlgn="auto" latinLnBrk="0" hangingPunct="1">
-              <a:lnSpc>
-                <a:spcPct val="100000"/>
-              </a:lnSpc>
-              <a:spcBef>
-                <a:spcPts val="0"/>
-              </a:spcBef>
-              <a:spcAft>
-                <a:spcPts val="0"/>
-              </a:spcAft>
-              <a:buClrTx/>
-              <a:buSzTx/>
-              <a:buFontTx/>
-              <a:buNone/>
-              <a:tabLst/>
+            <a:pPr defTabSz="990572">
               <a:defRPr/>
             </a:pPr>
             <a:r>
@@ -2757,21 +2446,7 @@
             </a:r>
           </a:p>
           <a:p>
-            <a:pPr marL="0" marR="0" lvl="0" indent="0" algn="l" defTabSz="914400" rtl="0" eaLnBrk="1" fontAlgn="auto" latinLnBrk="0" hangingPunct="1">
-              <a:lnSpc>
-                <a:spcPct val="100000"/>
-              </a:lnSpc>
-              <a:spcBef>
-                <a:spcPts val="0"/>
-              </a:spcBef>
-              <a:spcAft>
-                <a:spcPts val="0"/>
-              </a:spcAft>
-              <a:buClrTx/>
-              <a:buSzTx/>
-              <a:buFontTx/>
-              <a:buNone/>
-              <a:tabLst/>
+            <a:pPr defTabSz="990572">
               <a:defRPr/>
             </a:pPr>
             <a:r>
@@ -2800,21 +2475,7 @@
             </a:r>
           </a:p>
           <a:p>
-            <a:pPr marL="0" marR="0" lvl="0" indent="0" algn="l" defTabSz="914400" rtl="0" eaLnBrk="1" fontAlgn="auto" latinLnBrk="0" hangingPunct="1">
-              <a:lnSpc>
-                <a:spcPct val="100000"/>
-              </a:lnSpc>
-              <a:spcBef>
-                <a:spcPts val="0"/>
-              </a:spcBef>
-              <a:spcAft>
-                <a:spcPts val="0"/>
-              </a:spcAft>
-              <a:buClrTx/>
-              <a:buSzTx/>
-              <a:buFontTx/>
-              <a:buNone/>
-              <a:tabLst/>
+            <a:pPr defTabSz="990572">
               <a:defRPr/>
             </a:pPr>
             <a:r>
@@ -2855,21 +2516,7 @@
             </a:r>
           </a:p>
           <a:p>
-            <a:pPr marL="0" marR="0" lvl="0" indent="0" algn="l" defTabSz="914400" rtl="0" eaLnBrk="1" fontAlgn="auto" latinLnBrk="0" hangingPunct="1">
-              <a:lnSpc>
-                <a:spcPct val="100000"/>
-              </a:lnSpc>
-              <a:spcBef>
-                <a:spcPts val="0"/>
-              </a:spcBef>
-              <a:spcAft>
-                <a:spcPts val="0"/>
-              </a:spcAft>
-              <a:buClrTx/>
-              <a:buSzTx/>
-              <a:buFontTx/>
-              <a:buNone/>
-              <a:tabLst/>
+            <a:pPr defTabSz="990572">
               <a:defRPr/>
             </a:pPr>
             <a:r>
@@ -2883,41 +2530,13 @@
             <a:endParaRPr lang="en-US" dirty="0"/>
           </a:p>
           <a:p>
-            <a:pPr marL="0" marR="0" lvl="0" indent="0" algn="l" defTabSz="914400" rtl="0" eaLnBrk="1" fontAlgn="auto" latinLnBrk="0" hangingPunct="1">
-              <a:lnSpc>
-                <a:spcPct val="100000"/>
-              </a:lnSpc>
-              <a:spcBef>
-                <a:spcPts val="0"/>
-              </a:spcBef>
-              <a:spcAft>
-                <a:spcPts val="0"/>
-              </a:spcAft>
-              <a:buClrTx/>
-              <a:buSzTx/>
-              <a:buFontTx/>
-              <a:buNone/>
-              <a:tabLst/>
+            <a:pPr defTabSz="990572">
               <a:defRPr/>
             </a:pPr>
             <a:endParaRPr lang="en-US" dirty="0"/>
           </a:p>
           <a:p>
-            <a:pPr marL="0" marR="0" lvl="0" indent="0" algn="l" defTabSz="914400" rtl="0" eaLnBrk="1" fontAlgn="auto" latinLnBrk="0" hangingPunct="1">
-              <a:lnSpc>
-                <a:spcPct val="100000"/>
-              </a:lnSpc>
-              <a:spcBef>
-                <a:spcPts val="0"/>
-              </a:spcBef>
-              <a:spcAft>
-                <a:spcPts val="0"/>
-              </a:spcAft>
-              <a:buClrTx/>
-              <a:buSzTx/>
-              <a:buFontTx/>
-              <a:buNone/>
-              <a:tabLst/>
+            <a:pPr defTabSz="990572">
               <a:defRPr/>
             </a:pPr>
             <a:r>
@@ -2930,21 +2549,7 @@
             </a:r>
           </a:p>
           <a:p>
-            <a:pPr marL="0" marR="0" lvl="0" indent="0" algn="l" defTabSz="914400" rtl="0" eaLnBrk="1" fontAlgn="auto" latinLnBrk="0" hangingPunct="1">
-              <a:lnSpc>
-                <a:spcPct val="100000"/>
-              </a:lnSpc>
-              <a:spcBef>
-                <a:spcPts val="0"/>
-              </a:spcBef>
-              <a:spcAft>
-                <a:spcPts val="0"/>
-              </a:spcAft>
-              <a:buClrTx/>
-              <a:buSzTx/>
-              <a:buFontTx/>
-              <a:buNone/>
-              <a:tabLst/>
+            <a:pPr defTabSz="990572">
               <a:defRPr/>
             </a:pPr>
             <a:r>
@@ -2953,21 +2558,7 @@
             </a:r>
           </a:p>
           <a:p>
-            <a:pPr marL="0" marR="0" lvl="0" indent="0" algn="l" defTabSz="914400" rtl="0" eaLnBrk="1" fontAlgn="auto" latinLnBrk="0" hangingPunct="1">
-              <a:lnSpc>
-                <a:spcPct val="100000"/>
-              </a:lnSpc>
-              <a:spcBef>
-                <a:spcPts val="0"/>
-              </a:spcBef>
-              <a:spcAft>
-                <a:spcPts val="0"/>
-              </a:spcAft>
-              <a:buClrTx/>
-              <a:buSzTx/>
-              <a:buFontTx/>
-              <a:buNone/>
-              <a:tabLst/>
+            <a:pPr defTabSz="990572">
               <a:defRPr/>
             </a:pPr>
             <a:r>
@@ -2976,41 +2567,13 @@
             </a:r>
           </a:p>
           <a:p>
-            <a:pPr marL="0" marR="0" lvl="0" indent="0" algn="l" defTabSz="914400" rtl="0" eaLnBrk="1" fontAlgn="auto" latinLnBrk="0" hangingPunct="1">
-              <a:lnSpc>
-                <a:spcPct val="100000"/>
-              </a:lnSpc>
-              <a:spcBef>
-                <a:spcPts val="0"/>
-              </a:spcBef>
-              <a:spcAft>
-                <a:spcPts val="0"/>
-              </a:spcAft>
-              <a:buClrTx/>
-              <a:buSzTx/>
-              <a:buFontTx/>
-              <a:buNone/>
-              <a:tabLst/>
+            <a:pPr defTabSz="990572">
               <a:defRPr/>
             </a:pPr>
             <a:endParaRPr lang="en-GB" dirty="0"/>
           </a:p>
           <a:p>
-            <a:pPr marL="0" marR="0" lvl="0" indent="0" algn="l" defTabSz="914400" rtl="0" eaLnBrk="1" fontAlgn="auto" latinLnBrk="0" hangingPunct="1">
-              <a:lnSpc>
-                <a:spcPct val="100000"/>
-              </a:lnSpc>
-              <a:spcBef>
-                <a:spcPts val="0"/>
-              </a:spcBef>
-              <a:spcAft>
-                <a:spcPts val="0"/>
-              </a:spcAft>
-              <a:buClrTx/>
-              <a:buSzTx/>
-              <a:buFontTx/>
-              <a:buNone/>
-              <a:tabLst/>
+            <a:pPr defTabSz="990572">
               <a:defRPr/>
             </a:pPr>
             <a:r>
@@ -3075,21 +2638,7 @@
             </a:r>
           </a:p>
           <a:p>
-            <a:pPr marL="0" marR="0" lvl="0" indent="0" algn="l" defTabSz="914400" rtl="0" eaLnBrk="1" fontAlgn="auto" latinLnBrk="0" hangingPunct="1">
-              <a:lnSpc>
-                <a:spcPct val="100000"/>
-              </a:lnSpc>
-              <a:spcBef>
-                <a:spcPts val="0"/>
-              </a:spcBef>
-              <a:spcAft>
-                <a:spcPts val="0"/>
-              </a:spcAft>
-              <a:buClrTx/>
-              <a:buSzTx/>
-              <a:buFontTx/>
-              <a:buNone/>
-              <a:tabLst/>
+            <a:pPr defTabSz="990572">
               <a:defRPr/>
             </a:pPr>
             <a:r>
@@ -3154,21 +2703,7 @@
             </a:r>
           </a:p>
           <a:p>
-            <a:pPr marL="0" marR="0" lvl="0" indent="0" algn="l" defTabSz="914400" rtl="0" eaLnBrk="1" fontAlgn="auto" latinLnBrk="0" hangingPunct="1">
-              <a:lnSpc>
-                <a:spcPct val="100000"/>
-              </a:lnSpc>
-              <a:spcBef>
-                <a:spcPts val="0"/>
-              </a:spcBef>
-              <a:spcAft>
-                <a:spcPts val="0"/>
-              </a:spcAft>
-              <a:buClrTx/>
-              <a:buSzTx/>
-              <a:buFontTx/>
-              <a:buNone/>
-              <a:tabLst/>
+            <a:pPr defTabSz="990572">
               <a:defRPr/>
             </a:pPr>
             <a:r>
@@ -3177,101 +2712,31 @@
             </a:r>
           </a:p>
           <a:p>
-            <a:pPr marL="0" marR="0" lvl="0" indent="0" algn="l" defTabSz="914400" rtl="0" eaLnBrk="1" fontAlgn="auto" latinLnBrk="0" hangingPunct="1">
-              <a:lnSpc>
-                <a:spcPct val="100000"/>
-              </a:lnSpc>
-              <a:spcBef>
-                <a:spcPts val="0"/>
-              </a:spcBef>
-              <a:spcAft>
-                <a:spcPts val="0"/>
-              </a:spcAft>
-              <a:buClrTx/>
-              <a:buSzTx/>
-              <a:buFontTx/>
-              <a:buNone/>
-              <a:tabLst/>
+            <a:pPr defTabSz="990572">
               <a:defRPr/>
             </a:pPr>
             <a:endParaRPr lang="en-US" dirty="0"/>
           </a:p>
           <a:p>
-            <a:pPr marL="0" marR="0" lvl="0" indent="0" algn="l" defTabSz="914400" rtl="0" eaLnBrk="1" fontAlgn="auto" latinLnBrk="0" hangingPunct="1">
-              <a:lnSpc>
-                <a:spcPct val="100000"/>
-              </a:lnSpc>
-              <a:spcBef>
-                <a:spcPts val="0"/>
-              </a:spcBef>
-              <a:spcAft>
-                <a:spcPts val="0"/>
-              </a:spcAft>
-              <a:buClrTx/>
-              <a:buSzTx/>
-              <a:buFontTx/>
-              <a:buNone/>
-              <a:tabLst/>
+            <a:pPr defTabSz="990572">
               <a:defRPr/>
             </a:pPr>
             <a:endParaRPr lang="en-US" dirty="0"/>
           </a:p>
           <a:p>
-            <a:pPr marL="0" marR="0" lvl="0" indent="0" algn="l" defTabSz="914400" rtl="0" eaLnBrk="1" fontAlgn="auto" latinLnBrk="0" hangingPunct="1">
-              <a:lnSpc>
-                <a:spcPct val="100000"/>
-              </a:lnSpc>
-              <a:spcBef>
-                <a:spcPts val="0"/>
-              </a:spcBef>
-              <a:spcAft>
-                <a:spcPts val="0"/>
-              </a:spcAft>
-              <a:buClrTx/>
-              <a:buSzTx/>
-              <a:buFontTx/>
-              <a:buNone/>
-              <a:tabLst/>
+            <a:pPr defTabSz="990572">
               <a:defRPr/>
             </a:pPr>
             <a:endParaRPr lang="en-US" dirty="0"/>
           </a:p>
           <a:p>
-            <a:pPr marL="0" marR="0" lvl="0" indent="0" algn="l" defTabSz="914400" rtl="0" eaLnBrk="1" fontAlgn="auto" latinLnBrk="0" hangingPunct="1">
-              <a:lnSpc>
-                <a:spcPct val="100000"/>
-              </a:lnSpc>
-              <a:spcBef>
-                <a:spcPts val="0"/>
-              </a:spcBef>
-              <a:spcAft>
-                <a:spcPts val="0"/>
-              </a:spcAft>
-              <a:buClrTx/>
-              <a:buSzTx/>
-              <a:buFontTx/>
-              <a:buNone/>
-              <a:tabLst/>
+            <a:pPr defTabSz="990572">
               <a:defRPr/>
             </a:pPr>
             <a:endParaRPr lang="en-US" dirty="0"/>
           </a:p>
           <a:p>
-            <a:pPr marL="0" marR="0" lvl="0" indent="0" algn="l" defTabSz="914400" rtl="0" eaLnBrk="1" fontAlgn="auto" latinLnBrk="0" hangingPunct="1">
-              <a:lnSpc>
-                <a:spcPct val="100000"/>
-              </a:lnSpc>
-              <a:spcBef>
-                <a:spcPts val="0"/>
-              </a:spcBef>
-              <a:spcAft>
-                <a:spcPts val="0"/>
-              </a:spcAft>
-              <a:buClrTx/>
-              <a:buSzTx/>
-              <a:buFontTx/>
-              <a:buNone/>
-              <a:tabLst/>
+            <a:pPr defTabSz="990572">
               <a:defRPr/>
             </a:pPr>
             <a:endParaRPr dirty="0"/>
@@ -3286,8 +2751,8 @@
         </p:nvSpPr>
         <p:spPr>
           <a:xfrm>
-            <a:off x="189000" y="8685360"/>
-            <a:ext cx="1618560" cy="456480"/>
+            <a:off x="195784" y="9721271"/>
+            <a:ext cx="1676633" cy="510926"/>
           </a:xfrm>
           <a:prstGeom prst="rect">
             <a:avLst/>
@@ -3298,12 +2763,12 @@
           </a:ln>
         </p:spPr>
         <p:txBody>
-          <a:bodyPr lIns="90000" tIns="45000" rIns="90000" bIns="45000" anchor="ctr"/>
+          <a:bodyPr lIns="97497" tIns="48749" rIns="97497" bIns="48749" anchor="ctr"/>
           <a:lstStyle/>
           <a:p>
             <a:pPr>
               <a:lnSpc>
-                <a:spcPts val="162"/>
+                <a:spcPts val="175"/>
               </a:lnSpc>
             </a:pPr>
             <a:r>
@@ -3312,7 +2777,6 @@
                   <a:srgbClr val="000000"/>
                 </a:solidFill>
                 <a:latin typeface="Stafford"/>
-                <a:ea typeface="+mn-ea"/>
               </a:rPr>
               <a:t>15.06.16</a:t>
             </a:r>
@@ -3328,8 +2792,8 @@
         </p:nvSpPr>
         <p:spPr>
           <a:xfrm>
-            <a:off x="1808280" y="8685360"/>
-            <a:ext cx="4104720" cy="456480"/>
+            <a:off x="1873162" y="9721271"/>
+            <a:ext cx="4251996" cy="510926"/>
           </a:xfrm>
           <a:prstGeom prst="rect">
             <a:avLst/>
@@ -3340,12 +2804,12 @@
           </a:ln>
         </p:spPr>
         <p:txBody>
-          <a:bodyPr lIns="90000" tIns="45000" rIns="90000" bIns="45000" anchor="ctr"/>
+          <a:bodyPr lIns="97497" tIns="48749" rIns="97497" bIns="48749" anchor="ctr"/>
           <a:lstStyle/>
           <a:p>
             <a:pPr>
               <a:lnSpc>
-                <a:spcPts val="162"/>
+                <a:spcPts val="175"/>
               </a:lnSpc>
             </a:pPr>
             <a:r>
@@ -3354,7 +2818,6 @@
                   <a:srgbClr val="000000"/>
                 </a:solidFill>
                 <a:latin typeface="Stafford"/>
-                <a:ea typeface="+mn-ea"/>
               </a:rPr>
               <a:t>|  </a:t>
             </a:r>
@@ -3370,8 +2833,8 @@
         </p:nvSpPr>
         <p:spPr>
           <a:xfrm>
-            <a:off x="5913360" y="8685360"/>
-            <a:ext cx="942120" cy="456480"/>
+            <a:off x="6125531" y="9721271"/>
+            <a:ext cx="975922" cy="510926"/>
           </a:xfrm>
           <a:prstGeom prst="rect">
             <a:avLst/>
@@ -3382,12 +2845,12 @@
           </a:ln>
         </p:spPr>
         <p:txBody>
-          <a:bodyPr lIns="90000" tIns="45000" rIns="90000" bIns="45000" anchor="ctr"/>
+          <a:bodyPr lIns="97497" tIns="48749" rIns="97497" bIns="48749" anchor="ctr"/>
           <a:lstStyle/>
           <a:p>
             <a:pPr algn="r">
               <a:lnSpc>
-                <a:spcPts val="162"/>
+                <a:spcPts val="175"/>
               </a:lnSpc>
             </a:pPr>
             <a:r>
@@ -3396,7 +2859,6 @@
                   <a:srgbClr val="000000"/>
                 </a:solidFill>
                 <a:latin typeface="Stafford"/>
-                <a:ea typeface="+mn-ea"/>
               </a:rPr>
               <a:t>|  </a:t>
             </a:r>
@@ -3406,8 +2868,12 @@
                   <a:srgbClr val="000000"/>
                 </a:solidFill>
                 <a:latin typeface="Stafford"/>
-                <a:ea typeface="+mn-ea"/>
               </a:rPr>
+              <a:pPr algn="r">
+                <a:lnSpc>
+                  <a:spcPts val="175"/>
+                </a:lnSpc>
+              </a:pPr>
               <a:t>5</a:t>
             </a:fld>
             <a:endParaRPr/>
@@ -3456,8 +2922,8 @@
         </p:nvSpPr>
         <p:spPr>
           <a:xfrm>
-            <a:off x="190440" y="4284720"/>
-            <a:ext cx="6476400" cy="4282200"/>
+            <a:off x="197275" y="4795766"/>
+            <a:ext cx="6708771" cy="4792940"/>
           </a:xfrm>
           <a:prstGeom prst="rect">
             <a:avLst/>
@@ -3498,21 +2964,7 @@
             <a:endParaRPr lang="de-DE" dirty="0"/>
           </a:p>
           <a:p>
-            <a:pPr marL="0" marR="0" lvl="0" indent="0" algn="l" defTabSz="914400" rtl="0" eaLnBrk="1" fontAlgn="auto" latinLnBrk="0" hangingPunct="1">
-              <a:lnSpc>
-                <a:spcPct val="100000"/>
-              </a:lnSpc>
-              <a:spcBef>
-                <a:spcPts val="0"/>
-              </a:spcBef>
-              <a:spcAft>
-                <a:spcPts val="0"/>
-              </a:spcAft>
-              <a:buClrTx/>
-              <a:buSzTx/>
-              <a:buFontTx/>
-              <a:buNone/>
-              <a:tabLst/>
+            <a:pPr defTabSz="990572">
               <a:defRPr/>
             </a:pPr>
             <a:r>
@@ -3597,21 +3049,7 @@
             </a:r>
           </a:p>
           <a:p>
-            <a:pPr marL="0" marR="0" lvl="0" indent="0" algn="l" defTabSz="914400" rtl="0" eaLnBrk="1" fontAlgn="auto" latinLnBrk="0" hangingPunct="1">
-              <a:lnSpc>
-                <a:spcPct val="100000"/>
-              </a:lnSpc>
-              <a:spcBef>
-                <a:spcPts val="0"/>
-              </a:spcBef>
-              <a:spcAft>
-                <a:spcPts val="0"/>
-              </a:spcAft>
-              <a:buClrTx/>
-              <a:buSzTx/>
-              <a:buFontTx/>
-              <a:buNone/>
-              <a:tabLst/>
+            <a:pPr defTabSz="990572">
               <a:defRPr/>
             </a:pPr>
             <a:r>
@@ -3647,7 +3085,7 @@
               <a:t> on COBS (</a:t>
             </a:r>
             <a:r>
-              <a:rPr lang="en-GB" sz="1200" b="0" dirty="0"/>
+              <a:rPr lang="en-GB" dirty="0"/>
               <a:t>Consistent Overhead Byte Stuffing</a:t>
             </a:r>
             <a:r>
@@ -3712,21 +3150,7 @@
             </a:r>
           </a:p>
           <a:p>
-            <a:pPr marL="0" marR="0" lvl="0" indent="0" algn="l" defTabSz="914400" rtl="0" eaLnBrk="1" fontAlgn="auto" latinLnBrk="0" hangingPunct="1">
-              <a:lnSpc>
-                <a:spcPct val="100000"/>
-              </a:lnSpc>
-              <a:spcBef>
-                <a:spcPts val="0"/>
-              </a:spcBef>
-              <a:spcAft>
-                <a:spcPts val="0"/>
-              </a:spcAft>
-              <a:buClrTx/>
-              <a:buSzTx/>
-              <a:buFontTx/>
-              <a:buNone/>
-              <a:tabLst/>
+            <a:pPr defTabSz="990572">
               <a:defRPr/>
             </a:pPr>
             <a:r>
@@ -3740,21 +3164,7 @@
             <a:endParaRPr lang="de-DE" dirty="0"/>
           </a:p>
           <a:p>
-            <a:pPr marL="0" marR="0" lvl="0" indent="0" algn="l" defTabSz="914400" rtl="0" eaLnBrk="1" fontAlgn="auto" latinLnBrk="0" hangingPunct="1">
-              <a:lnSpc>
-                <a:spcPct val="100000"/>
-              </a:lnSpc>
-              <a:spcBef>
-                <a:spcPts val="0"/>
-              </a:spcBef>
-              <a:spcAft>
-                <a:spcPts val="0"/>
-              </a:spcAft>
-              <a:buClrTx/>
-              <a:buSzTx/>
-              <a:buFontTx/>
-              <a:buNone/>
-              <a:tabLst/>
+            <a:pPr defTabSz="990572">
               <a:defRPr/>
             </a:pPr>
             <a:endParaRPr lang="de-DE" dirty="0"/>
@@ -3804,21 +3214,7 @@
             </a:r>
           </a:p>
           <a:p>
-            <a:pPr marL="0" marR="0" lvl="0" indent="0" algn="l" defTabSz="914400" rtl="0" eaLnBrk="1" fontAlgn="auto" latinLnBrk="0" hangingPunct="1">
-              <a:lnSpc>
-                <a:spcPct val="100000"/>
-              </a:lnSpc>
-              <a:spcBef>
-                <a:spcPts val="0"/>
-              </a:spcBef>
-              <a:spcAft>
-                <a:spcPts val="0"/>
-              </a:spcAft>
-              <a:buClrTx/>
-              <a:buSzTx/>
-              <a:buFontTx/>
-              <a:buNone/>
-              <a:tabLst/>
+            <a:pPr defTabSz="990572">
               <a:defRPr/>
             </a:pPr>
             <a:r>
@@ -3831,21 +3227,7 @@
             </a:r>
           </a:p>
           <a:p>
-            <a:pPr marL="0" marR="0" lvl="0" indent="0" algn="l" defTabSz="914400" rtl="0" eaLnBrk="1" fontAlgn="auto" latinLnBrk="0" hangingPunct="1">
-              <a:lnSpc>
-                <a:spcPct val="100000"/>
-              </a:lnSpc>
-              <a:spcBef>
-                <a:spcPts val="0"/>
-              </a:spcBef>
-              <a:spcAft>
-                <a:spcPts val="0"/>
-              </a:spcAft>
-              <a:buClrTx/>
-              <a:buSzTx/>
-              <a:buFontTx/>
-              <a:buNone/>
-              <a:tabLst/>
+            <a:pPr defTabSz="990572">
               <a:defRPr/>
             </a:pPr>
             <a:r>
@@ -3855,41 +3237,13 @@
             <a:endParaRPr lang="en-US" dirty="0"/>
           </a:p>
           <a:p>
-            <a:pPr marL="0" marR="0" lvl="0" indent="0" algn="l" defTabSz="914400" rtl="0" eaLnBrk="1" fontAlgn="auto" latinLnBrk="0" hangingPunct="1">
-              <a:lnSpc>
-                <a:spcPct val="100000"/>
-              </a:lnSpc>
-              <a:spcBef>
-                <a:spcPts val="0"/>
-              </a:spcBef>
-              <a:spcAft>
-                <a:spcPts val="0"/>
-              </a:spcAft>
-              <a:buClrTx/>
-              <a:buSzTx/>
-              <a:buFontTx/>
-              <a:buNone/>
-              <a:tabLst/>
+            <a:pPr defTabSz="990572">
               <a:defRPr/>
             </a:pPr>
             <a:endParaRPr lang="en-US" dirty="0"/>
           </a:p>
           <a:p>
-            <a:pPr marL="0" marR="0" lvl="0" indent="0" algn="l" defTabSz="914400" rtl="0" eaLnBrk="1" fontAlgn="auto" latinLnBrk="0" hangingPunct="1">
-              <a:lnSpc>
-                <a:spcPct val="100000"/>
-              </a:lnSpc>
-              <a:spcBef>
-                <a:spcPts val="0"/>
-              </a:spcBef>
-              <a:spcAft>
-                <a:spcPts val="0"/>
-              </a:spcAft>
-              <a:buClrTx/>
-              <a:buSzTx/>
-              <a:buFontTx/>
-              <a:buNone/>
-              <a:tabLst/>
+            <a:pPr defTabSz="990572">
               <a:defRPr/>
             </a:pPr>
             <a:r>
@@ -3898,41 +3252,13 @@
             </a:r>
           </a:p>
           <a:p>
-            <a:pPr marL="0" marR="0" lvl="0" indent="0" algn="l" defTabSz="914400" rtl="0" eaLnBrk="1" fontAlgn="auto" latinLnBrk="0" hangingPunct="1">
-              <a:lnSpc>
-                <a:spcPct val="100000"/>
-              </a:lnSpc>
-              <a:spcBef>
-                <a:spcPts val="0"/>
-              </a:spcBef>
-              <a:spcAft>
-                <a:spcPts val="0"/>
-              </a:spcAft>
-              <a:buClrTx/>
-              <a:buSzTx/>
-              <a:buFontTx/>
-              <a:buNone/>
-              <a:tabLst/>
+            <a:pPr defTabSz="990572">
               <a:defRPr/>
             </a:pPr>
             <a:endParaRPr lang="en-GB" dirty="0"/>
           </a:p>
           <a:p>
-            <a:pPr marL="0" marR="0" lvl="0" indent="0" algn="l" defTabSz="914400" rtl="0" eaLnBrk="1" fontAlgn="auto" latinLnBrk="0" hangingPunct="1">
-              <a:lnSpc>
-                <a:spcPct val="100000"/>
-              </a:lnSpc>
-              <a:spcBef>
-                <a:spcPts val="0"/>
-              </a:spcBef>
-              <a:spcAft>
-                <a:spcPts val="0"/>
-              </a:spcAft>
-              <a:buClrTx/>
-              <a:buSzTx/>
-              <a:buFontTx/>
-              <a:buNone/>
-              <a:tabLst/>
+            <a:pPr defTabSz="990572">
               <a:defRPr/>
             </a:pPr>
             <a:r>
@@ -3970,41 +3296,13 @@
             <a:endParaRPr lang="en-US" dirty="0"/>
           </a:p>
           <a:p>
-            <a:pPr marL="0" marR="0" lvl="0" indent="0" algn="l" defTabSz="914400" rtl="0" eaLnBrk="1" fontAlgn="auto" latinLnBrk="0" hangingPunct="1">
-              <a:lnSpc>
-                <a:spcPct val="100000"/>
-              </a:lnSpc>
-              <a:spcBef>
-                <a:spcPts val="0"/>
-              </a:spcBef>
-              <a:spcAft>
-                <a:spcPts val="0"/>
-              </a:spcAft>
-              <a:buClrTx/>
-              <a:buSzTx/>
-              <a:buFontTx/>
-              <a:buNone/>
-              <a:tabLst/>
+            <a:pPr defTabSz="990572">
               <a:defRPr/>
             </a:pPr>
             <a:endParaRPr lang="en-US" dirty="0"/>
           </a:p>
           <a:p>
-            <a:pPr marL="0" marR="0" lvl="0" indent="0" algn="l" defTabSz="914400" rtl="0" eaLnBrk="1" fontAlgn="auto" latinLnBrk="0" hangingPunct="1">
-              <a:lnSpc>
-                <a:spcPct val="100000"/>
-              </a:lnSpc>
-              <a:spcBef>
-                <a:spcPts val="0"/>
-              </a:spcBef>
-              <a:spcAft>
-                <a:spcPts val="0"/>
-              </a:spcAft>
-              <a:buClrTx/>
-              <a:buSzTx/>
-              <a:buFontTx/>
-              <a:buNone/>
-              <a:tabLst/>
+            <a:pPr defTabSz="990572">
               <a:defRPr/>
             </a:pPr>
             <a:endParaRPr lang="en-US" dirty="0"/>
@@ -4025,8 +3323,8 @@
         </p:nvSpPr>
         <p:spPr>
           <a:xfrm>
-            <a:off x="189000" y="8685360"/>
-            <a:ext cx="1618560" cy="456480"/>
+            <a:off x="195784" y="9721271"/>
+            <a:ext cx="1676633" cy="510926"/>
           </a:xfrm>
           <a:prstGeom prst="rect">
             <a:avLst/>
@@ -4037,12 +3335,12 @@
           </a:ln>
         </p:spPr>
         <p:txBody>
-          <a:bodyPr lIns="90000" tIns="45000" rIns="90000" bIns="45000" anchor="ctr"/>
+          <a:bodyPr lIns="97497" tIns="48749" rIns="97497" bIns="48749" anchor="ctr"/>
           <a:lstStyle/>
           <a:p>
             <a:pPr>
               <a:lnSpc>
-                <a:spcPts val="162"/>
+                <a:spcPts val="175"/>
               </a:lnSpc>
             </a:pPr>
             <a:r>
@@ -4051,7 +3349,6 @@
                   <a:srgbClr val="000000"/>
                 </a:solidFill>
                 <a:latin typeface="Stafford"/>
-                <a:ea typeface="+mn-ea"/>
               </a:rPr>
               <a:t>15.06.16</a:t>
             </a:r>
@@ -4067,8 +3364,8 @@
         </p:nvSpPr>
         <p:spPr>
           <a:xfrm>
-            <a:off x="1808280" y="8685360"/>
-            <a:ext cx="4104720" cy="456480"/>
+            <a:off x="1873162" y="9721271"/>
+            <a:ext cx="4251996" cy="510926"/>
           </a:xfrm>
           <a:prstGeom prst="rect">
             <a:avLst/>
@@ -4079,12 +3376,12 @@
           </a:ln>
         </p:spPr>
         <p:txBody>
-          <a:bodyPr lIns="90000" tIns="45000" rIns="90000" bIns="45000" anchor="ctr"/>
+          <a:bodyPr lIns="97497" tIns="48749" rIns="97497" bIns="48749" anchor="ctr"/>
           <a:lstStyle/>
           <a:p>
             <a:pPr>
               <a:lnSpc>
-                <a:spcPts val="162"/>
+                <a:spcPts val="175"/>
               </a:lnSpc>
             </a:pPr>
             <a:r>
@@ -4093,7 +3390,6 @@
                   <a:srgbClr val="000000"/>
                 </a:solidFill>
                 <a:latin typeface="Stafford"/>
-                <a:ea typeface="+mn-ea"/>
               </a:rPr>
               <a:t>|  </a:t>
             </a:r>
@@ -4109,8 +3405,8 @@
         </p:nvSpPr>
         <p:spPr>
           <a:xfrm>
-            <a:off x="5913360" y="8685360"/>
-            <a:ext cx="942120" cy="456480"/>
+            <a:off x="6125531" y="9721271"/>
+            <a:ext cx="975922" cy="510926"/>
           </a:xfrm>
           <a:prstGeom prst="rect">
             <a:avLst/>
@@ -4121,12 +3417,12 @@
           </a:ln>
         </p:spPr>
         <p:txBody>
-          <a:bodyPr lIns="90000" tIns="45000" rIns="90000" bIns="45000" anchor="ctr"/>
+          <a:bodyPr lIns="97497" tIns="48749" rIns="97497" bIns="48749" anchor="ctr"/>
           <a:lstStyle/>
           <a:p>
             <a:pPr algn="r">
               <a:lnSpc>
-                <a:spcPts val="162"/>
+                <a:spcPts val="175"/>
               </a:lnSpc>
             </a:pPr>
             <a:r>
@@ -4135,7 +3431,6 @@
                   <a:srgbClr val="000000"/>
                 </a:solidFill>
                 <a:latin typeface="Stafford"/>
-                <a:ea typeface="+mn-ea"/>
               </a:rPr>
               <a:t>|  </a:t>
             </a:r>
@@ -4145,8 +3440,12 @@
                   <a:srgbClr val="000000"/>
                 </a:solidFill>
                 <a:latin typeface="Stafford"/>
-                <a:ea typeface="+mn-ea"/>
               </a:rPr>
+              <a:pPr algn="r">
+                <a:lnSpc>
+                  <a:spcPts val="175"/>
+                </a:lnSpc>
+              </a:pPr>
               <a:t>6</a:t>
             </a:fld>
             <a:endParaRPr/>
@@ -4195,8 +3494,8 @@
         </p:nvSpPr>
         <p:spPr>
           <a:xfrm>
-            <a:off x="190440" y="4284720"/>
-            <a:ext cx="6476400" cy="4282200"/>
+            <a:off x="197275" y="4795766"/>
+            <a:ext cx="6708771" cy="4792940"/>
           </a:xfrm>
           <a:prstGeom prst="rect">
             <a:avLst/>
@@ -4215,21 +3514,7 @@
             <a:endParaRPr lang="en-GB" noProof="0" dirty="0"/>
           </a:p>
           <a:p>
-            <a:pPr marL="0" marR="0" lvl="0" indent="0" algn="l" defTabSz="914400" rtl="0" eaLnBrk="1" fontAlgn="auto" latinLnBrk="0" hangingPunct="1">
-              <a:lnSpc>
-                <a:spcPct val="100000"/>
-              </a:lnSpc>
-              <a:spcBef>
-                <a:spcPts val="0"/>
-              </a:spcBef>
-              <a:spcAft>
-                <a:spcPts val="0"/>
-              </a:spcAft>
-              <a:buClrTx/>
-              <a:buSzTx/>
-              <a:buFontTx/>
-              <a:buNone/>
-              <a:tabLst/>
+            <a:pPr defTabSz="990572">
               <a:defRPr/>
             </a:pPr>
             <a:r>
@@ -4238,21 +3523,7 @@
             </a:r>
           </a:p>
           <a:p>
-            <a:pPr marL="0" marR="0" lvl="0" indent="0" algn="l" defTabSz="914400" rtl="0" eaLnBrk="1" fontAlgn="auto" latinLnBrk="0" hangingPunct="1">
-              <a:lnSpc>
-                <a:spcPct val="100000"/>
-              </a:lnSpc>
-              <a:spcBef>
-                <a:spcPts val="0"/>
-              </a:spcBef>
-              <a:spcAft>
-                <a:spcPts val="0"/>
-              </a:spcAft>
-              <a:buClrTx/>
-              <a:buSzTx/>
-              <a:buFontTx/>
-              <a:buNone/>
-              <a:tabLst/>
+            <a:pPr defTabSz="990572">
               <a:defRPr/>
             </a:pPr>
             <a:r>
@@ -4269,21 +3540,7 @@
             </a:r>
           </a:p>
           <a:p>
-            <a:pPr marL="0" marR="0" lvl="0" indent="0" algn="l" defTabSz="914400" rtl="0" eaLnBrk="1" fontAlgn="auto" latinLnBrk="0" hangingPunct="1">
-              <a:lnSpc>
-                <a:spcPct val="100000"/>
-              </a:lnSpc>
-              <a:spcBef>
-                <a:spcPts val="0"/>
-              </a:spcBef>
-              <a:spcAft>
-                <a:spcPts val="0"/>
-              </a:spcAft>
-              <a:buClrTx/>
-              <a:buSzTx/>
-              <a:buFontTx/>
-              <a:buNone/>
-              <a:tabLst/>
+            <a:pPr defTabSz="990572">
               <a:defRPr/>
             </a:pPr>
             <a:r>
@@ -4300,21 +3557,7 @@
             </a:r>
           </a:p>
           <a:p>
-            <a:pPr marL="0" marR="0" lvl="0" indent="0" algn="l" defTabSz="914400" rtl="0" eaLnBrk="1" fontAlgn="auto" latinLnBrk="0" hangingPunct="1">
-              <a:lnSpc>
-                <a:spcPct val="100000"/>
-              </a:lnSpc>
-              <a:spcBef>
-                <a:spcPts val="0"/>
-              </a:spcBef>
-              <a:spcAft>
-                <a:spcPts val="0"/>
-              </a:spcAft>
-              <a:buClrTx/>
-              <a:buSzTx/>
-              <a:buFontTx/>
-              <a:buNone/>
-              <a:tabLst/>
+            <a:pPr defTabSz="990572">
               <a:defRPr/>
             </a:pPr>
             <a:r>
@@ -4331,21 +3574,7 @@
             </a:r>
           </a:p>
           <a:p>
-            <a:pPr marL="0" marR="0" lvl="0" indent="0" algn="l" defTabSz="914400" rtl="0" eaLnBrk="1" fontAlgn="auto" latinLnBrk="0" hangingPunct="1">
-              <a:lnSpc>
-                <a:spcPct val="100000"/>
-              </a:lnSpc>
-              <a:spcBef>
-                <a:spcPts val="0"/>
-              </a:spcBef>
-              <a:spcAft>
-                <a:spcPts val="0"/>
-              </a:spcAft>
-              <a:buClrTx/>
-              <a:buSzTx/>
-              <a:buFontTx/>
-              <a:buNone/>
-              <a:tabLst/>
+            <a:pPr defTabSz="990572">
               <a:defRPr/>
             </a:pPr>
             <a:r>
@@ -4378,21 +3607,7 @@
             </a:r>
           </a:p>
           <a:p>
-            <a:pPr marL="0" marR="0" lvl="0" indent="0" algn="l" defTabSz="914400" rtl="0" eaLnBrk="1" fontAlgn="auto" latinLnBrk="0" hangingPunct="1">
-              <a:lnSpc>
-                <a:spcPct val="100000"/>
-              </a:lnSpc>
-              <a:spcBef>
-                <a:spcPts val="0"/>
-              </a:spcBef>
-              <a:spcAft>
-                <a:spcPts val="0"/>
-              </a:spcAft>
-              <a:buClrTx/>
-              <a:buSzTx/>
-              <a:buFontTx/>
-              <a:buNone/>
-              <a:tabLst/>
+            <a:pPr defTabSz="990572">
               <a:defRPr/>
             </a:pPr>
             <a:r>
@@ -4401,21 +3616,7 @@
             </a:r>
           </a:p>
           <a:p>
-            <a:pPr marL="0" marR="0" lvl="0" indent="0" algn="l" defTabSz="914400" rtl="0" eaLnBrk="1" fontAlgn="auto" latinLnBrk="0" hangingPunct="1">
-              <a:lnSpc>
-                <a:spcPct val="100000"/>
-              </a:lnSpc>
-              <a:spcBef>
-                <a:spcPts val="0"/>
-              </a:spcBef>
-              <a:spcAft>
-                <a:spcPts val="0"/>
-              </a:spcAft>
-              <a:buClrTx/>
-              <a:buSzTx/>
-              <a:buFontTx/>
-              <a:buNone/>
-              <a:tabLst/>
+            <a:pPr defTabSz="990572">
               <a:defRPr/>
             </a:pPr>
             <a:r>
@@ -4440,21 +3641,7 @@
             </a:r>
           </a:p>
           <a:p>
-            <a:pPr marL="0" marR="0" lvl="0" indent="0" algn="l" defTabSz="914400" rtl="0" eaLnBrk="1" fontAlgn="auto" latinLnBrk="0" hangingPunct="1">
-              <a:lnSpc>
-                <a:spcPct val="100000"/>
-              </a:lnSpc>
-              <a:spcBef>
-                <a:spcPts val="0"/>
-              </a:spcBef>
-              <a:spcAft>
-                <a:spcPts val="0"/>
-              </a:spcAft>
-              <a:buClrTx/>
-              <a:buSzTx/>
-              <a:buFontTx/>
-              <a:buNone/>
-              <a:tabLst/>
+            <a:pPr defTabSz="990572">
               <a:defRPr/>
             </a:pPr>
             <a:r>
@@ -4471,21 +3658,7 @@
             </a:r>
           </a:p>
           <a:p>
-            <a:pPr marL="0" marR="0" lvl="0" indent="0" algn="l" defTabSz="914400" rtl="0" eaLnBrk="1" fontAlgn="auto" latinLnBrk="0" hangingPunct="1">
-              <a:lnSpc>
-                <a:spcPct val="100000"/>
-              </a:lnSpc>
-              <a:spcBef>
-                <a:spcPts val="0"/>
-              </a:spcBef>
-              <a:spcAft>
-                <a:spcPts val="0"/>
-              </a:spcAft>
-              <a:buClrTx/>
-              <a:buSzTx/>
-              <a:buFontTx/>
-              <a:buNone/>
-              <a:tabLst/>
+            <a:pPr defTabSz="990572">
               <a:defRPr/>
             </a:pPr>
             <a:r>
@@ -4502,21 +3675,7 @@
             </a:r>
           </a:p>
           <a:p>
-            <a:pPr marL="0" marR="0" lvl="0" indent="0" algn="l" defTabSz="914400" rtl="0" eaLnBrk="1" fontAlgn="auto" latinLnBrk="0" hangingPunct="1">
-              <a:lnSpc>
-                <a:spcPct val="100000"/>
-              </a:lnSpc>
-              <a:spcBef>
-                <a:spcPts val="0"/>
-              </a:spcBef>
-              <a:spcAft>
-                <a:spcPts val="0"/>
-              </a:spcAft>
-              <a:buClrTx/>
-              <a:buSzTx/>
-              <a:buFontTx/>
-              <a:buNone/>
-              <a:tabLst/>
+            <a:pPr defTabSz="990572">
               <a:defRPr/>
             </a:pPr>
             <a:r>
@@ -4525,21 +3684,7 @@
             </a:r>
           </a:p>
           <a:p>
-            <a:pPr marL="0" marR="0" lvl="0" indent="0" algn="l" defTabSz="914400" rtl="0" eaLnBrk="1" fontAlgn="auto" latinLnBrk="0" hangingPunct="1">
-              <a:lnSpc>
-                <a:spcPct val="100000"/>
-              </a:lnSpc>
-              <a:spcBef>
-                <a:spcPts val="0"/>
-              </a:spcBef>
-              <a:spcAft>
-                <a:spcPts val="0"/>
-              </a:spcAft>
-              <a:buClrTx/>
-              <a:buSzTx/>
-              <a:buFontTx/>
-              <a:buNone/>
-              <a:tabLst/>
+            <a:pPr defTabSz="990572">
               <a:defRPr/>
             </a:pPr>
             <a:r>
@@ -4548,41 +3693,13 @@
             </a:r>
           </a:p>
           <a:p>
-            <a:pPr marL="0" marR="0" lvl="0" indent="0" algn="l" defTabSz="914400" rtl="0" eaLnBrk="1" fontAlgn="auto" latinLnBrk="0" hangingPunct="1">
-              <a:lnSpc>
-                <a:spcPct val="100000"/>
-              </a:lnSpc>
-              <a:spcBef>
-                <a:spcPts val="0"/>
-              </a:spcBef>
-              <a:spcAft>
-                <a:spcPts val="0"/>
-              </a:spcAft>
-              <a:buClrTx/>
-              <a:buSzTx/>
-              <a:buFontTx/>
-              <a:buNone/>
-              <a:tabLst/>
+            <a:pPr defTabSz="990572">
               <a:defRPr/>
             </a:pPr>
             <a:endParaRPr lang="en-GB" dirty="0"/>
           </a:p>
           <a:p>
-            <a:pPr marL="0" marR="0" lvl="0" indent="0" algn="l" defTabSz="914400" rtl="0" eaLnBrk="1" fontAlgn="auto" latinLnBrk="0" hangingPunct="1">
-              <a:lnSpc>
-                <a:spcPct val="100000"/>
-              </a:lnSpc>
-              <a:spcBef>
-                <a:spcPts val="0"/>
-              </a:spcBef>
-              <a:spcAft>
-                <a:spcPts val="0"/>
-              </a:spcAft>
-              <a:buClrTx/>
-              <a:buSzTx/>
-              <a:buFontTx/>
-              <a:buNone/>
-              <a:tabLst/>
+            <a:pPr defTabSz="990572">
               <a:defRPr/>
             </a:pPr>
             <a:r>
@@ -4599,21 +3716,7 @@
             </a:r>
           </a:p>
           <a:p>
-            <a:pPr marL="0" marR="0" lvl="0" indent="0" algn="l" defTabSz="914400" rtl="0" eaLnBrk="1" fontAlgn="auto" latinLnBrk="0" hangingPunct="1">
-              <a:lnSpc>
-                <a:spcPct val="100000"/>
-              </a:lnSpc>
-              <a:spcBef>
-                <a:spcPts val="0"/>
-              </a:spcBef>
-              <a:spcAft>
-                <a:spcPts val="0"/>
-              </a:spcAft>
-              <a:buClrTx/>
-              <a:buSzTx/>
-              <a:buFontTx/>
-              <a:buNone/>
-              <a:tabLst/>
+            <a:pPr defTabSz="990572">
               <a:defRPr/>
             </a:pPr>
             <a:endParaRPr lang="en-GB" dirty="0"/>
@@ -4631,8 +3734,8 @@
         </p:nvSpPr>
         <p:spPr>
           <a:xfrm>
-            <a:off x="189000" y="8685360"/>
-            <a:ext cx="1618560" cy="456480"/>
+            <a:off x="195784" y="9721271"/>
+            <a:ext cx="1676633" cy="510926"/>
           </a:xfrm>
           <a:prstGeom prst="rect">
             <a:avLst/>
@@ -4643,12 +3746,12 @@
           </a:ln>
         </p:spPr>
         <p:txBody>
-          <a:bodyPr lIns="90000" tIns="45000" rIns="90000" bIns="45000" anchor="ctr"/>
+          <a:bodyPr lIns="97497" tIns="48749" rIns="97497" bIns="48749" anchor="ctr"/>
           <a:lstStyle/>
           <a:p>
             <a:pPr>
               <a:lnSpc>
-                <a:spcPts val="162"/>
+                <a:spcPts val="175"/>
               </a:lnSpc>
             </a:pPr>
             <a:r>
@@ -4657,7 +3760,6 @@
                   <a:srgbClr val="000000"/>
                 </a:solidFill>
                 <a:latin typeface="Stafford"/>
-                <a:ea typeface="+mn-ea"/>
               </a:rPr>
               <a:t>15.06.16</a:t>
             </a:r>
@@ -4673,8 +3775,8 @@
         </p:nvSpPr>
         <p:spPr>
           <a:xfrm>
-            <a:off x="1808280" y="8685360"/>
-            <a:ext cx="4104720" cy="456480"/>
+            <a:off x="1873162" y="9721271"/>
+            <a:ext cx="4251996" cy="510926"/>
           </a:xfrm>
           <a:prstGeom prst="rect">
             <a:avLst/>
@@ -4685,12 +3787,12 @@
           </a:ln>
         </p:spPr>
         <p:txBody>
-          <a:bodyPr lIns="90000" tIns="45000" rIns="90000" bIns="45000" anchor="ctr"/>
+          <a:bodyPr lIns="97497" tIns="48749" rIns="97497" bIns="48749" anchor="ctr"/>
           <a:lstStyle/>
           <a:p>
             <a:pPr>
               <a:lnSpc>
-                <a:spcPts val="162"/>
+                <a:spcPts val="175"/>
               </a:lnSpc>
             </a:pPr>
             <a:r>
@@ -4699,7 +3801,6 @@
                   <a:srgbClr val="000000"/>
                 </a:solidFill>
                 <a:latin typeface="Stafford"/>
-                <a:ea typeface="+mn-ea"/>
               </a:rPr>
               <a:t>|  </a:t>
             </a:r>
@@ -4715,8 +3816,8 @@
         </p:nvSpPr>
         <p:spPr>
           <a:xfrm>
-            <a:off x="5913360" y="8685360"/>
-            <a:ext cx="942120" cy="456480"/>
+            <a:off x="6125531" y="9721271"/>
+            <a:ext cx="975922" cy="510926"/>
           </a:xfrm>
           <a:prstGeom prst="rect">
             <a:avLst/>
@@ -4727,12 +3828,12 @@
           </a:ln>
         </p:spPr>
         <p:txBody>
-          <a:bodyPr lIns="90000" tIns="45000" rIns="90000" bIns="45000" anchor="ctr"/>
+          <a:bodyPr lIns="97497" tIns="48749" rIns="97497" bIns="48749" anchor="ctr"/>
           <a:lstStyle/>
           <a:p>
             <a:pPr algn="r">
               <a:lnSpc>
-                <a:spcPts val="162"/>
+                <a:spcPts val="175"/>
               </a:lnSpc>
             </a:pPr>
             <a:r>
@@ -4741,7 +3842,6 @@
                   <a:srgbClr val="000000"/>
                 </a:solidFill>
                 <a:latin typeface="Stafford"/>
-                <a:ea typeface="+mn-ea"/>
               </a:rPr>
               <a:t>|  </a:t>
             </a:r>
@@ -4751,8 +3851,12 @@
                   <a:srgbClr val="000000"/>
                 </a:solidFill>
                 <a:latin typeface="Stafford"/>
-                <a:ea typeface="+mn-ea"/>
               </a:rPr>
+              <a:pPr algn="r">
+                <a:lnSpc>
+                  <a:spcPts val="175"/>
+                </a:lnSpc>
+              </a:pPr>
               <a:t>7</a:t>
             </a:fld>
             <a:endParaRPr/>
@@ -4801,8 +3905,8 @@
         </p:nvSpPr>
         <p:spPr>
           <a:xfrm>
-            <a:off x="1371600" y="1143000"/>
-            <a:ext cx="4114800" cy="3086100"/>
+            <a:off x="1246188" y="1277938"/>
+            <a:ext cx="4611687" cy="3457575"/>
           </a:xfrm>
           <a:prstGeom prst="rect">
             <a:avLst/>
@@ -4888,7 +3992,7 @@
           <a:p>
             <a:pPr algn="r"/>
             <a:fld id="{155B5BBB-525B-4A1E-9F31-CE196A4F41BE}" type="slidenum">
-              <a:rPr lang="de-DE" sz="1400" smtClean="0">
+              <a:rPr lang="de-DE" sz="1400">
                 <a:latin typeface="Times New Roman"/>
               </a:rPr>
               <a:t>8</a:t>
@@ -4939,8 +4043,8 @@
         </p:nvSpPr>
         <p:spPr>
           <a:xfrm>
-            <a:off x="190440" y="4284720"/>
-            <a:ext cx="6476400" cy="4282200"/>
+            <a:off x="197275" y="4795766"/>
+            <a:ext cx="6708771" cy="4792940"/>
           </a:xfrm>
           <a:prstGeom prst="rect">
             <a:avLst/>
@@ -4950,7 +4054,7 @@
           <a:bodyPr lIns="0" tIns="0" rIns="0" bIns="0"/>
           <a:lstStyle/>
           <a:p>
-            <a:pPr marL="285750" indent="-285750">
+            <a:pPr marL="309554" indent="-309554">
               <a:buFont typeface="Arial" panose="020B0604020202020204" pitchFamily="34" charset="0"/>
               <a:buChar char="•"/>
             </a:pPr>
@@ -4960,7 +4064,7 @@
             </a:r>
           </a:p>
           <a:p>
-            <a:pPr marL="285750" indent="-285750">
+            <a:pPr marL="309554" indent="-309554">
               <a:buFont typeface="Arial" panose="020B0604020202020204" pitchFamily="34" charset="0"/>
               <a:buChar char="•"/>
             </a:pPr>
@@ -5002,7 +4106,7 @@
             </a:r>
           </a:p>
           <a:p>
-            <a:pPr marL="285750" indent="-285750">
+            <a:pPr marL="309554" indent="-309554">
               <a:buFont typeface="Arial" panose="020B0604020202020204" pitchFamily="34" charset="0"/>
               <a:buChar char="•"/>
             </a:pPr>
@@ -5037,8 +4141,8 @@
         </p:nvSpPr>
         <p:spPr>
           <a:xfrm>
-            <a:off x="189000" y="8685360"/>
-            <a:ext cx="1618560" cy="456480"/>
+            <a:off x="195784" y="9721271"/>
+            <a:ext cx="1676633" cy="510926"/>
           </a:xfrm>
           <a:prstGeom prst="rect">
             <a:avLst/>
@@ -5049,12 +4153,12 @@
           </a:ln>
         </p:spPr>
         <p:txBody>
-          <a:bodyPr lIns="90000" tIns="45000" rIns="90000" bIns="45000" anchor="ctr"/>
+          <a:bodyPr lIns="97497" tIns="48749" rIns="97497" bIns="48749" anchor="ctr"/>
           <a:lstStyle/>
           <a:p>
             <a:pPr>
               <a:lnSpc>
-                <a:spcPts val="160"/>
+                <a:spcPts val="173"/>
               </a:lnSpc>
             </a:pPr>
             <a:r>
@@ -5063,7 +4167,6 @@
                   <a:srgbClr val="000000"/>
                 </a:solidFill>
                 <a:latin typeface="Stafford"/>
-                <a:ea typeface="+mn-ea"/>
               </a:rPr>
               <a:t>15.06.16</a:t>
             </a:r>
@@ -5078,8 +4181,8 @@
         </p:nvSpPr>
         <p:spPr>
           <a:xfrm>
-            <a:off x="1808280" y="8685360"/>
-            <a:ext cx="4104720" cy="456480"/>
+            <a:off x="1873162" y="9721271"/>
+            <a:ext cx="4251996" cy="510926"/>
           </a:xfrm>
           <a:prstGeom prst="rect">
             <a:avLst/>
@@ -5090,12 +4193,12 @@
           </a:ln>
         </p:spPr>
         <p:txBody>
-          <a:bodyPr lIns="90000" tIns="45000" rIns="90000" bIns="45000" anchor="ctr"/>
+          <a:bodyPr lIns="97497" tIns="48749" rIns="97497" bIns="48749" anchor="ctr"/>
           <a:lstStyle/>
           <a:p>
             <a:pPr>
               <a:lnSpc>
-                <a:spcPts val="160"/>
+                <a:spcPts val="173"/>
               </a:lnSpc>
             </a:pPr>
             <a:r>
@@ -5104,7 +4207,6 @@
                   <a:srgbClr val="000000"/>
                 </a:solidFill>
                 <a:latin typeface="Stafford"/>
-                <a:ea typeface="+mn-ea"/>
               </a:rPr>
               <a:t>|  </a:t>
             </a:r>
@@ -5119,8 +4221,8 @@
         </p:nvSpPr>
         <p:spPr>
           <a:xfrm>
-            <a:off x="5913360" y="8685360"/>
-            <a:ext cx="942120" cy="456480"/>
+            <a:off x="6125531" y="9721271"/>
+            <a:ext cx="975922" cy="510926"/>
           </a:xfrm>
           <a:prstGeom prst="rect">
             <a:avLst/>
@@ -5131,12 +4233,12 @@
           </a:ln>
         </p:spPr>
         <p:txBody>
-          <a:bodyPr lIns="90000" tIns="45000" rIns="90000" bIns="45000" anchor="ctr"/>
+          <a:bodyPr lIns="97497" tIns="48749" rIns="97497" bIns="48749" anchor="ctr"/>
           <a:lstStyle/>
           <a:p>
             <a:pPr algn="r">
               <a:lnSpc>
-                <a:spcPts val="160"/>
+                <a:spcPts val="173"/>
               </a:lnSpc>
             </a:pPr>
             <a:r>
@@ -5145,7 +4247,6 @@
                   <a:srgbClr val="000000"/>
                 </a:solidFill>
                 <a:latin typeface="Stafford"/>
-                <a:ea typeface="+mn-ea"/>
               </a:rPr>
               <a:t>|  </a:t>
             </a:r>
@@ -5155,8 +4256,12 @@
                   <a:srgbClr val="000000"/>
                 </a:solidFill>
                 <a:latin typeface="Stafford"/>
-                <a:ea typeface="+mn-ea"/>
               </a:rPr>
+              <a:pPr algn="r">
+                <a:lnSpc>
+                  <a:spcPts val="173"/>
+                </a:lnSpc>
+              </a:pPr>
               <a:t>9</a:t>
             </a:fld>
             <a:endParaRPr lang="de-DE" sz="1000">
@@ -5164,7 +4269,6 @@
                 <a:srgbClr val="000000"/>
               </a:solidFill>
               <a:latin typeface="Stafford"/>
-              <a:ea typeface="+mn-ea"/>
             </a:endParaRPr>
           </a:p>
         </p:txBody>
@@ -5206,8 +4310,8 @@
         </p:nvSpPr>
         <p:spPr>
           <a:xfrm>
-            <a:off x="190440" y="4284720"/>
-            <a:ext cx="6476400" cy="4282200"/>
+            <a:off x="197275" y="4795766"/>
+            <a:ext cx="6708771" cy="4792940"/>
           </a:xfrm>
           <a:prstGeom prst="rect">
             <a:avLst/>
@@ -5217,7 +4321,7 @@
           <a:bodyPr lIns="0" tIns="0" rIns="0" bIns="0"/>
           <a:lstStyle/>
           <a:p>
-            <a:pPr marL="285750" indent="-285750">
+            <a:pPr marL="309554" indent="-309554">
               <a:buFont typeface="Arial" panose="020B0604020202020204" pitchFamily="34" charset="0"/>
               <a:buChar char="•"/>
             </a:pPr>
@@ -5258,7 +4362,7 @@
             </a:r>
           </a:p>
           <a:p>
-            <a:pPr marL="285750" indent="-285750">
+            <a:pPr marL="309554" indent="-309554">
               <a:buFont typeface="Arial" panose="020B0604020202020204" pitchFamily="34" charset="0"/>
               <a:buChar char="•"/>
             </a:pPr>
@@ -5281,7 +4385,7 @@
             </a:r>
           </a:p>
           <a:p>
-            <a:pPr marL="285750" indent="-285750">
+            <a:pPr marL="309554" indent="-309554">
               <a:buFont typeface="Arial" panose="020B0604020202020204" pitchFamily="34" charset="0"/>
               <a:buChar char="•"/>
             </a:pPr>
@@ -5300,8 +4404,8 @@
         </p:nvSpPr>
         <p:spPr>
           <a:xfrm>
-            <a:off x="189000" y="8685360"/>
-            <a:ext cx="1618560" cy="456480"/>
+            <a:off x="195784" y="9721271"/>
+            <a:ext cx="1676633" cy="510926"/>
           </a:xfrm>
           <a:prstGeom prst="rect">
             <a:avLst/>
@@ -5312,12 +4416,12 @@
           </a:ln>
         </p:spPr>
         <p:txBody>
-          <a:bodyPr lIns="90000" tIns="45000" rIns="90000" bIns="45000" anchor="ctr"/>
+          <a:bodyPr lIns="97497" tIns="48749" rIns="97497" bIns="48749" anchor="ctr"/>
           <a:lstStyle/>
           <a:p>
             <a:pPr>
               <a:lnSpc>
-                <a:spcPts val="160"/>
+                <a:spcPts val="173"/>
               </a:lnSpc>
             </a:pPr>
             <a:r>
@@ -5326,7 +4430,6 @@
                   <a:srgbClr val="000000"/>
                 </a:solidFill>
                 <a:latin typeface="Stafford"/>
-                <a:ea typeface="+mn-ea"/>
               </a:rPr>
               <a:t>15.06.16</a:t>
             </a:r>
@@ -5341,8 +4444,8 @@
         </p:nvSpPr>
         <p:spPr>
           <a:xfrm>
-            <a:off x="1808280" y="8685360"/>
-            <a:ext cx="4104720" cy="456480"/>
+            <a:off x="1873162" y="9721271"/>
+            <a:ext cx="4251996" cy="510926"/>
           </a:xfrm>
           <a:prstGeom prst="rect">
             <a:avLst/>
@@ -5353,12 +4456,12 @@
           </a:ln>
         </p:spPr>
         <p:txBody>
-          <a:bodyPr lIns="90000" tIns="45000" rIns="90000" bIns="45000" anchor="ctr"/>
+          <a:bodyPr lIns="97497" tIns="48749" rIns="97497" bIns="48749" anchor="ctr"/>
           <a:lstStyle/>
           <a:p>
             <a:pPr>
               <a:lnSpc>
-                <a:spcPts val="160"/>
+                <a:spcPts val="173"/>
               </a:lnSpc>
             </a:pPr>
             <a:r>
@@ -5367,7 +4470,6 @@
                   <a:srgbClr val="000000"/>
                 </a:solidFill>
                 <a:latin typeface="Stafford"/>
-                <a:ea typeface="+mn-ea"/>
               </a:rPr>
               <a:t>|  </a:t>
             </a:r>
@@ -5382,8 +4484,8 @@
         </p:nvSpPr>
         <p:spPr>
           <a:xfrm>
-            <a:off x="5913360" y="8685360"/>
-            <a:ext cx="942120" cy="456480"/>
+            <a:off x="6125531" y="9721271"/>
+            <a:ext cx="975922" cy="510926"/>
           </a:xfrm>
           <a:prstGeom prst="rect">
             <a:avLst/>
@@ -5394,12 +4496,12 @@
           </a:ln>
         </p:spPr>
         <p:txBody>
-          <a:bodyPr lIns="90000" tIns="45000" rIns="90000" bIns="45000" anchor="ctr"/>
+          <a:bodyPr lIns="97497" tIns="48749" rIns="97497" bIns="48749" anchor="ctr"/>
           <a:lstStyle/>
           <a:p>
             <a:pPr algn="r">
               <a:lnSpc>
-                <a:spcPts val="160"/>
+                <a:spcPts val="173"/>
               </a:lnSpc>
             </a:pPr>
             <a:r>
@@ -5408,7 +4510,6 @@
                   <a:srgbClr val="000000"/>
                 </a:solidFill>
                 <a:latin typeface="Stafford"/>
-                <a:ea typeface="+mn-ea"/>
               </a:rPr>
               <a:t>|  </a:t>
             </a:r>
@@ -5418,8 +4519,12 @@
                   <a:srgbClr val="000000"/>
                 </a:solidFill>
                 <a:latin typeface="Stafford"/>
-                <a:ea typeface="+mn-ea"/>
               </a:rPr>
+              <a:pPr algn="r">
+                <a:lnSpc>
+                  <a:spcPts val="173"/>
+                </a:lnSpc>
+              </a:pPr>
               <a:t>10</a:t>
             </a:fld>
             <a:endParaRPr lang="de-DE" sz="1000">
@@ -5427,7 +4532,6 @@
                 <a:srgbClr val="000000"/>
               </a:solidFill>
               <a:latin typeface="Stafford"/>
-              <a:ea typeface="+mn-ea"/>
             </a:endParaRPr>
           </a:p>
         </p:txBody>
@@ -10018,30 +9122,6 @@
           </a:p>
         </p:txBody>
       </p:sp>
-      <p:pic>
-        <p:nvPicPr>
-          <p:cNvPr id="10" name="图片 9"/>
-          <p:cNvPicPr>
-            <a:picLocks noChangeAspect="1"/>
-          </p:cNvPicPr>
-          <p:nvPr/>
-        </p:nvPicPr>
-        <p:blipFill>
-          <a:blip r:embed="rId3"/>
-          <a:stretch>
-            <a:fillRect/>
-          </a:stretch>
-        </p:blipFill>
-        <p:spPr>
-          <a:xfrm>
-            <a:off x="589280" y="1839595"/>
-            <a:ext cx="4008755" cy="2374900"/>
-          </a:xfrm>
-          <a:prstGeom prst="rect">
-            <a:avLst/>
-          </a:prstGeom>
-        </p:spPr>
-      </p:pic>
       <p:graphicFrame>
         <p:nvGraphicFramePr>
           <p:cNvPr id="238" name="Tabelle 237"/>
@@ -10766,6 +9846,36 @@
           </a:p>
         </p:txBody>
       </p:sp>
+      <p:pic>
+        <p:nvPicPr>
+          <p:cNvPr id="9" name="图片 18">
+            <a:extLst>
+              <a:ext uri="{FF2B5EF4-FFF2-40B4-BE49-F238E27FC236}">
+                <a16:creationId xmlns:a16="http://schemas.microsoft.com/office/drawing/2014/main" id="{EAB79473-967D-4723-A073-3867869F290C}"/>
+              </a:ext>
+            </a:extLst>
+          </p:cNvPr>
+          <p:cNvPicPr>
+            <a:picLocks noChangeAspect="1"/>
+          </p:cNvPicPr>
+          <p:nvPr/>
+        </p:nvPicPr>
+        <p:blipFill>
+          <a:blip r:embed="rId3"/>
+          <a:stretch>
+            <a:fillRect/>
+          </a:stretch>
+        </p:blipFill>
+        <p:spPr>
+          <a:xfrm>
+            <a:off x="972185" y="1910440"/>
+            <a:ext cx="3547111" cy="2202629"/>
+          </a:xfrm>
+          <a:prstGeom prst="rect">
+            <a:avLst/>
+          </a:prstGeom>
+        </p:spPr>
+      </p:pic>
     </p:spTree>
   </p:cSld>
   <p:clrMapOvr>
@@ -10972,20 +10082,12 @@
           <a:p>
             <a:pPr algn="ctr"/>
             <a:r>
-              <a:rPr lang="en-US" altLang="zh-CN" dirty="0" err="1">
-                <a:solidFill>
-                  <a:schemeClr val="tx1"/>
-                </a:solidFill>
-              </a:rPr>
-              <a:t>Successrate</a:t>
-            </a:r>
-            <a:r>
               <a:rPr lang="en-US" altLang="zh-CN" dirty="0">
                 <a:solidFill>
                   <a:schemeClr val="tx1"/>
                 </a:solidFill>
               </a:rPr>
-              <a:t> in %</a:t>
+              <a:t>Success rate in %</a:t>
             </a:r>
           </a:p>
         </p:txBody>
@@ -11452,7 +10554,7 @@
             <a:pPr lvl="1"/>
             <a:r>
               <a:rPr lang="en-GB" sz="1600" dirty="0"/>
-              <a:t>500Hz Packet rate</a:t>
+              <a:t>500Hz packet rate</a:t>
             </a:r>
           </a:p>
           <a:p>
@@ -12865,7 +11967,7 @@
               <a:pPr algn="ctr"/>
               <a:r>
                 <a:rPr lang="en-US" altLang="zh-CN" sz="2000" dirty="0"/>
-                <a:t>Adding specific Processor for Sensor Fusion</a:t>
+                <a:t>Adding specific processor for sensor fusion</a:t>
               </a:r>
             </a:p>
           </p:txBody>
@@ -19909,7 +19011,7 @@
           <a:p>
             <a:r>
               <a:rPr lang="en-GB" sz="2000" dirty="0"/>
-              <a:t>Packing / reading new packets in Application layer (N=4)</a:t>
+              <a:t>Filling / reading new packets in Application layer (N=4)</a:t>
             </a:r>
           </a:p>
           <a:p>
@@ -27005,7 +26107,7 @@
                 </a:solidFill>
                 <a:sym typeface="+mn-ea"/>
               </a:rPr>
-              <a:t>Robust</a:t>
+              <a:t>Robustness</a:t>
             </a:r>
           </a:p>
         </p:txBody>
@@ -27019,7 +26121,7 @@
         <p:spPr>
           <a:xfrm>
             <a:off x="-44450" y="3598545"/>
-            <a:ext cx="8059420" cy="2727960"/>
+            <a:ext cx="8828450" cy="2741776"/>
           </a:xfrm>
           <a:prstGeom prst="rect">
             <a:avLst/>
@@ -27104,25 +26206,7 @@
                 </a:solidFill>
                 <a:sym typeface="+mn-ea"/>
               </a:rPr>
-              <a:t>Packet exchange rate (number of </a:t>
-            </a:r>
-            <a:r>
-              <a:rPr lang="en-US" altLang="zh-CN" sz="2000" dirty="0" err="1">
-                <a:solidFill>
-                  <a:srgbClr val="D0D8E8"/>
-                </a:solidFill>
-                <a:sym typeface="+mn-ea"/>
-              </a:rPr>
-              <a:t>transmited</a:t>
-            </a:r>
-            <a:r>
-              <a:rPr lang="en-US" altLang="zh-CN" sz="2000" dirty="0">
-                <a:solidFill>
-                  <a:srgbClr val="D0D8E8"/>
-                </a:solidFill>
-                <a:sym typeface="+mn-ea"/>
-              </a:rPr>
-              <a:t> PDUs per second)</a:t>
+              <a:t>Packet exchange rate (number of transmitted PDUs per second)</a:t>
             </a:r>
           </a:p>
           <a:p>

--- a/data/presentation/PS_presentation_FINAL.pptx
+++ b/data/presentation/PS_presentation_FINAL.pptx
@@ -648,24 +648,76 @@
           <a:lstStyle/>
           <a:p>
             <a:r>
-              <a:rPr lang="en-US" altLang="en-US"/>
-              <a:t>And here is the test result for the side Nucleo receiving. As we can see is, higher pracket rate will cause the successrate drop. And compare two different SPI speed, we can find the 4MHz have a little higher successrate. The reason here is that, our transmition is based on interrupt on the embedded chip. higher SPI speed means the duration of transmission one packet is short. so less chance for other kinds of interrupt on the UAV can influences this transmission. And in fact if we disable all other interrupt, the successrate can achive nearly 98%. But more faster SPI speed like 5MHz will lead to signnifficantly low successrate. So we will say the best configuration is at 500Hz packet rate and 4MHz SPI speed.</a:t>
-            </a:r>
-          </a:p>
-          <a:p>
-            <a:r>
-              <a:rPr lang="en-US" altLang="en-US"/>
-              <a:t>And for the HLP receiving, the </a:t>
-            </a:r>
-            <a:r>
-              <a:rPr lang="en-US" altLang="en-US">
+              <a:rPr lang="en-US" altLang="en-US" dirty="0"/>
+              <a:t>And here is the test result for the side </a:t>
+            </a:r>
+            <a:r>
+              <a:rPr lang="en-US" altLang="en-US" dirty="0" err="1"/>
+              <a:t>Nucleo</a:t>
+            </a:r>
+            <a:r>
+              <a:rPr lang="en-US" altLang="en-US" dirty="0"/>
+              <a:t> receiving. As we can see is, higher </a:t>
+            </a:r>
+            <a:r>
+              <a:rPr lang="en-US" altLang="en-US" dirty="0" err="1"/>
+              <a:t>pracket</a:t>
+            </a:r>
+            <a:r>
+              <a:rPr lang="en-US" altLang="en-US" dirty="0"/>
+              <a:t> rate will cause the </a:t>
+            </a:r>
+            <a:r>
+              <a:rPr lang="en-US" altLang="en-US" dirty="0" err="1"/>
+              <a:t>successrate</a:t>
+            </a:r>
+            <a:r>
+              <a:rPr lang="en-US" altLang="en-US" dirty="0"/>
+              <a:t> drop. And compare two different SPI speed, we can find the 4MHz have a little higher </a:t>
+            </a:r>
+            <a:r>
+              <a:rPr lang="en-US" altLang="en-US" dirty="0" err="1"/>
+              <a:t>successrate</a:t>
+            </a:r>
+            <a:r>
+              <a:rPr lang="en-US" altLang="en-US" dirty="0"/>
+              <a:t>.  So according to this picture, we find the “sweet spot” for the best performance of our protocol, which is at 500Hz packet rate and 4MHz SPI </a:t>
+            </a:r>
+            <a:r>
+              <a:rPr lang="en-US" altLang="en-US" dirty="0" err="1"/>
+              <a:t>speed.And</a:t>
+            </a:r>
+            <a:r>
+              <a:rPr lang="en-US" altLang="en-US" dirty="0"/>
+              <a:t> for the HLP receiving, the </a:t>
+            </a:r>
+            <a:r>
+              <a:rPr lang="en-US" altLang="en-US" dirty="0">
                 <a:sym typeface="+mn-ea"/>
               </a:rPr>
-              <a:t>test result</a:t>
-            </a:r>
-            <a:r>
-              <a:rPr lang="en-US" altLang="en-US"/>
-              <a:t>is is similar as Nucleo.</a:t>
+              <a:t>test </a:t>
+            </a:r>
+            <a:r>
+              <a:rPr lang="en-US" altLang="en-US" dirty="0" err="1">
+                <a:sym typeface="+mn-ea"/>
+              </a:rPr>
+              <a:t>result</a:t>
+            </a:r>
+            <a:r>
+              <a:rPr lang="en-US" altLang="en-US" dirty="0" err="1"/>
+              <a:t>is</a:t>
+            </a:r>
+            <a:r>
+              <a:rPr lang="en-US" altLang="en-US" dirty="0"/>
+              <a:t> is similar as </a:t>
+            </a:r>
+            <a:r>
+              <a:rPr lang="en-US" altLang="en-US" dirty="0" err="1"/>
+              <a:t>Nucleo</a:t>
+            </a:r>
+            <a:r>
+              <a:rPr lang="en-US" altLang="en-US" dirty="0"/>
+              <a:t>.</a:t>
             </a:r>
           </a:p>
         </p:txBody>
@@ -1385,417 +1437,350 @@
           <a:lstStyle/>
           <a:p>
             <a:r>
-              <a:rPr lang="en-GB" altLang="zh-CN" dirty="0"/>
-              <a:t>So firstly, our project belongs to a bigger project about </a:t>
-            </a:r>
-            <a:r>
-              <a:rPr lang="en-US" altLang="zh-CN" dirty="0"/>
-              <a:t>implementing</a:t>
-            </a:r>
-            <a:r>
-              <a:rPr lang="en-GB" altLang="zh-CN" dirty="0"/>
-              <a:t> </a:t>
-            </a:r>
-            <a:r>
-              <a:rPr lang="en-GB" altLang="zh-CN" dirty="0" err="1"/>
+              <a:rPr lang="en-US" altLang="zh-CN" sz="1200" b="0" i="0" kern="1200" dirty="0">
+                <a:solidFill>
+                  <a:schemeClr val="tx1"/>
+                </a:solidFill>
+                <a:effectLst/>
+                <a:latin typeface="+mn-lt"/>
+                <a:ea typeface="+mn-ea"/>
+                <a:cs typeface="+mn-cs"/>
+              </a:rPr>
+              <a:t>Actually, our project belongs to a bigger project about implementing </a:t>
+            </a:r>
+            <a:r>
+              <a:rPr lang="en-US" altLang="zh-CN" sz="1200" b="0" i="0" kern="1200" dirty="0" err="1">
+                <a:solidFill>
+                  <a:schemeClr val="tx1"/>
+                </a:solidFill>
+                <a:effectLst/>
+                <a:latin typeface="+mn-lt"/>
+                <a:ea typeface="+mn-ea"/>
+                <a:cs typeface="+mn-cs"/>
+              </a:rPr>
               <a:t>Sensorfusion</a:t>
             </a:r>
             <a:r>
-              <a:rPr lang="en-GB" altLang="zh-CN" dirty="0"/>
-              <a:t> algorithm in UAV UAV means unmanned aerial vehicle, </a:t>
-            </a:r>
-            <a:r>
-              <a:rPr lang="en-US" altLang="zh-CN" dirty="0"/>
-              <a:t>commonly known as a drone.</a:t>
-            </a:r>
-          </a:p>
-          <a:p>
-            <a:r>
-              <a:rPr lang="en-US" altLang="zh-CN" dirty="0"/>
-              <a:t>Theoretically there two approaches to implement the algorithm. One is , another is .</a:t>
-            </a:r>
-          </a:p>
-          <a:p>
-            <a:r>
-              <a:rPr lang="en-US" altLang="zh-CN" dirty="0"/>
-              <a:t>But actually we the Processor </a:t>
-            </a:r>
-            <a:r>
-              <a:rPr lang="en-GB" altLang="zh-CN" dirty="0"/>
-              <a:t>can not afford calculation requirement.</a:t>
-            </a:r>
-          </a:p>
-          <a:p>
-            <a:r>
-              <a:rPr lang="en-GB" altLang="zh-CN" dirty="0"/>
-              <a:t>The Processor in UAV, the architecture of processor. The calculation speed, the clock </a:t>
-            </a:r>
-            <a:r>
-              <a:rPr lang="en-GB" altLang="zh-CN" dirty="0" err="1"/>
-              <a:t>frequcy</a:t>
-            </a:r>
-            <a:r>
-              <a:rPr lang="en-GB" altLang="zh-CN" dirty="0"/>
-              <a:t>.</a:t>
-            </a:r>
-          </a:p>
-          <a:p>
-            <a:r>
-              <a:rPr lang="en-GB" altLang="zh-CN" dirty="0"/>
-              <a:t>Pro in UAV will do many control task. It demands precise real-time response and also demands calculation sources.</a:t>
-            </a:r>
-          </a:p>
-          <a:p>
-            <a:r>
-              <a:rPr lang="en-US" altLang="zh-CN" dirty="0"/>
-              <a:t>Also the </a:t>
-            </a:r>
-            <a:r>
-              <a:rPr lang="en-US" altLang="zh-CN" dirty="0" err="1"/>
+              <a:rPr lang="en-US" altLang="zh-CN" sz="1200" b="0" i="0" kern="1200" dirty="0">
+                <a:solidFill>
+                  <a:schemeClr val="tx1"/>
+                </a:solidFill>
+                <a:effectLst/>
+                <a:latin typeface="+mn-lt"/>
+                <a:ea typeface="+mn-ea"/>
+                <a:cs typeface="+mn-cs"/>
+              </a:rPr>
+              <a:t> algorithm in UAV. UAV means unmanned aerial vehicle, commonly known as a drone.</a:t>
+            </a:r>
+          </a:p>
+          <a:p>
+            <a:endParaRPr lang="en-US" altLang="zh-CN" sz="1200" b="0" i="0" kern="1200" dirty="0">
+              <a:solidFill>
+                <a:schemeClr val="tx1"/>
+              </a:solidFill>
+              <a:effectLst/>
+              <a:latin typeface="+mn-lt"/>
+              <a:ea typeface="+mn-ea"/>
+              <a:cs typeface="+mn-cs"/>
+            </a:endParaRPr>
+          </a:p>
+          <a:p>
+            <a:r>
+              <a:rPr lang="en-US" altLang="zh-CN" sz="1200" b="0" i="0" kern="1200" dirty="0">
+                <a:solidFill>
+                  <a:schemeClr val="tx1"/>
+                </a:solidFill>
+                <a:effectLst/>
+                <a:latin typeface="+mn-lt"/>
+                <a:ea typeface="+mn-ea"/>
+                <a:cs typeface="+mn-cs"/>
+              </a:rPr>
+              <a:t>Theoretically</a:t>
+            </a:r>
+            <a:r>
+              <a:rPr lang="en-US" altLang="zh-CN" sz="1200" b="0" i="0" kern="1200" baseline="0" dirty="0">
+                <a:solidFill>
+                  <a:schemeClr val="tx1"/>
+                </a:solidFill>
+                <a:effectLst/>
+                <a:latin typeface="+mn-lt"/>
+                <a:ea typeface="+mn-ea"/>
+                <a:cs typeface="+mn-cs"/>
+              </a:rPr>
+              <a:t> there are two approaches to implement the algorithm. One is , another is .</a:t>
+            </a:r>
+          </a:p>
+          <a:p>
+            <a:r>
+              <a:rPr lang="en-US" altLang="zh-CN" sz="1200" b="0" i="0" kern="1200" baseline="0" dirty="0">
+                <a:solidFill>
+                  <a:schemeClr val="tx1"/>
+                </a:solidFill>
+                <a:effectLst/>
+                <a:latin typeface="+mn-lt"/>
+                <a:ea typeface="+mn-ea"/>
+                <a:cs typeface="+mn-cs"/>
+              </a:rPr>
+              <a:t>But actually 1. </a:t>
+            </a:r>
+            <a:r>
+              <a:rPr lang="en-US" altLang="zh-CN" sz="1200" b="0" i="0" kern="1200" baseline="0" dirty="0" err="1">
+                <a:solidFill>
+                  <a:schemeClr val="tx1"/>
+                </a:solidFill>
+                <a:effectLst/>
+                <a:latin typeface="+mn-lt"/>
+                <a:ea typeface="+mn-ea"/>
+                <a:cs typeface="+mn-cs"/>
+              </a:rPr>
+              <a:t>aproach</a:t>
+            </a:r>
+            <a:r>
+              <a:rPr lang="en-US" altLang="zh-CN" sz="1200" b="0" i="0" kern="1200" baseline="0" dirty="0">
+                <a:solidFill>
+                  <a:schemeClr val="tx1"/>
+                </a:solidFill>
+                <a:effectLst/>
+                <a:latin typeface="+mn-lt"/>
+                <a:ea typeface="+mn-ea"/>
+                <a:cs typeface="+mn-cs"/>
+              </a:rPr>
+              <a:t> is not realistic. The Processor in UAV </a:t>
+            </a:r>
+            <a:r>
+              <a:rPr lang="en-US" altLang="zh-CN" sz="1200" kern="1200" baseline="0" dirty="0">
+                <a:solidFill>
+                  <a:schemeClr val="tx1"/>
+                </a:solidFill>
+                <a:effectLst/>
+                <a:latin typeface="+mn-lt"/>
+                <a:ea typeface="+mn-ea"/>
+                <a:cs typeface="+mn-cs"/>
+              </a:rPr>
+              <a:t>can not afford the </a:t>
+            </a:r>
+            <a:r>
+              <a:rPr lang="en-US" altLang="zh-CN" sz="1200" b="1" kern="1200" baseline="0" dirty="0">
+                <a:solidFill>
+                  <a:schemeClr val="tx1"/>
+                </a:solidFill>
+                <a:effectLst/>
+                <a:latin typeface="+mn-lt"/>
+                <a:ea typeface="+mn-ea"/>
+                <a:cs typeface="+mn-cs"/>
+              </a:rPr>
+              <a:t>large calculation requirement </a:t>
+            </a:r>
+            <a:r>
+              <a:rPr lang="en-US" altLang="zh-CN" sz="1200" kern="1200" baseline="0" dirty="0">
+                <a:solidFill>
+                  <a:schemeClr val="tx1"/>
+                </a:solidFill>
+                <a:effectLst/>
+                <a:latin typeface="+mn-lt"/>
+                <a:ea typeface="+mn-ea"/>
+                <a:cs typeface="+mn-cs"/>
+              </a:rPr>
+              <a:t>of </a:t>
+            </a:r>
+            <a:r>
+              <a:rPr lang="en-US" altLang="zh-CN" sz="1200" kern="1200" baseline="0" dirty="0" err="1">
+                <a:solidFill>
+                  <a:schemeClr val="tx1"/>
+                </a:solidFill>
+                <a:effectLst/>
+                <a:latin typeface="+mn-lt"/>
+                <a:ea typeface="+mn-ea"/>
+                <a:cs typeface="+mn-cs"/>
+              </a:rPr>
               <a:t>sensorfusion</a:t>
             </a:r>
             <a:r>
-              <a:rPr lang="en-US" altLang="zh-CN" dirty="0"/>
-              <a:t> have very big probability to conflict the original control logic, because the calculation takes time and frequently.</a:t>
-            </a:r>
-            <a:endParaRPr lang="en-GB" altLang="zh-CN" dirty="0"/>
-          </a:p>
-          <a:p>
-            <a:pPr defTabSz="990572">
+              <a:rPr lang="en-US" altLang="zh-CN" sz="1200" kern="1200" baseline="0" dirty="0">
+                <a:solidFill>
+                  <a:schemeClr val="tx1"/>
+                </a:solidFill>
+                <a:effectLst/>
+                <a:latin typeface="+mn-lt"/>
+                <a:ea typeface="+mn-ea"/>
+                <a:cs typeface="+mn-cs"/>
+              </a:rPr>
+              <a:t>.  </a:t>
+            </a:r>
+          </a:p>
+          <a:p>
+            <a:endParaRPr lang="en-US" altLang="zh-CN" sz="1200" kern="1200" baseline="0" dirty="0">
+              <a:solidFill>
+                <a:schemeClr val="tx1"/>
+              </a:solidFill>
+              <a:effectLst/>
+              <a:latin typeface="+mn-lt"/>
+              <a:ea typeface="+mn-ea"/>
+              <a:cs typeface="+mn-cs"/>
+            </a:endParaRPr>
+          </a:p>
+          <a:p>
+            <a:r>
+              <a:rPr lang="en-US" altLang="zh-CN" sz="1200" kern="1200" baseline="0" dirty="0">
+                <a:solidFill>
+                  <a:schemeClr val="tx1"/>
+                </a:solidFill>
+                <a:effectLst/>
+                <a:latin typeface="+mn-lt"/>
+                <a:ea typeface="+mn-ea"/>
+                <a:cs typeface="+mn-cs"/>
+              </a:rPr>
+              <a:t>For example, processing speed low, memory small, matrix arithmetic not good enough…..  Also, for example, the architecture of processor, the calculation speed, the clock frequency. all of those in the processor of UAV are far not enough for the </a:t>
+            </a:r>
+            <a:r>
+              <a:rPr lang="en-US" altLang="zh-CN" sz="1200" kern="1200" baseline="0" dirty="0" err="1">
+                <a:solidFill>
+                  <a:schemeClr val="tx1"/>
+                </a:solidFill>
+                <a:effectLst/>
+                <a:latin typeface="+mn-lt"/>
+                <a:ea typeface="+mn-ea"/>
+                <a:cs typeface="+mn-cs"/>
+              </a:rPr>
+              <a:t>sensorfusion</a:t>
+            </a:r>
+            <a:r>
+              <a:rPr lang="en-US" altLang="zh-CN" sz="1200" kern="1200" baseline="0" dirty="0">
+                <a:solidFill>
+                  <a:schemeClr val="tx1"/>
+                </a:solidFill>
+                <a:effectLst/>
+                <a:latin typeface="+mn-lt"/>
+                <a:ea typeface="+mn-ea"/>
+                <a:cs typeface="+mn-cs"/>
+              </a:rPr>
+              <a:t> task.</a:t>
+            </a:r>
+          </a:p>
+          <a:p>
+            <a:pPr marL="0" marR="0" lvl="0" indent="0" algn="l" defTabSz="914400" rtl="0" eaLnBrk="1" fontAlgn="auto" latinLnBrk="0" hangingPunct="1">
+              <a:lnSpc>
+                <a:spcPct val="100000"/>
+              </a:lnSpc>
+              <a:spcBef>
+                <a:spcPts val="0"/>
+              </a:spcBef>
+              <a:spcAft>
+                <a:spcPts val="0"/>
+              </a:spcAft>
+              <a:buClrTx/>
+              <a:buSzTx/>
+              <a:buFontTx/>
+              <a:buNone/>
+              <a:tabLst/>
               <a:defRPr/>
             </a:pPr>
-            <a:r>
-              <a:rPr lang="en-GB" altLang="zh-CN" dirty="0"/>
-              <a:t>So sensor fusion task need an additional new powerful specific processor to do so.</a:t>
-            </a:r>
-          </a:p>
-          <a:p>
-            <a:endParaRPr lang="en-GB" altLang="zh-CN" dirty="0"/>
-          </a:p>
-          <a:p>
-            <a:r>
-              <a:rPr lang="en-GB" altLang="zh-CN" dirty="0"/>
-              <a:t>But firstly, we must ensure the reliable and high speed communication between our specific processer and the HLP, and only then we can make </a:t>
-            </a:r>
-            <a:r>
-              <a:rPr lang="en-GB" altLang="zh-CN" dirty="0" err="1"/>
-              <a:t>sensorfusion</a:t>
-            </a:r>
-            <a:r>
-              <a:rPr lang="en-GB" altLang="zh-CN" dirty="0"/>
-              <a:t> task. Pure processor is easy but…..</a:t>
-            </a:r>
-          </a:p>
-          <a:p>
-            <a:endParaRPr lang="en-GB" altLang="zh-CN" dirty="0"/>
+            <a:endParaRPr lang="en-US" altLang="zh-CN" sz="1200" kern="1200" baseline="0" dirty="0">
+              <a:solidFill>
+                <a:schemeClr val="tx1"/>
+              </a:solidFill>
+              <a:effectLst/>
+              <a:latin typeface="+mn-lt"/>
+              <a:ea typeface="+mn-ea"/>
+              <a:cs typeface="+mn-cs"/>
+            </a:endParaRPr>
+          </a:p>
+          <a:p>
+            <a:pPr marL="0" marR="0" lvl="0" indent="0" algn="l" defTabSz="914400" rtl="0" eaLnBrk="1" fontAlgn="auto" latinLnBrk="0" hangingPunct="1">
+              <a:lnSpc>
+                <a:spcPct val="100000"/>
+              </a:lnSpc>
+              <a:spcBef>
+                <a:spcPts val="0"/>
+              </a:spcBef>
+              <a:spcAft>
+                <a:spcPts val="0"/>
+              </a:spcAft>
+              <a:buClrTx/>
+              <a:buSzTx/>
+              <a:buFontTx/>
+              <a:buNone/>
+              <a:tabLst/>
+              <a:defRPr/>
+            </a:pPr>
+            <a:r>
+              <a:rPr lang="en-US" altLang="zh-CN" sz="1200" kern="1200" baseline="0" dirty="0">
+                <a:solidFill>
+                  <a:schemeClr val="tx1"/>
+                </a:solidFill>
+                <a:effectLst/>
+                <a:latin typeface="+mn-lt"/>
+                <a:ea typeface="+mn-ea"/>
+                <a:cs typeface="+mn-cs"/>
+              </a:rPr>
+              <a:t>So sensor fusion will be implemented in a new additional powerful specific processor to do so.</a:t>
+            </a:r>
+          </a:p>
+          <a:p>
+            <a:endParaRPr lang="en-US" altLang="zh-CN" sz="1200" kern="1200" baseline="0" dirty="0">
+              <a:solidFill>
+                <a:schemeClr val="tx1"/>
+              </a:solidFill>
+              <a:effectLst/>
+              <a:latin typeface="+mn-lt"/>
+              <a:ea typeface="+mn-ea"/>
+              <a:cs typeface="+mn-cs"/>
+            </a:endParaRPr>
+          </a:p>
+          <a:p>
+            <a:r>
+              <a:rPr lang="en-US" altLang="zh-CN" sz="1200" kern="1200" baseline="0" dirty="0">
+                <a:solidFill>
+                  <a:schemeClr val="tx1"/>
+                </a:solidFill>
+                <a:effectLst/>
+                <a:latin typeface="+mn-lt"/>
+                <a:ea typeface="+mn-ea"/>
+                <a:cs typeface="+mn-cs"/>
+              </a:rPr>
+              <a:t>But this new processor still need to get data from UAV and send the result to UAV.  The communication must be firstly precise guaranteed. </a:t>
+            </a:r>
+          </a:p>
+          <a:p>
+            <a:r>
+              <a:rPr lang="en-US" altLang="zh-CN" sz="1200" kern="1200" baseline="0" dirty="0">
+                <a:solidFill>
+                  <a:schemeClr val="tx1"/>
+                </a:solidFill>
+                <a:effectLst/>
+                <a:latin typeface="+mn-lt"/>
+                <a:ea typeface="+mn-ea"/>
+                <a:cs typeface="+mn-cs"/>
+              </a:rPr>
+              <a:t>So our task is to achieve it. -- …………….  And we need to design protocol to achieve communication.  The communication should fulfil these requirements.</a:t>
+            </a:r>
+            <a:endParaRPr lang="en-US" altLang="zh-CN" sz="1200" kern="1200" dirty="0">
+              <a:solidFill>
+                <a:schemeClr val="tx1"/>
+              </a:solidFill>
+              <a:effectLst/>
+              <a:latin typeface="+mn-lt"/>
+              <a:ea typeface="+mn-ea"/>
+              <a:cs typeface="+mn-cs"/>
+            </a:endParaRPr>
+          </a:p>
+          <a:p>
+            <a:endParaRPr lang="en-US" altLang="zh-CN" dirty="0"/>
           </a:p>
           <a:p>
             <a:r>
               <a:rPr lang="en-US" altLang="zh-CN" dirty="0"/>
-              <a:t>This method intends a requirement analysis as the first step. </a:t>
-            </a:r>
-          </a:p>
-          <a:p>
-            <a:r>
-              <a:rPr lang="en-US" altLang="zh-CN" dirty="0"/>
-              <a:t>Here different requirements were set, like the protocol needs to be robust.</a:t>
-            </a:r>
-          </a:p>
-          <a:p>
-            <a:endParaRPr lang="en-US" altLang="zh-CN" dirty="0"/>
-          </a:p>
-          <a:p>
-            <a:r>
-              <a:rPr lang="en-US" altLang="zh-CN" dirty="0"/>
-              <a:t>The transfer needs to be fast of course, to reach a high data </a:t>
-            </a:r>
-            <a:r>
-              <a:rPr lang="en-US" altLang="zh-CN" dirty="0" err="1"/>
-              <a:t>throuput</a:t>
-            </a:r>
-            <a:r>
-              <a:rPr lang="en-US" altLang="zh-CN" dirty="0"/>
-              <a:t> (so the </a:t>
-            </a:r>
-            <a:r>
-              <a:rPr lang="en-US" altLang="zh-CN" dirty="0" err="1"/>
-              <a:t>hexacopter</a:t>
-            </a:r>
-            <a:r>
-              <a:rPr lang="en-US" altLang="zh-CN" dirty="0"/>
-              <a:t> can be </a:t>
-            </a:r>
-            <a:r>
-              <a:rPr lang="de-DE" altLang="zh-CN" dirty="0" err="1"/>
-              <a:t>stably</a:t>
-            </a:r>
-            <a:r>
-              <a:rPr lang="de-DE" altLang="zh-CN" dirty="0"/>
-              <a:t> </a:t>
-            </a:r>
-            <a:r>
-              <a:rPr lang="de-DE" altLang="zh-CN" dirty="0" err="1"/>
-              <a:t>controlled</a:t>
-            </a:r>
-            <a:r>
-              <a:rPr lang="en-US" altLang="zh-CN" dirty="0"/>
-              <a:t>).</a:t>
-            </a:r>
-          </a:p>
-          <a:p>
-            <a:r>
-              <a:rPr lang="de-DE" altLang="zh-CN" dirty="0" err="1"/>
-              <a:t>For</a:t>
-            </a:r>
-            <a:r>
-              <a:rPr lang="de-DE" altLang="zh-CN" dirty="0"/>
-              <a:t> </a:t>
-            </a:r>
-            <a:r>
-              <a:rPr lang="de-DE" altLang="zh-CN" dirty="0" err="1"/>
-              <a:t>the</a:t>
-            </a:r>
-            <a:r>
-              <a:rPr lang="de-DE" altLang="zh-CN" dirty="0"/>
-              <a:t> same </a:t>
-            </a:r>
-            <a:r>
-              <a:rPr lang="de-DE" altLang="zh-CN" dirty="0" err="1"/>
-              <a:t>reason</a:t>
-            </a:r>
-            <a:r>
-              <a:rPr lang="de-DE" altLang="zh-CN" dirty="0"/>
-              <a:t> </a:t>
-            </a:r>
-            <a:r>
-              <a:rPr lang="de-DE" altLang="zh-CN" dirty="0" err="1"/>
-              <a:t>the</a:t>
-            </a:r>
-            <a:r>
-              <a:rPr lang="de-DE" altLang="zh-CN" dirty="0"/>
-              <a:t> hole </a:t>
-            </a:r>
-            <a:r>
-              <a:rPr lang="de-DE" altLang="zh-CN" dirty="0" err="1"/>
-              <a:t>implementation</a:t>
-            </a:r>
-            <a:r>
-              <a:rPr lang="de-DE" altLang="zh-CN" dirty="0"/>
-              <a:t> </a:t>
-            </a:r>
-            <a:r>
-              <a:rPr lang="de-DE" altLang="zh-CN" dirty="0" err="1"/>
-              <a:t>needs</a:t>
-            </a:r>
-            <a:r>
-              <a:rPr lang="de-DE" altLang="zh-CN" dirty="0"/>
-              <a:t> </a:t>
-            </a:r>
-            <a:r>
-              <a:rPr lang="de-DE" altLang="zh-CN" dirty="0" err="1"/>
-              <a:t>to</a:t>
-            </a:r>
-            <a:r>
-              <a:rPr lang="de-DE" altLang="zh-CN" dirty="0"/>
-              <a:t> </a:t>
-            </a:r>
-            <a:r>
-              <a:rPr lang="de-DE" altLang="zh-CN" dirty="0" err="1"/>
-              <a:t>be</a:t>
-            </a:r>
-            <a:r>
-              <a:rPr lang="de-DE" altLang="zh-CN" dirty="0"/>
-              <a:t> </a:t>
-            </a:r>
-            <a:r>
-              <a:rPr lang="de-DE" altLang="zh-CN" dirty="0" err="1"/>
-              <a:t>realtime</a:t>
-            </a:r>
-            <a:r>
-              <a:rPr lang="de-DE" altLang="zh-CN" dirty="0"/>
-              <a:t> – </a:t>
-            </a:r>
-            <a:r>
-              <a:rPr lang="de-DE" altLang="zh-CN" dirty="0" err="1"/>
-              <a:t>capable</a:t>
-            </a:r>
-            <a:r>
-              <a:rPr lang="de-DE" altLang="zh-CN" dirty="0"/>
-              <a:t>.</a:t>
-            </a:r>
-          </a:p>
-          <a:p>
-            <a:endParaRPr lang="de-DE" altLang="zh-CN" dirty="0"/>
-          </a:p>
-          <a:p>
-            <a:r>
-              <a:rPr lang="de-DE" altLang="zh-CN" dirty="0"/>
-              <a:t>Last but not least, </a:t>
-            </a:r>
-            <a:r>
-              <a:rPr lang="de-DE" altLang="zh-CN" dirty="0" err="1"/>
-              <a:t>the</a:t>
-            </a:r>
-            <a:r>
-              <a:rPr lang="de-DE" altLang="zh-CN" dirty="0"/>
-              <a:t> </a:t>
-            </a:r>
-            <a:r>
-              <a:rPr lang="de-DE" altLang="zh-CN" dirty="0" err="1"/>
-              <a:t>protocol</a:t>
-            </a:r>
-            <a:r>
-              <a:rPr lang="de-DE" altLang="zh-CN" dirty="0"/>
-              <a:t> </a:t>
-            </a:r>
-            <a:r>
-              <a:rPr lang="de-DE" altLang="zh-CN" dirty="0" err="1"/>
-              <a:t>should</a:t>
-            </a:r>
-            <a:r>
-              <a:rPr lang="de-DE" altLang="zh-CN" dirty="0"/>
-              <a:t> </a:t>
-            </a:r>
-            <a:r>
-              <a:rPr lang="de-DE" altLang="zh-CN" dirty="0" err="1"/>
-              <a:t>be</a:t>
-            </a:r>
-            <a:r>
-              <a:rPr lang="de-DE" altLang="zh-CN" dirty="0"/>
-              <a:t> </a:t>
-            </a:r>
-            <a:r>
-              <a:rPr lang="de-DE" altLang="zh-CN" dirty="0" err="1"/>
-              <a:t>easily</a:t>
-            </a:r>
-            <a:r>
-              <a:rPr lang="de-DE" altLang="zh-CN" dirty="0"/>
-              <a:t> </a:t>
-            </a:r>
-            <a:r>
-              <a:rPr lang="de-DE" altLang="zh-CN" dirty="0" err="1"/>
-              <a:t>expandable</a:t>
-            </a:r>
-            <a:r>
-              <a:rPr lang="de-DE" altLang="zh-CN" dirty="0"/>
-              <a:t>, so </a:t>
-            </a:r>
-            <a:r>
-              <a:rPr lang="de-DE" altLang="zh-CN" dirty="0" err="1"/>
-              <a:t>it</a:t>
-            </a:r>
-            <a:r>
-              <a:rPr lang="de-DE" altLang="zh-CN" dirty="0"/>
-              <a:t> </a:t>
-            </a:r>
-            <a:r>
-              <a:rPr lang="de-DE" altLang="zh-CN" dirty="0" err="1"/>
-              <a:t>should</a:t>
-            </a:r>
-            <a:r>
-              <a:rPr lang="de-DE" altLang="zh-CN" dirty="0"/>
-              <a:t> </a:t>
-            </a:r>
-            <a:r>
-              <a:rPr lang="de-DE" altLang="zh-CN" dirty="0" err="1"/>
-              <a:t>be</a:t>
-            </a:r>
-            <a:r>
-              <a:rPr lang="de-DE" altLang="zh-CN" dirty="0"/>
-              <a:t> </a:t>
-            </a:r>
-            <a:r>
-              <a:rPr lang="de-DE" altLang="zh-CN" dirty="0" err="1"/>
-              <a:t>possible</a:t>
-            </a:r>
-            <a:r>
-              <a:rPr lang="de-DE" altLang="zh-CN" dirty="0"/>
-              <a:t> </a:t>
-            </a:r>
-            <a:r>
-              <a:rPr lang="de-DE" altLang="zh-CN" dirty="0" err="1"/>
-              <a:t>to</a:t>
-            </a:r>
-            <a:r>
-              <a:rPr lang="de-DE" altLang="zh-CN" dirty="0"/>
-              <a:t> </a:t>
-            </a:r>
-            <a:r>
-              <a:rPr lang="de-DE" altLang="zh-CN" dirty="0" err="1"/>
-              <a:t>add</a:t>
-            </a:r>
-            <a:r>
-              <a:rPr lang="de-DE" altLang="zh-CN" dirty="0"/>
-              <a:t> </a:t>
-            </a:r>
-            <a:r>
-              <a:rPr lang="de-DE" altLang="zh-CN" dirty="0" err="1"/>
-              <a:t>and</a:t>
-            </a:r>
-            <a:r>
-              <a:rPr lang="de-DE" altLang="zh-CN" dirty="0"/>
-              <a:t> </a:t>
-            </a:r>
-            <a:r>
-              <a:rPr lang="de-DE" altLang="zh-CN" dirty="0" err="1"/>
-              <a:t>remove</a:t>
-            </a:r>
-            <a:r>
-              <a:rPr lang="de-DE" altLang="zh-CN" dirty="0"/>
-              <a:t> </a:t>
-            </a:r>
-            <a:r>
-              <a:rPr lang="de-DE" altLang="zh-CN" dirty="0" err="1"/>
-              <a:t>new</a:t>
-            </a:r>
-            <a:r>
-              <a:rPr lang="de-DE" altLang="zh-CN" dirty="0"/>
-              <a:t> </a:t>
-            </a:r>
-            <a:r>
-              <a:rPr lang="de-DE" altLang="zh-CN" dirty="0" err="1"/>
-              <a:t>sensory</a:t>
-            </a:r>
-            <a:r>
-              <a:rPr lang="de-DE" altLang="zh-CN" dirty="0"/>
-              <a:t> </a:t>
-            </a:r>
-            <a:r>
-              <a:rPr lang="de-DE" altLang="zh-CN" dirty="0" err="1"/>
-              <a:t>by</a:t>
-            </a:r>
-            <a:r>
-              <a:rPr lang="de-DE" altLang="zh-CN" dirty="0"/>
-              <a:t> </a:t>
-            </a:r>
-            <a:r>
-              <a:rPr lang="de-DE" altLang="zh-CN" dirty="0" err="1"/>
-              <a:t>small</a:t>
-            </a:r>
-            <a:r>
-              <a:rPr lang="de-DE" altLang="zh-CN" dirty="0"/>
-              <a:t> </a:t>
-            </a:r>
-            <a:r>
-              <a:rPr lang="de-DE" altLang="zh-CN" dirty="0" err="1"/>
-              <a:t>effort</a:t>
-            </a:r>
-            <a:r>
-              <a:rPr lang="de-DE" altLang="zh-CN" dirty="0"/>
-              <a:t>. </a:t>
-            </a:r>
-            <a:endParaRPr lang="en-GB" altLang="zh-CN" dirty="0"/>
-          </a:p>
-          <a:p>
-            <a:endParaRPr lang="en-GB" altLang="zh-CN" dirty="0">
+              <a:t>e.g. The protocol should be easily expandable, so it should be possible to add and remove new sensory by small effort. </a:t>
+            </a:r>
+            <a:endParaRPr lang="en-US" altLang="zh-CN" sz="1200" kern="1200" dirty="0">
+              <a:solidFill>
+                <a:schemeClr val="tx1"/>
+              </a:solidFill>
               <a:effectLst/>
+              <a:latin typeface="+mn-lt"/>
+              <a:ea typeface="+mn-ea"/>
+              <a:cs typeface="+mn-cs"/>
             </a:endParaRPr>
-          </a:p>
-          <a:p>
-            <a:br>
-              <a:rPr lang="en-GB" altLang="zh-CN" dirty="0"/>
-            </a:br>
-            <a:endParaRPr dirty="0"/>
           </a:p>
         </p:txBody>
       </p:sp>
@@ -2008,23 +1993,116 @@
               <a:rPr lang="en-US" altLang="zh-CN" baseline="0" dirty="0"/>
               <a:t> here, second part is additional things. </a:t>
             </a:r>
+          </a:p>
+          <a:p>
+            <a:endParaRPr lang="en-US" altLang="zh-CN" baseline="0" dirty="0"/>
+          </a:p>
+          <a:p>
+            <a:r>
+              <a:rPr lang="en-US" altLang="zh-CN" baseline="0" dirty="0" err="1"/>
+              <a:t>Nucleo</a:t>
+            </a:r>
+            <a:r>
+              <a:rPr lang="en-US" altLang="zh-CN" baseline="0" dirty="0"/>
+              <a:t> is added to do </a:t>
+            </a:r>
+            <a:r>
+              <a:rPr lang="en-US" altLang="zh-CN" baseline="0" dirty="0" err="1"/>
+              <a:t>sensorfusion</a:t>
+            </a:r>
+            <a:r>
+              <a:rPr lang="en-US" altLang="zh-CN" baseline="0" dirty="0"/>
+              <a:t> task. </a:t>
+            </a:r>
+          </a:p>
+          <a:p>
+            <a:r>
+              <a:rPr lang="en-US" altLang="zh-CN" baseline="0" dirty="0"/>
+              <a:t>Library functions, code generating tools, </a:t>
+            </a:r>
+            <a:r>
+              <a:rPr lang="en-US" altLang="zh-CN" baseline="0" dirty="0" err="1"/>
+              <a:t>convienient</a:t>
+            </a:r>
+            <a:r>
+              <a:rPr lang="en-US" altLang="zh-CN" baseline="0" dirty="0"/>
+              <a:t> and fast to make prototyping. </a:t>
+            </a:r>
+          </a:p>
+          <a:p>
+            <a:r>
+              <a:rPr lang="en-US" altLang="zh-CN" baseline="0" dirty="0"/>
+              <a:t>The calculation efficiency is very good.</a:t>
+            </a:r>
+          </a:p>
+          <a:p>
+            <a:endParaRPr lang="en-US" altLang="zh-CN" baseline="0" dirty="0"/>
+          </a:p>
+          <a:p>
+            <a:r>
+              <a:rPr lang="en-US" altLang="zh-CN" baseline="0" dirty="0"/>
+              <a:t>Extern sensors like Lidar, optical flow, is added to adjust complicated environment.</a:t>
+            </a:r>
+          </a:p>
+          <a:p>
             <a:endParaRPr lang="en-US" altLang="zh-CN" dirty="0"/>
           </a:p>
           <a:p>
+            <a:pPr marL="0" marR="0" lvl="0" indent="0" algn="l" defTabSz="914400" rtl="0" eaLnBrk="1" fontAlgn="auto" latinLnBrk="0" hangingPunct="1">
+              <a:lnSpc>
+                <a:spcPct val="100000"/>
+              </a:lnSpc>
+              <a:spcBef>
+                <a:spcPts val="0"/>
+              </a:spcBef>
+              <a:spcAft>
+                <a:spcPts val="0"/>
+              </a:spcAft>
+              <a:buClrTx/>
+              <a:buSzTx/>
+              <a:buFontTx/>
+              <a:buNone/>
+              <a:tabLst/>
+              <a:defRPr/>
+            </a:pPr>
             <a:r>
               <a:rPr lang="en-US" altLang="zh-CN" dirty="0"/>
-              <a:t>1.  Object of sensor fusion</a:t>
-            </a:r>
+              <a:t>HL </a:t>
+            </a:r>
+          </a:p>
+          <a:p>
+            <a:pPr marL="0" marR="0" lvl="0" indent="0" algn="l" defTabSz="914400" rtl="0" eaLnBrk="1" fontAlgn="auto" latinLnBrk="0" hangingPunct="1">
+              <a:lnSpc>
+                <a:spcPct val="100000"/>
+              </a:lnSpc>
+              <a:spcBef>
+                <a:spcPts val="0"/>
+              </a:spcBef>
+              <a:spcAft>
+                <a:spcPts val="0"/>
+              </a:spcAft>
+              <a:buClrTx/>
+              <a:buSzTx/>
+              <a:buFontTx/>
+              <a:buNone/>
+              <a:tabLst/>
+              <a:defRPr/>
+            </a:pPr>
             <a:r>
               <a:rPr lang="en-US" altLang="zh-CN" baseline="0" dirty="0"/>
-              <a:t> task</a:t>
-            </a:r>
-            <a:endParaRPr lang="en-US" altLang="zh-CN" dirty="0"/>
-          </a:p>
-          <a:p>
+              <a:t>LL </a:t>
+            </a:r>
+            <a:r>
+              <a:rPr lang="en-US" altLang="zh-CN" b="1" baseline="0" dirty="0"/>
+              <a:t>closed</a:t>
+            </a:r>
+            <a:r>
+              <a:rPr lang="en-US" altLang="zh-CN" baseline="0" dirty="0"/>
+              <a:t>,.  </a:t>
+            </a:r>
             <a:r>
               <a:rPr lang="en-US" altLang="zh-CN" dirty="0"/>
-              <a:t>HL LL Directly</a:t>
+              <a:t>LL Directly</a:t>
             </a:r>
             <a:r>
               <a:rPr lang="en-US" altLang="zh-CN" baseline="0" dirty="0"/>
@@ -2034,98 +2112,62 @@
           <a:p>
             <a:r>
               <a:rPr lang="en-US" altLang="zh-CN" baseline="0" dirty="0"/>
-              <a:t>LL closed, HL have SDK, we can write the control command here. </a:t>
-            </a:r>
-            <a:endParaRPr lang="en-US" baseline="0" dirty="0"/>
-          </a:p>
-          <a:p>
-            <a:r>
-              <a:rPr lang="en-US" baseline="0" dirty="0"/>
-              <a:t>2. </a:t>
-            </a:r>
-            <a:r>
-              <a:rPr lang="en-US" baseline="0" dirty="0" err="1"/>
-              <a:t>Nucleo</a:t>
-            </a:r>
-            <a:r>
-              <a:rPr lang="en-US" baseline="0" dirty="0"/>
-              <a:t>,</a:t>
-            </a:r>
-          </a:p>
-          <a:p>
-            <a:r>
-              <a:rPr lang="en-US" baseline="0" dirty="0"/>
-              <a:t>Very advanced and popular in </a:t>
-            </a:r>
-            <a:r>
-              <a:rPr lang="en-US" baseline="0" dirty="0" err="1"/>
-              <a:t>embeded</a:t>
-            </a:r>
-            <a:r>
-              <a:rPr lang="en-US" baseline="0" dirty="0"/>
-              <a:t> system field. </a:t>
-            </a:r>
-          </a:p>
-          <a:p>
-            <a:r>
-              <a:rPr lang="en-US" baseline="0" dirty="0"/>
-              <a:t>Library functions, code generating tools, </a:t>
-            </a:r>
-            <a:r>
-              <a:rPr lang="en-US" baseline="0" dirty="0" err="1"/>
-              <a:t>c</a:t>
-            </a:r>
-            <a:r>
-              <a:rPr lang="en-US" altLang="zh-CN" baseline="0" dirty="0" err="1"/>
-              <a:t>onvienient</a:t>
-            </a:r>
+              <a:t>But HL is open for us, HL have SDK, we can write the control command here</a:t>
+            </a:r>
+          </a:p>
+          <a:p>
             <a:r>
               <a:rPr lang="en-US" altLang="zh-CN" baseline="0" dirty="0"/>
-              <a:t> and fast to make prototyping. </a:t>
+              <a:t>Our programming about UAV is mainly based on programming on HL.</a:t>
             </a:r>
           </a:p>
           <a:p>
             <a:r>
               <a:rPr lang="en-US" altLang="zh-CN" baseline="0" dirty="0"/>
-              <a:t>The calculation efficiency is very good.</a:t>
-            </a:r>
-          </a:p>
-          <a:p>
-            <a:r>
-              <a:rPr lang="en-US" baseline="0" dirty="0"/>
-              <a:t>3. Firstly is intern sensors, they are very commonly used sensor, and they are already integrated in the UAV. Like ………..</a:t>
-            </a:r>
-          </a:p>
-          <a:p>
-            <a:r>
-              <a:rPr lang="en-US" baseline="0" dirty="0"/>
-              <a:t>   </a:t>
-            </a:r>
-            <a:r>
-              <a:rPr lang="en-US" altLang="zh-CN" baseline="0" dirty="0"/>
-              <a:t>But in some special situation, it doesn’t work well.  For, example, when UAV is flying indoors, GPS will not work.</a:t>
-            </a:r>
-            <a:endParaRPr lang="en-US" baseline="0" dirty="0"/>
-          </a:p>
-          <a:p>
-            <a:r>
-              <a:rPr lang="en-US" baseline="0" dirty="0"/>
-              <a:t>    Like optical flow, Lidar, camera.</a:t>
-            </a:r>
-          </a:p>
-          <a:p>
-            <a:r>
-              <a:rPr lang="en-US" baseline="0" dirty="0"/>
-              <a:t>    for example,  if we want to locate the position indoors, or avoid barrier.</a:t>
-            </a:r>
-          </a:p>
-          <a:p>
-            <a:pPr defTabSz="990572">
+              <a:t>But just like we have said, calculation efficiency.</a:t>
+            </a:r>
+          </a:p>
+          <a:p>
+            <a:pPr marL="0" marR="0" lvl="0" indent="0" algn="l" defTabSz="914400" rtl="0" eaLnBrk="1" fontAlgn="auto" latinLnBrk="0" hangingPunct="1">
+              <a:lnSpc>
+                <a:spcPct val="100000"/>
+              </a:lnSpc>
+              <a:spcBef>
+                <a:spcPts val="0"/>
+              </a:spcBef>
+              <a:spcAft>
+                <a:spcPts val="0"/>
+              </a:spcAft>
+              <a:buClrTx/>
+              <a:buSzTx/>
+              <a:buFontTx/>
+              <a:buNone/>
+              <a:tabLst/>
               <a:defRPr/>
             </a:pPr>
+            <a:endParaRPr lang="en-US" altLang="zh-CN" baseline="0" dirty="0"/>
+          </a:p>
+          <a:p>
+            <a:pPr marL="0" marR="0" lvl="0" indent="0" algn="l" defTabSz="914400" rtl="0" eaLnBrk="1" fontAlgn="auto" latinLnBrk="0" hangingPunct="1">
+              <a:lnSpc>
+                <a:spcPct val="100000"/>
+              </a:lnSpc>
+              <a:spcBef>
+                <a:spcPts val="0"/>
+              </a:spcBef>
+              <a:spcAft>
+                <a:spcPts val="0"/>
+              </a:spcAft>
+              <a:buClrTx/>
+              <a:buSzTx/>
+              <a:buFontTx/>
+              <a:buNone/>
+              <a:tabLst/>
+              <a:defRPr/>
+            </a:pPr>
             <a:r>
               <a:rPr lang="en-US" altLang="zh-CN" baseline="0" dirty="0"/>
-              <a:t>The communication between </a:t>
+              <a:t>Our project, the communication protocol between </a:t>
             </a:r>
             <a:r>
               <a:rPr lang="en-US" altLang="zh-CN" baseline="0" dirty="0" err="1"/>
@@ -2133,7 +2175,7 @@
             </a:r>
             <a:r>
               <a:rPr lang="en-US" altLang="zh-CN" baseline="0" dirty="0"/>
-              <a:t> and UAV is based on SPI bus.  Also our protocol is based on this bus. The HL will send big package about </a:t>
+              <a:t> and UAV is here, it’s based on SPI bus. The HL will send big package about </a:t>
             </a:r>
             <a:r>
               <a:rPr lang="en-US" altLang="zh-CN" baseline="0" dirty="0" err="1"/>
@@ -2153,12 +2195,46 @@
             </a:r>
           </a:p>
           <a:p>
-            <a:pPr defTabSz="990572">
+            <a:pPr marL="0" marR="0" lvl="0" indent="0" algn="l" defTabSz="914400" rtl="0" eaLnBrk="1" fontAlgn="auto" latinLnBrk="0" hangingPunct="1">
+              <a:lnSpc>
+                <a:spcPct val="100000"/>
+              </a:lnSpc>
+              <a:spcBef>
+                <a:spcPts val="0"/>
+              </a:spcBef>
+              <a:spcAft>
+                <a:spcPts val="0"/>
+              </a:spcAft>
+              <a:buClrTx/>
+              <a:buSzTx/>
+              <a:buFontTx/>
+              <a:buNone/>
+              <a:tabLst/>
               <a:defRPr/>
             </a:pPr>
+            <a:endParaRPr lang="en-US" altLang="zh-CN" baseline="0" dirty="0"/>
+          </a:p>
+          <a:p>
+            <a:pPr marL="0" marR="0" lvl="0" indent="0" algn="l" defTabSz="914400" rtl="0" eaLnBrk="1" fontAlgn="auto" latinLnBrk="0" hangingPunct="1">
+              <a:lnSpc>
+                <a:spcPct val="100000"/>
+              </a:lnSpc>
+              <a:spcBef>
+                <a:spcPts val="0"/>
+              </a:spcBef>
+              <a:spcAft>
+                <a:spcPts val="0"/>
+              </a:spcAft>
+              <a:buClrTx/>
+              <a:buSzTx/>
+              <a:buFontTx/>
+              <a:buNone/>
+              <a:tabLst/>
+              <a:defRPr/>
+            </a:pPr>
             <a:r>
               <a:rPr lang="en-US" altLang="zh-CN" baseline="0" dirty="0"/>
-              <a:t>Pure Communication is easy between empty </a:t>
+              <a:t>Pure SPI Communication is easy between empty </a:t>
             </a:r>
             <a:r>
               <a:rPr lang="en-US" altLang="zh-CN" baseline="0" dirty="0" err="1"/>
@@ -2166,16 +2242,54 @@
             </a:r>
             <a:r>
               <a:rPr lang="en-US" altLang="zh-CN" baseline="0" dirty="0"/>
-              <a:t>. But now the logic in both sides is very complicated, the design of protocol must concern those parts. To avoid interference of program running we use interrupted based communication.</a:t>
-            </a:r>
-          </a:p>
-          <a:p>
-            <a:pPr defTabSz="990572">
+              <a:t>. But actually the control logic in both sides is very complicated, the design of protocol must concern those parts. To communicate efficiently, we use interrupt based communication. Also we have many requirements introduced in last slide to </a:t>
+            </a:r>
+            <a:r>
+              <a:rPr lang="en-US" altLang="zh-CN" baseline="0" dirty="0" err="1"/>
+              <a:t>fullfill</a:t>
+            </a:r>
+            <a:r>
+              <a:rPr lang="en-US" altLang="zh-CN" baseline="0" dirty="0"/>
+              <a:t>, error detection or </a:t>
+            </a:r>
+            <a:r>
+              <a:rPr lang="en-US" altLang="zh-CN" baseline="0" dirty="0" err="1"/>
+              <a:t>expandale</a:t>
+            </a:r>
+            <a:r>
+              <a:rPr lang="en-US" altLang="zh-CN" baseline="0" dirty="0"/>
+              <a:t> like those.</a:t>
+            </a:r>
+          </a:p>
+          <a:p>
+            <a:pPr marL="0" marR="0" lvl="0" indent="0" algn="l" defTabSz="914400" rtl="0" eaLnBrk="1" fontAlgn="auto" latinLnBrk="0" hangingPunct="1">
+              <a:lnSpc>
+                <a:spcPct val="100000"/>
+              </a:lnSpc>
+              <a:spcBef>
+                <a:spcPts val="0"/>
+              </a:spcBef>
+              <a:spcAft>
+                <a:spcPts val="0"/>
+              </a:spcAft>
+              <a:buClrTx/>
+              <a:buSzTx/>
+              <a:buFontTx/>
+              <a:buNone/>
+              <a:tabLst/>
               <a:defRPr/>
             </a:pPr>
             <a:r>
-              <a:rPr lang="en-US" baseline="0" dirty="0"/>
-              <a:t>For more details,…</a:t>
+              <a:rPr lang="en-US" altLang="zh-CN" baseline="0" dirty="0"/>
+              <a:t>For details of protocol </a:t>
+            </a:r>
+            <a:r>
+              <a:rPr lang="en-US" altLang="zh-CN" baseline="0" dirty="0" err="1"/>
+              <a:t>analyse</a:t>
+            </a:r>
+            <a:r>
+              <a:rPr lang="en-US" altLang="zh-CN" baseline="0" dirty="0"/>
+              <a:t>,…</a:t>
             </a:r>
             <a:endParaRPr dirty="0"/>
           </a:p>
@@ -4054,80 +4168,96 @@
           <a:bodyPr lIns="0" tIns="0" rIns="0" bIns="0"/>
           <a:lstStyle/>
           <a:p>
-            <a:pPr marL="309554" indent="-309554">
+            <a:pPr marL="285750" indent="-285750">
               <a:buFont typeface="Arial" panose="020B0604020202020204" pitchFamily="34" charset="0"/>
               <a:buChar char="•"/>
             </a:pPr>
             <a:r>
-              <a:rPr dirty="0"/>
+              <a:rPr lang="en-GB" dirty="0"/>
               <a:t>In order to evaluate a communication protocol, there are basically four criterion. Conformity shows whether the protocol meets the demand of the design specification. Interoperability means whether the protocol compatible is when implemented in other microcontroller. </a:t>
             </a:r>
           </a:p>
           <a:p>
-            <a:pPr marL="309554" indent="-309554">
+            <a:pPr marL="285750" indent="-285750">
               <a:buFont typeface="Arial" panose="020B0604020202020204" pitchFamily="34" charset="0"/>
               <a:buChar char="•"/>
             </a:pPr>
             <a:r>
-              <a:rPr dirty="0"/>
+              <a:rPr lang="en-GB" dirty="0"/>
               <a:t>In our project are </a:t>
             </a:r>
             <a:r>
-              <a:rPr dirty="0" err="1"/>
+              <a:rPr lang="en-GB" dirty="0" err="1"/>
               <a:t>focoused</a:t>
             </a:r>
             <a:r>
-              <a:rPr dirty="0"/>
+              <a:rPr lang="en-GB" dirty="0"/>
               <a:t> on the existing HLP and </a:t>
             </a:r>
             <a:r>
-              <a:rPr dirty="0" err="1"/>
+              <a:rPr lang="en-GB" dirty="0" err="1"/>
               <a:t>Nucleo</a:t>
             </a:r>
             <a:r>
-              <a:rPr dirty="0"/>
+              <a:rPr lang="en-GB" dirty="0"/>
               <a:t>, so the </a:t>
             </a:r>
             <a:r>
-              <a:rPr dirty="0" err="1"/>
+              <a:rPr lang="en-GB" dirty="0" err="1"/>
               <a:t>follwing</a:t>
             </a:r>
             <a:r>
-              <a:rPr dirty="0"/>
-              <a:t> last two criterion: Performance and robust of the protocol are more important and will be tested. The Performance will show how fast using this protocol </a:t>
-            </a:r>
-            <a:r>
-              <a:rPr lang="en-US" altLang="en-US" dirty="0"/>
+              <a:rPr lang="en-GB" dirty="0"/>
+              <a:t> last two criterion: Performance and robust</a:t>
+            </a:r>
+            <a:r>
+              <a:rPr lang="en-GB" altLang="" dirty="0"/>
+              <a:t>ness</a:t>
+            </a:r>
+            <a:r>
+              <a:rPr lang="en-GB" dirty="0"/>
+              <a:t> of the protocol are more important and will be tested. The Performance will show how fast using this protocol </a:t>
+            </a:r>
+            <a:r>
+              <a:rPr lang="en-GB" altLang="en-US" dirty="0"/>
               <a:t>transmission </a:t>
             </a:r>
             <a:r>
-              <a:rPr dirty="0"/>
-              <a:t>information. and for Robust means under some influence factors, to what extend will the performance be affected. </a:t>
-            </a:r>
-          </a:p>
-          <a:p>
-            <a:pPr marL="309554" indent="-309554">
+              <a:rPr lang="en-GB" dirty="0"/>
+              <a:t>information. and for Robust</a:t>
+            </a:r>
+            <a:r>
+              <a:rPr lang="en-GB" altLang="" dirty="0"/>
+              <a:t>ness</a:t>
+            </a:r>
+            <a:r>
+              <a:rPr lang="en-GB" dirty="0"/>
+              <a:t> means under some influence factors, to what extend will the performance be affected. </a:t>
+            </a:r>
+          </a:p>
+          <a:p>
+            <a:pPr marL="285750" indent="-285750">
               <a:buFont typeface="Arial" panose="020B0604020202020204" pitchFamily="34" charset="0"/>
               <a:buChar char="•"/>
             </a:pPr>
             <a:r>
-              <a:rPr dirty="0"/>
+              <a:rPr lang="en-GB" dirty="0"/>
               <a:t>In our </a:t>
             </a:r>
             <a:r>
-              <a:rPr dirty="0" err="1"/>
-              <a:t>caces</a:t>
-            </a:r>
-            <a:r>
-              <a:rPr dirty="0"/>
+              <a:rPr lang="en-GB" dirty="0" err="1"/>
+              <a:t>cace</a:t>
+            </a:r>
+            <a:r>
+              <a:rPr lang="en-GB" dirty="0"/>
               <a:t> there are mainly </a:t>
             </a:r>
             <a:r>
-              <a:rPr lang="en-US" altLang="en-US" dirty="0"/>
+              <a:rPr lang="en-GB" altLang="en-US" dirty="0"/>
               <a:t>4</a:t>
             </a:r>
             <a:r>
-              <a:rPr dirty="0"/>
+              <a:rPr lang="en-GB" dirty="0"/>
               <a:t> factors could affect protocol's performance.</a:t>
             </a:r>
           </a:p>
@@ -4321,77 +4451,139 @@
           <a:bodyPr lIns="0" tIns="0" rIns="0" bIns="0"/>
           <a:lstStyle/>
           <a:p>
-            <a:pPr marL="309554" indent="-309554">
+            <a:pPr marL="285750" indent="-285750">
               <a:buFont typeface="Arial" panose="020B0604020202020204" pitchFamily="34" charset="0"/>
               <a:buChar char="•"/>
             </a:pPr>
             <a:r>
-              <a:t>For testing </a:t>
-            </a:r>
-            <a:r>
-              <a:rPr lang="en-US" altLang="en-US"/>
-              <a:t>reasons </a:t>
-            </a:r>
-            <a:r>
-              <a:t>there are </a:t>
-            </a:r>
-            <a:r>
-              <a:rPr lang="en-US" altLang="en-US"/>
-              <a:t>several</a:t>
-            </a:r>
-            <a:r>
-              <a:t> </a:t>
-            </a:r>
-            <a:r>
-              <a:rPr lang="en-US" altLang="en-US"/>
-              <a:t>s</a:t>
-            </a:r>
-            <a:r>
-              <a:t>ituation need to </a:t>
-            </a:r>
-            <a:r>
-              <a:rPr lang="en-US" altLang="en-US"/>
-              <a:t>be </a:t>
-            </a:r>
-            <a:r>
-              <a:t>considered</a:t>
-            </a:r>
-            <a:r>
-              <a:rPr lang="en-US" altLang="en-US"/>
-              <a:t>. Onec one side receive a packet, it will be unpack it and compare the checksum, with the compare result the protocol can accept or reject this message. During our test, we send a fixed message, so that we can see if the accepted packet are truely correct or not.</a:t>
-            </a:r>
-          </a:p>
-          <a:p>
-            <a:pPr marL="309554" indent="-309554">
+              <a:rPr lang="en-GB" altLang="" dirty="0"/>
+              <a:t>To test the performance of the protocol, we use the debug instrument so we have access to the test results. And in order to reduce the influence of the debug instrument, we just run debug mode on the </a:t>
+            </a:r>
+            <a:r>
+              <a:rPr lang="en-GB" altLang="" dirty="0" err="1"/>
+              <a:t>Nucleo</a:t>
+            </a:r>
+            <a:r>
+              <a:rPr lang="en-GB" altLang="" dirty="0"/>
+              <a:t> side. So </a:t>
+            </a:r>
+            <a:r>
+              <a:rPr lang="en-GB" altLang="" dirty="0" err="1"/>
+              <a:t>Nucleo</a:t>
+            </a:r>
+            <a:r>
+              <a:rPr lang="en-GB" altLang="" dirty="0"/>
+              <a:t> send a predefined  message to the HLP. The protocol on HLP unpacks this message and compare the checksum. If the checksum is correct and the protocol accept this packet. And if we compare the accepted packet with the predefined one, we'll see if it's </a:t>
+            </a:r>
+            <a:r>
+              <a:rPr lang="en-GB" altLang="" dirty="0" err="1"/>
+              <a:t>truely</a:t>
+            </a:r>
+            <a:r>
+              <a:rPr lang="en-GB" altLang="" dirty="0"/>
+              <a:t> correct or not. Then the HLP packs these test result and another predefined message and send to the </a:t>
+            </a:r>
+            <a:r>
+              <a:rPr lang="en-GB" altLang="" dirty="0" err="1"/>
+              <a:t>Nucleo</a:t>
+            </a:r>
+            <a:r>
+              <a:rPr lang="en-GB" altLang="" dirty="0"/>
+              <a:t>. After a same unpack and detect process, we can see the test results of both sides.</a:t>
+            </a:r>
+          </a:p>
+          <a:p>
+            <a:pPr marL="285750" indent="-285750">
               <a:buFont typeface="Arial" panose="020B0604020202020204" pitchFamily="34" charset="0"/>
               <a:buChar char="•"/>
             </a:pPr>
             <a:r>
-              <a:rPr lang="en-US" altLang="en-US"/>
-              <a:t>For the best situation, is that </a:t>
-            </a:r>
-            <a:r>
-              <a:rPr lang="en-US" altLang="zh-CN">
+              <a:rPr lang="en-GB" altLang="" dirty="0"/>
+              <a:t>T</a:t>
+            </a:r>
+            <a:r>
+              <a:rPr lang="en-GB" dirty="0"/>
+              <a:t>here are </a:t>
+            </a:r>
+            <a:r>
+              <a:rPr lang="en-GB" altLang="en-US" dirty="0"/>
+              <a:t>several</a:t>
+            </a:r>
+            <a:r>
+              <a:rPr lang="en-GB" dirty="0"/>
+              <a:t> </a:t>
+            </a:r>
+            <a:r>
+              <a:rPr lang="en-GB" altLang="en-US" dirty="0"/>
+              <a:t>s</a:t>
+            </a:r>
+            <a:r>
+              <a:rPr lang="en-GB" dirty="0"/>
+              <a:t>ituation need to </a:t>
+            </a:r>
+            <a:r>
+              <a:rPr lang="en-GB" altLang="en-US" dirty="0"/>
+              <a:t>be </a:t>
+            </a:r>
+            <a:r>
+              <a:rPr lang="en-GB" dirty="0"/>
+              <a:t>considered</a:t>
+            </a:r>
+            <a:r>
+              <a:rPr lang="en-GB" altLang="en-US" dirty="0"/>
+              <a:t>. For the best situation, is that </a:t>
+            </a:r>
+            <a:r>
+              <a:rPr lang="en-GB" altLang="zh-CN" dirty="0">
                 <a:solidFill>
                   <a:srgbClr val="D0D8E8"/>
                 </a:solidFill>
                 <a:sym typeface="+mn-ea"/>
               </a:rPr>
-              <a:t>protocol accepts the packet and in fact the packet is also ture.</a:t>
-            </a:r>
-            <a:r>
-              <a:rPr lang="en-US" altLang="en-US"/>
-              <a:t>In this case we can say the protocol works correctly and consider it as a success transmisson.</a:t>
-            </a:r>
-          </a:p>
-          <a:p>
-            <a:pPr marL="309554" indent="-309554">
+              <a:t>protocol accepts one packet and in fact the packet is also </a:t>
+            </a:r>
+            <a:r>
+              <a:rPr lang="en-GB" altLang="zh-CN" dirty="0" err="1">
+                <a:solidFill>
+                  <a:srgbClr val="D0D8E8"/>
+                </a:solidFill>
+                <a:sym typeface="+mn-ea"/>
+              </a:rPr>
+              <a:t>true.</a:t>
+            </a:r>
+            <a:r>
+              <a:rPr lang="en-GB" altLang="en-US" dirty="0" err="1"/>
+              <a:t>In</a:t>
+            </a:r>
+            <a:r>
+              <a:rPr lang="en-GB" altLang="en-US" dirty="0"/>
+              <a:t> this case we can say the protocol works correctly and consider it as a success </a:t>
+            </a:r>
+            <a:r>
+              <a:rPr lang="en-GB" altLang="en-US" dirty="0" err="1"/>
+              <a:t>transmisson</a:t>
+            </a:r>
+            <a:r>
+              <a:rPr lang="en-GB" altLang="en-US" dirty="0"/>
+              <a:t>.</a:t>
+            </a:r>
+          </a:p>
+          <a:p>
+            <a:pPr marL="285750" indent="-285750">
               <a:buFont typeface="Arial" panose="020B0604020202020204" pitchFamily="34" charset="0"/>
               <a:buChar char="•"/>
             </a:pPr>
             <a:r>
-              <a:rPr lang="en-US" altLang="en-US"/>
-              <a:t>And the worst situation is... because the accepted packet will be further processed, and if a wrong control command is sended to the UAV, it could lead to maybe an accident.</a:t>
+              <a:rPr lang="en-GB" altLang="en-US" dirty="0"/>
+              <a:t>And the worst situation is... because the accepted packet will be further processed, and if a wrong control command is </a:t>
+            </a:r>
+            <a:r>
+              <a:rPr lang="en-GB" altLang="en-US" dirty="0" err="1"/>
+              <a:t>sended</a:t>
+            </a:r>
+            <a:r>
+              <a:rPr lang="en-GB" altLang="en-US" dirty="0"/>
+              <a:t> to the UAV, it could lead to maybe an accident fall.</a:t>
             </a:r>
           </a:p>
         </p:txBody>
@@ -10861,7 +11053,7 @@
         <p:spPr>
           <a:xfrm>
             <a:off x="358920" y="1620000"/>
-            <a:ext cx="8047355" cy="4647426"/>
+            <a:ext cx="8047355" cy="4832092"/>
           </a:xfrm>
           <a:prstGeom prst="rect">
             <a:avLst/>
@@ -11148,6 +11340,44 @@
             <a:r>
               <a:rPr lang="fr-FR" sz="1600" dirty="0"/>
               <a:t>Transactions on Communications Vol. 30, 1982.</a:t>
+            </a:r>
+          </a:p>
+          <a:p>
+            <a:r>
+              <a:rPr lang="fr-FR" altLang="zh-CN" sz="1600" dirty="0">
+                <a:sym typeface="+mn-ea"/>
+              </a:rPr>
+              <a:t>[10] </a:t>
+            </a:r>
+            <a:r>
+              <a:rPr lang="fr-FR" altLang="zh-CN" sz="1600" i="1" dirty="0" err="1">
+                <a:sym typeface="+mn-ea"/>
+              </a:rPr>
+              <a:t>AscTec</a:t>
+            </a:r>
+            <a:r>
+              <a:rPr lang="fr-FR" altLang="zh-CN" sz="1600" i="1" dirty="0">
+                <a:sym typeface="+mn-ea"/>
+              </a:rPr>
+              <a:t> </a:t>
+            </a:r>
+            <a:r>
+              <a:rPr lang="fr-FR" altLang="zh-CN" sz="1600" i="1" dirty="0" err="1">
+                <a:sym typeface="+mn-ea"/>
+              </a:rPr>
+              <a:t>Research</a:t>
+            </a:r>
+            <a:r>
+              <a:rPr lang="fr-FR" altLang="zh-CN" sz="1600" i="1" dirty="0">
+                <a:sym typeface="+mn-ea"/>
+              </a:rPr>
+              <a:t> Home</a:t>
+            </a:r>
+            <a:r>
+              <a:rPr lang="fr-FR" altLang="zh-CN" sz="1600" dirty="0">
+                <a:sym typeface="+mn-ea"/>
+              </a:rPr>
+              <a:t>, http://wiki.asctec.de/display/AR/AscTec+Firefly, 23.06.18 </a:t>
             </a:r>
             <a:endParaRPr lang="en-US" altLang="zh-CN" sz="2000" dirty="0">
               <a:sym typeface="+mn-ea"/>

--- a/data/presentation/PS_presentation_FINAL.pptx
+++ b/data/presentation/PS_presentation_FINAL.pptx
@@ -131,6 +131,61 @@
 </p:presentation>
 </file>
 
+<file path=ppt/commentAuthors.xml><?xml version="1.0" encoding="utf-8"?>
+<p:cmAuthorLst xmlns:a="http://schemas.openxmlformats.org/drawingml/2006/main" xmlns:r="http://schemas.openxmlformats.org/officeDocument/2006/relationships" xmlns:p="http://schemas.openxmlformats.org/presentationml/2006/main">
+  <p:cmAuthor id="1" name="胡致远" initials="胡致远" lastIdx="1" clrIdx="0">
+    <p:extLst>
+      <p:ext uri="{19B8F6BF-5375-455C-9EA6-DF929625EA0E}">
+        <p15:presenceInfo xmlns:p15="http://schemas.microsoft.com/office/powerpoint/2012/main" userId="S-1-5-21-2937385856-2552247400-3965800779-1001" providerId="AD"/>
+      </p:ext>
+    </p:extLst>
+  </p:cmAuthor>
+</p:cmAuthorLst>
+</file>
+
+<file path=ppt/revisionInfo.xml><?xml version="1.0" encoding="utf-8"?>
+<p1510:revInfo xmlns:a="http://schemas.openxmlformats.org/drawingml/2006/main" xmlns:r="http://schemas.openxmlformats.org/officeDocument/2006/relationships" xmlns:p1510="http://schemas.microsoft.com/office/powerpoint/2015/10/main">
+  <p1510:revLst>
+    <p1510:client id="{B3AD717C-97B0-4D4B-871B-4287EFFBC403}" v="341" dt="2018-07-12T10:44:10.234"/>
+  </p1510:revLst>
+</p1510:revInfo>
+</file>
+
+<file path=ppt/changesInfos/changesInfo1.xml><?xml version="1.0" encoding="utf-8"?>
+<pc:chgInfo xmlns:a="http://schemas.openxmlformats.org/drawingml/2006/main" xmlns:r="http://schemas.openxmlformats.org/officeDocument/2006/relationships" xmlns:ac="http://schemas.microsoft.com/office/drawing/2013/main/command" xmlns:pc="http://schemas.microsoft.com/office/powerpoint/2013/main/command">
+  <pc:docChgLst>
+    <pc:chgData name="胡致远" userId="5fd9f598-0ecb-4824-861b-95129491ae0b" providerId="ADAL" clId="{B3AD717C-97B0-4D4B-871B-4287EFFBC403}"/>
+    <pc:docChg chg="custSel modSld">
+      <pc:chgData name="胡致远" userId="5fd9f598-0ecb-4824-861b-95129491ae0b" providerId="ADAL" clId="{B3AD717C-97B0-4D4B-871B-4287EFFBC403}" dt="2018-07-12T10:20:16.227" v="328" actId="20577"/>
+      <pc:docMkLst>
+        <pc:docMk/>
+      </pc:docMkLst>
+      <pc:sldChg chg="modNotesTx">
+        <pc:chgData name="胡致远" userId="5fd9f598-0ecb-4824-861b-95129491ae0b" providerId="ADAL" clId="{B3AD717C-97B0-4D4B-871B-4287EFFBC403}" dt="2018-07-12T10:20:16.227" v="328" actId="20577"/>
+        <pc:sldMkLst>
+          <pc:docMk/>
+          <pc:sldMk cId="100935333" sldId="259"/>
+        </pc:sldMkLst>
+      </pc:sldChg>
+    </pc:docChg>
+  </pc:docChgLst>
+</pc:chgInfo>
+</file>
+
+<file path=ppt/comments/comment1.xml><?xml version="1.0" encoding="utf-8"?>
+<p:cmLst xmlns:a="http://schemas.openxmlformats.org/drawingml/2006/main" xmlns:r="http://schemas.openxmlformats.org/officeDocument/2006/relationships" xmlns:p="http://schemas.openxmlformats.org/presentationml/2006/main">
+  <p:cm authorId="1" dt="2018-07-12T14:47:21.678" idx="1">
+    <p:pos x="10" y="10"/>
+    <p:text/>
+    <p:extLst>
+      <p:ext uri="{C676402C-5697-4E1C-873F-D02D1690AC5C}">
+        <p15:threadingInfo xmlns:p15="http://schemas.microsoft.com/office/powerpoint/2012/main" timeZoneBias="-120"/>
+      </p:ext>
+    </p:extLst>
+  </p:cm>
+</p:cmLst>
+</file>
+
 <file path=ppt/notesMasters/notesMaster1.xml><?xml version="1.0" encoding="utf-8"?>
 <p:notesMaster xmlns:a="http://schemas.openxmlformats.org/drawingml/2006/main" xmlns:r="http://schemas.openxmlformats.org/officeDocument/2006/relationships" xmlns:p="http://schemas.openxmlformats.org/presentationml/2006/main">
   <p:cSld>
@@ -314,7 +369,7 @@
               <a:rPr lang="de-DE" sz="1400">
                 <a:latin typeface="Times New Roman"/>
               </a:rPr>
-              <a:t>‹Nr.›</a:t>
+              <a:t>‹#›</a:t>
             </a:fld>
             <a:endParaRPr/>
           </a:p>
@@ -437,169 +492,81 @@
       </p:grpSpPr>
       <p:sp>
         <p:nvSpPr>
-          <p:cNvPr id="106" name="PlaceHolder 1"/>
+          <p:cNvPr id="2" name="幻灯片图像占位符 1"/>
+          <p:cNvSpPr>
+            <a:spLocks noGrp="1" noRot="1" noChangeAspect="1"/>
+          </p:cNvSpPr>
+          <p:nvPr>
+            <p:ph type="sldImg"/>
+          </p:nvPr>
+        </p:nvSpPr>
+        <p:spPr>
+          <a:xfrm>
+            <a:off x="1249363" y="1279525"/>
+            <a:ext cx="4606925" cy="3454400"/>
+          </a:xfrm>
+          <a:prstGeom prst="rect">
+            <a:avLst/>
+          </a:prstGeom>
+          <a:noFill/>
+          <a:ln w="12700">
+            <a:solidFill>
+              <a:prstClr val="black"/>
+            </a:solidFill>
+          </a:ln>
+        </p:spPr>
+      </p:sp>
+      <p:sp>
+        <p:nvSpPr>
+          <p:cNvPr id="3" name="备注占位符 2"/>
           <p:cNvSpPr>
             <a:spLocks noGrp="1"/>
           </p:cNvSpPr>
           <p:nvPr>
-            <p:ph type="body"/>
+            <p:ph type="body" idx="1"/>
           </p:nvPr>
         </p:nvSpPr>
-        <p:spPr>
-          <a:xfrm>
-            <a:off x="197275" y="4795766"/>
-            <a:ext cx="6708771" cy="4792940"/>
-          </a:xfrm>
-          <a:prstGeom prst="rect">
-            <a:avLst/>
-          </a:prstGeom>
-        </p:spPr>
+        <p:spPr/>
         <p:txBody>
-          <a:bodyPr lIns="0" tIns="0" rIns="0" bIns="0"/>
+          <a:bodyPr/>
           <a:lstStyle/>
           <a:p>
-            <a:endParaRPr/>
+            <a:endParaRPr lang="zh-CN" altLang="en-US" dirty="0"/>
           </a:p>
         </p:txBody>
       </p:sp>
       <p:sp>
         <p:nvSpPr>
-          <p:cNvPr id="107" name="CustomShape 2"/>
-          <p:cNvSpPr/>
-          <p:nvPr/>
+          <p:cNvPr id="4" name="灯片编号占位符 3"/>
+          <p:cNvSpPr>
+            <a:spLocks noGrp="1"/>
+          </p:cNvSpPr>
+          <p:nvPr>
+            <p:ph type="sldNum" idx="10"/>
+          </p:nvPr>
         </p:nvSpPr>
-        <p:spPr>
-          <a:xfrm>
-            <a:off x="195784" y="9721271"/>
-            <a:ext cx="1676633" cy="510926"/>
-          </a:xfrm>
-          <a:prstGeom prst="rect">
-            <a:avLst/>
-          </a:prstGeom>
-          <a:noFill/>
-          <a:ln>
-            <a:noFill/>
-          </a:ln>
-        </p:spPr>
+        <p:spPr/>
         <p:txBody>
-          <a:bodyPr lIns="97497" tIns="48749" rIns="97497" bIns="48749" anchor="ctr"/>
+          <a:bodyPr/>
           <a:lstStyle/>
           <a:p>
-            <a:pPr>
-              <a:lnSpc>
-                <a:spcPts val="175"/>
-              </a:lnSpc>
-            </a:pPr>
-            <a:r>
-              <a:rPr lang="de-DE" sz="1000">
-                <a:solidFill>
-                  <a:srgbClr val="000000"/>
-                </a:solidFill>
-                <a:latin typeface="Stafford"/>
+            <a:pPr algn="r"/>
+            <a:fld id="{155B5BBB-525B-4A1E-9F31-CE196A4F41BE}" type="slidenum">
+              <a:rPr lang="de-DE" sz="1400" smtClean="0">
+                <a:latin typeface="Times New Roman"/>
               </a:rPr>
-              <a:t>15.06.16</a:t>
-            </a:r>
-            <a:endParaRPr/>
-          </a:p>
-        </p:txBody>
-      </p:sp>
-      <p:sp>
-        <p:nvSpPr>
-          <p:cNvPr id="108" name="CustomShape 3"/>
-          <p:cNvSpPr/>
-          <p:nvPr/>
-        </p:nvSpPr>
-        <p:spPr>
-          <a:xfrm>
-            <a:off x="1873162" y="9721271"/>
-            <a:ext cx="4251996" cy="510926"/>
-          </a:xfrm>
-          <a:prstGeom prst="rect">
-            <a:avLst/>
-          </a:prstGeom>
-          <a:noFill/>
-          <a:ln>
-            <a:noFill/>
-          </a:ln>
-        </p:spPr>
-        <p:txBody>
-          <a:bodyPr lIns="97497" tIns="48749" rIns="97497" bIns="48749" anchor="ctr"/>
-          <a:lstStyle/>
-          <a:p>
-            <a:pPr>
-              <a:lnSpc>
-                <a:spcPts val="175"/>
-              </a:lnSpc>
-            </a:pPr>
-            <a:r>
-              <a:rPr lang="de-DE" sz="1000">
-                <a:solidFill>
-                  <a:srgbClr val="000000"/>
-                </a:solidFill>
-                <a:latin typeface="Stafford"/>
-              </a:rPr>
-              <a:t>|  </a:t>
-            </a:r>
-            <a:endParaRPr/>
-          </a:p>
-        </p:txBody>
-      </p:sp>
-      <p:sp>
-        <p:nvSpPr>
-          <p:cNvPr id="109" name="CustomShape 4"/>
-          <p:cNvSpPr/>
-          <p:nvPr/>
-        </p:nvSpPr>
-        <p:spPr>
-          <a:xfrm>
-            <a:off x="6125531" y="9721271"/>
-            <a:ext cx="975922" cy="510926"/>
-          </a:xfrm>
-          <a:prstGeom prst="rect">
-            <a:avLst/>
-          </a:prstGeom>
-          <a:noFill/>
-          <a:ln>
-            <a:noFill/>
-          </a:ln>
-        </p:spPr>
-        <p:txBody>
-          <a:bodyPr lIns="97497" tIns="48749" rIns="97497" bIns="48749" anchor="ctr"/>
-          <a:lstStyle/>
-          <a:p>
-            <a:pPr algn="r">
-              <a:lnSpc>
-                <a:spcPts val="175"/>
-              </a:lnSpc>
-            </a:pPr>
-            <a:r>
-              <a:rPr lang="de-DE" sz="1000">
-                <a:solidFill>
-                  <a:srgbClr val="000000"/>
-                </a:solidFill>
-                <a:latin typeface="Stafford"/>
-              </a:rPr>
-              <a:t>|  </a:t>
-            </a:r>
-            <a:fld id="{D8028492-1C9F-4E94-B585-9AAA12DBFDAA}" type="slidenum">
-              <a:rPr lang="de-DE" sz="1000">
-                <a:solidFill>
-                  <a:srgbClr val="000000"/>
-                </a:solidFill>
-                <a:latin typeface="Stafford"/>
-              </a:rPr>
-              <a:pPr algn="r">
-                <a:lnSpc>
-                  <a:spcPts val="175"/>
-                </a:lnSpc>
-              </a:pPr>
-              <a:t>2</a:t>
+              <a:t>1</a:t>
             </a:fld>
-            <a:endParaRPr/>
+            <a:endParaRPr lang="de-DE"/>
           </a:p>
         </p:txBody>
       </p:sp>
     </p:spTree>
+    <p:extLst>
+      <p:ext uri="{BB962C8B-B14F-4D97-AF65-F5344CB8AC3E}">
+        <p14:creationId xmlns:p14="http://schemas.microsoft.com/office/powerpoint/2010/main" val="2013516878"/>
+      </p:ext>
+    </p:extLst>
   </p:cSld>
   <p:clrMapOvr>
     <a:masterClrMapping/>
@@ -647,77 +614,183 @@
           <a:bodyPr lIns="0" tIns="0" rIns="0" bIns="0"/>
           <a:lstStyle/>
           <a:p>
-            <a:r>
-              <a:rPr lang="en-US" altLang="en-US" dirty="0"/>
-              <a:t>And here is the test result for the side </a:t>
-            </a:r>
-            <a:r>
-              <a:rPr lang="en-US" altLang="en-US" dirty="0" err="1"/>
+            <a:pPr marL="285750" indent="-285750">
+              <a:buFont typeface="Arial" panose="020B0604020202020204" pitchFamily="34" charset="0"/>
+              <a:buChar char="•"/>
+            </a:pPr>
+            <a:r>
+              <a:rPr lang="en-GB" altLang="en-US" dirty="0"/>
+              <a:t>To test the performance of the protocol, we use the debug instrument so we have access to the test results. And in order to reduce the influence of the debug instrument, we just run debug mode on the </a:t>
+            </a:r>
+            <a:r>
+              <a:rPr lang="en-GB" altLang="en-US" dirty="0" err="1"/>
               <a:t>Nucleo</a:t>
             </a:r>
             <a:r>
-              <a:rPr lang="en-US" altLang="en-US" dirty="0"/>
-              <a:t> receiving. As we can see is, higher </a:t>
-            </a:r>
-            <a:r>
-              <a:rPr lang="en-US" altLang="en-US" dirty="0" err="1"/>
-              <a:t>pracket</a:t>
-            </a:r>
-            <a:r>
-              <a:rPr lang="en-US" altLang="en-US" dirty="0"/>
-              <a:t> rate will cause the </a:t>
-            </a:r>
-            <a:r>
-              <a:rPr lang="en-US" altLang="en-US" dirty="0" err="1"/>
-              <a:t>successrate</a:t>
-            </a:r>
-            <a:r>
-              <a:rPr lang="en-US" altLang="en-US" dirty="0"/>
-              <a:t> drop. And compare two different SPI speed, we can find the 4MHz have a little higher </a:t>
-            </a:r>
-            <a:r>
-              <a:rPr lang="en-US" altLang="en-US" dirty="0" err="1"/>
-              <a:t>successrate</a:t>
-            </a:r>
-            <a:r>
-              <a:rPr lang="en-US" altLang="en-US" dirty="0"/>
-              <a:t>.  So according to this picture, we find the “sweet spot” for the best performance of our protocol, which is at 500Hz packet rate and 4MHz SPI </a:t>
-            </a:r>
-            <a:r>
-              <a:rPr lang="en-US" altLang="en-US" dirty="0" err="1"/>
-              <a:t>speed.And</a:t>
-            </a:r>
-            <a:r>
-              <a:rPr lang="en-US" altLang="en-US" dirty="0"/>
-              <a:t> for the HLP receiving, the </a:t>
-            </a:r>
-            <a:r>
-              <a:rPr lang="en-US" altLang="en-US" dirty="0">
+              <a:rPr lang="en-GB" altLang="en-US" dirty="0"/>
+              <a:t> side. So </a:t>
+            </a:r>
+            <a:r>
+              <a:rPr lang="en-US" altLang="en-GB" dirty="0"/>
+              <a:t>how it actually work? </a:t>
+            </a:r>
+            <a:r>
+              <a:rPr lang="en-GB" altLang="en-US" dirty="0" err="1"/>
+              <a:t>Nucleo</a:t>
+            </a:r>
+            <a:r>
+              <a:rPr lang="en-GB" altLang="en-US" dirty="0"/>
+              <a:t> send a predefined message to the HLP. The protocol on HLP unpacks this message and compare the checksum. If the checksum is correct </a:t>
+            </a:r>
+            <a:r>
+              <a:rPr lang="en-US" altLang="en-GB" dirty="0"/>
+              <a:t>then </a:t>
+            </a:r>
+            <a:r>
+              <a:rPr lang="en-GB" altLang="en-US" dirty="0"/>
+              <a:t>the protocol accept</a:t>
+            </a:r>
+            <a:r>
+              <a:rPr lang="en-US" altLang="en-GB" dirty="0"/>
+              <a:t>s</a:t>
+            </a:r>
+            <a:r>
+              <a:rPr lang="en-GB" altLang="en-US" dirty="0"/>
+              <a:t> this packet. And if we compare the accepted packet with the predefined one, we'll see if </a:t>
+            </a:r>
+            <a:r>
+              <a:rPr lang="en-US" altLang="en-GB" dirty="0"/>
+              <a:t>this accepted packet are</a:t>
+            </a:r>
+            <a:r>
+              <a:rPr lang="en-GB" altLang="en-US" dirty="0"/>
+              <a:t> </a:t>
+            </a:r>
+            <a:r>
+              <a:rPr lang="en-GB" altLang="en-US" dirty="0" err="1"/>
+              <a:t>truely</a:t>
+            </a:r>
+            <a:r>
+              <a:rPr lang="en-GB" altLang="en-US" dirty="0"/>
+              <a:t> correct or not. Then the HLP packs these test result and another predefined message and send </a:t>
+            </a:r>
+            <a:r>
+              <a:rPr lang="en-US" altLang="en-GB" dirty="0"/>
+              <a:t>them</a:t>
+            </a:r>
+            <a:r>
+              <a:rPr lang="en-GB" altLang="en-US" dirty="0"/>
+              <a:t> </a:t>
+            </a:r>
+            <a:r>
+              <a:rPr lang="en-US" altLang="en-GB" dirty="0"/>
+              <a:t>back </a:t>
+            </a:r>
+            <a:r>
+              <a:rPr lang="en-GB" altLang="en-US" dirty="0"/>
+              <a:t>to the </a:t>
+            </a:r>
+            <a:r>
+              <a:rPr lang="en-GB" altLang="en-US" dirty="0" err="1"/>
+              <a:t>Nucleo</a:t>
+            </a:r>
+            <a:r>
+              <a:rPr lang="en-GB" altLang="en-US" dirty="0"/>
+              <a:t>. After a same unpack and detect process, we can see the test results of both sides.</a:t>
+            </a:r>
+          </a:p>
+          <a:p>
+            <a:pPr marL="285750" indent="-285750">
+              <a:buFont typeface="Arial" panose="020B0604020202020204" pitchFamily="34" charset="0"/>
+              <a:buChar char="•"/>
+            </a:pPr>
+            <a:r>
+              <a:rPr lang="en-GB" altLang="en-US" dirty="0"/>
+              <a:t>T</a:t>
+            </a:r>
+            <a:r>
+              <a:rPr lang="en-GB" altLang="zh-CN" dirty="0"/>
+              <a:t>here are </a:t>
+            </a:r>
+            <a:r>
+              <a:rPr lang="en-GB" altLang="en-US" dirty="0"/>
+              <a:t>several</a:t>
+            </a:r>
+            <a:r>
+              <a:rPr lang="en-GB" altLang="zh-CN" dirty="0"/>
+              <a:t> </a:t>
+            </a:r>
+            <a:r>
+              <a:rPr lang="en-GB" altLang="en-US" dirty="0"/>
+              <a:t>s</a:t>
+            </a:r>
+            <a:r>
+              <a:rPr lang="en-GB" altLang="zh-CN" dirty="0"/>
+              <a:t>ituation need to </a:t>
+            </a:r>
+            <a:r>
+              <a:rPr lang="en-GB" altLang="en-US" dirty="0"/>
+              <a:t>be </a:t>
+            </a:r>
+            <a:r>
+              <a:rPr lang="en-GB" altLang="zh-CN" dirty="0"/>
+              <a:t>considered</a:t>
+            </a:r>
+            <a:r>
+              <a:rPr lang="en-GB" altLang="en-US" dirty="0"/>
+              <a:t>. For the best situation, is that </a:t>
+            </a:r>
+            <a:r>
+              <a:rPr lang="en-GB" altLang="zh-CN" dirty="0">
+                <a:solidFill>
+                  <a:srgbClr val="D0D8E8"/>
+                </a:solidFill>
                 <a:sym typeface="+mn-ea"/>
               </a:rPr>
-              <a:t>test </a:t>
-            </a:r>
-            <a:r>
-              <a:rPr lang="en-US" altLang="en-US" dirty="0" err="1">
+              <a:t>protocol accepts one packet and in fact the packet is also </a:t>
+            </a:r>
+            <a:r>
+              <a:rPr lang="en-GB" altLang="zh-CN" dirty="0" err="1">
+                <a:solidFill>
+                  <a:srgbClr val="D0D8E8"/>
+                </a:solidFill>
                 <a:sym typeface="+mn-ea"/>
               </a:rPr>
-              <a:t>result</a:t>
-            </a:r>
-            <a:r>
-              <a:rPr lang="en-US" altLang="en-US" dirty="0" err="1"/>
-              <a:t>is</a:t>
-            </a:r>
-            <a:r>
-              <a:rPr lang="en-US" altLang="en-US" dirty="0"/>
-              <a:t> is similar as </a:t>
-            </a:r>
-            <a:r>
-              <a:rPr lang="en-US" altLang="en-US" dirty="0" err="1"/>
-              <a:t>Nucleo</a:t>
-            </a:r>
-            <a:r>
-              <a:rPr lang="en-US" altLang="en-US" dirty="0"/>
+              <a:t>true.</a:t>
+            </a:r>
+            <a:r>
+              <a:rPr lang="en-GB" altLang="en-US" dirty="0" err="1"/>
+              <a:t>In</a:t>
+            </a:r>
+            <a:r>
+              <a:rPr lang="en-GB" altLang="en-US" dirty="0"/>
+              <a:t> this case we can say the protocol works correctly and consider it as a success </a:t>
+            </a:r>
+            <a:r>
+              <a:rPr lang="en-GB" altLang="en-US" dirty="0" err="1"/>
+              <a:t>transmisson</a:t>
+            </a:r>
+            <a:r>
+              <a:rPr lang="en-GB" altLang="en-US" dirty="0"/>
               <a:t>.</a:t>
+            </a:r>
+          </a:p>
+          <a:p>
+            <a:pPr marL="285750" indent="-285750">
+              <a:buFont typeface="Arial" panose="020B0604020202020204" pitchFamily="34" charset="0"/>
+              <a:buChar char="•"/>
+            </a:pPr>
+            <a:r>
+              <a:rPr lang="en-GB" altLang="en-US" dirty="0"/>
+              <a:t>And the worst situation is... because the accepted packet will be further processed, and if a wrong control command is </a:t>
+            </a:r>
+            <a:r>
+              <a:rPr lang="en-GB" altLang="en-US" dirty="0" err="1"/>
+              <a:t>sended</a:t>
+            </a:r>
+            <a:r>
+              <a:rPr lang="en-GB" altLang="en-US" dirty="0"/>
+              <a:t> to the UAV, it could lead to maybe an accident fall.</a:t>
             </a:r>
           </a:p>
         </p:txBody>
@@ -851,7 +924,7 @@
                   <a:spcPts val="173"/>
                 </a:lnSpc>
               </a:pPr>
-              <a:t>11</a:t>
+              <a:t>10</a:t>
             </a:fld>
             <a:endParaRPr lang="de-DE" sz="1000">
               <a:solidFill>
@@ -889,7 +962,7 @@
       </p:grpSpPr>
       <p:sp>
         <p:nvSpPr>
-          <p:cNvPr id="110" name="PlaceHolder 1"/>
+          <p:cNvPr id="106" name="PlaceHolder 1"/>
           <p:cNvSpPr>
             <a:spLocks noGrp="1"/>
           </p:cNvSpPr>
@@ -910,13 +983,9 @@
           <a:bodyPr lIns="0" tIns="0" rIns="0" bIns="0"/>
           <a:lstStyle/>
           <a:p>
-            <a:pPr marL="309554" indent="-309554">
-              <a:buFont typeface="Arial" panose="020B0604020202020204" pitchFamily="34" charset="0"/>
-              <a:buChar char="•"/>
-            </a:pPr>
             <a:r>
               <a:rPr lang="en-US" altLang="en-US" dirty="0"/>
-              <a:t>so now we have a tested protocol, which guarantees a reliable and fast enough packet exchange speed. After we implement our protocol in both HLP and </a:t>
+              <a:t>And here is the test result for the side </a:t>
             </a:r>
             <a:r>
               <a:rPr lang="en-US" altLang="en-US" dirty="0" err="1"/>
@@ -924,7 +993,59 @@
             </a:r>
             <a:r>
               <a:rPr lang="en-US" altLang="en-US" dirty="0"/>
-              <a:t>, we can send all sensor data through the HLP to the high-performance </a:t>
+              <a:t> receiving. As we can see is, higher </a:t>
+            </a:r>
+            <a:r>
+              <a:rPr lang="en-US" altLang="en-US" dirty="0" err="1"/>
+              <a:t>pracket</a:t>
+            </a:r>
+            <a:r>
+              <a:rPr lang="en-US" altLang="en-US" dirty="0"/>
+              <a:t> rate will cause the </a:t>
+            </a:r>
+            <a:r>
+              <a:rPr lang="en-US" altLang="en-US" dirty="0" err="1"/>
+              <a:t>successrate</a:t>
+            </a:r>
+            <a:r>
+              <a:rPr lang="en-US" altLang="en-US" dirty="0"/>
+              <a:t> drop. And compare two different SPI speed, we can find the 4MHz have a little higher </a:t>
+            </a:r>
+            <a:r>
+              <a:rPr lang="en-US" altLang="en-US" dirty="0" err="1"/>
+              <a:t>successrate</a:t>
+            </a:r>
+            <a:r>
+              <a:rPr lang="en-US" altLang="en-US" dirty="0"/>
+              <a:t>.  So according to this picture, we find the “sweet spot” for the best performance of our protocol, which is at 500Hz packet rate and 4MHz SPI </a:t>
+            </a:r>
+            <a:r>
+              <a:rPr lang="en-US" altLang="en-US" dirty="0" err="1"/>
+              <a:t>speed.And</a:t>
+            </a:r>
+            <a:r>
+              <a:rPr lang="en-US" altLang="en-US" dirty="0"/>
+              <a:t> for the HLP receiving, the </a:t>
+            </a:r>
+            <a:r>
+              <a:rPr lang="en-US" altLang="en-US" dirty="0">
+                <a:sym typeface="+mn-ea"/>
+              </a:rPr>
+              <a:t>test </a:t>
+            </a:r>
+            <a:r>
+              <a:rPr lang="en-US" altLang="en-US" dirty="0" err="1">
+                <a:sym typeface="+mn-ea"/>
+              </a:rPr>
+              <a:t>result</a:t>
+            </a:r>
+            <a:r>
+              <a:rPr lang="en-US" altLang="en-US" dirty="0" err="1"/>
+              <a:t>is</a:t>
+            </a:r>
+            <a:r>
+              <a:rPr lang="en-US" altLang="en-US" dirty="0"/>
+              <a:t> is similar as </a:t>
             </a:r>
             <a:r>
               <a:rPr lang="en-US" altLang="en-US" dirty="0" err="1"/>
@@ -934,128 +1055,12 @@
               <a:rPr lang="en-US" altLang="en-US" dirty="0"/>
               <a:t>.</a:t>
             </a:r>
-          </a:p>
-          <a:p>
-            <a:pPr marL="309554" indent="-309554">
-              <a:buFont typeface="Arial" panose="020B0604020202020204" pitchFamily="34" charset="0"/>
-              <a:buChar char="•"/>
-            </a:pPr>
-            <a:r>
-              <a:rPr lang="en-US" altLang="en-US" dirty="0"/>
-              <a:t>consider the error packet in our case will be </a:t>
-            </a:r>
-            <a:r>
-              <a:rPr lang="en-US" altLang="en-US" dirty="0" err="1"/>
-              <a:t>direcktly</a:t>
-            </a:r>
-            <a:r>
-              <a:rPr lang="en-US" altLang="en-US" dirty="0"/>
-              <a:t> </a:t>
-            </a:r>
-            <a:r>
-              <a:rPr lang="en-US" altLang="en-US" dirty="0" err="1"/>
-              <a:t>droped</a:t>
-            </a:r>
-            <a:r>
-              <a:rPr lang="en-US" altLang="en-US" dirty="0"/>
-              <a:t>, at a given SPI speed the protocol can reach ideally 500Hz </a:t>
-            </a:r>
-            <a:r>
-              <a:rPr lang="en-US" altLang="zh-CN" dirty="0">
-                <a:sym typeface="+mn-ea"/>
-              </a:rPr>
-              <a:t>packet exchange rate. </a:t>
-            </a:r>
-          </a:p>
-          <a:p>
-            <a:pPr marL="309554" indent="-309554">
-              <a:buFont typeface="Arial" panose="020B0604020202020204" pitchFamily="34" charset="0"/>
-              <a:buChar char="•"/>
-            </a:pPr>
-            <a:r>
-              <a:rPr lang="en-US" altLang="zh-CN" dirty="0">
-                <a:sym typeface="+mn-ea"/>
-              </a:rPr>
-              <a:t>Although we still </a:t>
-            </a:r>
-            <a:r>
-              <a:rPr lang="en-US" altLang="zh-CN" dirty="0" err="1">
-                <a:sym typeface="+mn-ea"/>
-              </a:rPr>
-              <a:t>dont</a:t>
-            </a:r>
-            <a:r>
-              <a:rPr lang="en-US" altLang="zh-CN" dirty="0">
-                <a:sym typeface="+mn-ea"/>
-              </a:rPr>
-              <a:t> test, to implement our </a:t>
-            </a:r>
-            <a:r>
-              <a:rPr lang="en-US" altLang="zh-CN" dirty="0" err="1">
-                <a:sym typeface="+mn-ea"/>
-              </a:rPr>
-              <a:t>procotol</a:t>
-            </a:r>
-            <a:r>
-              <a:rPr lang="en-US" altLang="zh-CN" dirty="0">
-                <a:sym typeface="+mn-ea"/>
-              </a:rPr>
-              <a:t> in the real control situation of the UAV, we are not sure the real performance of the protocol. Future work can be based on this protocol, which allows to implement </a:t>
-            </a:r>
-            <a:r>
-              <a:rPr lang="en-US" altLang="zh-CN" dirty="0" err="1">
-                <a:sym typeface="+mn-ea"/>
-              </a:rPr>
-              <a:t>komplex</a:t>
-            </a:r>
-            <a:r>
-              <a:rPr lang="en-US" altLang="zh-CN" dirty="0">
-                <a:sym typeface="+mn-ea"/>
-              </a:rPr>
-              <a:t> control algorithm on the </a:t>
-            </a:r>
-            <a:r>
-              <a:rPr lang="en-US" altLang="zh-CN" dirty="0" err="1">
-                <a:sym typeface="+mn-ea"/>
-              </a:rPr>
-              <a:t>Nucleo</a:t>
-            </a:r>
-            <a:r>
-              <a:rPr lang="en-US" altLang="zh-CN" dirty="0">
-                <a:sym typeface="+mn-ea"/>
-              </a:rPr>
-              <a:t> and integrate additional sensors to improve the control performance.</a:t>
-            </a:r>
-          </a:p>
-          <a:p>
-            <a:pPr marL="309554" indent="-309554">
-              <a:buFont typeface="Arial" panose="020B0604020202020204" pitchFamily="34" charset="0"/>
-              <a:buChar char="•"/>
-            </a:pPr>
-            <a:endParaRPr lang="en-US" altLang="en-US" dirty="0"/>
-          </a:p>
-          <a:p>
-            <a:pPr marL="309554" indent="-309554">
-              <a:buFont typeface="Arial" panose="020B0604020202020204" pitchFamily="34" charset="0"/>
-              <a:buChar char="•"/>
-            </a:pPr>
-            <a:endParaRPr lang="en-US" altLang="en-US" dirty="0"/>
-          </a:p>
-          <a:p>
-            <a:pPr marL="309554" indent="-309554">
-              <a:buFont typeface="Arial" panose="020B0604020202020204" pitchFamily="34" charset="0"/>
-              <a:buChar char="•"/>
-            </a:pPr>
-            <a:endParaRPr lang="en-US" altLang="en-US" dirty="0"/>
-          </a:p>
-          <a:p>
-            <a:endParaRPr lang="en-US" altLang="en-US" dirty="0"/>
           </a:p>
         </p:txBody>
       </p:sp>
       <p:sp>
         <p:nvSpPr>
-          <p:cNvPr id="111" name="CustomShape 2"/>
+          <p:cNvPr id="107" name="CustomShape 2"/>
           <p:cNvSpPr/>
           <p:nvPr/>
         </p:nvSpPr>
@@ -1095,7 +1100,7 @@
       </p:sp>
       <p:sp>
         <p:nvSpPr>
-          <p:cNvPr id="112" name="CustomShape 3"/>
+          <p:cNvPr id="108" name="CustomShape 3"/>
           <p:cNvSpPr/>
           <p:nvPr/>
         </p:nvSpPr>
@@ -1135,7 +1140,7 @@
       </p:sp>
       <p:sp>
         <p:nvSpPr>
-          <p:cNvPr id="113" name="CustomShape 4"/>
+          <p:cNvPr id="109" name="CustomShape 4"/>
           <p:cNvSpPr/>
           <p:nvPr/>
         </p:nvSpPr>
@@ -1170,7 +1175,7 @@
               </a:rPr>
               <a:t>|  </a:t>
             </a:r>
-            <a:fld id="{0BD78692-C88F-4214-A934-7F5547F1CA4D}" type="slidenum">
+            <a:fld id="{D8028492-1C9F-4E94-B585-9AAA12DBFDAA}" type="slidenum">
               <a:rPr lang="de-DE" sz="1000">
                 <a:solidFill>
                   <a:srgbClr val="000000"/>
@@ -1182,7 +1187,7 @@
                   <a:spcPts val="173"/>
                 </a:lnSpc>
               </a:pPr>
-              <a:t>12</a:t>
+              <a:t>11</a:t>
             </a:fld>
             <a:endParaRPr lang="de-DE" sz="1000">
               <a:solidFill>
@@ -1241,9 +1246,364 @@
           <a:bodyPr lIns="0" tIns="0" rIns="0" bIns="0"/>
           <a:lstStyle/>
           <a:p>
-            <a:r>
-              <a:rPr lang="en-US" altLang="en-US"/>
-              <a:t>high performence, analyse the existed system, program a protocol, during design face some problem like padding, at last we finish the protocol and according to some test have determined the performens of the protocol.   With this already in HLP and Nucleo implemented protocol we can now...And of cause there are still improvement space for our protocol, like use CRC16 as the </a:t>
+            <a:pPr marL="309245" indent="-309245">
+              <a:buFont typeface="Arial" panose="020B0604020202020204" pitchFamily="34" charset="0"/>
+              <a:buChar char="•"/>
+            </a:pPr>
+            <a:r>
+              <a:rPr lang="en-US" altLang="en-US" dirty="0"/>
+              <a:t>so now we have a tested protocol, which guarantees a reliable and fast enough packet exchange speed. After we implement our protocol in both HLP and </a:t>
+            </a:r>
+            <a:r>
+              <a:rPr lang="en-US" altLang="en-US" dirty="0" err="1"/>
+              <a:t>Nucleo</a:t>
+            </a:r>
+            <a:r>
+              <a:rPr lang="en-US" altLang="en-US" dirty="0"/>
+              <a:t>, we can send all sensor data through the HLP to the high-performance </a:t>
+            </a:r>
+            <a:r>
+              <a:rPr lang="en-US" altLang="en-US" dirty="0" err="1"/>
+              <a:t>Nucleo</a:t>
+            </a:r>
+            <a:r>
+              <a:rPr lang="en-US" altLang="en-US" dirty="0"/>
+              <a:t>.</a:t>
+            </a:r>
+          </a:p>
+          <a:p>
+            <a:pPr marL="309245" indent="-309245">
+              <a:buFont typeface="Arial" panose="020B0604020202020204" pitchFamily="34" charset="0"/>
+              <a:buChar char="•"/>
+            </a:pPr>
+            <a:r>
+              <a:rPr lang="en-US" altLang="zh-CN" dirty="0">
+                <a:sym typeface="+mn-ea"/>
+              </a:rPr>
+              <a:t>This protocol can </a:t>
+            </a:r>
+            <a:r>
+              <a:rPr lang="en-US" altLang="zh-CN" dirty="0" err="1">
+                <a:sym typeface="+mn-ea"/>
+              </a:rPr>
+              <a:t>achive</a:t>
+            </a:r>
+            <a:r>
+              <a:rPr lang="en-US" altLang="zh-CN" dirty="0">
+                <a:sym typeface="+mn-ea"/>
+              </a:rPr>
+              <a:t> 500Hz packet rate, due to the use of checksum, we have a reliable error detection. It reserve expandable possibility by small effort and the success rate can be further improved</a:t>
+            </a:r>
+          </a:p>
+          <a:p>
+            <a:pPr marL="309245" indent="-309245">
+              <a:buFont typeface="Arial" panose="020B0604020202020204" pitchFamily="34" charset="0"/>
+              <a:buChar char="•"/>
+            </a:pPr>
+            <a:r>
+              <a:rPr lang="en-US" altLang="zh-CN" dirty="0">
+                <a:sym typeface="+mn-ea"/>
+              </a:rPr>
+              <a:t>Although we still </a:t>
+            </a:r>
+            <a:r>
+              <a:rPr lang="en-US" altLang="zh-CN" dirty="0" err="1">
+                <a:sym typeface="+mn-ea"/>
+              </a:rPr>
+              <a:t>dont</a:t>
+            </a:r>
+            <a:r>
+              <a:rPr lang="en-US" altLang="zh-CN" dirty="0">
+                <a:sym typeface="+mn-ea"/>
+              </a:rPr>
+              <a:t> test, to implement our </a:t>
+            </a:r>
+            <a:r>
+              <a:rPr lang="en-US" altLang="zh-CN" dirty="0" err="1">
+                <a:sym typeface="+mn-ea"/>
+              </a:rPr>
+              <a:t>procotol</a:t>
+            </a:r>
+            <a:r>
+              <a:rPr lang="en-US" altLang="zh-CN" dirty="0">
+                <a:sym typeface="+mn-ea"/>
+              </a:rPr>
+              <a:t> in the real control situation of the UAV, we are not sure the real performance of the protocol. Future work can be based on this protocol, which allows to implement </a:t>
+            </a:r>
+            <a:r>
+              <a:rPr lang="en-US" altLang="zh-CN" dirty="0" err="1">
+                <a:sym typeface="+mn-ea"/>
+              </a:rPr>
+              <a:t>komplex</a:t>
+            </a:r>
+            <a:r>
+              <a:rPr lang="en-US" altLang="zh-CN" dirty="0">
+                <a:sym typeface="+mn-ea"/>
+              </a:rPr>
+              <a:t> control algorithm on the </a:t>
+            </a:r>
+            <a:r>
+              <a:rPr lang="en-US" altLang="zh-CN" dirty="0" err="1">
+                <a:sym typeface="+mn-ea"/>
+              </a:rPr>
+              <a:t>Nucleo</a:t>
+            </a:r>
+            <a:r>
+              <a:rPr lang="en-US" altLang="zh-CN" dirty="0">
+                <a:sym typeface="+mn-ea"/>
+              </a:rPr>
+              <a:t> and integrate additional sensors to improve the control performance.</a:t>
+            </a:r>
+          </a:p>
+          <a:p>
+            <a:pPr marL="309245" indent="-309245">
+              <a:buFont typeface="Arial" panose="020B0604020202020204" pitchFamily="34" charset="0"/>
+              <a:buChar char="•"/>
+            </a:pPr>
+            <a:endParaRPr lang="en-US" altLang="en-US" dirty="0"/>
+          </a:p>
+          <a:p>
+            <a:pPr marL="309245" indent="-309245">
+              <a:buFont typeface="Arial" panose="020B0604020202020204" pitchFamily="34" charset="0"/>
+              <a:buChar char="•"/>
+            </a:pPr>
+            <a:endParaRPr lang="en-US" altLang="en-US" dirty="0"/>
+          </a:p>
+          <a:p>
+            <a:pPr marL="309245" indent="-309245">
+              <a:buFont typeface="Arial" panose="020B0604020202020204" pitchFamily="34" charset="0"/>
+              <a:buChar char="•"/>
+            </a:pPr>
+            <a:endParaRPr lang="en-US" altLang="en-US" dirty="0"/>
+          </a:p>
+          <a:p>
+            <a:endParaRPr lang="en-US" altLang="en-US" dirty="0"/>
+          </a:p>
+        </p:txBody>
+      </p:sp>
+      <p:sp>
+        <p:nvSpPr>
+          <p:cNvPr id="111" name="CustomShape 2"/>
+          <p:cNvSpPr/>
+          <p:nvPr/>
+        </p:nvSpPr>
+        <p:spPr>
+          <a:xfrm>
+            <a:off x="195784" y="9721271"/>
+            <a:ext cx="1676633" cy="510926"/>
+          </a:xfrm>
+          <a:prstGeom prst="rect">
+            <a:avLst/>
+          </a:prstGeom>
+          <a:noFill/>
+          <a:ln>
+            <a:noFill/>
+          </a:ln>
+        </p:spPr>
+        <p:txBody>
+          <a:bodyPr lIns="97497" tIns="48749" rIns="97497" bIns="48749" anchor="ctr"/>
+          <a:lstStyle/>
+          <a:p>
+            <a:pPr>
+              <a:lnSpc>
+                <a:spcPts val="173"/>
+              </a:lnSpc>
+            </a:pPr>
+            <a:r>
+              <a:rPr lang="de-DE" sz="1000">
+                <a:solidFill>
+                  <a:srgbClr val="000000"/>
+                </a:solidFill>
+                <a:latin typeface="Stafford"/>
+              </a:rPr>
+              <a:t>15.06.16</a:t>
+            </a:r>
+          </a:p>
+        </p:txBody>
+      </p:sp>
+      <p:sp>
+        <p:nvSpPr>
+          <p:cNvPr id="112" name="CustomShape 3"/>
+          <p:cNvSpPr/>
+          <p:nvPr/>
+        </p:nvSpPr>
+        <p:spPr>
+          <a:xfrm>
+            <a:off x="1873162" y="9721271"/>
+            <a:ext cx="4251996" cy="510926"/>
+          </a:xfrm>
+          <a:prstGeom prst="rect">
+            <a:avLst/>
+          </a:prstGeom>
+          <a:noFill/>
+          <a:ln>
+            <a:noFill/>
+          </a:ln>
+        </p:spPr>
+        <p:txBody>
+          <a:bodyPr lIns="97497" tIns="48749" rIns="97497" bIns="48749" anchor="ctr"/>
+          <a:lstStyle/>
+          <a:p>
+            <a:pPr>
+              <a:lnSpc>
+                <a:spcPts val="173"/>
+              </a:lnSpc>
+            </a:pPr>
+            <a:r>
+              <a:rPr lang="de-DE" sz="1000">
+                <a:solidFill>
+                  <a:srgbClr val="000000"/>
+                </a:solidFill>
+                <a:latin typeface="Stafford"/>
+              </a:rPr>
+              <a:t>|  </a:t>
+            </a:r>
+          </a:p>
+        </p:txBody>
+      </p:sp>
+      <p:sp>
+        <p:nvSpPr>
+          <p:cNvPr id="113" name="CustomShape 4"/>
+          <p:cNvSpPr/>
+          <p:nvPr/>
+        </p:nvSpPr>
+        <p:spPr>
+          <a:xfrm>
+            <a:off x="6125531" y="9721271"/>
+            <a:ext cx="975922" cy="510926"/>
+          </a:xfrm>
+          <a:prstGeom prst="rect">
+            <a:avLst/>
+          </a:prstGeom>
+          <a:noFill/>
+          <a:ln>
+            <a:noFill/>
+          </a:ln>
+        </p:spPr>
+        <p:txBody>
+          <a:bodyPr lIns="97497" tIns="48749" rIns="97497" bIns="48749" anchor="ctr"/>
+          <a:lstStyle/>
+          <a:p>
+            <a:pPr algn="r">
+              <a:lnSpc>
+                <a:spcPts val="173"/>
+              </a:lnSpc>
+            </a:pPr>
+            <a:r>
+              <a:rPr lang="de-DE" sz="1000">
+                <a:solidFill>
+                  <a:srgbClr val="000000"/>
+                </a:solidFill>
+                <a:latin typeface="Stafford"/>
+              </a:rPr>
+              <a:t>|  </a:t>
+            </a:r>
+            <a:fld id="{0BD78692-C88F-4214-A934-7F5547F1CA4D}" type="slidenum">
+              <a:rPr lang="de-DE" sz="1000">
+                <a:solidFill>
+                  <a:srgbClr val="000000"/>
+                </a:solidFill>
+                <a:latin typeface="Stafford"/>
+              </a:rPr>
+              <a:pPr algn="r">
+                <a:lnSpc>
+                  <a:spcPts val="173"/>
+                </a:lnSpc>
+              </a:pPr>
+              <a:t>12</a:t>
+            </a:fld>
+            <a:endParaRPr lang="de-DE" sz="1000">
+              <a:solidFill>
+                <a:srgbClr val="000000"/>
+              </a:solidFill>
+              <a:latin typeface="Stafford"/>
+            </a:endParaRPr>
+          </a:p>
+        </p:txBody>
+      </p:sp>
+    </p:spTree>
+  </p:cSld>
+  <p:clrMapOvr>
+    <a:masterClrMapping/>
+  </p:clrMapOvr>
+</p:notes>
+</file>
+
+<file path=ppt/notesSlides/notesSlide13.xml><?xml version="1.0" encoding="utf-8"?>
+<p:notes xmlns:a="http://schemas.openxmlformats.org/drawingml/2006/main" xmlns:r="http://schemas.openxmlformats.org/officeDocument/2006/relationships" xmlns:p="http://schemas.openxmlformats.org/presentationml/2006/main">
+  <p:cSld>
+    <p:spTree>
+      <p:nvGrpSpPr>
+        <p:cNvPr id="1" name=""/>
+        <p:cNvGrpSpPr/>
+        <p:nvPr/>
+      </p:nvGrpSpPr>
+      <p:grpSpPr>
+        <a:xfrm>
+          <a:off x="0" y="0"/>
+          <a:ext cx="0" cy="0"/>
+          <a:chOff x="0" y="0"/>
+          <a:chExt cx="0" cy="0"/>
+        </a:xfrm>
+      </p:grpSpPr>
+      <p:sp>
+        <p:nvSpPr>
+          <p:cNvPr id="110" name="PlaceHolder 1"/>
+          <p:cNvSpPr>
+            <a:spLocks noGrp="1"/>
+          </p:cNvSpPr>
+          <p:nvPr>
+            <p:ph type="body"/>
+          </p:nvPr>
+        </p:nvSpPr>
+        <p:spPr>
+          <a:xfrm>
+            <a:off x="197275" y="4795766"/>
+            <a:ext cx="6708771" cy="4792940"/>
+          </a:xfrm>
+          <a:prstGeom prst="rect">
+            <a:avLst/>
+          </a:prstGeom>
+        </p:spPr>
+        <p:txBody>
+          <a:bodyPr lIns="0" tIns="0" rIns="0" bIns="0"/>
+          <a:lstStyle/>
+          <a:p>
+            <a:r>
+              <a:rPr lang="en-US" altLang="en-US" dirty="0"/>
+              <a:t>high </a:t>
+            </a:r>
+            <a:r>
+              <a:rPr lang="en-US" altLang="en-US" dirty="0" err="1"/>
+              <a:t>performence</a:t>
+            </a:r>
+            <a:r>
+              <a:rPr lang="en-US" altLang="en-US" dirty="0"/>
+              <a:t>, </a:t>
+            </a:r>
+            <a:r>
+              <a:rPr lang="en-US" altLang="en-US" dirty="0" err="1"/>
+              <a:t>analyse</a:t>
+            </a:r>
+            <a:r>
+              <a:rPr lang="en-US" altLang="en-US" dirty="0"/>
+              <a:t> the existed system, program a protocol, during design face some problem like padding, at last we finish the protocol and according to some test have determined the </a:t>
+            </a:r>
+            <a:r>
+              <a:rPr lang="en-US" altLang="en-US" dirty="0" err="1"/>
+              <a:t>performens</a:t>
+            </a:r>
+            <a:r>
+              <a:rPr lang="en-US" altLang="en-US" dirty="0"/>
+              <a:t> of the protocol.   With this already in HLP and </a:t>
+            </a:r>
+            <a:r>
+              <a:rPr lang="en-US" altLang="en-US" dirty="0" err="1"/>
+              <a:t>Nucleo</a:t>
+            </a:r>
+            <a:r>
+              <a:rPr lang="en-US" altLang="en-US" dirty="0"/>
+              <a:t> implemented protocol we can now...And of cause there are still improvement space for our protocol, like use CRC16 as the </a:t>
             </a:r>
           </a:p>
         </p:txBody>
@@ -1415,7 +1775,7 @@
       </p:grpSpPr>
       <p:sp>
         <p:nvSpPr>
-          <p:cNvPr id="110" name="PlaceHolder 1"/>
+          <p:cNvPr id="106" name="PlaceHolder 1"/>
           <p:cNvSpPr>
             <a:spLocks noGrp="1"/>
           </p:cNvSpPr>
@@ -1436,357 +1796,13 @@
           <a:bodyPr lIns="0" tIns="0" rIns="0" bIns="0"/>
           <a:lstStyle/>
           <a:p>
-            <a:r>
-              <a:rPr lang="en-US" altLang="zh-CN" sz="1200" b="0" i="0" kern="1200" dirty="0">
-                <a:solidFill>
-                  <a:schemeClr val="tx1"/>
-                </a:solidFill>
-                <a:effectLst/>
-                <a:latin typeface="+mn-lt"/>
-                <a:ea typeface="+mn-ea"/>
-                <a:cs typeface="+mn-cs"/>
-              </a:rPr>
-              <a:t>Actually, our project belongs to a bigger project about implementing </a:t>
-            </a:r>
-            <a:r>
-              <a:rPr lang="en-US" altLang="zh-CN" sz="1200" b="0" i="0" kern="1200" dirty="0" err="1">
-                <a:solidFill>
-                  <a:schemeClr val="tx1"/>
-                </a:solidFill>
-                <a:effectLst/>
-                <a:latin typeface="+mn-lt"/>
-                <a:ea typeface="+mn-ea"/>
-                <a:cs typeface="+mn-cs"/>
-              </a:rPr>
-              <a:t>Sensorfusion</a:t>
-            </a:r>
-            <a:r>
-              <a:rPr lang="en-US" altLang="zh-CN" sz="1200" b="0" i="0" kern="1200" dirty="0">
-                <a:solidFill>
-                  <a:schemeClr val="tx1"/>
-                </a:solidFill>
-                <a:effectLst/>
-                <a:latin typeface="+mn-lt"/>
-                <a:ea typeface="+mn-ea"/>
-                <a:cs typeface="+mn-cs"/>
-              </a:rPr>
-              <a:t> algorithm in UAV. UAV means unmanned aerial vehicle, commonly known as a drone.</a:t>
-            </a:r>
-          </a:p>
-          <a:p>
-            <a:endParaRPr lang="en-US" altLang="zh-CN" sz="1200" b="0" i="0" kern="1200" dirty="0">
-              <a:solidFill>
-                <a:schemeClr val="tx1"/>
-              </a:solidFill>
-              <a:effectLst/>
-              <a:latin typeface="+mn-lt"/>
-              <a:ea typeface="+mn-ea"/>
-              <a:cs typeface="+mn-cs"/>
-            </a:endParaRPr>
-          </a:p>
-          <a:p>
-            <a:r>
-              <a:rPr lang="en-US" altLang="zh-CN" sz="1200" b="0" i="0" kern="1200" dirty="0">
-                <a:solidFill>
-                  <a:schemeClr val="tx1"/>
-                </a:solidFill>
-                <a:effectLst/>
-                <a:latin typeface="+mn-lt"/>
-                <a:ea typeface="+mn-ea"/>
-                <a:cs typeface="+mn-cs"/>
-              </a:rPr>
-              <a:t>Theoretically</a:t>
-            </a:r>
-            <a:r>
-              <a:rPr lang="en-US" altLang="zh-CN" sz="1200" b="0" i="0" kern="1200" baseline="0" dirty="0">
-                <a:solidFill>
-                  <a:schemeClr val="tx1"/>
-                </a:solidFill>
-                <a:effectLst/>
-                <a:latin typeface="+mn-lt"/>
-                <a:ea typeface="+mn-ea"/>
-                <a:cs typeface="+mn-cs"/>
-              </a:rPr>
-              <a:t> there are two approaches to implement the algorithm. One is , another is .</a:t>
-            </a:r>
-          </a:p>
-          <a:p>
-            <a:r>
-              <a:rPr lang="en-US" altLang="zh-CN" sz="1200" b="0" i="0" kern="1200" baseline="0" dirty="0">
-                <a:solidFill>
-                  <a:schemeClr val="tx1"/>
-                </a:solidFill>
-                <a:effectLst/>
-                <a:latin typeface="+mn-lt"/>
-                <a:ea typeface="+mn-ea"/>
-                <a:cs typeface="+mn-cs"/>
-              </a:rPr>
-              <a:t>But actually 1. </a:t>
-            </a:r>
-            <a:r>
-              <a:rPr lang="en-US" altLang="zh-CN" sz="1200" b="0" i="0" kern="1200" baseline="0" dirty="0" err="1">
-                <a:solidFill>
-                  <a:schemeClr val="tx1"/>
-                </a:solidFill>
-                <a:effectLst/>
-                <a:latin typeface="+mn-lt"/>
-                <a:ea typeface="+mn-ea"/>
-                <a:cs typeface="+mn-cs"/>
-              </a:rPr>
-              <a:t>aproach</a:t>
-            </a:r>
-            <a:r>
-              <a:rPr lang="en-US" altLang="zh-CN" sz="1200" b="0" i="0" kern="1200" baseline="0" dirty="0">
-                <a:solidFill>
-                  <a:schemeClr val="tx1"/>
-                </a:solidFill>
-                <a:effectLst/>
-                <a:latin typeface="+mn-lt"/>
-                <a:ea typeface="+mn-ea"/>
-                <a:cs typeface="+mn-cs"/>
-              </a:rPr>
-              <a:t> is not realistic. The Processor in UAV </a:t>
-            </a:r>
-            <a:r>
-              <a:rPr lang="en-US" altLang="zh-CN" sz="1200" kern="1200" baseline="0" dirty="0">
-                <a:solidFill>
-                  <a:schemeClr val="tx1"/>
-                </a:solidFill>
-                <a:effectLst/>
-                <a:latin typeface="+mn-lt"/>
-                <a:ea typeface="+mn-ea"/>
-                <a:cs typeface="+mn-cs"/>
-              </a:rPr>
-              <a:t>can not afford the </a:t>
-            </a:r>
-            <a:r>
-              <a:rPr lang="en-US" altLang="zh-CN" sz="1200" b="1" kern="1200" baseline="0" dirty="0">
-                <a:solidFill>
-                  <a:schemeClr val="tx1"/>
-                </a:solidFill>
-                <a:effectLst/>
-                <a:latin typeface="+mn-lt"/>
-                <a:ea typeface="+mn-ea"/>
-                <a:cs typeface="+mn-cs"/>
-              </a:rPr>
-              <a:t>large calculation requirement </a:t>
-            </a:r>
-            <a:r>
-              <a:rPr lang="en-US" altLang="zh-CN" sz="1200" kern="1200" baseline="0" dirty="0">
-                <a:solidFill>
-                  <a:schemeClr val="tx1"/>
-                </a:solidFill>
-                <a:effectLst/>
-                <a:latin typeface="+mn-lt"/>
-                <a:ea typeface="+mn-ea"/>
-                <a:cs typeface="+mn-cs"/>
-              </a:rPr>
-              <a:t>of </a:t>
-            </a:r>
-            <a:r>
-              <a:rPr lang="en-US" altLang="zh-CN" sz="1200" kern="1200" baseline="0" dirty="0" err="1">
-                <a:solidFill>
-                  <a:schemeClr val="tx1"/>
-                </a:solidFill>
-                <a:effectLst/>
-                <a:latin typeface="+mn-lt"/>
-                <a:ea typeface="+mn-ea"/>
-                <a:cs typeface="+mn-cs"/>
-              </a:rPr>
-              <a:t>sensorfusion</a:t>
-            </a:r>
-            <a:r>
-              <a:rPr lang="en-US" altLang="zh-CN" sz="1200" kern="1200" baseline="0" dirty="0">
-                <a:solidFill>
-                  <a:schemeClr val="tx1"/>
-                </a:solidFill>
-                <a:effectLst/>
-                <a:latin typeface="+mn-lt"/>
-                <a:ea typeface="+mn-ea"/>
-                <a:cs typeface="+mn-cs"/>
-              </a:rPr>
-              <a:t>.  </a:t>
-            </a:r>
-          </a:p>
-          <a:p>
-            <a:endParaRPr lang="en-US" altLang="zh-CN" sz="1200" kern="1200" baseline="0" dirty="0">
-              <a:solidFill>
-                <a:schemeClr val="tx1"/>
-              </a:solidFill>
-              <a:effectLst/>
-              <a:latin typeface="+mn-lt"/>
-              <a:ea typeface="+mn-ea"/>
-              <a:cs typeface="+mn-cs"/>
-            </a:endParaRPr>
-          </a:p>
-          <a:p>
-            <a:r>
-              <a:rPr lang="en-US" altLang="zh-CN" sz="1200" kern="1200" baseline="0" dirty="0">
-                <a:solidFill>
-                  <a:schemeClr val="tx1"/>
-                </a:solidFill>
-                <a:effectLst/>
-                <a:latin typeface="+mn-lt"/>
-                <a:ea typeface="+mn-ea"/>
-                <a:cs typeface="+mn-cs"/>
-              </a:rPr>
-              <a:t>For example, processing speed low, memory small, matrix arithmetic not good enough…..  Also, for example, the architecture of processor, the calculation speed, the clock frequency. all of those in the processor of UAV are far not enough for the </a:t>
-            </a:r>
-            <a:r>
-              <a:rPr lang="en-US" altLang="zh-CN" sz="1200" kern="1200" baseline="0" dirty="0" err="1">
-                <a:solidFill>
-                  <a:schemeClr val="tx1"/>
-                </a:solidFill>
-                <a:effectLst/>
-                <a:latin typeface="+mn-lt"/>
-                <a:ea typeface="+mn-ea"/>
-                <a:cs typeface="+mn-cs"/>
-              </a:rPr>
-              <a:t>sensorfusion</a:t>
-            </a:r>
-            <a:r>
-              <a:rPr lang="en-US" altLang="zh-CN" sz="1200" kern="1200" baseline="0" dirty="0">
-                <a:solidFill>
-                  <a:schemeClr val="tx1"/>
-                </a:solidFill>
-                <a:effectLst/>
-                <a:latin typeface="+mn-lt"/>
-                <a:ea typeface="+mn-ea"/>
-                <a:cs typeface="+mn-cs"/>
-              </a:rPr>
-              <a:t> task.</a:t>
-            </a:r>
-          </a:p>
-          <a:p>
-            <a:pPr marL="0" marR="0" lvl="0" indent="0" algn="l" defTabSz="914400" rtl="0" eaLnBrk="1" fontAlgn="auto" latinLnBrk="0" hangingPunct="1">
-              <a:lnSpc>
-                <a:spcPct val="100000"/>
-              </a:lnSpc>
-              <a:spcBef>
-                <a:spcPts val="0"/>
-              </a:spcBef>
-              <a:spcAft>
-                <a:spcPts val="0"/>
-              </a:spcAft>
-              <a:buClrTx/>
-              <a:buSzTx/>
-              <a:buFontTx/>
-              <a:buNone/>
-              <a:tabLst/>
-              <a:defRPr/>
-            </a:pPr>
-            <a:endParaRPr lang="en-US" altLang="zh-CN" sz="1200" kern="1200" baseline="0" dirty="0">
-              <a:solidFill>
-                <a:schemeClr val="tx1"/>
-              </a:solidFill>
-              <a:effectLst/>
-              <a:latin typeface="+mn-lt"/>
-              <a:ea typeface="+mn-ea"/>
-              <a:cs typeface="+mn-cs"/>
-            </a:endParaRPr>
-          </a:p>
-          <a:p>
-            <a:pPr marL="0" marR="0" lvl="0" indent="0" algn="l" defTabSz="914400" rtl="0" eaLnBrk="1" fontAlgn="auto" latinLnBrk="0" hangingPunct="1">
-              <a:lnSpc>
-                <a:spcPct val="100000"/>
-              </a:lnSpc>
-              <a:spcBef>
-                <a:spcPts val="0"/>
-              </a:spcBef>
-              <a:spcAft>
-                <a:spcPts val="0"/>
-              </a:spcAft>
-              <a:buClrTx/>
-              <a:buSzTx/>
-              <a:buFontTx/>
-              <a:buNone/>
-              <a:tabLst/>
-              <a:defRPr/>
-            </a:pPr>
-            <a:r>
-              <a:rPr lang="en-US" altLang="zh-CN" sz="1200" kern="1200" baseline="0" dirty="0">
-                <a:solidFill>
-                  <a:schemeClr val="tx1"/>
-                </a:solidFill>
-                <a:effectLst/>
-                <a:latin typeface="+mn-lt"/>
-                <a:ea typeface="+mn-ea"/>
-                <a:cs typeface="+mn-cs"/>
-              </a:rPr>
-              <a:t>So sensor fusion will be implemented in a new additional powerful specific processor to do so.</a:t>
-            </a:r>
-          </a:p>
-          <a:p>
-            <a:endParaRPr lang="en-US" altLang="zh-CN" sz="1200" kern="1200" baseline="0" dirty="0">
-              <a:solidFill>
-                <a:schemeClr val="tx1"/>
-              </a:solidFill>
-              <a:effectLst/>
-              <a:latin typeface="+mn-lt"/>
-              <a:ea typeface="+mn-ea"/>
-              <a:cs typeface="+mn-cs"/>
-            </a:endParaRPr>
-          </a:p>
-          <a:p>
-            <a:r>
-              <a:rPr lang="en-US" altLang="zh-CN" sz="1200" kern="1200" baseline="0" dirty="0">
-                <a:solidFill>
-                  <a:schemeClr val="tx1"/>
-                </a:solidFill>
-                <a:effectLst/>
-                <a:latin typeface="+mn-lt"/>
-                <a:ea typeface="+mn-ea"/>
-                <a:cs typeface="+mn-cs"/>
-              </a:rPr>
-              <a:t>But this new processor still need to get data from UAV and send the result to UAV.  The communication must be firstly precise guaranteed. </a:t>
-            </a:r>
-          </a:p>
-          <a:p>
-            <a:r>
-              <a:rPr lang="en-US" altLang="zh-CN" sz="1200" kern="1200" baseline="0" dirty="0">
-                <a:solidFill>
-                  <a:schemeClr val="tx1"/>
-                </a:solidFill>
-                <a:effectLst/>
-                <a:latin typeface="+mn-lt"/>
-                <a:ea typeface="+mn-ea"/>
-                <a:cs typeface="+mn-cs"/>
-              </a:rPr>
-              <a:t>So our task is to achieve it. -- …………….  And we need to design protocol to achieve communication.  The communication should fulfil these requirements.</a:t>
-            </a:r>
-            <a:endParaRPr lang="en-US" altLang="zh-CN" sz="1200" kern="1200" dirty="0">
-              <a:solidFill>
-                <a:schemeClr val="tx1"/>
-              </a:solidFill>
-              <a:effectLst/>
-              <a:latin typeface="+mn-lt"/>
-              <a:ea typeface="+mn-ea"/>
-              <a:cs typeface="+mn-cs"/>
-            </a:endParaRPr>
-          </a:p>
-          <a:p>
-            <a:endParaRPr lang="en-US" altLang="zh-CN" dirty="0"/>
-          </a:p>
-          <a:p>
-            <a:r>
-              <a:rPr lang="en-US" altLang="zh-CN" dirty="0"/>
-              <a:t>e.g. The protocol should be easily expandable, so it should be possible to add and remove new sensory by small effort. </a:t>
-            </a:r>
-            <a:endParaRPr lang="en-US" altLang="zh-CN" sz="1200" kern="1200" dirty="0">
-              <a:solidFill>
-                <a:schemeClr val="tx1"/>
-              </a:solidFill>
-              <a:effectLst/>
-              <a:latin typeface="+mn-lt"/>
-              <a:ea typeface="+mn-ea"/>
-              <a:cs typeface="+mn-cs"/>
-            </a:endParaRPr>
+            <a:endParaRPr/>
           </a:p>
         </p:txBody>
       </p:sp>
       <p:sp>
         <p:nvSpPr>
-          <p:cNvPr id="111" name="CustomShape 2"/>
+          <p:cNvPr id="107" name="CustomShape 2"/>
           <p:cNvSpPr/>
           <p:nvPr/>
         </p:nvSpPr>
@@ -1827,7 +1843,7 @@
       </p:sp>
       <p:sp>
         <p:nvSpPr>
-          <p:cNvPr id="112" name="CustomShape 3"/>
+          <p:cNvPr id="108" name="CustomShape 3"/>
           <p:cNvSpPr/>
           <p:nvPr/>
         </p:nvSpPr>
@@ -1868,7 +1884,7 @@
       </p:sp>
       <p:sp>
         <p:nvSpPr>
-          <p:cNvPr id="113" name="CustomShape 4"/>
+          <p:cNvPr id="109" name="CustomShape 4"/>
           <p:cNvSpPr/>
           <p:nvPr/>
         </p:nvSpPr>
@@ -1903,7 +1919,7 @@
               </a:rPr>
               <a:t>|  </a:t>
             </a:r>
-            <a:fld id="{0BD78692-C88F-4214-A934-7F5547F1CA4D}" type="slidenum">
+            <a:fld id="{D8028492-1C9F-4E94-B585-9AAA12DBFDAA}" type="slidenum">
               <a:rPr lang="de-DE" sz="1000">
                 <a:solidFill>
                   <a:srgbClr val="000000"/>
@@ -1915,7 +1931,7 @@
                   <a:spcPts val="175"/>
                 </a:lnSpc>
               </a:pPr>
-              <a:t>3</a:t>
+              <a:t>2</a:t>
             </a:fld>
             <a:endParaRPr/>
           </a:p>
@@ -1970,82 +1986,225 @@
           <a:lstStyle/>
           <a:p>
             <a:r>
-              <a:rPr lang="en-US" altLang="zh-CN" dirty="0"/>
-              <a:t>There</a:t>
-            </a:r>
-            <a:r>
-              <a:rPr lang="en-US" altLang="zh-CN" baseline="0" dirty="0"/>
-              <a:t> are</a:t>
-            </a:r>
-            <a:r>
-              <a:rPr lang="en-US" altLang="zh-CN" dirty="0"/>
-              <a:t> two parts, 1. part</a:t>
-            </a:r>
-            <a:r>
-              <a:rPr lang="en-US" altLang="zh-CN" baseline="0" dirty="0"/>
-              <a:t> is </a:t>
-            </a:r>
-            <a:r>
-              <a:rPr lang="en-US" altLang="zh-CN" dirty="0"/>
-              <a:t>UAV</a:t>
-            </a:r>
-            <a:r>
-              <a:rPr lang="en-US" altLang="zh-CN" baseline="0" dirty="0"/>
-              <a:t> here, second part is additional things. </a:t>
-            </a:r>
-          </a:p>
-          <a:p>
-            <a:endParaRPr lang="en-US" altLang="zh-CN" baseline="0" dirty="0"/>
-          </a:p>
-          <a:p>
-            <a:r>
-              <a:rPr lang="en-US" altLang="zh-CN" baseline="0" dirty="0" err="1"/>
-              <a:t>Nucleo</a:t>
-            </a:r>
-            <a:r>
-              <a:rPr lang="en-US" altLang="zh-CN" baseline="0" dirty="0"/>
-              <a:t> is added to do </a:t>
-            </a:r>
-            <a:r>
-              <a:rPr lang="en-US" altLang="zh-CN" baseline="0" dirty="0" err="1"/>
+              <a:rPr lang="en-US" altLang="zh-CN" sz="1200" b="0" i="0" kern="1200" dirty="0">
+                <a:solidFill>
+                  <a:schemeClr val="tx1"/>
+                </a:solidFill>
+                <a:effectLst/>
+                <a:latin typeface="+mn-lt"/>
+                <a:ea typeface="+mn-ea"/>
+                <a:cs typeface="+mn-cs"/>
+              </a:rPr>
+              <a:t>Actually, our project belongs to a bigger project about implementing </a:t>
+            </a:r>
+            <a:r>
+              <a:rPr lang="en-US" altLang="zh-CN" sz="1200" b="0" i="0" kern="1200" dirty="0" err="1">
+                <a:solidFill>
+                  <a:schemeClr val="tx1"/>
+                </a:solidFill>
+                <a:effectLst/>
+                <a:latin typeface="+mn-lt"/>
+                <a:ea typeface="+mn-ea"/>
+                <a:cs typeface="+mn-cs"/>
+              </a:rPr>
+              <a:t>Sensorfusion</a:t>
+            </a:r>
+            <a:r>
+              <a:rPr lang="en-US" altLang="zh-CN" sz="1200" b="0" i="0" kern="1200" dirty="0">
+                <a:solidFill>
+                  <a:schemeClr val="tx1"/>
+                </a:solidFill>
+                <a:effectLst/>
+                <a:latin typeface="+mn-lt"/>
+                <a:ea typeface="+mn-ea"/>
+                <a:cs typeface="+mn-cs"/>
+              </a:rPr>
+              <a:t> algorithm in UAV. UAV means unmanned aerial vehicle, commonly known as a drone.</a:t>
+            </a:r>
+          </a:p>
+          <a:p>
+            <a:endParaRPr lang="en-US" altLang="zh-CN" sz="1200" b="0" i="0" kern="1200" dirty="0">
+              <a:solidFill>
+                <a:schemeClr val="tx1"/>
+              </a:solidFill>
+              <a:effectLst/>
+              <a:latin typeface="+mn-lt"/>
+              <a:ea typeface="+mn-ea"/>
+              <a:cs typeface="+mn-cs"/>
+            </a:endParaRPr>
+          </a:p>
+          <a:p>
+            <a:r>
+              <a:rPr lang="en-US" altLang="zh-CN" sz="1200" b="0" i="0" kern="1200" dirty="0">
+                <a:solidFill>
+                  <a:schemeClr val="tx1"/>
+                </a:solidFill>
+                <a:effectLst/>
+                <a:latin typeface="+mn-lt"/>
+                <a:ea typeface="+mn-ea"/>
+                <a:cs typeface="+mn-cs"/>
+              </a:rPr>
+              <a:t>Theoretically</a:t>
+            </a:r>
+            <a:r>
+              <a:rPr lang="en-US" altLang="zh-CN" sz="1200" b="0" i="0" kern="1200" baseline="0" dirty="0">
+                <a:solidFill>
+                  <a:schemeClr val="tx1"/>
+                </a:solidFill>
+                <a:effectLst/>
+                <a:latin typeface="+mn-lt"/>
+                <a:ea typeface="+mn-ea"/>
+                <a:cs typeface="+mn-cs"/>
+              </a:rPr>
+              <a:t> there are two approaches to implement the algorithm. One is , another is .</a:t>
+            </a:r>
+          </a:p>
+          <a:p>
+            <a:r>
+              <a:rPr lang="en-US" altLang="zh-CN" sz="1200" b="0" i="0" kern="1200" baseline="0" dirty="0">
+                <a:solidFill>
+                  <a:schemeClr val="tx1"/>
+                </a:solidFill>
+                <a:effectLst/>
+                <a:latin typeface="+mn-lt"/>
+                <a:ea typeface="+mn-ea"/>
+                <a:cs typeface="+mn-cs"/>
+              </a:rPr>
+              <a:t>But actually 1. </a:t>
+            </a:r>
+            <a:r>
+              <a:rPr lang="en-US" altLang="zh-CN" sz="1200" b="0" i="0" kern="1200" baseline="0" dirty="0" err="1">
+                <a:solidFill>
+                  <a:schemeClr val="tx1"/>
+                </a:solidFill>
+                <a:effectLst/>
+                <a:latin typeface="+mn-lt"/>
+                <a:ea typeface="+mn-ea"/>
+                <a:cs typeface="+mn-cs"/>
+              </a:rPr>
+              <a:t>aproach</a:t>
+            </a:r>
+            <a:r>
+              <a:rPr lang="en-US" altLang="zh-CN" sz="1200" b="0" i="0" kern="1200" baseline="0" dirty="0">
+                <a:solidFill>
+                  <a:schemeClr val="tx1"/>
+                </a:solidFill>
+                <a:effectLst/>
+                <a:latin typeface="+mn-lt"/>
+                <a:ea typeface="+mn-ea"/>
+                <a:cs typeface="+mn-cs"/>
+              </a:rPr>
+              <a:t> is not realistic. The Processor in UAV </a:t>
+            </a:r>
+            <a:r>
+              <a:rPr lang="en-US" altLang="zh-CN" sz="1200" kern="1200" baseline="0" dirty="0">
+                <a:solidFill>
+                  <a:schemeClr val="tx1"/>
+                </a:solidFill>
+                <a:effectLst/>
+                <a:latin typeface="+mn-lt"/>
+                <a:ea typeface="+mn-ea"/>
+                <a:cs typeface="+mn-cs"/>
+              </a:rPr>
+              <a:t>can not afford the </a:t>
+            </a:r>
+            <a:r>
+              <a:rPr lang="en-US" altLang="zh-CN" sz="1200" b="1" kern="1200" baseline="0" dirty="0">
+                <a:solidFill>
+                  <a:schemeClr val="tx1"/>
+                </a:solidFill>
+                <a:effectLst/>
+                <a:latin typeface="+mn-lt"/>
+                <a:ea typeface="+mn-ea"/>
+                <a:cs typeface="+mn-cs"/>
+              </a:rPr>
+              <a:t>large calculation requirement </a:t>
+            </a:r>
+            <a:r>
+              <a:rPr lang="en-US" altLang="zh-CN" sz="1200" kern="1200" baseline="0" dirty="0">
+                <a:solidFill>
+                  <a:schemeClr val="tx1"/>
+                </a:solidFill>
+                <a:effectLst/>
+                <a:latin typeface="+mn-lt"/>
+                <a:ea typeface="+mn-ea"/>
+                <a:cs typeface="+mn-cs"/>
+              </a:rPr>
+              <a:t>of </a:t>
+            </a:r>
+            <a:r>
+              <a:rPr lang="en-US" altLang="zh-CN" sz="1200" kern="1200" baseline="0" dirty="0" err="1">
+                <a:solidFill>
+                  <a:schemeClr val="tx1"/>
+                </a:solidFill>
+                <a:effectLst/>
+                <a:latin typeface="+mn-lt"/>
+                <a:ea typeface="+mn-ea"/>
+                <a:cs typeface="+mn-cs"/>
+              </a:rPr>
               <a:t>sensorfusion</a:t>
             </a:r>
             <a:r>
-              <a:rPr lang="en-US" altLang="zh-CN" baseline="0" dirty="0"/>
-              <a:t> task. </a:t>
-            </a:r>
-          </a:p>
-          <a:p>
-            <a:r>
-              <a:rPr lang="en-US" altLang="zh-CN" baseline="0" dirty="0"/>
-              <a:t>Library functions, code generating tools, </a:t>
-            </a:r>
-            <a:r>
-              <a:rPr lang="en-US" altLang="zh-CN" baseline="0" dirty="0" err="1"/>
-              <a:t>convienient</a:t>
-            </a:r>
-            <a:r>
-              <a:rPr lang="en-US" altLang="zh-CN" baseline="0" dirty="0"/>
-              <a:t> and fast to make prototyping. </a:t>
-            </a:r>
-          </a:p>
-          <a:p>
-            <a:r>
-              <a:rPr lang="en-US" altLang="zh-CN" baseline="0" dirty="0"/>
-              <a:t>The calculation efficiency is very good.</a:t>
-            </a:r>
-          </a:p>
-          <a:p>
-            <a:endParaRPr lang="en-US" altLang="zh-CN" baseline="0" dirty="0"/>
-          </a:p>
-          <a:p>
-            <a:r>
-              <a:rPr lang="en-US" altLang="zh-CN" baseline="0" dirty="0"/>
-              <a:t>Extern sensors like Lidar, optical flow, is added to adjust complicated environment.</a:t>
-            </a:r>
-          </a:p>
-          <a:p>
-            <a:endParaRPr lang="en-US" altLang="zh-CN" dirty="0"/>
+              <a:rPr lang="en-US" altLang="zh-CN" sz="1200" kern="1200" baseline="0" dirty="0">
+                <a:solidFill>
+                  <a:schemeClr val="tx1"/>
+                </a:solidFill>
+                <a:effectLst/>
+                <a:latin typeface="+mn-lt"/>
+                <a:ea typeface="+mn-ea"/>
+                <a:cs typeface="+mn-cs"/>
+              </a:rPr>
+              <a:t>.  </a:t>
+            </a:r>
+          </a:p>
+          <a:p>
+            <a:endParaRPr lang="en-US" altLang="zh-CN" sz="1200" kern="1200" baseline="0" dirty="0">
+              <a:solidFill>
+                <a:schemeClr val="tx1"/>
+              </a:solidFill>
+              <a:effectLst/>
+              <a:latin typeface="+mn-lt"/>
+              <a:ea typeface="+mn-ea"/>
+              <a:cs typeface="+mn-cs"/>
+            </a:endParaRPr>
+          </a:p>
+          <a:p>
+            <a:r>
+              <a:rPr lang="en-US" altLang="zh-CN" sz="1200" kern="1200" baseline="0" dirty="0">
+                <a:solidFill>
+                  <a:schemeClr val="tx1"/>
+                </a:solidFill>
+                <a:effectLst/>
+                <a:latin typeface="+mn-lt"/>
+                <a:ea typeface="+mn-ea"/>
+                <a:cs typeface="+mn-cs"/>
+              </a:rPr>
+              <a:t>For example, processing speed low, memory small, matrix arithmetic not good enough…..  Also, for example, the architecture of processor, the calculation speed, the clock frequency. all of those in the processor of UAV are far not enough for the </a:t>
+            </a:r>
+            <a:r>
+              <a:rPr lang="en-US" altLang="zh-CN" sz="1200" kern="1200" baseline="0" dirty="0" err="1">
+                <a:solidFill>
+                  <a:schemeClr val="tx1"/>
+                </a:solidFill>
+                <a:effectLst/>
+                <a:latin typeface="+mn-lt"/>
+                <a:ea typeface="+mn-ea"/>
+                <a:cs typeface="+mn-cs"/>
+              </a:rPr>
+              <a:t>sensorfusion</a:t>
+            </a:r>
+            <a:r>
+              <a:rPr lang="en-US" altLang="zh-CN" sz="1200" kern="1200" baseline="0" dirty="0">
+                <a:solidFill>
+                  <a:schemeClr val="tx1"/>
+                </a:solidFill>
+                <a:effectLst/>
+                <a:latin typeface="+mn-lt"/>
+                <a:ea typeface="+mn-ea"/>
+                <a:cs typeface="+mn-cs"/>
+              </a:rPr>
+              <a:t> task.</a:t>
+            </a:r>
           </a:p>
           <a:p>
             <a:pPr marL="0" marR="0" lvl="0" indent="0" algn="l" defTabSz="914400" rtl="0" eaLnBrk="1" fontAlgn="auto" latinLnBrk="0" hangingPunct="1">
@@ -2065,10 +2224,15 @@
               <a:tabLst/>
               <a:defRPr/>
             </a:pPr>
-            <a:r>
-              <a:rPr lang="en-US" altLang="zh-CN" dirty="0"/>
-              <a:t>HL </a:t>
-            </a:r>
+            <a:endParaRPr lang="en-US" altLang="zh-CN" sz="1200" kern="1200" baseline="0" dirty="0">
+              <a:solidFill>
+                <a:schemeClr val="tx1"/>
+              </a:solidFill>
+              <a:effectLst/>
+              <a:latin typeface="+mn-lt"/>
+              <a:ea typeface="+mn-ea"/>
+              <a:cs typeface="+mn-cs"/>
+            </a:endParaRPr>
           </a:p>
           <a:p>
             <a:pPr marL="0" marR="0" lvl="0" indent="0" algn="l" defTabSz="914400" rtl="0" eaLnBrk="1" fontAlgn="auto" latinLnBrk="0" hangingPunct="1">
@@ -2089,209 +2253,111 @@
               <a:defRPr/>
             </a:pPr>
             <a:r>
+              <a:rPr lang="en-US" altLang="zh-CN" sz="1200" kern="1200" baseline="0" dirty="0">
+                <a:solidFill>
+                  <a:schemeClr val="tx1"/>
+                </a:solidFill>
+                <a:effectLst/>
+                <a:latin typeface="+mn-lt"/>
+                <a:ea typeface="+mn-ea"/>
+                <a:cs typeface="+mn-cs"/>
+              </a:rPr>
+              <a:t>So sensor fusion will be implemented in a new additional powerful specific processor to do so.</a:t>
+            </a:r>
+          </a:p>
+          <a:p>
+            <a:endParaRPr lang="en-US" altLang="zh-CN" sz="1200" kern="1200" baseline="0" dirty="0">
+              <a:solidFill>
+                <a:schemeClr val="tx1"/>
+              </a:solidFill>
+              <a:effectLst/>
+              <a:latin typeface="+mn-lt"/>
+              <a:ea typeface="+mn-ea"/>
+              <a:cs typeface="+mn-cs"/>
+            </a:endParaRPr>
+          </a:p>
+          <a:p>
+            <a:r>
+              <a:rPr lang="en-US" altLang="zh-CN" sz="1200" b="1" kern="1200" baseline="0" dirty="0">
+                <a:solidFill>
+                  <a:schemeClr val="tx1"/>
+                </a:solidFill>
+                <a:effectLst/>
+                <a:latin typeface="+mn-lt"/>
+                <a:ea typeface="+mn-ea"/>
+                <a:cs typeface="+mn-cs"/>
+              </a:rPr>
+              <a:t>But this new processor still need to get data from UAV and send the result to UAV</a:t>
+            </a:r>
+            <a:r>
+              <a:rPr lang="en-US" altLang="zh-CN" sz="1200" kern="1200" baseline="0" dirty="0">
+                <a:solidFill>
+                  <a:schemeClr val="tx1"/>
+                </a:solidFill>
+                <a:effectLst/>
+                <a:latin typeface="+mn-lt"/>
+                <a:ea typeface="+mn-ea"/>
+                <a:cs typeface="+mn-cs"/>
+              </a:rPr>
+              <a:t>.  The communication must be firstly precise guaranteed.  Only then the quality of sensor fusion can be guaranteed.</a:t>
+            </a:r>
+          </a:p>
+          <a:p>
+            <a:r>
+              <a:rPr lang="en-US" altLang="zh-CN" sz="1200" b="1" kern="1200" baseline="0" dirty="0">
+                <a:solidFill>
+                  <a:schemeClr val="tx1"/>
+                </a:solidFill>
+                <a:effectLst/>
+                <a:latin typeface="+mn-lt"/>
+                <a:ea typeface="+mn-ea"/>
+                <a:cs typeface="+mn-cs"/>
+              </a:rPr>
+              <a:t>So our task is to achieve this communication.</a:t>
+            </a:r>
+            <a:r>
+              <a:rPr lang="en-US" altLang="zh-CN" sz="1200" kern="1200" baseline="0" dirty="0">
+                <a:solidFill>
+                  <a:schemeClr val="tx1"/>
+                </a:solidFill>
+                <a:effectLst/>
+                <a:latin typeface="+mn-lt"/>
+                <a:ea typeface="+mn-ea"/>
+                <a:cs typeface="+mn-cs"/>
+              </a:rPr>
+              <a:t> -- …………….  And we need to design protocol to achieve communication.  The communication should fulfil these requirements.</a:t>
+            </a:r>
+            <a:endParaRPr lang="en-US" altLang="zh-CN" sz="1200" kern="1200" dirty="0">
+              <a:solidFill>
+                <a:schemeClr val="tx1"/>
+              </a:solidFill>
+              <a:effectLst/>
+              <a:latin typeface="+mn-lt"/>
+              <a:ea typeface="+mn-ea"/>
+              <a:cs typeface="+mn-cs"/>
+            </a:endParaRPr>
+          </a:p>
+          <a:p>
+            <a:endParaRPr lang="en-US" altLang="zh-CN" dirty="0"/>
+          </a:p>
+          <a:p>
+            <a:r>
+              <a:rPr lang="en-US" altLang="zh-CN" dirty="0"/>
+              <a:t>e.g. it should be possible to add and remove new sensory by small effort.  Also will talk</a:t>
+            </a:r>
+            <a:r>
               <a:rPr lang="en-US" altLang="zh-CN" baseline="0" dirty="0"/>
-              <a:t>LL </a:t>
-            </a:r>
-            <a:r>
-              <a:rPr lang="en-US" altLang="zh-CN" b="1" baseline="0" dirty="0"/>
-              <a:t>closed</a:t>
-            </a:r>
-            <a:r>
-              <a:rPr lang="en-US" altLang="zh-CN" baseline="0" dirty="0"/>
-              <a:t>,.  </a:t>
-            </a:r>
-            <a:r>
-              <a:rPr lang="en-US" altLang="zh-CN" dirty="0"/>
-              <a:t>LL Directly</a:t>
-            </a:r>
-            <a:r>
-              <a:rPr lang="en-US" altLang="zh-CN" baseline="0" dirty="0"/>
-              <a:t> control. </a:t>
-            </a:r>
-          </a:p>
-          <a:p>
-            <a:r>
-              <a:rPr lang="en-US" altLang="zh-CN" baseline="0" dirty="0"/>
-              <a:t>But HL is open for us, HL have SDK, we can write the control command here</a:t>
-            </a:r>
-          </a:p>
-          <a:p>
-            <a:r>
-              <a:rPr lang="en-US" altLang="zh-CN" baseline="0" dirty="0"/>
-              <a:t>Our programming about UAV is mainly based on programming on HL.</a:t>
-            </a:r>
-          </a:p>
-          <a:p>
-            <a:r>
-              <a:rPr lang="en-US" altLang="zh-CN" baseline="0" dirty="0"/>
-              <a:t>But just like we have said, calculation efficiency.</a:t>
-            </a:r>
-          </a:p>
-          <a:p>
-            <a:pPr marL="0" marR="0" lvl="0" indent="0" algn="l" defTabSz="914400" rtl="0" eaLnBrk="1" fontAlgn="auto" latinLnBrk="0" hangingPunct="1">
-              <a:lnSpc>
-                <a:spcPct val="100000"/>
-              </a:lnSpc>
-              <a:spcBef>
-                <a:spcPts val="0"/>
-              </a:spcBef>
-              <a:spcAft>
-                <a:spcPts val="0"/>
-              </a:spcAft>
-              <a:buClrTx/>
-              <a:buSzTx/>
-              <a:buFontTx/>
-              <a:buNone/>
-              <a:tabLst/>
-              <a:defRPr/>
-            </a:pPr>
-            <a:endParaRPr lang="en-US" altLang="zh-CN" baseline="0" dirty="0"/>
-          </a:p>
-          <a:p>
-            <a:pPr marL="0" marR="0" lvl="0" indent="0" algn="l" defTabSz="914400" rtl="0" eaLnBrk="1" fontAlgn="auto" latinLnBrk="0" hangingPunct="1">
-              <a:lnSpc>
-                <a:spcPct val="100000"/>
-              </a:lnSpc>
-              <a:spcBef>
-                <a:spcPts val="0"/>
-              </a:spcBef>
-              <a:spcAft>
-                <a:spcPts val="0"/>
-              </a:spcAft>
-              <a:buClrTx/>
-              <a:buSzTx/>
-              <a:buFontTx/>
-              <a:buNone/>
-              <a:tabLst/>
-              <a:defRPr/>
-            </a:pPr>
-            <a:r>
-              <a:rPr lang="en-US" altLang="zh-CN" baseline="0" dirty="0"/>
-              <a:t>Our project, the communication protocol between </a:t>
-            </a:r>
-            <a:r>
-              <a:rPr lang="en-US" altLang="zh-CN" baseline="0" dirty="0" err="1"/>
-              <a:t>Nucleo</a:t>
-            </a:r>
-            <a:r>
-              <a:rPr lang="en-US" altLang="zh-CN" baseline="0" dirty="0"/>
-              <a:t> and UAV is here, it’s based on SPI bus. The HL will send big package about </a:t>
-            </a:r>
-            <a:r>
-              <a:rPr lang="en-US" altLang="zh-CN" baseline="0" dirty="0" err="1"/>
-              <a:t>sensordata</a:t>
-            </a:r>
-            <a:r>
-              <a:rPr lang="en-US" altLang="zh-CN" baseline="0" dirty="0"/>
-              <a:t> and </a:t>
-            </a:r>
-            <a:r>
-              <a:rPr lang="en-US" altLang="zh-CN" baseline="0" dirty="0" err="1"/>
-              <a:t>Nucleo</a:t>
-            </a:r>
-            <a:r>
-              <a:rPr lang="en-US" altLang="zh-CN" baseline="0" dirty="0"/>
-              <a:t> send data about attitude estimation back to HL.</a:t>
-            </a:r>
-          </a:p>
-          <a:p>
-            <a:pPr marL="0" marR="0" lvl="0" indent="0" algn="l" defTabSz="914400" rtl="0" eaLnBrk="1" fontAlgn="auto" latinLnBrk="0" hangingPunct="1">
-              <a:lnSpc>
-                <a:spcPct val="100000"/>
-              </a:lnSpc>
-              <a:spcBef>
-                <a:spcPts val="0"/>
-              </a:spcBef>
-              <a:spcAft>
-                <a:spcPts val="0"/>
-              </a:spcAft>
-              <a:buClrTx/>
-              <a:buSzTx/>
-              <a:buFontTx/>
-              <a:buNone/>
-              <a:tabLst/>
-              <a:defRPr/>
-            </a:pPr>
-            <a:endParaRPr lang="en-US" altLang="zh-CN" baseline="0" dirty="0"/>
-          </a:p>
-          <a:p>
-            <a:pPr marL="0" marR="0" lvl="0" indent="0" algn="l" defTabSz="914400" rtl="0" eaLnBrk="1" fontAlgn="auto" latinLnBrk="0" hangingPunct="1">
-              <a:lnSpc>
-                <a:spcPct val="100000"/>
-              </a:lnSpc>
-              <a:spcBef>
-                <a:spcPts val="0"/>
-              </a:spcBef>
-              <a:spcAft>
-                <a:spcPts val="0"/>
-              </a:spcAft>
-              <a:buClrTx/>
-              <a:buSzTx/>
-              <a:buFontTx/>
-              <a:buNone/>
-              <a:tabLst/>
-              <a:defRPr/>
-            </a:pPr>
-            <a:r>
-              <a:rPr lang="en-US" altLang="zh-CN" baseline="0" dirty="0"/>
-              <a:t>Pure SPI Communication is easy between empty </a:t>
-            </a:r>
-            <a:r>
-              <a:rPr lang="en-US" altLang="zh-CN" baseline="0" dirty="0" err="1"/>
-              <a:t>Nucleo</a:t>
-            </a:r>
-            <a:r>
-              <a:rPr lang="en-US" altLang="zh-CN" baseline="0" dirty="0"/>
-              <a:t>. But actually the control logic in both sides is very complicated, the design of protocol must concern those parts. To communicate efficiently, we use interrupt based communication. Also we have many requirements introduced in last slide to </a:t>
-            </a:r>
-            <a:r>
-              <a:rPr lang="en-US" altLang="zh-CN" baseline="0" dirty="0" err="1"/>
-              <a:t>fullfill</a:t>
-            </a:r>
-            <a:r>
-              <a:rPr lang="en-US" altLang="zh-CN" baseline="0" dirty="0"/>
-              <a:t>, error detection or </a:t>
-            </a:r>
-            <a:r>
-              <a:rPr lang="en-US" altLang="zh-CN" baseline="0" dirty="0" err="1"/>
-              <a:t>expandale</a:t>
-            </a:r>
-            <a:r>
-              <a:rPr lang="en-US" altLang="zh-CN" baseline="0" dirty="0"/>
-              <a:t> like those.</a:t>
-            </a:r>
-          </a:p>
-          <a:p>
-            <a:pPr marL="0" marR="0" lvl="0" indent="0" algn="l" defTabSz="914400" rtl="0" eaLnBrk="1" fontAlgn="auto" latinLnBrk="0" hangingPunct="1">
-              <a:lnSpc>
-                <a:spcPct val="100000"/>
-              </a:lnSpc>
-              <a:spcBef>
-                <a:spcPts val="0"/>
-              </a:spcBef>
-              <a:spcAft>
-                <a:spcPts val="0"/>
-              </a:spcAft>
-              <a:buClrTx/>
-              <a:buSzTx/>
-              <a:buFontTx/>
-              <a:buNone/>
-              <a:tabLst/>
-              <a:defRPr/>
-            </a:pPr>
-            <a:r>
-              <a:rPr lang="en-US" altLang="zh-CN" baseline="0" dirty="0"/>
-              <a:t>For details of protocol </a:t>
-            </a:r>
-            <a:r>
-              <a:rPr lang="en-US" altLang="zh-CN" baseline="0" dirty="0" err="1"/>
-              <a:t>analyse</a:t>
-            </a:r>
-            <a:r>
-              <a:rPr lang="en-US" altLang="zh-CN" baseline="0" dirty="0"/>
-              <a:t>,…</a:t>
-            </a:r>
-            <a:endParaRPr dirty="0"/>
+              <a:t> in next slide.</a:t>
+            </a:r>
+            <a:endParaRPr lang="en-US" altLang="zh-CN" sz="1200" kern="1200" dirty="0">
+              <a:solidFill>
+                <a:schemeClr val="tx1"/>
+              </a:solidFill>
+              <a:effectLst/>
+              <a:latin typeface="+mn-lt"/>
+              <a:ea typeface="+mn-ea"/>
+              <a:cs typeface="+mn-cs"/>
+            </a:endParaRPr>
           </a:p>
         </p:txBody>
       </p:sp>
@@ -2426,18 +2492,13 @@
                   <a:spcPts val="175"/>
                 </a:lnSpc>
               </a:pPr>
-              <a:t>4</a:t>
+              <a:t>3</a:t>
             </a:fld>
             <a:endParaRPr/>
           </a:p>
         </p:txBody>
       </p:sp>
     </p:spTree>
-    <p:extLst>
-      <p:ext uri="{BB962C8B-B14F-4D97-AF65-F5344CB8AC3E}">
-        <p14:creationId xmlns:p14="http://schemas.microsoft.com/office/powerpoint/2010/main" val="2990709988"/>
-      </p:ext>
-    </p:extLst>
   </p:cSld>
   <p:clrMapOvr>
     <a:masterClrMapping/>
@@ -2485,374 +2546,379 @@
           <a:bodyPr lIns="0" tIns="0" rIns="0" bIns="0"/>
           <a:lstStyle/>
           <a:p>
-            <a:pPr defTabSz="990572">
+            <a:r>
+              <a:rPr lang="en-US" altLang="zh-CN" dirty="0"/>
+              <a:t>There</a:t>
+            </a:r>
+            <a:r>
+              <a:rPr lang="en-US" altLang="zh-CN" baseline="0" dirty="0"/>
+              <a:t> are</a:t>
+            </a:r>
+            <a:r>
+              <a:rPr lang="en-US" altLang="zh-CN" dirty="0"/>
+              <a:t> two parts, 1. part</a:t>
+            </a:r>
+            <a:r>
+              <a:rPr lang="en-US" altLang="zh-CN" baseline="0" dirty="0"/>
+              <a:t> is </a:t>
+            </a:r>
+            <a:r>
+              <a:rPr lang="en-US" altLang="zh-CN" dirty="0"/>
+              <a:t>UAV</a:t>
+            </a:r>
+            <a:r>
+              <a:rPr lang="en-US" altLang="zh-CN" baseline="0" dirty="0"/>
+              <a:t> here, second part is additional things. </a:t>
+            </a:r>
+          </a:p>
+          <a:p>
+            <a:endParaRPr lang="en-US" altLang="zh-CN" baseline="0" dirty="0"/>
+          </a:p>
+          <a:p>
+            <a:r>
+              <a:rPr lang="en-US" altLang="zh-CN" baseline="0" dirty="0" err="1"/>
+              <a:t>Nucleo</a:t>
+            </a:r>
+            <a:r>
+              <a:rPr lang="en-US" altLang="zh-CN" baseline="0" dirty="0"/>
+              <a:t> is added to do </a:t>
+            </a:r>
+            <a:r>
+              <a:rPr lang="en-US" altLang="zh-CN" baseline="0" dirty="0" err="1"/>
+              <a:t>sensorfusion</a:t>
+            </a:r>
+            <a:r>
+              <a:rPr lang="en-US" altLang="zh-CN" baseline="0" dirty="0"/>
+              <a:t> task. </a:t>
+            </a:r>
+          </a:p>
+          <a:p>
+            <a:r>
+              <a:rPr lang="en-US" altLang="zh-CN" baseline="0" dirty="0"/>
+              <a:t>Library functions, code generating tools, </a:t>
+            </a:r>
+            <a:r>
+              <a:rPr lang="en-US" altLang="zh-CN" baseline="0" dirty="0" err="1"/>
+              <a:t>convienient</a:t>
+            </a:r>
+            <a:r>
+              <a:rPr lang="en-US" altLang="zh-CN" baseline="0" dirty="0"/>
+              <a:t> and fast to make prototyping. </a:t>
+            </a:r>
+          </a:p>
+          <a:p>
+            <a:r>
+              <a:rPr lang="en-US" altLang="zh-CN" baseline="0" dirty="0"/>
+              <a:t>The calculation efficiency is very good.</a:t>
+            </a:r>
+          </a:p>
+          <a:p>
+            <a:endParaRPr lang="en-US" altLang="zh-CN" baseline="0" dirty="0"/>
+          </a:p>
+          <a:p>
+            <a:r>
+              <a:rPr lang="en-US" altLang="zh-CN" baseline="0" dirty="0"/>
+              <a:t>Extern sensors like Lidar, optical flow, is added to adjust complicated environment.</a:t>
+            </a:r>
+          </a:p>
+          <a:p>
+            <a:endParaRPr lang="en-US" altLang="zh-CN" dirty="0"/>
+          </a:p>
+          <a:p>
+            <a:pPr marL="0" marR="0" lvl="0" indent="0" algn="l" defTabSz="914400" rtl="0" eaLnBrk="1" fontAlgn="auto" latinLnBrk="0" hangingPunct="1">
+              <a:lnSpc>
+                <a:spcPct val="100000"/>
+              </a:lnSpc>
+              <a:spcBef>
+                <a:spcPts val="0"/>
+              </a:spcBef>
+              <a:spcAft>
+                <a:spcPts val="0"/>
+              </a:spcAft>
+              <a:buClrTx/>
+              <a:buSzTx/>
+              <a:buFontTx/>
+              <a:buNone/>
+              <a:tabLst/>
               <a:defRPr/>
             </a:pPr>
             <a:r>
-              <a:rPr lang="de-DE" dirty="0" err="1"/>
-              <a:t>Thank</a:t>
-            </a:r>
-            <a:r>
-              <a:rPr lang="de-DE" dirty="0"/>
-              <a:t> </a:t>
-            </a:r>
-            <a:r>
-              <a:rPr lang="de-DE" dirty="0" err="1"/>
-              <a:t>you</a:t>
-            </a:r>
-            <a:r>
-              <a:rPr lang="de-DE" dirty="0"/>
-              <a:t> Mr. Hu, </a:t>
-            </a:r>
-            <a:r>
-              <a:rPr lang="de-DE" dirty="0" err="1"/>
-              <a:t>my</a:t>
-            </a:r>
-            <a:r>
-              <a:rPr lang="de-DE" dirty="0"/>
-              <a:t> </a:t>
-            </a:r>
-            <a:r>
-              <a:rPr lang="de-DE" dirty="0" err="1"/>
-              <a:t>name</a:t>
-            </a:r>
-            <a:r>
-              <a:rPr lang="de-DE" dirty="0"/>
-              <a:t> </a:t>
-            </a:r>
-            <a:r>
-              <a:rPr lang="de-DE" dirty="0" err="1"/>
-              <a:t>is</a:t>
-            </a:r>
-            <a:r>
-              <a:rPr lang="de-DE" dirty="0"/>
-              <a:t> Malte Breitenbach and</a:t>
-            </a:r>
-          </a:p>
-          <a:p>
-            <a:pPr defTabSz="990572">
+              <a:rPr lang="en-US" altLang="zh-CN" dirty="0"/>
+              <a:t>HL </a:t>
+            </a:r>
+          </a:p>
+          <a:p>
+            <a:pPr marL="0" marR="0" lvl="0" indent="0" algn="l" defTabSz="914400" rtl="0" eaLnBrk="1" fontAlgn="auto" latinLnBrk="0" hangingPunct="1">
+              <a:lnSpc>
+                <a:spcPct val="100000"/>
+              </a:lnSpc>
+              <a:spcBef>
+                <a:spcPts val="0"/>
+              </a:spcBef>
+              <a:spcAft>
+                <a:spcPts val="0"/>
+              </a:spcAft>
+              <a:buClrTx/>
+              <a:buSzTx/>
+              <a:buFontTx/>
+              <a:buNone/>
+              <a:tabLst/>
               <a:defRPr/>
             </a:pPr>
             <a:r>
-              <a:rPr lang="en-US" dirty="0"/>
-              <a:t>I would start by explaining to you what a </a:t>
-            </a:r>
-            <a:r>
-              <a:rPr lang="en-US" b="1" dirty="0"/>
-              <a:t>communication protocol </a:t>
-            </a:r>
-            <a:r>
-              <a:rPr lang="en-US" dirty="0"/>
-              <a:t>is in information technology. </a:t>
-            </a:r>
-          </a:p>
-          <a:p>
-            <a:pPr defTabSz="990572">
+              <a:rPr lang="en-US" altLang="zh-CN" baseline="0" dirty="0"/>
+              <a:t>LL </a:t>
+            </a:r>
+            <a:r>
+              <a:rPr lang="en-US" altLang="zh-CN" b="1" baseline="0" dirty="0"/>
+              <a:t>closed</a:t>
+            </a:r>
+            <a:r>
+              <a:rPr lang="en-US" altLang="zh-CN" baseline="0" dirty="0"/>
+              <a:t>,.  </a:t>
+            </a:r>
+            <a:r>
+              <a:rPr lang="en-US" altLang="zh-CN" dirty="0"/>
+              <a:t>LL Directly</a:t>
+            </a:r>
+            <a:r>
+              <a:rPr lang="en-US" altLang="zh-CN" baseline="0" dirty="0"/>
+              <a:t> control. </a:t>
+            </a:r>
+          </a:p>
+          <a:p>
+            <a:r>
+              <a:rPr lang="en-US" altLang="zh-CN" b="1" baseline="0" dirty="0"/>
+              <a:t>But fortunately HL is open for us</a:t>
+            </a:r>
+            <a:r>
+              <a:rPr lang="en-US" altLang="zh-CN" baseline="0" dirty="0"/>
+              <a:t>, HL have SDK, we can write the control command here</a:t>
+            </a:r>
+          </a:p>
+          <a:p>
+            <a:r>
+              <a:rPr lang="en-US" altLang="zh-CN" baseline="0" dirty="0"/>
+              <a:t>Our </a:t>
+            </a:r>
+            <a:r>
+              <a:rPr lang="en-US" altLang="zh-CN" b="1" baseline="0" dirty="0"/>
+              <a:t>programming about UAV is mainly based</a:t>
+            </a:r>
+            <a:r>
+              <a:rPr lang="en-US" altLang="zh-CN" baseline="0" dirty="0"/>
+              <a:t> on programming on HL.</a:t>
+            </a:r>
+          </a:p>
+          <a:p>
+            <a:r>
+              <a:rPr lang="en-US" altLang="zh-CN" baseline="0" dirty="0"/>
+              <a:t>But just like we have said, </a:t>
+            </a:r>
+            <a:r>
+              <a:rPr lang="en-US" altLang="zh-CN" b="1" baseline="0" dirty="0"/>
+              <a:t>calculation efficiency</a:t>
+            </a:r>
+            <a:r>
+              <a:rPr lang="en-US" altLang="zh-CN" baseline="0" dirty="0"/>
+              <a:t>.</a:t>
+            </a:r>
+          </a:p>
+          <a:p>
+            <a:pPr marL="0" marR="0" lvl="0" indent="0" algn="l" defTabSz="914400" rtl="0" eaLnBrk="1" fontAlgn="auto" latinLnBrk="0" hangingPunct="1">
+              <a:lnSpc>
+                <a:spcPct val="100000"/>
+              </a:lnSpc>
+              <a:spcBef>
+                <a:spcPts val="0"/>
+              </a:spcBef>
+              <a:spcAft>
+                <a:spcPts val="0"/>
+              </a:spcAft>
+              <a:buClrTx/>
+              <a:buSzTx/>
+              <a:buFontTx/>
+              <a:buNone/>
+              <a:tabLst/>
               <a:defRPr/>
             </a:pPr>
-            <a:r>
-              <a:rPr lang="en-US" dirty="0"/>
-              <a:t>Basically it’s a</a:t>
-            </a:r>
-            <a:r>
-              <a:rPr lang="en-GB" dirty="0"/>
-              <a:t> set of rules allowing communication partners to transmit information. [CLICK]</a:t>
-            </a:r>
-          </a:p>
-          <a:p>
-            <a:pPr defTabSz="990572">
+            <a:endParaRPr lang="en-US" altLang="zh-CN" baseline="0" dirty="0"/>
+          </a:p>
+          <a:p>
+            <a:pPr marL="0" marR="0" lvl="0" indent="0" algn="l" defTabSz="914400" rtl="0" eaLnBrk="1" fontAlgn="auto" latinLnBrk="0" hangingPunct="1">
+              <a:lnSpc>
+                <a:spcPct val="100000"/>
+              </a:lnSpc>
+              <a:spcBef>
+                <a:spcPts val="0"/>
+              </a:spcBef>
+              <a:spcAft>
+                <a:spcPts val="0"/>
+              </a:spcAft>
+              <a:buClrTx/>
+              <a:buSzTx/>
+              <a:buFontTx/>
+              <a:buNone/>
+              <a:tabLst/>
               <a:defRPr/>
             </a:pPr>
             <a:r>
-              <a:rPr lang="en-GB" dirty="0"/>
-              <a:t>Therefore both partners have to use </a:t>
-            </a:r>
-            <a:r>
-              <a:rPr lang="en-US" dirty="0"/>
-              <a:t>a defined </a:t>
-            </a:r>
-            <a:r>
-              <a:rPr lang="en-US" b="1" dirty="0"/>
-              <a:t>timing of communication actions</a:t>
-            </a:r>
-            <a:r>
-              <a:rPr lang="en-US" dirty="0"/>
-              <a:t>, like transmitting data or decode some data at a </a:t>
-            </a:r>
-            <a:r>
-              <a:rPr lang="en-US" dirty="0" err="1"/>
-              <a:t>a</a:t>
-            </a:r>
-            <a:r>
-              <a:rPr lang="en-US" dirty="0"/>
-              <a:t> specified point. </a:t>
-            </a:r>
-          </a:p>
-          <a:p>
-            <a:pPr defTabSz="990572">
+              <a:rPr lang="en-US" altLang="zh-CN" baseline="0" dirty="0"/>
+              <a:t>Our project, the communication protocol between </a:t>
+            </a:r>
+            <a:r>
+              <a:rPr lang="en-US" altLang="zh-CN" baseline="0" dirty="0" err="1"/>
+              <a:t>Nucleo</a:t>
+            </a:r>
+            <a:r>
+              <a:rPr lang="en-US" altLang="zh-CN" baseline="0" dirty="0"/>
+              <a:t> and UAV is here, it’s based on SPI bus. </a:t>
+            </a:r>
+          </a:p>
+          <a:p>
+            <a:pPr marL="0" marR="0" lvl="0" indent="0" algn="l" defTabSz="914400" rtl="0" eaLnBrk="1" fontAlgn="auto" latinLnBrk="0" hangingPunct="1">
+              <a:lnSpc>
+                <a:spcPct val="100000"/>
+              </a:lnSpc>
+              <a:spcBef>
+                <a:spcPts val="0"/>
+              </a:spcBef>
+              <a:spcAft>
+                <a:spcPts val="0"/>
+              </a:spcAft>
+              <a:buClrTx/>
+              <a:buSzTx/>
+              <a:buFontTx/>
+              <a:buNone/>
+              <a:tabLst/>
               <a:defRPr/>
             </a:pPr>
-            <a:r>
-              <a:rPr lang="en-US" dirty="0"/>
-              <a:t>The information both partners share are packed in so called </a:t>
-            </a:r>
-            <a:r>
-              <a:rPr lang="en-GB" b="1" dirty="0"/>
-              <a:t>PDUs</a:t>
-            </a:r>
-            <a:r>
-              <a:rPr lang="en-GB" dirty="0"/>
-              <a:t>, </a:t>
-            </a:r>
-            <a:r>
-              <a:rPr lang="de-DE" dirty="0" err="1"/>
-              <a:t>what</a:t>
-            </a:r>
-            <a:r>
-              <a:rPr lang="de-DE" dirty="0"/>
-              <a:t> stands </a:t>
-            </a:r>
-            <a:r>
-              <a:rPr lang="de-DE" dirty="0" err="1"/>
-              <a:t>for</a:t>
-            </a:r>
-            <a:r>
-              <a:rPr lang="de-DE" dirty="0"/>
-              <a:t> „Packet </a:t>
-            </a:r>
-            <a:r>
-              <a:rPr lang="de-DE" dirty="0" err="1"/>
-              <a:t>data</a:t>
-            </a:r>
-            <a:r>
-              <a:rPr lang="de-DE" dirty="0"/>
-              <a:t> Unit“.</a:t>
-            </a:r>
-          </a:p>
-          <a:p>
-            <a:pPr defTabSz="990572">
+            <a:endParaRPr lang="en-US" altLang="zh-CN" baseline="0" dirty="0"/>
+          </a:p>
+          <a:p>
+            <a:pPr marL="0" marR="0" lvl="0" indent="0" algn="l" defTabSz="914400" rtl="0" eaLnBrk="1" fontAlgn="auto" latinLnBrk="0" hangingPunct="1">
+              <a:lnSpc>
+                <a:spcPct val="100000"/>
+              </a:lnSpc>
+              <a:spcBef>
+                <a:spcPts val="0"/>
+              </a:spcBef>
+              <a:spcAft>
+                <a:spcPts val="0"/>
+              </a:spcAft>
+              <a:buClrTx/>
+              <a:buSzTx/>
+              <a:buFontTx/>
+              <a:buNone/>
+              <a:tabLst/>
               <a:defRPr/>
             </a:pPr>
             <a:r>
-              <a:rPr lang="en-US" dirty="0"/>
-              <a:t>So it must be defined what the first byte of each packet means and the second and so on… </a:t>
-            </a:r>
-            <a:r>
-              <a:rPr lang="en-GB" dirty="0"/>
-              <a:t>[CLICK]</a:t>
-            </a:r>
-            <a:endParaRPr lang="en-US" dirty="0"/>
-          </a:p>
-          <a:p>
-            <a:pPr defTabSz="990572">
+              <a:rPr lang="en-US" altLang="zh-CN" baseline="0" dirty="0"/>
+              <a:t>The HL will </a:t>
+            </a:r>
+            <a:r>
+              <a:rPr lang="en-US" altLang="zh-CN" b="1" baseline="0" dirty="0"/>
+              <a:t>send big package </a:t>
+            </a:r>
+            <a:r>
+              <a:rPr lang="en-US" altLang="zh-CN" baseline="0" dirty="0"/>
+              <a:t>about </a:t>
+            </a:r>
+            <a:r>
+              <a:rPr lang="en-US" altLang="zh-CN" baseline="0" dirty="0" err="1"/>
+              <a:t>sensordata</a:t>
+            </a:r>
+            <a:r>
+              <a:rPr lang="en-US" altLang="zh-CN" baseline="0" dirty="0"/>
+              <a:t> and </a:t>
+            </a:r>
+            <a:r>
+              <a:rPr lang="en-US" altLang="zh-CN" baseline="0" dirty="0" err="1"/>
+              <a:t>Nucleo</a:t>
+            </a:r>
+            <a:r>
+              <a:rPr lang="en-US" altLang="zh-CN" baseline="0" dirty="0"/>
+              <a:t> send data about attitude estimation back to HL.</a:t>
+            </a:r>
+          </a:p>
+          <a:p>
+            <a:pPr marL="0" marR="0" lvl="0" indent="0" algn="l" defTabSz="914400" rtl="0" eaLnBrk="1" fontAlgn="auto" latinLnBrk="0" hangingPunct="1">
+              <a:lnSpc>
+                <a:spcPct val="100000"/>
+              </a:lnSpc>
+              <a:spcBef>
+                <a:spcPts val="0"/>
+              </a:spcBef>
+              <a:spcAft>
+                <a:spcPts val="0"/>
+              </a:spcAft>
+              <a:buClrTx/>
+              <a:buSzTx/>
+              <a:buFontTx/>
+              <a:buNone/>
+              <a:tabLst/>
               <a:defRPr/>
             </a:pPr>
-            <a:endParaRPr lang="en-US" dirty="0"/>
-          </a:p>
-          <a:p>
-            <a:pPr defTabSz="990572">
+            <a:endParaRPr lang="en-US" altLang="zh-CN" baseline="0" dirty="0"/>
+          </a:p>
+          <a:p>
+            <a:pPr marL="0" marR="0" lvl="0" indent="0" algn="l" defTabSz="914400" rtl="0" eaLnBrk="1" fontAlgn="auto" latinLnBrk="0" hangingPunct="1">
+              <a:lnSpc>
+                <a:spcPct val="100000"/>
+              </a:lnSpc>
+              <a:spcBef>
+                <a:spcPts val="0"/>
+              </a:spcBef>
+              <a:spcAft>
+                <a:spcPts val="0"/>
+              </a:spcAft>
+              <a:buClrTx/>
+              <a:buSzTx/>
+              <a:buFontTx/>
+              <a:buNone/>
+              <a:tabLst/>
               <a:defRPr/>
             </a:pPr>
             <a:r>
-              <a:rPr lang="en-US" dirty="0"/>
-              <a:t>To achieve a successful communication, both partners need to provide several </a:t>
-            </a:r>
-            <a:r>
-              <a:rPr lang="en-GB" dirty="0"/>
-              <a:t>protocol features</a:t>
-            </a:r>
-          </a:p>
-          <a:p>
-            <a:pPr defTabSz="990572">
+              <a:rPr lang="en-US" altLang="zh-CN" b="1" baseline="0" dirty="0"/>
+              <a:t>Design of protocol should concern the difficulties like control logic in both sides. </a:t>
+            </a:r>
+            <a:r>
+              <a:rPr lang="en-US" altLang="zh-CN" baseline="0" dirty="0"/>
+              <a:t>Also it should fulfill the requirements introduced in last slide, error detection or expandable like those. To communicate efficiently, we use interrupt based communication. </a:t>
+            </a:r>
+          </a:p>
+          <a:p>
+            <a:pPr marL="0" marR="0" lvl="0" indent="0" algn="l" defTabSz="914400" rtl="0" eaLnBrk="1" fontAlgn="auto" latinLnBrk="0" hangingPunct="1">
+              <a:lnSpc>
+                <a:spcPct val="100000"/>
+              </a:lnSpc>
+              <a:spcBef>
+                <a:spcPts val="0"/>
+              </a:spcBef>
+              <a:spcAft>
+                <a:spcPts val="0"/>
+              </a:spcAft>
+              <a:buClrTx/>
+              <a:buSzTx/>
+              <a:buFontTx/>
+              <a:buNone/>
+              <a:tabLst/>
               <a:defRPr/>
             </a:pPr>
             <a:r>
-              <a:rPr lang="en-GB" dirty="0"/>
-              <a:t>-&gt; De-/Encoding of PDUs</a:t>
-            </a:r>
-          </a:p>
-          <a:p>
-            <a:pPr defTabSz="990572">
-              <a:defRPr/>
-            </a:pPr>
-            <a:r>
-              <a:rPr lang="en-GB" dirty="0"/>
-              <a:t>-&gt; Error detection, to detect errors while transmission [CLICK]</a:t>
-            </a:r>
-          </a:p>
-          <a:p>
-            <a:pPr defTabSz="990572">
-              <a:defRPr/>
-            </a:pPr>
-            <a:endParaRPr lang="en-GB" dirty="0"/>
-          </a:p>
-          <a:p>
-            <a:pPr defTabSz="990572">
-              <a:defRPr/>
-            </a:pPr>
-            <a:r>
-              <a:rPr lang="de-DE" dirty="0"/>
-              <a:t>An </a:t>
-            </a:r>
-            <a:r>
-              <a:rPr lang="de-DE" dirty="0" err="1"/>
-              <a:t>important</a:t>
-            </a:r>
-            <a:r>
-              <a:rPr lang="de-DE" dirty="0"/>
-              <a:t> </a:t>
-            </a:r>
-            <a:r>
-              <a:rPr lang="de-DE" dirty="0" err="1"/>
-              <a:t>term</a:t>
-            </a:r>
-            <a:r>
-              <a:rPr lang="de-DE" dirty="0"/>
-              <a:t> in </a:t>
-            </a:r>
-            <a:r>
-              <a:rPr lang="de-DE" dirty="0" err="1"/>
-              <a:t>protocol</a:t>
-            </a:r>
-            <a:r>
-              <a:rPr lang="de-DE" dirty="0"/>
-              <a:t> </a:t>
-            </a:r>
-            <a:r>
-              <a:rPr lang="de-DE" dirty="0" err="1"/>
-              <a:t>technology</a:t>
-            </a:r>
-            <a:r>
-              <a:rPr lang="de-DE" dirty="0"/>
-              <a:t> </a:t>
-            </a:r>
-            <a:r>
-              <a:rPr lang="de-DE" dirty="0" err="1"/>
-              <a:t>is</a:t>
-            </a:r>
-            <a:r>
-              <a:rPr lang="de-DE" dirty="0"/>
-              <a:t> </a:t>
-            </a:r>
-            <a:r>
-              <a:rPr lang="de-DE" dirty="0" err="1"/>
-              <a:t>the</a:t>
-            </a:r>
-            <a:r>
-              <a:rPr lang="de-DE" dirty="0"/>
-              <a:t> </a:t>
-            </a:r>
-            <a:r>
-              <a:rPr lang="de-DE" b="1" dirty="0" err="1"/>
-              <a:t>layer</a:t>
-            </a:r>
-            <a:r>
-              <a:rPr lang="de-DE" dirty="0"/>
-              <a:t>.</a:t>
-            </a:r>
-          </a:p>
-          <a:p>
-            <a:pPr defTabSz="990572">
-              <a:defRPr/>
-            </a:pPr>
-            <a:r>
-              <a:rPr lang="de-DE" dirty="0" err="1"/>
-              <a:t>Basically</a:t>
-            </a:r>
-            <a:r>
-              <a:rPr lang="de-DE" dirty="0"/>
-              <a:t> </a:t>
-            </a:r>
-            <a:r>
-              <a:rPr lang="de-DE" dirty="0" err="1"/>
-              <a:t>each</a:t>
-            </a:r>
-            <a:r>
-              <a:rPr lang="de-DE" dirty="0"/>
-              <a:t> </a:t>
-            </a:r>
-            <a:r>
-              <a:rPr lang="de-DE" dirty="0" err="1"/>
-              <a:t>layer</a:t>
-            </a:r>
-            <a:r>
-              <a:rPr lang="de-DE" dirty="0"/>
-              <a:t> </a:t>
-            </a:r>
-            <a:r>
-              <a:rPr lang="de-DE" dirty="0" err="1"/>
-              <a:t>provides</a:t>
-            </a:r>
-            <a:r>
-              <a:rPr lang="de-DE" dirty="0"/>
-              <a:t> </a:t>
-            </a:r>
-            <a:r>
-              <a:rPr lang="de-DE" dirty="0" err="1"/>
-              <a:t>several</a:t>
-            </a:r>
-            <a:r>
-              <a:rPr lang="de-DE" dirty="0"/>
-              <a:t> </a:t>
-            </a:r>
-            <a:r>
-              <a:rPr lang="de-DE" dirty="0" err="1"/>
-              <a:t>functions</a:t>
-            </a:r>
-            <a:r>
-              <a:rPr lang="de-DE" dirty="0"/>
-              <a:t> </a:t>
-            </a:r>
-            <a:r>
-              <a:rPr lang="en-US" dirty="0"/>
-              <a:t>to fulfill </a:t>
-            </a:r>
-            <a:r>
-              <a:rPr lang="en-US" b="1" dirty="0"/>
-              <a:t>one</a:t>
-            </a:r>
-            <a:r>
-              <a:rPr lang="en-US" dirty="0"/>
-              <a:t> specific goal. </a:t>
-            </a:r>
-          </a:p>
-          <a:p>
-            <a:pPr defTabSz="990572">
-              <a:defRPr/>
-            </a:pPr>
-            <a:r>
-              <a:rPr lang="en-GB" dirty="0"/>
-              <a:t>-&gt; serves the layer above and is served by the layer below (but does not need to know how the other layers are implemented)</a:t>
-            </a:r>
-          </a:p>
-          <a:p>
-            <a:pPr defTabSz="990572">
-              <a:defRPr/>
-            </a:pPr>
-            <a:endParaRPr lang="en-US" dirty="0"/>
-          </a:p>
-          <a:p>
-            <a:pPr defTabSz="990572">
-              <a:defRPr/>
-            </a:pPr>
-            <a:endParaRPr lang="en-US" dirty="0"/>
-          </a:p>
-          <a:p>
-            <a:pPr defTabSz="990572">
-              <a:defRPr/>
-            </a:pPr>
-            <a:endParaRPr lang="en-US" dirty="0"/>
-          </a:p>
-          <a:p>
-            <a:pPr defTabSz="990572">
-              <a:defRPr/>
-            </a:pPr>
-            <a:endParaRPr lang="en-US" dirty="0"/>
-          </a:p>
-          <a:p>
-            <a:pPr defTabSz="990572">
-              <a:defRPr/>
-            </a:pPr>
+              <a:rPr lang="en-US" altLang="zh-CN" baseline="0" dirty="0"/>
+              <a:t>For details of protocol </a:t>
+            </a:r>
+            <a:r>
+              <a:rPr lang="en-US" altLang="zh-CN" baseline="0" dirty="0" err="1"/>
+              <a:t>analyse</a:t>
+            </a:r>
+            <a:r>
+              <a:rPr lang="en-US" altLang="zh-CN" baseline="0" dirty="0"/>
+              <a:t>,…</a:t>
+            </a:r>
             <a:endParaRPr dirty="0"/>
           </a:p>
         </p:txBody>
@@ -2988,7 +3054,7 @@
                   <a:spcPts val="175"/>
                 </a:lnSpc>
               </a:pPr>
-              <a:t>5</a:t>
+              <a:t>4</a:t>
             </a:fld>
             <a:endParaRPr/>
           </a:p>
@@ -2997,7 +3063,7 @@
     </p:spTree>
     <p:extLst>
       <p:ext uri="{BB962C8B-B14F-4D97-AF65-F5344CB8AC3E}">
-        <p14:creationId xmlns:p14="http://schemas.microsoft.com/office/powerpoint/2010/main" val="1214415821"/>
+        <p14:creationId xmlns:p14="http://schemas.microsoft.com/office/powerpoint/2010/main" val="2990709988"/>
       </p:ext>
     </p:extLst>
   </p:cSld>
@@ -3047,51 +3113,12 @@
           <a:bodyPr lIns="0" tIns="0" rIns="0" bIns="0"/>
           <a:lstStyle/>
           <a:p>
-            <a:r>
-              <a:rPr lang="en-US" dirty="0"/>
-              <a:t>To clarify the basics mentioned, we take a look at the protocol we designed.</a:t>
-            </a:r>
-          </a:p>
-          <a:p>
-            <a:r>
-              <a:rPr lang="en-US" dirty="0"/>
-              <a:t>While the design process the waterfall model was used. </a:t>
-            </a:r>
-          </a:p>
-          <a:p>
-            <a:r>
-              <a:rPr lang="en-US" dirty="0"/>
-              <a:t>This method intends a requirement analysis as the first step. </a:t>
-            </a:r>
-          </a:p>
-          <a:p>
-            <a:r>
-              <a:rPr lang="en-US" dirty="0"/>
-              <a:t>Here different requirements were set, so we need a robust, fast and expandable protocol as Mr. Hu already mentioned</a:t>
-            </a:r>
-            <a:r>
-              <a:rPr lang="de-DE" dirty="0"/>
-              <a:t>[CLICK]</a:t>
-            </a:r>
-          </a:p>
-          <a:p>
-            <a:endParaRPr lang="de-DE" dirty="0"/>
-          </a:p>
-          <a:p>
             <a:pPr defTabSz="990572">
               <a:defRPr/>
             </a:pPr>
             <a:r>
               <a:rPr lang="de-DE" dirty="0" err="1"/>
-              <a:t>Based</a:t>
-            </a:r>
-            <a:r>
-              <a:rPr lang="de-DE" dirty="0"/>
-              <a:t> on </a:t>
-            </a:r>
-            <a:r>
-              <a:rPr lang="de-DE" dirty="0" err="1"/>
-              <a:t>that</a:t>
+              <a:t>Thank</a:t>
             </a:r>
             <a:r>
               <a:rPr lang="de-DE" dirty="0"/>
@@ -3099,7 +3126,15 @@
             </a:r>
             <a:r>
               <a:rPr lang="de-DE" dirty="0" err="1"/>
-              <a:t>requirements</a:t>
+              <a:t>you</a:t>
+            </a:r>
+            <a:r>
+              <a:rPr lang="de-DE" dirty="0"/>
+              <a:t> Mr. Hu, </a:t>
+            </a:r>
+            <a:r>
+              <a:rPr lang="de-DE" dirty="0" err="1"/>
+              <a:t>my</a:t>
             </a:r>
             <a:r>
               <a:rPr lang="de-DE" dirty="0"/>
@@ -3107,7 +3142,7 @@
             </a:r>
             <a:r>
               <a:rPr lang="de-DE" dirty="0" err="1"/>
-              <a:t>the</a:t>
+              <a:t>name</a:t>
             </a:r>
             <a:r>
               <a:rPr lang="de-DE" dirty="0"/>
@@ -3115,51 +3150,11 @@
             </a:r>
             <a:r>
               <a:rPr lang="de-DE" dirty="0" err="1"/>
-              <a:t>protocol</a:t>
+              <a:t>is</a:t>
             </a:r>
             <a:r>
               <a:rPr lang="de-DE" dirty="0"/>
-              <a:t> </a:t>
-            </a:r>
-            <a:r>
-              <a:rPr lang="de-DE" dirty="0" err="1"/>
-              <a:t>gets</a:t>
-            </a:r>
-            <a:r>
-              <a:rPr lang="de-DE" dirty="0"/>
-              <a:t> </a:t>
-            </a:r>
-            <a:r>
-              <a:rPr lang="de-DE" dirty="0" err="1"/>
-              <a:t>designed</a:t>
-            </a:r>
-            <a:r>
-              <a:rPr lang="de-DE" dirty="0"/>
-              <a:t> in </a:t>
-            </a:r>
-            <a:r>
-              <a:rPr lang="de-DE" dirty="0" err="1"/>
-              <a:t>the</a:t>
-            </a:r>
-            <a:r>
-              <a:rPr lang="de-DE" dirty="0"/>
-              <a:t> </a:t>
-            </a:r>
-            <a:r>
-              <a:rPr lang="de-DE" dirty="0" err="1"/>
-              <a:t>next</a:t>
-            </a:r>
-            <a:r>
-              <a:rPr lang="de-DE" dirty="0"/>
-              <a:t> </a:t>
-            </a:r>
-            <a:r>
-              <a:rPr lang="de-DE" dirty="0" err="1"/>
-              <a:t>step</a:t>
-            </a:r>
-            <a:r>
-              <a:rPr lang="de-DE" dirty="0"/>
-              <a:t>. </a:t>
+              <a:t> Malte Breitenbach and</a:t>
             </a:r>
           </a:p>
           <a:p>
@@ -3167,100 +3162,16 @@
               <a:defRPr/>
             </a:pPr>
             <a:r>
-              <a:rPr lang="de-DE" dirty="0" err="1"/>
-              <a:t>Our</a:t>
-            </a:r>
-            <a:r>
-              <a:rPr lang="de-DE" dirty="0"/>
-              <a:t> </a:t>
-            </a:r>
-            <a:r>
-              <a:rPr lang="de-DE" dirty="0" err="1"/>
-              <a:t>protocol</a:t>
-            </a:r>
-            <a:r>
-              <a:rPr lang="de-DE" dirty="0"/>
-              <a:t> </a:t>
-            </a:r>
-            <a:r>
-              <a:rPr lang="de-DE" dirty="0" err="1"/>
-              <a:t>is</a:t>
-            </a:r>
-            <a:r>
-              <a:rPr lang="de-DE" dirty="0"/>
-              <a:t> </a:t>
-            </a:r>
-            <a:r>
-              <a:rPr lang="de-DE" dirty="0" err="1"/>
-              <a:t>based</a:t>
-            </a:r>
-            <a:r>
-              <a:rPr lang="de-DE" dirty="0"/>
-              <a:t> on COBS (</a:t>
-            </a:r>
-            <a:r>
-              <a:rPr lang="en-GB" dirty="0"/>
-              <a:t>Consistent Overhead Byte Stuffing</a:t>
-            </a:r>
-            <a:r>
-              <a:rPr lang="de-DE" dirty="0"/>
-              <a:t>), I will </a:t>
-            </a:r>
-            <a:r>
-              <a:rPr lang="de-DE" dirty="0" err="1"/>
-              <a:t>go</a:t>
-            </a:r>
-            <a:r>
-              <a:rPr lang="de-DE" dirty="0"/>
-              <a:t> </a:t>
-            </a:r>
-            <a:r>
-              <a:rPr lang="de-DE" dirty="0" err="1"/>
-              <a:t>into</a:t>
-            </a:r>
-            <a:r>
-              <a:rPr lang="de-DE" dirty="0"/>
-              <a:t> </a:t>
-            </a:r>
-            <a:r>
-              <a:rPr lang="de-DE" dirty="0" err="1"/>
-              <a:t>more</a:t>
-            </a:r>
-            <a:r>
-              <a:rPr lang="de-DE" dirty="0"/>
-              <a:t> </a:t>
-            </a:r>
-            <a:r>
-              <a:rPr lang="de-DE" dirty="0" err="1"/>
-              <a:t>detail</a:t>
-            </a:r>
-            <a:r>
-              <a:rPr lang="de-DE" dirty="0"/>
-              <a:t> on </a:t>
-            </a:r>
-            <a:r>
-              <a:rPr lang="de-DE" dirty="0" err="1"/>
-              <a:t>the</a:t>
-            </a:r>
-            <a:r>
-              <a:rPr lang="de-DE" dirty="0"/>
-              <a:t> </a:t>
-            </a:r>
-            <a:r>
-              <a:rPr lang="de-DE" dirty="0" err="1"/>
-              <a:t>next</a:t>
-            </a:r>
-            <a:r>
-              <a:rPr lang="de-DE" dirty="0"/>
-              <a:t> </a:t>
-            </a:r>
-            <a:r>
-              <a:rPr lang="de-DE" dirty="0" err="1"/>
-              <a:t>slide</a:t>
-            </a:r>
-            <a:r>
-              <a:rPr lang="de-DE" dirty="0"/>
-              <a:t>. </a:t>
+              <a:rPr lang="en-US" dirty="0"/>
+              <a:t>I would start by explaining to you what a </a:t>
+            </a:r>
+            <a:r>
+              <a:rPr lang="en-US" b="1" dirty="0"/>
+              <a:t>communication protocol </a:t>
+            </a:r>
+            <a:r>
+              <a:rPr lang="en-US" dirty="0"/>
+              <a:t>is in information technology. </a:t>
             </a:r>
           </a:p>
           <a:p>
@@ -3268,63 +3179,41 @@
               <a:defRPr/>
             </a:pPr>
             <a:r>
+              <a:rPr lang="en-US" dirty="0"/>
+              <a:t>Basically it’s a</a:t>
+            </a:r>
+            <a:r>
               <a:rPr lang="en-GB" dirty="0"/>
-              <a:t>Also on the used Fletchers Checksum for error detection, which is a </a:t>
-            </a:r>
-            <a:r>
-              <a:rPr lang="en-US" dirty="0"/>
-              <a:t>good compromise between error detection rate and computational requirements [CLICK]</a:t>
-            </a:r>
-            <a:endParaRPr lang="de-DE" dirty="0"/>
+              <a:t> set of rules allowing communication partners to transmit information. [CLICK]</a:t>
+            </a:r>
           </a:p>
           <a:p>
             <a:pPr defTabSz="990572">
               <a:defRPr/>
             </a:pPr>
-            <a:endParaRPr lang="de-DE" dirty="0"/>
-          </a:p>
-          <a:p>
             <a:r>
               <a:rPr lang="en-GB" dirty="0"/>
-              <a:t>The Design is followed by the Implementation, which should translate the design specification into </a:t>
-            </a:r>
-            <a:r>
-              <a:rPr lang="de-DE" dirty="0" err="1"/>
-              <a:t>executable</a:t>
-            </a:r>
-            <a:r>
-              <a:rPr lang="de-DE" dirty="0"/>
-              <a:t> </a:t>
-            </a:r>
-            <a:r>
-              <a:rPr lang="de-DE" dirty="0" err="1"/>
-              <a:t>program</a:t>
-            </a:r>
-            <a:r>
-              <a:rPr lang="de-DE" dirty="0"/>
-              <a:t> </a:t>
-            </a:r>
-            <a:r>
-              <a:rPr lang="de-DE" dirty="0" err="1"/>
-              <a:t>code</a:t>
-            </a:r>
-            <a:r>
-              <a:rPr lang="en-GB" dirty="0"/>
-              <a:t>. </a:t>
-            </a:r>
-          </a:p>
-          <a:p>
-            <a:r>
-              <a:rPr lang="en-GB" dirty="0"/>
-              <a:t>here two different microcontrollers (as Mr. Hu already </a:t>
-            </a:r>
-            <a:r>
-              <a:rPr lang="en-GB" dirty="0" err="1"/>
-              <a:t>meantiond</a:t>
-            </a:r>
-            <a:r>
-              <a:rPr lang="en-GB" dirty="0"/>
-              <a:t>) are used, so two different implementations are needed. [CLICK]</a:t>
+              <a:t>Therefore both partners have to use </a:t>
+            </a:r>
+            <a:r>
+              <a:rPr lang="en-US" dirty="0"/>
+              <a:t>a defined </a:t>
+            </a:r>
+            <a:r>
+              <a:rPr lang="en-US" b="1" dirty="0"/>
+              <a:t>timing of communication actions</a:t>
+            </a:r>
+            <a:r>
+              <a:rPr lang="en-US" dirty="0"/>
+              <a:t>, like transmitting data or decode some data at a </a:t>
+            </a:r>
+            <a:r>
+              <a:rPr lang="en-US" dirty="0" err="1"/>
+              <a:t>a</a:t>
+            </a:r>
+            <a:r>
+              <a:rPr lang="en-US" dirty="0"/>
+              <a:t> specified point. </a:t>
             </a:r>
           </a:p>
           <a:p>
@@ -3333,11 +3222,39 @@
             </a:pPr>
             <a:r>
               <a:rPr lang="en-US" dirty="0"/>
-              <a:t>Due to the high demand for transfer speeds, SPI is chosen as the bus technology. So interrupt based SPI drivers have to be implemented on both sides. </a:t>
+              <a:t>The information both partners share are packed in so called </a:t>
+            </a:r>
+            <a:r>
+              <a:rPr lang="en-GB" b="1" dirty="0"/>
+              <a:t>PDUs</a:t>
             </a:r>
             <a:r>
               <a:rPr lang="en-GB" dirty="0"/>
-              <a:t>A major challenge was the implementation on the HLP processor.</a:t>
+              <a:t>, </a:t>
+            </a:r>
+            <a:r>
+              <a:rPr lang="de-DE" dirty="0" err="1"/>
+              <a:t>what</a:t>
+            </a:r>
+            <a:r>
+              <a:rPr lang="de-DE" dirty="0"/>
+              <a:t> stands </a:t>
+            </a:r>
+            <a:r>
+              <a:rPr lang="de-DE" dirty="0" err="1"/>
+              <a:t>for</a:t>
+            </a:r>
+            <a:r>
+              <a:rPr lang="de-DE" dirty="0"/>
+              <a:t> „Packet </a:t>
+            </a:r>
+            <a:r>
+              <a:rPr lang="de-DE" dirty="0" err="1"/>
+              <a:t>data</a:t>
+            </a:r>
+            <a:r>
+              <a:rPr lang="de-DE" dirty="0"/>
+              <a:t> Unit“.</a:t>
             </a:r>
           </a:p>
           <a:p>
@@ -3345,8 +3262,12 @@
               <a:defRPr/>
             </a:pPr>
             <a:r>
+              <a:rPr lang="en-US" dirty="0"/>
+              <a:t>So it must be defined what the first byte of each packet means and the second and so on… </a:t>
+            </a:r>
+            <a:r>
               <a:rPr lang="en-GB" dirty="0"/>
-              <a:t>Because many other communications are already running there, to which we had to adapt our protocol. [CLICK]</a:t>
+              <a:t>[CLICK]</a:t>
             </a:r>
             <a:endParaRPr lang="en-US" dirty="0"/>
           </a:p>
@@ -3362,7 +3283,29 @@
             </a:pPr>
             <a:r>
               <a:rPr lang="en-US" dirty="0"/>
-              <a:t>For an easy access of the incoming an outgoing packets, an easy expandable C-struct is used.</a:t>
+              <a:t>To achieve a successful communication, both partners need to provide several </a:t>
+            </a:r>
+            <a:r>
+              <a:rPr lang="en-GB" dirty="0"/>
+              <a:t>protocol features</a:t>
+            </a:r>
+          </a:p>
+          <a:p>
+            <a:pPr defTabSz="990572">
+              <a:defRPr/>
+            </a:pPr>
+            <a:r>
+              <a:rPr lang="en-GB" dirty="0"/>
+              <a:t>-&gt; De-/Encoding of PDUs</a:t>
+            </a:r>
+          </a:p>
+          <a:p>
+            <a:pPr defTabSz="990572">
+              <a:defRPr/>
+            </a:pPr>
+            <a:r>
+              <a:rPr lang="en-GB" dirty="0"/>
+              <a:t>-&gt; Error detection, to detect errors while transmission [CLICK]</a:t>
             </a:r>
           </a:p>
           <a:p>
@@ -3377,7 +3320,47 @@
             </a:pPr>
             <a:r>
               <a:rPr lang="de-DE" dirty="0"/>
-              <a:t>At </a:t>
+              <a:t>An </a:t>
+            </a:r>
+            <a:r>
+              <a:rPr lang="de-DE" dirty="0" err="1"/>
+              <a:t>important</a:t>
+            </a:r>
+            <a:r>
+              <a:rPr lang="de-DE" dirty="0"/>
+              <a:t> </a:t>
+            </a:r>
+            <a:r>
+              <a:rPr lang="de-DE" dirty="0" err="1"/>
+              <a:t>term</a:t>
+            </a:r>
+            <a:r>
+              <a:rPr lang="de-DE" dirty="0"/>
+              <a:t> in </a:t>
+            </a:r>
+            <a:r>
+              <a:rPr lang="de-DE" dirty="0" err="1"/>
+              <a:t>protocol</a:t>
+            </a:r>
+            <a:r>
+              <a:rPr lang="de-DE" dirty="0"/>
+              <a:t> </a:t>
+            </a:r>
+            <a:r>
+              <a:rPr lang="de-DE" dirty="0" err="1"/>
+              <a:t>technology</a:t>
+            </a:r>
+            <a:r>
+              <a:rPr lang="de-DE" dirty="0"/>
+              <a:t> </a:t>
+            </a:r>
+            <a:r>
+              <a:rPr lang="de-DE" dirty="0" err="1"/>
+              <a:t>is</a:t>
+            </a:r>
+            <a:r>
+              <a:rPr lang="de-DE" dirty="0"/>
+              <a:t> </a:t>
             </a:r>
             <a:r>
               <a:rPr lang="de-DE" dirty="0" err="1"/>
@@ -3385,29 +3368,90 @@
             </a:r>
             <a:r>
               <a:rPr lang="de-DE" dirty="0"/>
-              <a:t> end </a:t>
-            </a:r>
+              <a:t> </a:t>
+            </a:r>
+            <a:r>
+              <a:rPr lang="de-DE" b="1" dirty="0" err="1"/>
+              <a:t>layer</a:t>
+            </a:r>
+            <a:r>
+              <a:rPr lang="de-DE" dirty="0"/>
+              <a:t>.</a:t>
+            </a:r>
+          </a:p>
+          <a:p>
+            <a:pPr defTabSz="990572">
+              <a:defRPr/>
+            </a:pPr>
             <a:r>
               <a:rPr lang="de-DE" dirty="0" err="1"/>
-              <a:t>there</a:t>
+              <a:t>Basically</a:t>
             </a:r>
             <a:r>
               <a:rPr lang="de-DE" dirty="0"/>
-              <a:t> must </a:t>
+              <a:t> </a:t>
             </a:r>
             <a:r>
               <a:rPr lang="de-DE" dirty="0" err="1"/>
-              <a:t>be</a:t>
+              <a:t>each</a:t>
             </a:r>
             <a:r>
               <a:rPr lang="de-DE" dirty="0"/>
-              <a:t> a </a:t>
-            </a:r>
+              <a:t> </a:t>
+            </a:r>
+            <a:r>
+              <a:rPr lang="de-DE" dirty="0" err="1"/>
+              <a:t>layer</a:t>
+            </a:r>
+            <a:r>
+              <a:rPr lang="de-DE" dirty="0"/>
+              <a:t> </a:t>
+            </a:r>
+            <a:r>
+              <a:rPr lang="de-DE" dirty="0" err="1"/>
+              <a:t>provides</a:t>
+            </a:r>
+            <a:r>
+              <a:rPr lang="de-DE" dirty="0"/>
+              <a:t> </a:t>
+            </a:r>
+            <a:r>
+              <a:rPr lang="de-DE" dirty="0" err="1"/>
+              <a:t>several</a:t>
+            </a:r>
+            <a:r>
+              <a:rPr lang="de-DE" dirty="0"/>
+              <a:t> </a:t>
+            </a:r>
+            <a:r>
+              <a:rPr lang="de-DE" dirty="0" err="1"/>
+              <a:t>functions</a:t>
+            </a:r>
+            <a:r>
+              <a:rPr lang="de-DE" dirty="0"/>
+              <a:t> </a:t>
+            </a:r>
+            <a:r>
+              <a:rPr lang="en-US" dirty="0"/>
+              <a:t>to fulfill </a:t>
+            </a:r>
+            <a:r>
+              <a:rPr lang="en-US" b="1" dirty="0"/>
+              <a:t>one</a:t>
+            </a:r>
+            <a:r>
+              <a:rPr lang="en-US" dirty="0"/>
+              <a:t> specific goal. </a:t>
+            </a:r>
+          </a:p>
+          <a:p>
+            <a:pPr defTabSz="990572">
+              <a:defRPr/>
+            </a:pPr>
             <a:r>
               <a:rPr lang="en-GB" dirty="0"/>
-              <a:t>verification of the protocol, Mr. Chen will go into more detail later.</a:t>
-            </a:r>
-            <a:endParaRPr lang="en-US" dirty="0"/>
+              <a:t>-&gt; serves the layer above and is served by the layer below (but does not need to know how the other layers are implemented)</a:t>
+            </a:r>
           </a:p>
           <a:p>
             <a:pPr defTabSz="990572">
@@ -3422,9 +3466,21 @@
             <a:endParaRPr lang="en-US" dirty="0"/>
           </a:p>
           <a:p>
+            <a:pPr defTabSz="990572">
+              <a:defRPr/>
+            </a:pPr>
             <a:endParaRPr lang="en-US" dirty="0"/>
           </a:p>
           <a:p>
+            <a:pPr defTabSz="990572">
+              <a:defRPr/>
+            </a:pPr>
+            <a:endParaRPr lang="en-US" dirty="0"/>
+          </a:p>
+          <a:p>
+            <a:pPr defTabSz="990572">
+              <a:defRPr/>
+            </a:pPr>
             <a:endParaRPr dirty="0"/>
           </a:p>
         </p:txBody>
@@ -3560,7 +3616,7 @@
                   <a:spcPts val="175"/>
                 </a:lnSpc>
               </a:pPr>
-              <a:t>6</a:t>
+              <a:t>5</a:t>
             </a:fld>
             <a:endParaRPr/>
           </a:p>
@@ -3569,7 +3625,7 @@
     </p:spTree>
     <p:extLst>
       <p:ext uri="{BB962C8B-B14F-4D97-AF65-F5344CB8AC3E}">
-        <p14:creationId xmlns:p14="http://schemas.microsoft.com/office/powerpoint/2010/main" val="2443060360"/>
+        <p14:creationId xmlns:p14="http://schemas.microsoft.com/office/powerpoint/2010/main" val="1214415821"/>
       </p:ext>
     </p:extLst>
   </p:cSld>
@@ -3620,20 +3676,118 @@
           <a:lstStyle/>
           <a:p>
             <a:r>
-              <a:rPr lang="en-GB" noProof="0" dirty="0"/>
-              <a:t>To see how the actual protocol works, we take a deeper look into the layer representation. [CLICK]</a:t>
-            </a:r>
-          </a:p>
-          <a:p>
-            <a:endParaRPr lang="en-GB" noProof="0" dirty="0"/>
+              <a:rPr lang="en-US" dirty="0"/>
+              <a:t>To clarify the basics mentioned, we take a look at the protocol we designed.</a:t>
+            </a:r>
+          </a:p>
+          <a:p>
+            <a:r>
+              <a:rPr lang="en-US" dirty="0"/>
+              <a:t>While the design process the waterfall model was used. </a:t>
+            </a:r>
+          </a:p>
+          <a:p>
+            <a:r>
+              <a:rPr lang="en-US" dirty="0"/>
+              <a:t>This method intends a requirement analysis as the first step. </a:t>
+            </a:r>
+          </a:p>
+          <a:p>
+            <a:r>
+              <a:rPr lang="en-US" dirty="0"/>
+              <a:t>Here different requirements were set, so we need a robust, fast and expandable protocol as Mr. Hu already mentioned</a:t>
+            </a:r>
+            <a:r>
+              <a:rPr lang="de-DE" dirty="0"/>
+              <a:t>[CLICK]</a:t>
+            </a:r>
+          </a:p>
+          <a:p>
+            <a:endParaRPr lang="de-DE" dirty="0"/>
           </a:p>
           <a:p>
             <a:pPr defTabSz="990572">
               <a:defRPr/>
             </a:pPr>
             <a:r>
-              <a:rPr lang="en-GB" dirty="0"/>
-              <a:t>The highest layer is the application layer, here it’s possible to fill a new packet for example with the latest speed reading for the next packet to be sent.</a:t>
+              <a:rPr lang="de-DE" dirty="0" err="1"/>
+              <a:t>Based</a:t>
+            </a:r>
+            <a:r>
+              <a:rPr lang="de-DE" dirty="0"/>
+              <a:t> on </a:t>
+            </a:r>
+            <a:r>
+              <a:rPr lang="de-DE" dirty="0" err="1"/>
+              <a:t>that</a:t>
+            </a:r>
+            <a:r>
+              <a:rPr lang="de-DE" dirty="0"/>
+              <a:t> </a:t>
+            </a:r>
+            <a:r>
+              <a:rPr lang="de-DE" dirty="0" err="1"/>
+              <a:t>requirements</a:t>
+            </a:r>
+            <a:r>
+              <a:rPr lang="de-DE" dirty="0"/>
+              <a:t> </a:t>
+            </a:r>
+            <a:r>
+              <a:rPr lang="de-DE" dirty="0" err="1"/>
+              <a:t>the</a:t>
+            </a:r>
+            <a:r>
+              <a:rPr lang="de-DE" dirty="0"/>
+              <a:t> </a:t>
+            </a:r>
+            <a:r>
+              <a:rPr lang="de-DE" dirty="0" err="1"/>
+              <a:t>protocol</a:t>
+            </a:r>
+            <a:r>
+              <a:rPr lang="de-DE" dirty="0"/>
+              <a:t> </a:t>
+            </a:r>
+            <a:r>
+              <a:rPr lang="de-DE" dirty="0" err="1"/>
+              <a:t>gets</a:t>
+            </a:r>
+            <a:r>
+              <a:rPr lang="de-DE" dirty="0"/>
+              <a:t> </a:t>
+            </a:r>
+            <a:r>
+              <a:rPr lang="de-DE" dirty="0" err="1"/>
+              <a:t>designed</a:t>
+            </a:r>
+            <a:r>
+              <a:rPr lang="de-DE" dirty="0"/>
+              <a:t> in </a:t>
+            </a:r>
+            <a:r>
+              <a:rPr lang="de-DE" dirty="0" err="1"/>
+              <a:t>the</a:t>
+            </a:r>
+            <a:r>
+              <a:rPr lang="de-DE" dirty="0"/>
+              <a:t> </a:t>
+            </a:r>
+            <a:r>
+              <a:rPr lang="de-DE" dirty="0" err="1"/>
+              <a:t>next</a:t>
+            </a:r>
+            <a:r>
+              <a:rPr lang="de-DE" dirty="0"/>
+              <a:t> </a:t>
+            </a:r>
+            <a:r>
+              <a:rPr lang="de-DE" dirty="0" err="1"/>
+              <a:t>step</a:t>
+            </a:r>
+            <a:r>
+              <a:rPr lang="de-DE" dirty="0"/>
+              <a:t>. </a:t>
             </a:r>
           </a:p>
           <a:p>
@@ -3641,16 +3795,100 @@
               <a:defRPr/>
             </a:pPr>
             <a:r>
+              <a:rPr lang="de-DE" dirty="0" err="1"/>
+              <a:t>Our</a:t>
+            </a:r>
+            <a:r>
+              <a:rPr lang="de-DE" dirty="0"/>
+              <a:t> </a:t>
+            </a:r>
+            <a:r>
+              <a:rPr lang="de-DE" dirty="0" err="1"/>
+              <a:t>protocol</a:t>
+            </a:r>
+            <a:r>
+              <a:rPr lang="de-DE" dirty="0"/>
+              <a:t> </a:t>
+            </a:r>
+            <a:r>
+              <a:rPr lang="de-DE" dirty="0" err="1"/>
+              <a:t>is</a:t>
+            </a:r>
+            <a:r>
+              <a:rPr lang="de-DE" dirty="0"/>
+              <a:t> </a:t>
+            </a:r>
+            <a:r>
+              <a:rPr lang="de-DE" dirty="0" err="1"/>
+              <a:t>based</a:t>
+            </a:r>
+            <a:r>
+              <a:rPr lang="de-DE" dirty="0"/>
+              <a:t> on COBS (</a:t>
+            </a:r>
+            <a:r>
               <a:rPr lang="en-GB" dirty="0"/>
-              <a:t>When a packet is ready to </a:t>
-            </a:r>
-            <a:r>
-              <a:rPr lang="en-GB"/>
-              <a:t>get sent </a:t>
-            </a:r>
-            <a:r>
-              <a:rPr lang="en-GB" dirty="0"/>
-              <a:t>(so basically all data is updated, happening in 500Hz), the next layer comes on.  [CLICK]</a:t>
+              <a:t>Consistent Overhead Byte Stuffing</a:t>
+            </a:r>
+            <a:r>
+              <a:rPr lang="de-DE" dirty="0"/>
+              <a:t>), I will </a:t>
+            </a:r>
+            <a:r>
+              <a:rPr lang="de-DE" dirty="0" err="1"/>
+              <a:t>go</a:t>
+            </a:r>
+            <a:r>
+              <a:rPr lang="de-DE" dirty="0"/>
+              <a:t> </a:t>
+            </a:r>
+            <a:r>
+              <a:rPr lang="de-DE" dirty="0" err="1"/>
+              <a:t>into</a:t>
+            </a:r>
+            <a:r>
+              <a:rPr lang="de-DE" dirty="0"/>
+              <a:t> </a:t>
+            </a:r>
+            <a:r>
+              <a:rPr lang="de-DE" dirty="0" err="1"/>
+              <a:t>more</a:t>
+            </a:r>
+            <a:r>
+              <a:rPr lang="de-DE" dirty="0"/>
+              <a:t> </a:t>
+            </a:r>
+            <a:r>
+              <a:rPr lang="de-DE" dirty="0" err="1"/>
+              <a:t>detail</a:t>
+            </a:r>
+            <a:r>
+              <a:rPr lang="de-DE" dirty="0"/>
+              <a:t> on </a:t>
+            </a:r>
+            <a:r>
+              <a:rPr lang="de-DE" dirty="0" err="1"/>
+              <a:t>the</a:t>
+            </a:r>
+            <a:r>
+              <a:rPr lang="de-DE" dirty="0"/>
+              <a:t> </a:t>
+            </a:r>
+            <a:r>
+              <a:rPr lang="de-DE" dirty="0" err="1"/>
+              <a:t>next</a:t>
+            </a:r>
+            <a:r>
+              <a:rPr lang="de-DE" dirty="0"/>
+              <a:t> </a:t>
+            </a:r>
+            <a:r>
+              <a:rPr lang="de-DE" dirty="0" err="1"/>
+              <a:t>slide</a:t>
+            </a:r>
+            <a:r>
+              <a:rPr lang="de-DE" dirty="0"/>
+              <a:t>. </a:t>
             </a:r>
           </a:p>
           <a:p>
@@ -3659,32 +3897,62 @@
             </a:pPr>
             <a:r>
               <a:rPr lang="en-GB" dirty="0"/>
-              <a:t>It’s called </a:t>
-            </a:r>
-            <a:r>
-              <a:rPr lang="en-GB" dirty="0" err="1"/>
-              <a:t>tansmission</a:t>
-            </a:r>
-            <a:r>
-              <a:rPr lang="en-GB" dirty="0"/>
-              <a:t> insurance layer, with the goal of detecting transmission errors.</a:t>
-            </a:r>
+              <a:t>Also on the used Fletchers Checksum for error detection, which is a </a:t>
+            </a:r>
+            <a:r>
+              <a:rPr lang="en-US" dirty="0"/>
+              <a:t>good compromise between error detection rate and computational requirements [CLICK]</a:t>
+            </a:r>
+            <a:endParaRPr lang="de-DE" dirty="0"/>
           </a:p>
           <a:p>
             <a:pPr defTabSz="990572">
               <a:defRPr/>
             </a:pPr>
+            <a:endParaRPr lang="de-DE" dirty="0"/>
+          </a:p>
+          <a:p>
             <a:r>
               <a:rPr lang="en-GB" dirty="0"/>
-              <a:t>Here a checksum is calculated </a:t>
-            </a:r>
-            <a:r>
-              <a:rPr lang="en-US" dirty="0"/>
-              <a:t>based on the byte sequence and is </a:t>
+              <a:t>The Design is followed by the Implementation, which should translate the design specification into </a:t>
+            </a:r>
+            <a:r>
+              <a:rPr lang="de-DE" dirty="0" err="1"/>
+              <a:t>executable</a:t>
+            </a:r>
+            <a:r>
+              <a:rPr lang="de-DE" dirty="0"/>
+              <a:t> </a:t>
+            </a:r>
+            <a:r>
+              <a:rPr lang="de-DE" dirty="0" err="1"/>
+              <a:t>program</a:t>
+            </a:r>
+            <a:r>
+              <a:rPr lang="de-DE" dirty="0"/>
+              <a:t> </a:t>
+            </a:r>
+            <a:r>
+              <a:rPr lang="de-DE" dirty="0" err="1"/>
+              <a:t>code</a:t>
             </a:r>
             <a:r>
               <a:rPr lang="en-GB" dirty="0"/>
-              <a:t>attached to the PDU. [CLICK]</a:t>
+              <a:t>. </a:t>
+            </a:r>
+          </a:p>
+          <a:p>
+            <a:r>
+              <a:rPr lang="en-GB" dirty="0"/>
+              <a:t>here two different microcontrollers (as Mr. Hu already </a:t>
+            </a:r>
+            <a:r>
+              <a:rPr lang="en-GB" dirty="0" err="1"/>
+              <a:t>meantiond</a:t>
+            </a:r>
+            <a:r>
+              <a:rPr lang="en-GB" dirty="0"/>
+              <a:t>) are used, so two different implementations are needed. [CLICK]</a:t>
             </a:r>
           </a:p>
           <a:p>
@@ -3692,32 +3960,12 @@
               <a:defRPr/>
             </a:pPr>
             <a:r>
+              <a:rPr lang="en-US" dirty="0"/>
+              <a:t>Due to the high demand for transfer speeds, SPI is chosen as the bus technology. So interrupt based SPI drivers have to be implemented on both sides. </a:t>
+            </a:r>
+            <a:r>
               <a:rPr lang="en-GB" dirty="0"/>
-              <a:t>The next  De- /</a:t>
-            </a:r>
-            <a:r>
-              <a:rPr lang="en-GB" dirty="0" err="1"/>
-              <a:t>Encodelayer</a:t>
-            </a:r>
-            <a:r>
-              <a:rPr lang="en-GB" dirty="0"/>
-              <a:t> is not considering the </a:t>
-            </a:r>
-            <a:r>
-              <a:rPr lang="en-GB" b="1" dirty="0"/>
-              <a:t>content</a:t>
-            </a:r>
-            <a:r>
-              <a:rPr lang="en-GB" dirty="0"/>
-              <a:t> of the PDU, it’s just treated like a simple </a:t>
-            </a:r>
-            <a:r>
-              <a:rPr lang="en-GB" dirty="0" err="1"/>
-              <a:t>ByteStream</a:t>
-            </a:r>
-            <a:r>
-              <a:rPr lang="en-GB" dirty="0"/>
-              <a:t>.</a:t>
+              <a:t>A major challenge was the implementation on the HLP processor.</a:t>
             </a:r>
           </a:p>
           <a:p>
@@ -3726,84 +3974,23 @@
             </a:pPr>
             <a:r>
               <a:rPr lang="en-GB" dirty="0"/>
-              <a:t>As I said before, the COBS algorithm is used to de and encode the packet.</a:t>
-            </a:r>
+              <a:t>Because many other communications are already running there, to which we had to adapt our protocol. [CLICK]</a:t>
+            </a:r>
+            <a:endParaRPr lang="en-US" dirty="0"/>
           </a:p>
           <a:p>
             <a:pPr defTabSz="990572">
               <a:defRPr/>
             </a:pPr>
-            <a:r>
-              <a:rPr lang="en-GB" dirty="0"/>
-              <a:t>This algorithm is stuffing some new Bytes into the </a:t>
-            </a:r>
-            <a:r>
-              <a:rPr lang="en-GB" dirty="0" err="1"/>
-              <a:t>Bytestream</a:t>
-            </a:r>
-            <a:r>
-              <a:rPr lang="en-GB" dirty="0"/>
-              <a:t> (generating some overhead) to ensure that a specified </a:t>
-            </a:r>
-            <a:r>
-              <a:rPr lang="en-GB" dirty="0" err="1"/>
-              <a:t>delimiterByte</a:t>
-            </a:r>
-            <a:r>
-              <a:rPr lang="en-GB" dirty="0"/>
-              <a:t> is not included inside the Packet.</a:t>
-            </a:r>
+            <a:endParaRPr lang="en-US" dirty="0"/>
           </a:p>
           <a:p>
             <a:pPr defTabSz="990572">
               <a:defRPr/>
             </a:pPr>
             <a:r>
-              <a:rPr lang="en-GB" dirty="0"/>
-              <a:t>This Delimiter (in that case 0x00) can be used to set </a:t>
-            </a:r>
-            <a:r>
-              <a:rPr lang="en-GB" dirty="0" err="1"/>
-              <a:t>boundarys</a:t>
-            </a:r>
-            <a:r>
-              <a:rPr lang="en-GB" dirty="0"/>
-              <a:t> between the messages, so you can easily see the start and the end of each single packet. [CLICK]</a:t>
-            </a:r>
-          </a:p>
-          <a:p>
-            <a:pPr defTabSz="990572">
-              <a:defRPr/>
-            </a:pPr>
-            <a:r>
-              <a:rPr lang="en-GB" dirty="0"/>
-              <a:t>Last Layer is the Physical layer, here the </a:t>
-            </a:r>
-            <a:r>
-              <a:rPr lang="en-GB" dirty="0" err="1"/>
-              <a:t>Bittransfer</a:t>
-            </a:r>
-            <a:r>
-              <a:rPr lang="en-GB" dirty="0"/>
-              <a:t> between both partners is taking place. </a:t>
-            </a:r>
-          </a:p>
-          <a:p>
-            <a:pPr defTabSz="990572">
-              <a:defRPr/>
-            </a:pPr>
-            <a:r>
-              <a:rPr lang="en-GB" dirty="0"/>
-              <a:t>When a message gets received on the right side, decoded, checked for the correct checksum and is now available on the application layer.</a:t>
-            </a:r>
-          </a:p>
-          <a:p>
-            <a:pPr defTabSz="990572">
-              <a:defRPr/>
-            </a:pPr>
-            <a:r>
-              <a:rPr lang="en-GB" dirty="0"/>
-              <a:t>SO the data which was packed here, is now available on the receiving side.</a:t>
+              <a:rPr lang="en-US" dirty="0"/>
+              <a:t>For an easy access of the incoming an outgoing packets, an easy expandable C-struct is used.</a:t>
             </a:r>
           </a:p>
           <a:p>
@@ -3817,23 +4004,53 @@
               <a:defRPr/>
             </a:pPr>
             <a:r>
+              <a:rPr lang="de-DE" dirty="0"/>
+              <a:t>At </a:t>
+            </a:r>
+            <a:r>
+              <a:rPr lang="de-DE" dirty="0" err="1"/>
+              <a:t>the</a:t>
+            </a:r>
+            <a:r>
+              <a:rPr lang="de-DE" dirty="0"/>
+              <a:t> end </a:t>
+            </a:r>
+            <a:r>
+              <a:rPr lang="de-DE" dirty="0" err="1"/>
+              <a:t>there</a:t>
+            </a:r>
+            <a:r>
+              <a:rPr lang="de-DE" dirty="0"/>
+              <a:t> must </a:t>
+            </a:r>
+            <a:r>
+              <a:rPr lang="de-DE" dirty="0" err="1"/>
+              <a:t>be</a:t>
+            </a:r>
+            <a:r>
+              <a:rPr lang="de-DE" dirty="0"/>
+              <a:t> a </a:t>
+            </a:r>
+            <a:r>
               <a:rPr lang="en-GB" dirty="0"/>
-              <a:t>This PDU is of course just a small example for demonstration, I reality the PDU sent to the </a:t>
-            </a:r>
-            <a:r>
-              <a:rPr lang="en-GB" dirty="0" err="1"/>
-              <a:t>Nucleo</a:t>
-            </a:r>
-            <a:r>
-              <a:rPr lang="en-GB" dirty="0"/>
-              <a:t> looks like the following [CLICK]</a:t>
-            </a:r>
+              <a:t>verification of the protocol, Mr. Chen will go into more detail later.</a:t>
+            </a:r>
+            <a:endParaRPr lang="en-US" dirty="0"/>
           </a:p>
           <a:p>
             <a:pPr defTabSz="990572">
               <a:defRPr/>
             </a:pPr>
-            <a:endParaRPr lang="en-GB" dirty="0"/>
+            <a:endParaRPr lang="en-US" dirty="0"/>
+          </a:p>
+          <a:p>
+            <a:pPr defTabSz="990572">
+              <a:defRPr/>
+            </a:pPr>
+            <a:endParaRPr lang="en-US" dirty="0"/>
+          </a:p>
+          <a:p>
+            <a:endParaRPr lang="en-US" dirty="0"/>
           </a:p>
           <a:p>
             <a:endParaRPr dirty="0"/>
@@ -3971,7 +4188,7 @@
                   <a:spcPts val="175"/>
                 </a:lnSpc>
               </a:pPr>
-              <a:t>7</a:t>
+              <a:t>6</a:t>
             </a:fld>
             <a:endParaRPr/>
           </a:p>
@@ -3980,7 +4197,7 @@
     </p:spTree>
     <p:extLst>
       <p:ext uri="{BB962C8B-B14F-4D97-AF65-F5344CB8AC3E}">
-        <p14:creationId xmlns:p14="http://schemas.microsoft.com/office/powerpoint/2010/main" val="1277890053"/>
+        <p14:creationId xmlns:p14="http://schemas.microsoft.com/office/powerpoint/2010/main" val="2443060360"/>
       </p:ext>
     </p:extLst>
   </p:cSld>
@@ -4009,116 +4226,389 @@
       </p:grpSpPr>
       <p:sp>
         <p:nvSpPr>
-          <p:cNvPr id="2" name="Folienbildplatzhalter 1"/>
+          <p:cNvPr id="110" name="PlaceHolder 1"/>
           <p:cNvSpPr>
-            <a:spLocks noGrp="1" noRot="1" noChangeAspect="1"/>
+            <a:spLocks noGrp="1"/>
           </p:cNvSpPr>
           <p:nvPr>
-            <p:ph type="sldImg"/>
+            <p:ph type="body"/>
           </p:nvPr>
         </p:nvSpPr>
         <p:spPr>
           <a:xfrm>
-            <a:off x="1246188" y="1277938"/>
-            <a:ext cx="4611687" cy="3457575"/>
+            <a:off x="197275" y="4795766"/>
+            <a:ext cx="6708771" cy="4792940"/>
+          </a:xfrm>
+          <a:prstGeom prst="rect">
+            <a:avLst/>
+          </a:prstGeom>
+        </p:spPr>
+        <p:txBody>
+          <a:bodyPr lIns="0" tIns="0" rIns="0" bIns="0"/>
+          <a:lstStyle/>
+          <a:p>
+            <a:r>
+              <a:rPr lang="en-GB" noProof="0" dirty="0"/>
+              <a:t>To see how the actual protocol works, we take a deeper look into the layer representation. [CLICK]</a:t>
+            </a:r>
+          </a:p>
+          <a:p>
+            <a:endParaRPr lang="en-GB" noProof="0" dirty="0"/>
+          </a:p>
+          <a:p>
+            <a:pPr defTabSz="990572">
+              <a:defRPr/>
+            </a:pPr>
+            <a:r>
+              <a:rPr lang="en-GB" dirty="0"/>
+              <a:t>The highest layer is the application layer, here it’s possible to fill a new packet for example with the latest speed reading for the next packet to be sent.</a:t>
+            </a:r>
+          </a:p>
+          <a:p>
+            <a:pPr defTabSz="990572">
+              <a:defRPr/>
+            </a:pPr>
+            <a:r>
+              <a:rPr lang="en-GB" dirty="0"/>
+              <a:t>When a packet is ready to </a:t>
+            </a:r>
+            <a:r>
+              <a:rPr lang="en-GB"/>
+              <a:t>get sent </a:t>
+            </a:r>
+            <a:r>
+              <a:rPr lang="en-GB" dirty="0"/>
+              <a:t>(so basically all data is updated, happening in 500Hz), the next layer comes on.  [CLICK]</a:t>
+            </a:r>
+          </a:p>
+          <a:p>
+            <a:pPr defTabSz="990572">
+              <a:defRPr/>
+            </a:pPr>
+            <a:r>
+              <a:rPr lang="en-GB" dirty="0"/>
+              <a:t>It’s called </a:t>
+            </a:r>
+            <a:r>
+              <a:rPr lang="en-GB" dirty="0" err="1"/>
+              <a:t>tansmission</a:t>
+            </a:r>
+            <a:r>
+              <a:rPr lang="en-GB" dirty="0"/>
+              <a:t> insurance layer, with the goal of detecting transmission errors.</a:t>
+            </a:r>
+          </a:p>
+          <a:p>
+            <a:pPr defTabSz="990572">
+              <a:defRPr/>
+            </a:pPr>
+            <a:r>
+              <a:rPr lang="en-GB" dirty="0"/>
+              <a:t>Here a checksum is calculated </a:t>
+            </a:r>
+            <a:r>
+              <a:rPr lang="en-US" dirty="0"/>
+              <a:t>based on the byte sequence and is </a:t>
+            </a:r>
+            <a:r>
+              <a:rPr lang="en-GB" dirty="0"/>
+              <a:t>attached to the PDU. [CLICK]</a:t>
+            </a:r>
+          </a:p>
+          <a:p>
+            <a:pPr defTabSz="990572">
+              <a:defRPr/>
+            </a:pPr>
+            <a:r>
+              <a:rPr lang="en-GB" dirty="0"/>
+              <a:t>The next  De- /</a:t>
+            </a:r>
+            <a:r>
+              <a:rPr lang="en-GB" dirty="0" err="1"/>
+              <a:t>Encodelayer</a:t>
+            </a:r>
+            <a:r>
+              <a:rPr lang="en-GB" dirty="0"/>
+              <a:t> is not considering the </a:t>
+            </a:r>
+            <a:r>
+              <a:rPr lang="en-GB" b="1" dirty="0"/>
+              <a:t>content</a:t>
+            </a:r>
+            <a:r>
+              <a:rPr lang="en-GB" dirty="0"/>
+              <a:t> of the PDU, it’s just treated like a simple </a:t>
+            </a:r>
+            <a:r>
+              <a:rPr lang="en-GB" dirty="0" err="1"/>
+              <a:t>ByteStream</a:t>
+            </a:r>
+            <a:r>
+              <a:rPr lang="en-GB" dirty="0"/>
+              <a:t>.</a:t>
+            </a:r>
+          </a:p>
+          <a:p>
+            <a:pPr defTabSz="990572">
+              <a:defRPr/>
+            </a:pPr>
+            <a:r>
+              <a:rPr lang="en-GB" dirty="0"/>
+              <a:t>As I said before, the COBS algorithm is used to de and encode the packet.</a:t>
+            </a:r>
+          </a:p>
+          <a:p>
+            <a:pPr defTabSz="990572">
+              <a:defRPr/>
+            </a:pPr>
+            <a:r>
+              <a:rPr lang="en-GB" dirty="0"/>
+              <a:t>This algorithm is stuffing some new Bytes into the </a:t>
+            </a:r>
+            <a:r>
+              <a:rPr lang="en-GB" dirty="0" err="1"/>
+              <a:t>Bytestream</a:t>
+            </a:r>
+            <a:r>
+              <a:rPr lang="en-GB" dirty="0"/>
+              <a:t> (generating some overhead) to ensure that a specified </a:t>
+            </a:r>
+            <a:r>
+              <a:rPr lang="en-GB" dirty="0" err="1"/>
+              <a:t>delimiterByte</a:t>
+            </a:r>
+            <a:r>
+              <a:rPr lang="en-GB" dirty="0"/>
+              <a:t> is not included inside the Packet.</a:t>
+            </a:r>
+          </a:p>
+          <a:p>
+            <a:pPr defTabSz="990572">
+              <a:defRPr/>
+            </a:pPr>
+            <a:r>
+              <a:rPr lang="en-GB" dirty="0"/>
+              <a:t>This Delimiter (in that case 0x00) can be used to set </a:t>
+            </a:r>
+            <a:r>
+              <a:rPr lang="en-GB" dirty="0" err="1"/>
+              <a:t>boundarys</a:t>
+            </a:r>
+            <a:r>
+              <a:rPr lang="en-GB" dirty="0"/>
+              <a:t> between the messages, so you can easily see the start and the end of each single packet. [CLICK]</a:t>
+            </a:r>
+          </a:p>
+          <a:p>
+            <a:pPr defTabSz="990572">
+              <a:defRPr/>
+            </a:pPr>
+            <a:r>
+              <a:rPr lang="en-GB" dirty="0"/>
+              <a:t>Last Layer is the Physical layer, here the </a:t>
+            </a:r>
+            <a:r>
+              <a:rPr lang="en-GB" dirty="0" err="1"/>
+              <a:t>Bittransfer</a:t>
+            </a:r>
+            <a:r>
+              <a:rPr lang="en-GB" dirty="0"/>
+              <a:t> between both partners is taking place. </a:t>
+            </a:r>
+          </a:p>
+          <a:p>
+            <a:pPr defTabSz="990572">
+              <a:defRPr/>
+            </a:pPr>
+            <a:r>
+              <a:rPr lang="en-GB" dirty="0"/>
+              <a:t>When a message gets received on the right side, decoded, checked for the correct checksum and is now available on the application layer.</a:t>
+            </a:r>
+          </a:p>
+          <a:p>
+            <a:pPr defTabSz="990572">
+              <a:defRPr/>
+            </a:pPr>
+            <a:r>
+              <a:rPr lang="en-GB" dirty="0"/>
+              <a:t>SO the data which was packed here, is now available on the receiving side.</a:t>
+            </a:r>
+          </a:p>
+          <a:p>
+            <a:pPr defTabSz="990572">
+              <a:defRPr/>
+            </a:pPr>
+            <a:endParaRPr lang="en-GB" dirty="0"/>
+          </a:p>
+          <a:p>
+            <a:pPr defTabSz="990572">
+              <a:defRPr/>
+            </a:pPr>
+            <a:r>
+              <a:rPr lang="en-GB" dirty="0"/>
+              <a:t>This PDU is of course just a small example for demonstration, I reality the PDU sent to the </a:t>
+            </a:r>
+            <a:r>
+              <a:rPr lang="en-GB" dirty="0" err="1"/>
+              <a:t>Nucleo</a:t>
+            </a:r>
+            <a:r>
+              <a:rPr lang="en-GB" dirty="0"/>
+              <a:t> looks like the following [CLICK]</a:t>
+            </a:r>
+          </a:p>
+          <a:p>
+            <a:pPr defTabSz="990572">
+              <a:defRPr/>
+            </a:pPr>
+            <a:endParaRPr lang="en-GB" dirty="0"/>
+          </a:p>
+          <a:p>
+            <a:endParaRPr dirty="0"/>
+          </a:p>
+        </p:txBody>
+      </p:sp>
+      <p:sp>
+        <p:nvSpPr>
+          <p:cNvPr id="111" name="CustomShape 2"/>
+          <p:cNvSpPr/>
+          <p:nvPr/>
+        </p:nvSpPr>
+        <p:spPr>
+          <a:xfrm>
+            <a:off x="195784" y="9721271"/>
+            <a:ext cx="1676633" cy="510926"/>
           </a:xfrm>
           <a:prstGeom prst="rect">
             <a:avLst/>
           </a:prstGeom>
           <a:noFill/>
-          <a:ln w="12700">
-            <a:solidFill>
-              <a:prstClr val="black"/>
-            </a:solidFill>
+          <a:ln>
+            <a:noFill/>
           </a:ln>
         </p:spPr>
-      </p:sp>
-      <p:sp>
-        <p:nvSpPr>
-          <p:cNvPr id="3" name="Notizenplatzhalter 2"/>
-          <p:cNvSpPr>
-            <a:spLocks noGrp="1"/>
-          </p:cNvSpPr>
-          <p:nvPr>
-            <p:ph type="body" idx="1"/>
-          </p:nvPr>
-        </p:nvSpPr>
-        <p:spPr/>
         <p:txBody>
-          <a:bodyPr/>
+          <a:bodyPr lIns="97497" tIns="48749" rIns="97497" bIns="48749" anchor="ctr"/>
           <a:lstStyle/>
           <a:p>
-            <a:r>
-              <a:rPr lang="en-GB" dirty="0"/>
-              <a:t>There is a </a:t>
-            </a:r>
-            <a:r>
-              <a:rPr lang="en-GB" dirty="0" err="1"/>
-              <a:t>Startbyte</a:t>
-            </a:r>
-            <a:r>
-              <a:rPr lang="en-GB" dirty="0"/>
-              <a:t> at the beginning of each Packet to transmit some status flags. </a:t>
-            </a:r>
-          </a:p>
-          <a:p>
-            <a:r>
-              <a:rPr lang="en-GB" dirty="0"/>
-              <a:t>Right behind the actual sensory readings are separated in groups. Each group has it’s own timestamp, which is an indicator for the age of the transmitted readings.</a:t>
-            </a:r>
-          </a:p>
-          <a:p>
-            <a:r>
-              <a:rPr lang="en-GB" dirty="0"/>
-              <a:t>That’s important because there is just one single format of a PDU, including </a:t>
-            </a:r>
-            <a:r>
-              <a:rPr lang="en-GB" b="1" dirty="0"/>
-              <a:t>all</a:t>
-            </a:r>
-            <a:r>
-              <a:rPr lang="en-GB" dirty="0"/>
-              <a:t> the sensory data, which get’s sent in regular 500Hz.</a:t>
-            </a:r>
-          </a:p>
-          <a:p>
-            <a:r>
-              <a:rPr lang="en-GB" dirty="0"/>
-              <a:t>How satisfying the protocol really works, Mr. Chen will now discuss [CLICK]</a:t>
-            </a:r>
+            <a:pPr>
+              <a:lnSpc>
+                <a:spcPts val="175"/>
+              </a:lnSpc>
+            </a:pPr>
+            <a:r>
+              <a:rPr lang="de-DE" sz="1000">
+                <a:solidFill>
+                  <a:srgbClr val="000000"/>
+                </a:solidFill>
+                <a:latin typeface="Stafford"/>
+              </a:rPr>
+              <a:t>15.06.16</a:t>
+            </a:r>
+            <a:endParaRPr/>
           </a:p>
         </p:txBody>
       </p:sp>
       <p:sp>
         <p:nvSpPr>
-          <p:cNvPr id="4" name="Foliennummernplatzhalter 3"/>
-          <p:cNvSpPr>
-            <a:spLocks noGrp="1"/>
-          </p:cNvSpPr>
-          <p:nvPr>
-            <p:ph type="sldNum" idx="10"/>
-          </p:nvPr>
+          <p:cNvPr id="112" name="CustomShape 3"/>
+          <p:cNvSpPr/>
+          <p:nvPr/>
         </p:nvSpPr>
-        <p:spPr/>
+        <p:spPr>
+          <a:xfrm>
+            <a:off x="1873162" y="9721271"/>
+            <a:ext cx="4251996" cy="510926"/>
+          </a:xfrm>
+          <a:prstGeom prst="rect">
+            <a:avLst/>
+          </a:prstGeom>
+          <a:noFill/>
+          <a:ln>
+            <a:noFill/>
+          </a:ln>
+        </p:spPr>
         <p:txBody>
-          <a:bodyPr/>
+          <a:bodyPr lIns="97497" tIns="48749" rIns="97497" bIns="48749" anchor="ctr"/>
           <a:lstStyle/>
           <a:p>
-            <a:pPr algn="r"/>
-            <a:fld id="{155B5BBB-525B-4A1E-9F31-CE196A4F41BE}" type="slidenum">
-              <a:rPr lang="de-DE" sz="1400">
-                <a:latin typeface="Times New Roman"/>
+            <a:pPr>
+              <a:lnSpc>
+                <a:spcPts val="175"/>
+              </a:lnSpc>
+            </a:pPr>
+            <a:r>
+              <a:rPr lang="de-DE" sz="1000">
+                <a:solidFill>
+                  <a:srgbClr val="000000"/>
+                </a:solidFill>
+                <a:latin typeface="Stafford"/>
               </a:rPr>
-              <a:t>8</a:t>
+              <a:t>|  </a:t>
+            </a:r>
+            <a:endParaRPr/>
+          </a:p>
+        </p:txBody>
+      </p:sp>
+      <p:sp>
+        <p:nvSpPr>
+          <p:cNvPr id="113" name="CustomShape 4"/>
+          <p:cNvSpPr/>
+          <p:nvPr/>
+        </p:nvSpPr>
+        <p:spPr>
+          <a:xfrm>
+            <a:off x="6125531" y="9721271"/>
+            <a:ext cx="975922" cy="510926"/>
+          </a:xfrm>
+          <a:prstGeom prst="rect">
+            <a:avLst/>
+          </a:prstGeom>
+          <a:noFill/>
+          <a:ln>
+            <a:noFill/>
+          </a:ln>
+        </p:spPr>
+        <p:txBody>
+          <a:bodyPr lIns="97497" tIns="48749" rIns="97497" bIns="48749" anchor="ctr"/>
+          <a:lstStyle/>
+          <a:p>
+            <a:pPr algn="r">
+              <a:lnSpc>
+                <a:spcPts val="175"/>
+              </a:lnSpc>
+            </a:pPr>
+            <a:r>
+              <a:rPr lang="de-DE" sz="1000">
+                <a:solidFill>
+                  <a:srgbClr val="000000"/>
+                </a:solidFill>
+                <a:latin typeface="Stafford"/>
+              </a:rPr>
+              <a:t>|  </a:t>
+            </a:r>
+            <a:fld id="{0BD78692-C88F-4214-A934-7F5547F1CA4D}" type="slidenum">
+              <a:rPr lang="de-DE" sz="1000">
+                <a:solidFill>
+                  <a:srgbClr val="000000"/>
+                </a:solidFill>
+                <a:latin typeface="Stafford"/>
+              </a:rPr>
+              <a:pPr algn="r">
+                <a:lnSpc>
+                  <a:spcPts val="175"/>
+                </a:lnSpc>
+              </a:pPr>
+              <a:t>7</a:t>
             </a:fld>
-            <a:endParaRPr lang="de-DE"/>
+            <a:endParaRPr/>
           </a:p>
         </p:txBody>
       </p:sp>
     </p:spTree>
     <p:extLst>
       <p:ext uri="{BB962C8B-B14F-4D97-AF65-F5344CB8AC3E}">
-        <p14:creationId xmlns:p14="http://schemas.microsoft.com/office/powerpoint/2010/main" val="4213177248"/>
+        <p14:creationId xmlns:p14="http://schemas.microsoft.com/office/powerpoint/2010/main" val="1277890053"/>
       </p:ext>
     </p:extLst>
   </p:cSld>
@@ -4147,263 +4637,179 @@
       </p:grpSpPr>
       <p:sp>
         <p:nvSpPr>
-          <p:cNvPr id="106" name="PlaceHolder 1"/>
+          <p:cNvPr id="2" name="Folienbildplatzhalter 1"/>
+          <p:cNvSpPr>
+            <a:spLocks noGrp="1" noRot="1" noChangeAspect="1"/>
+          </p:cNvSpPr>
+          <p:nvPr>
+            <p:ph type="sldImg"/>
+          </p:nvPr>
+        </p:nvSpPr>
+        <p:spPr>
+          <a:xfrm>
+            <a:off x="1246188" y="1277938"/>
+            <a:ext cx="4611687" cy="3457575"/>
+          </a:xfrm>
+          <a:prstGeom prst="rect">
+            <a:avLst/>
+          </a:prstGeom>
+          <a:noFill/>
+          <a:ln w="12700">
+            <a:solidFill>
+              <a:prstClr val="black"/>
+            </a:solidFill>
+          </a:ln>
+        </p:spPr>
+      </p:sp>
+      <p:sp>
+        <p:nvSpPr>
+          <p:cNvPr id="3" name="Notizenplatzhalter 2"/>
           <p:cNvSpPr>
             <a:spLocks noGrp="1"/>
           </p:cNvSpPr>
           <p:nvPr>
-            <p:ph type="body"/>
+            <p:ph type="body" idx="1"/>
           </p:nvPr>
         </p:nvSpPr>
-        <p:spPr>
-          <a:xfrm>
-            <a:off x="197275" y="4795766"/>
-            <a:ext cx="6708771" cy="4792940"/>
-          </a:xfrm>
-          <a:prstGeom prst="rect">
-            <a:avLst/>
-          </a:prstGeom>
-        </p:spPr>
+        <p:spPr/>
         <p:txBody>
-          <a:bodyPr lIns="0" tIns="0" rIns="0" bIns="0"/>
+          <a:bodyPr/>
           <a:lstStyle/>
           <a:p>
-            <a:pPr marL="285750" indent="-285750">
-              <a:buFont typeface="Arial" panose="020B0604020202020204" pitchFamily="34" charset="0"/>
-              <a:buChar char="•"/>
-            </a:pPr>
-            <a:r>
-              <a:rPr lang="en-GB" dirty="0"/>
-              <a:t>In order to evaluate a communication protocol, there are basically four criterion. Conformity shows whether the protocol meets the demand of the design specification. Interoperability means whether the protocol compatible is when implemented in other microcontroller. </a:t>
-            </a:r>
-          </a:p>
-          <a:p>
-            <a:pPr marL="285750" indent="-285750">
-              <a:buFont typeface="Arial" panose="020B0604020202020204" pitchFamily="34" charset="0"/>
-              <a:buChar char="•"/>
-            </a:pPr>
-            <a:r>
-              <a:rPr lang="en-GB" dirty="0"/>
-              <a:t>In our project are </a:t>
-            </a:r>
-            <a:r>
-              <a:rPr lang="en-GB" dirty="0" err="1"/>
-              <a:t>focoused</a:t>
-            </a:r>
-            <a:r>
-              <a:rPr lang="en-GB" dirty="0"/>
-              <a:t> on the existing HLP and </a:t>
-            </a:r>
-            <a:r>
-              <a:rPr lang="en-GB" dirty="0" err="1"/>
-              <a:t>Nucleo</a:t>
-            </a:r>
-            <a:r>
-              <a:rPr lang="en-GB" dirty="0"/>
-              <a:t>, so the </a:t>
-            </a:r>
-            <a:r>
-              <a:rPr lang="en-GB" dirty="0" err="1"/>
-              <a:t>follwing</a:t>
-            </a:r>
-            <a:r>
-              <a:rPr lang="en-GB" dirty="0"/>
-              <a:t> last two criterion: Performance and robust</a:t>
-            </a:r>
-            <a:r>
-              <a:rPr lang="en-GB" altLang="" dirty="0"/>
-              <a:t>ness</a:t>
-            </a:r>
-            <a:r>
-              <a:rPr lang="en-GB" dirty="0"/>
-              <a:t> of the protocol are more important and will be tested. The Performance will show how fast using this protocol </a:t>
-            </a:r>
-            <a:r>
-              <a:rPr lang="en-GB" altLang="en-US" dirty="0"/>
-              <a:t>transmission </a:t>
-            </a:r>
-            <a:r>
-              <a:rPr lang="en-GB" dirty="0"/>
-              <a:t>information. and for Robust</a:t>
-            </a:r>
-            <a:r>
-              <a:rPr lang="en-GB" altLang="" dirty="0"/>
-              <a:t>ness</a:t>
-            </a:r>
-            <a:r>
-              <a:rPr lang="en-GB" dirty="0"/>
-              <a:t> means under some influence factors, to what extend will the performance be affected. </a:t>
-            </a:r>
-          </a:p>
-          <a:p>
-            <a:pPr marL="285750" indent="-285750">
-              <a:buFont typeface="Arial" panose="020B0604020202020204" pitchFamily="34" charset="0"/>
-              <a:buChar char="•"/>
-            </a:pPr>
-            <a:r>
-              <a:rPr lang="en-GB" dirty="0"/>
-              <a:t>In our </a:t>
-            </a:r>
-            <a:r>
-              <a:rPr lang="en-GB" dirty="0" err="1"/>
-              <a:t>cace</a:t>
-            </a:r>
-            <a:r>
-              <a:rPr lang="en-GB" dirty="0"/>
-              <a:t> there are mainly </a:t>
-            </a:r>
-            <a:r>
-              <a:rPr lang="en-GB" altLang="en-US" dirty="0"/>
-              <a:t>4</a:t>
-            </a:r>
-            <a:r>
-              <a:rPr lang="en-GB" dirty="0"/>
-              <a:t> factors could affect protocol's performance.</a:t>
-            </a:r>
+            <a:r>
+              <a:rPr lang="en-US" altLang="en-GB" dirty="0"/>
+              <a:t>Thx Malte, now lets have a close look at the PDU definition. </a:t>
+            </a:r>
+            <a:r>
+              <a:rPr lang="en-GB" altLang="zh-CN" dirty="0"/>
+              <a:t>There is a </a:t>
+            </a:r>
+            <a:r>
+              <a:rPr lang="en-GB" altLang="zh-CN" dirty="0" err="1"/>
+              <a:t>Startbyte</a:t>
+            </a:r>
+            <a:r>
+              <a:rPr lang="en-GB" altLang="zh-CN" dirty="0"/>
+              <a:t> at the beginning of each Packet to transmit some status flags. </a:t>
+            </a:r>
+          </a:p>
+          <a:p>
+            <a:r>
+              <a:rPr lang="en-GB" altLang="zh-CN" b="1" dirty="0"/>
+              <a:t>Right behind</a:t>
+            </a:r>
+            <a:r>
+              <a:rPr lang="en-GB" altLang="zh-CN" dirty="0"/>
+              <a:t> </a:t>
+            </a:r>
+            <a:r>
+              <a:rPr lang="en-US" altLang="en-GB" dirty="0"/>
+              <a:t>it are</a:t>
+            </a:r>
+            <a:r>
+              <a:rPr lang="en-GB" altLang="zh-CN" dirty="0"/>
+              <a:t> the actual sensory readings</a:t>
+            </a:r>
+            <a:r>
+              <a:rPr lang="en-US" altLang="en-GB" dirty="0"/>
+              <a:t>, which</a:t>
+            </a:r>
+            <a:r>
+              <a:rPr lang="en-GB" altLang="zh-CN" dirty="0"/>
+              <a:t> are separated in groups. Each group has it</a:t>
+            </a:r>
+            <a:r>
+              <a:rPr lang="en-US" altLang="en-GB" dirty="0"/>
+              <a:t>'</a:t>
+            </a:r>
+            <a:r>
+              <a:rPr lang="en-GB" altLang="zh-CN" dirty="0"/>
+              <a:t>s own </a:t>
+            </a:r>
+            <a:r>
+              <a:rPr lang="en-GB" altLang="zh-CN" b="1" dirty="0"/>
+              <a:t>timestamp</a:t>
+            </a:r>
+            <a:r>
+              <a:rPr lang="en-GB" altLang="zh-CN" dirty="0"/>
+              <a:t>, which is an indicator for the age of the transmitted readings.</a:t>
+            </a:r>
+          </a:p>
+          <a:p>
+            <a:r>
+              <a:rPr lang="en-GB" altLang="zh-CN" dirty="0"/>
+              <a:t>That</a:t>
+            </a:r>
+            <a:r>
+              <a:rPr lang="en-US" altLang="en-GB" dirty="0"/>
+              <a:t>'</a:t>
+            </a:r>
+            <a:r>
+              <a:rPr lang="en-GB" altLang="zh-CN" dirty="0"/>
+              <a:t>s important because there is just one single format of a PDU, including </a:t>
+            </a:r>
+            <a:r>
+              <a:rPr lang="en-GB" altLang="zh-CN" b="1" dirty="0"/>
+              <a:t>all</a:t>
+            </a:r>
+            <a:r>
+              <a:rPr lang="en-GB" altLang="zh-CN" dirty="0"/>
+              <a:t> the sensory data, which get</a:t>
+            </a:r>
+            <a:r>
+              <a:rPr lang="en-US" altLang="en-GB" dirty="0"/>
+              <a:t>'</a:t>
+            </a:r>
+            <a:r>
+              <a:rPr lang="en-GB" altLang="zh-CN" dirty="0"/>
+              <a:t>s sent in regular 500Hz.</a:t>
+            </a:r>
+          </a:p>
+          <a:p>
+            <a:r>
+              <a:rPr lang="en-GB" altLang="zh-CN" dirty="0"/>
+              <a:t>How satisfying the protocol really works, </a:t>
+            </a:r>
+            <a:r>
+              <a:rPr lang="en-US" altLang="en-GB"/>
+              <a:t>lets move to the part of  protocol test.</a:t>
+            </a:r>
+            <a:endParaRPr lang="en-US" altLang="en-GB" dirty="0"/>
           </a:p>
         </p:txBody>
       </p:sp>
       <p:sp>
         <p:nvSpPr>
-          <p:cNvPr id="107" name="CustomShape 2"/>
-          <p:cNvSpPr/>
-          <p:nvPr/>
+          <p:cNvPr id="4" name="Foliennummernplatzhalter 3"/>
+          <p:cNvSpPr>
+            <a:spLocks noGrp="1"/>
+          </p:cNvSpPr>
+          <p:nvPr>
+            <p:ph type="sldNum" idx="10"/>
+          </p:nvPr>
         </p:nvSpPr>
-        <p:spPr>
-          <a:xfrm>
-            <a:off x="195784" y="9721271"/>
-            <a:ext cx="1676633" cy="510926"/>
-          </a:xfrm>
-          <a:prstGeom prst="rect">
-            <a:avLst/>
-          </a:prstGeom>
-          <a:noFill/>
-          <a:ln>
-            <a:noFill/>
-          </a:ln>
-        </p:spPr>
+        <p:spPr/>
         <p:txBody>
-          <a:bodyPr lIns="97497" tIns="48749" rIns="97497" bIns="48749" anchor="ctr"/>
+          <a:bodyPr/>
           <a:lstStyle/>
           <a:p>
-            <a:pPr>
-              <a:lnSpc>
-                <a:spcPts val="173"/>
-              </a:lnSpc>
-            </a:pPr>
-            <a:r>
-              <a:rPr lang="de-DE" sz="1000">
-                <a:solidFill>
-                  <a:srgbClr val="000000"/>
-                </a:solidFill>
-                <a:latin typeface="Stafford"/>
+            <a:pPr algn="r"/>
+            <a:fld id="{155B5BBB-525B-4A1E-9F31-CE196A4F41BE}" type="slidenum">
+              <a:rPr lang="de-DE" sz="1400">
+                <a:latin typeface="Times New Roman"/>
               </a:rPr>
-              <a:t>15.06.16</a:t>
-            </a:r>
-          </a:p>
-        </p:txBody>
-      </p:sp>
-      <p:sp>
-        <p:nvSpPr>
-          <p:cNvPr id="108" name="CustomShape 3"/>
-          <p:cNvSpPr/>
-          <p:nvPr/>
-        </p:nvSpPr>
-        <p:spPr>
-          <a:xfrm>
-            <a:off x="1873162" y="9721271"/>
-            <a:ext cx="4251996" cy="510926"/>
-          </a:xfrm>
-          <a:prstGeom prst="rect">
-            <a:avLst/>
-          </a:prstGeom>
-          <a:noFill/>
-          <a:ln>
-            <a:noFill/>
-          </a:ln>
-        </p:spPr>
-        <p:txBody>
-          <a:bodyPr lIns="97497" tIns="48749" rIns="97497" bIns="48749" anchor="ctr"/>
-          <a:lstStyle/>
-          <a:p>
-            <a:pPr>
-              <a:lnSpc>
-                <a:spcPts val="173"/>
-              </a:lnSpc>
-            </a:pPr>
-            <a:r>
-              <a:rPr lang="de-DE" sz="1000">
-                <a:solidFill>
-                  <a:srgbClr val="000000"/>
-                </a:solidFill>
-                <a:latin typeface="Stafford"/>
-              </a:rPr>
-              <a:t>|  </a:t>
-            </a:r>
-          </a:p>
-        </p:txBody>
-      </p:sp>
-      <p:sp>
-        <p:nvSpPr>
-          <p:cNvPr id="109" name="CustomShape 4"/>
-          <p:cNvSpPr/>
-          <p:nvPr/>
-        </p:nvSpPr>
-        <p:spPr>
-          <a:xfrm>
-            <a:off x="6125531" y="9721271"/>
-            <a:ext cx="975922" cy="510926"/>
-          </a:xfrm>
-          <a:prstGeom prst="rect">
-            <a:avLst/>
-          </a:prstGeom>
-          <a:noFill/>
-          <a:ln>
-            <a:noFill/>
-          </a:ln>
-        </p:spPr>
-        <p:txBody>
-          <a:bodyPr lIns="97497" tIns="48749" rIns="97497" bIns="48749" anchor="ctr"/>
-          <a:lstStyle/>
-          <a:p>
-            <a:pPr algn="r">
-              <a:lnSpc>
-                <a:spcPts val="173"/>
-              </a:lnSpc>
-            </a:pPr>
-            <a:r>
-              <a:rPr lang="de-DE" sz="1000">
-                <a:solidFill>
-                  <a:srgbClr val="000000"/>
-                </a:solidFill>
-                <a:latin typeface="Stafford"/>
-              </a:rPr>
-              <a:t>|  </a:t>
-            </a:r>
-            <a:fld id="{D8028492-1C9F-4E94-B585-9AAA12DBFDAA}" type="slidenum">
-              <a:rPr lang="de-DE" sz="1000">
-                <a:solidFill>
-                  <a:srgbClr val="000000"/>
-                </a:solidFill>
-                <a:latin typeface="Stafford"/>
-              </a:rPr>
-              <a:pPr algn="r">
-                <a:lnSpc>
-                  <a:spcPts val="173"/>
-                </a:lnSpc>
-              </a:pPr>
-              <a:t>9</a:t>
+              <a:t>8</a:t>
             </a:fld>
-            <a:endParaRPr lang="de-DE" sz="1000">
-              <a:solidFill>
-                <a:srgbClr val="000000"/>
-              </a:solidFill>
-              <a:latin typeface="Stafford"/>
-            </a:endParaRPr>
+            <a:endParaRPr lang="de-DE"/>
           </a:p>
         </p:txBody>
       </p:sp>
     </p:spTree>
+    <p:extLst>
+      <p:ext uri="{BB962C8B-B14F-4D97-AF65-F5344CB8AC3E}">
+        <p14:creationId xmlns:p14="http://schemas.microsoft.com/office/powerpoint/2010/main" val="4213177248"/>
+      </p:ext>
+    </p:extLst>
   </p:cSld>
   <p:clrMapOvr>
     <a:masterClrMapping/>
@@ -4456,40 +4862,8 @@
               <a:buChar char="•"/>
             </a:pPr>
             <a:r>
-              <a:rPr lang="en-GB" altLang="" dirty="0"/>
-              <a:t>To test the performance of the protocol, we use the debug instrument so we have access to the test results. And in order to reduce the influence of the debug instrument, we just run debug mode on the </a:t>
-            </a:r>
-            <a:r>
-              <a:rPr lang="en-GB" altLang="" dirty="0" err="1"/>
-              <a:t>Nucleo</a:t>
-            </a:r>
-            <a:r>
-              <a:rPr lang="en-GB" altLang="" dirty="0"/>
-              <a:t> side. So </a:t>
-            </a:r>
-            <a:r>
-              <a:rPr lang="en-GB" altLang="" dirty="0" err="1"/>
-              <a:t>Nucleo</a:t>
-            </a:r>
-            <a:r>
-              <a:rPr lang="en-GB" altLang="" dirty="0"/>
-              <a:t> send a predefined  message to the HLP. The protocol on HLP unpacks this message and compare the checksum. If the checksum is correct and the protocol accept this packet. And if we compare the accepted packet with the predefined one, we'll see if it's </a:t>
-            </a:r>
-            <a:r>
-              <a:rPr lang="en-GB" altLang="" dirty="0" err="1"/>
-              <a:t>truely</a:t>
-            </a:r>
-            <a:r>
-              <a:rPr lang="en-GB" altLang="" dirty="0"/>
-              <a:t> correct or not. Then the HLP packs these test result and another predefined message and send to the </a:t>
-            </a:r>
-            <a:r>
-              <a:rPr lang="en-GB" altLang="" dirty="0" err="1"/>
-              <a:t>Nucleo</a:t>
-            </a:r>
-            <a:r>
-              <a:rPr lang="en-GB" altLang="" dirty="0"/>
-              <a:t>. After a same unpack and detect process, we can see the test results of both sides.</a:t>
+              <a:rPr lang="en-GB" altLang="zh-CN" dirty="0"/>
+              <a:t>In order to evaluate a communication protocol, there are basically four criterion. Conformity shows whether the protocol meets the demand of the design specification. Interoperability means whether the protocol compatible is when implemented in other microcontroller. </a:t>
             </a:r>
           </a:p>
           <a:p>
@@ -4498,74 +4872,56 @@
               <a:buChar char="•"/>
             </a:pPr>
             <a:r>
-              <a:rPr lang="en-GB" altLang="" dirty="0"/>
-              <a:t>T</a:t>
-            </a:r>
-            <a:r>
-              <a:rPr lang="en-GB" dirty="0"/>
-              <a:t>here are </a:t>
+              <a:rPr lang="en-GB" altLang="zh-CN" dirty="0"/>
+              <a:t>In our project are </a:t>
+            </a:r>
+            <a:r>
+              <a:rPr lang="en-GB" altLang="zh-CN" dirty="0" err="1"/>
+              <a:t>focoused</a:t>
+            </a:r>
+            <a:r>
+              <a:rPr lang="en-GB" altLang="zh-CN" dirty="0"/>
+              <a:t> on the existing HLP and </a:t>
+            </a:r>
+            <a:r>
+              <a:rPr lang="en-GB" altLang="zh-CN" dirty="0" err="1"/>
+              <a:t>Nucleo</a:t>
+            </a:r>
+            <a:r>
+              <a:rPr lang="en-GB" altLang="zh-CN" dirty="0"/>
+              <a:t>, so the </a:t>
+            </a:r>
+            <a:r>
+              <a:rPr lang="en-GB" altLang="zh-CN" dirty="0" err="1"/>
+              <a:t>follwing</a:t>
+            </a:r>
+            <a:r>
+              <a:rPr lang="en-GB" altLang="zh-CN" dirty="0"/>
+              <a:t> last two criterion: Performance and robust</a:t>
             </a:r>
             <a:r>
               <a:rPr lang="en-GB" altLang="en-US" dirty="0"/>
-              <a:t>several</a:t>
-            </a:r>
-            <a:r>
-              <a:rPr lang="en-GB" dirty="0"/>
-              <a:t> </a:t>
+              <a:t>ness</a:t>
+            </a:r>
+            <a:r>
+              <a:rPr lang="en-GB" altLang="zh-CN" dirty="0"/>
+              <a:t> of the protocol are more important and will be tested. The Performance will show how fast using this protocol </a:t>
             </a:r>
             <a:r>
               <a:rPr lang="en-GB" altLang="en-US" dirty="0"/>
-              <a:t>s</a:t>
-            </a:r>
-            <a:r>
-              <a:rPr lang="en-GB" dirty="0"/>
-              <a:t>ituation need to </a:t>
+              <a:t>transmission </a:t>
+            </a:r>
+            <a:r>
+              <a:rPr lang="en-GB" altLang="zh-CN" dirty="0"/>
+              <a:t>information. and for Robust</a:t>
             </a:r>
             <a:r>
               <a:rPr lang="en-GB" altLang="en-US" dirty="0"/>
-              <a:t>be </a:t>
-            </a:r>
-            <a:r>
-              <a:rPr lang="en-GB" dirty="0"/>
-              <a:t>considered</a:t>
-            </a:r>
-            <a:r>
-              <a:rPr lang="en-GB" altLang="en-US" dirty="0"/>
-              <a:t>. For the best situation, is that </a:t>
-            </a:r>
-            <a:r>
-              <a:rPr lang="en-GB" altLang="zh-CN" dirty="0">
-                <a:solidFill>
-                  <a:srgbClr val="D0D8E8"/>
-                </a:solidFill>
-                <a:sym typeface="+mn-ea"/>
-              </a:rPr>
-              <a:t>protocol accepts one packet and in fact the packet is also </a:t>
-            </a:r>
-            <a:r>
-              <a:rPr lang="en-GB" altLang="zh-CN" dirty="0" err="1">
-                <a:solidFill>
-                  <a:srgbClr val="D0D8E8"/>
-                </a:solidFill>
-                <a:sym typeface="+mn-ea"/>
-              </a:rPr>
-              <a:t>true.</a:t>
-            </a:r>
-            <a:r>
-              <a:rPr lang="en-GB" altLang="en-US" dirty="0" err="1"/>
-              <a:t>In</a:t>
-            </a:r>
-            <a:r>
-              <a:rPr lang="en-GB" altLang="en-US" dirty="0"/>
-              <a:t> this case we can say the protocol works correctly and consider it as a success </a:t>
-            </a:r>
-            <a:r>
-              <a:rPr lang="en-GB" altLang="en-US" dirty="0" err="1"/>
-              <a:t>transmisson</a:t>
-            </a:r>
-            <a:r>
-              <a:rPr lang="en-GB" altLang="en-US" dirty="0"/>
-              <a:t>.</a:t>
+              <a:t>ness</a:t>
+            </a:r>
+            <a:r>
+              <a:rPr lang="en-GB" altLang="zh-CN" dirty="0"/>
+              <a:t> means under some influence factors, to what extend will the performance be affected. </a:t>
             </a:r>
           </a:p>
           <a:p>
@@ -4574,16 +4930,24 @@
               <a:buChar char="•"/>
             </a:pPr>
             <a:r>
+              <a:rPr lang="en-GB" altLang="zh-CN" dirty="0"/>
+              <a:t>In our </a:t>
+            </a:r>
+            <a:r>
+              <a:rPr lang="en-GB" altLang="zh-CN" dirty="0" err="1"/>
+              <a:t>cace</a:t>
+            </a:r>
+            <a:r>
+              <a:rPr lang="en-GB" altLang="zh-CN" dirty="0"/>
+              <a:t> there are mainly </a:t>
+            </a:r>
+            <a:r>
               <a:rPr lang="en-GB" altLang="en-US" dirty="0"/>
-              <a:t>And the worst situation is... because the accepted packet will be further processed, and if a wrong control command is </a:t>
-            </a:r>
-            <a:r>
-              <a:rPr lang="en-GB" altLang="en-US" dirty="0" err="1"/>
-              <a:t>sended</a:t>
-            </a:r>
-            <a:r>
-              <a:rPr lang="en-GB" altLang="en-US" dirty="0"/>
-              <a:t> to the UAV, it could lead to maybe an accident fall.</a:t>
+              <a:t>4</a:t>
+            </a:r>
+            <a:r>
+              <a:rPr lang="en-GB" altLang="zh-CN" dirty="0"/>
+              <a:t> factors could affect protocol's performance.</a:t>
             </a:r>
           </a:p>
         </p:txBody>
@@ -4717,7 +5081,7 @@
                   <a:spcPts val="173"/>
                 </a:lnSpc>
               </a:pPr>
-              <a:t>10</a:t>
+              <a:t>9</a:t>
             </a:fld>
             <a:endParaRPr lang="de-DE" sz="1000">
               <a:solidFill>
@@ -7400,7 +7764,7 @@
                 </a:solidFill>
                 <a:latin typeface="Arial"/>
               </a:rPr>
-              <a:t>‹Nr.›</a:t>
+              <a:t>‹#›</a:t>
             </a:fld>
             <a:endParaRPr dirty="0"/>
           </a:p>
@@ -8244,7 +8608,7 @@
                 </a:solidFill>
                 <a:latin typeface="Arial"/>
               </a:rPr>
-              <a:t>‹Nr.›</a:t>
+              <a:t>‹#›</a:t>
             </a:fld>
             <a:endParaRPr dirty="0"/>
           </a:p>
@@ -8934,7 +9298,7 @@
           <p:nvPr/>
         </p:nvPicPr>
         <p:blipFill>
-          <a:blip r:embed="rId2">
+          <a:blip r:embed="rId3">
             <a:extLst>
               <a:ext uri="{28A0092B-C50C-407E-A947-70E740481C1C}">
                 <a14:useLocalDpi xmlns:a14="http://schemas.microsoft.com/office/drawing/2010/main" val="0"/>
@@ -8970,7 +9334,7 @@
           <p:nvPr/>
         </p:nvPicPr>
         <p:blipFill>
-          <a:blip r:embed="rId3">
+          <a:blip r:embed="rId4">
             <a:extLst>
               <a:ext uri="{28A0092B-C50C-407E-A947-70E740481C1C}">
                 <a14:useLocalDpi xmlns:a14="http://schemas.microsoft.com/office/drawing/2010/main" val="0"/>
@@ -9129,6 +9493,128 @@
               <a:rPr lang="en-GB" sz="1400" dirty="0"/>
               <a:t> </a:t>
             </a:r>
+          </a:p>
+        </p:txBody>
+      </p:sp>
+      <p:sp>
+        <p:nvSpPr>
+          <p:cNvPr id="4" name="文本框 3">
+            <a:extLst>
+              <a:ext uri="{FF2B5EF4-FFF2-40B4-BE49-F238E27FC236}">
+                <a16:creationId xmlns:a16="http://schemas.microsoft.com/office/drawing/2014/main" id="{7837D2E6-485C-4F0F-A84B-DB36A079865A}"/>
+              </a:ext>
+            </a:extLst>
+          </p:cNvPr>
+          <p:cNvSpPr txBox="1"/>
+          <p:nvPr/>
+        </p:nvSpPr>
+        <p:spPr>
+          <a:xfrm>
+            <a:off x="7073900" y="2832538"/>
+            <a:ext cx="812800" cy="923330"/>
+          </a:xfrm>
+          <a:prstGeom prst="rect">
+            <a:avLst/>
+          </a:prstGeom>
+          <a:noFill/>
+        </p:spPr>
+        <p:txBody>
+          <a:bodyPr wrap="square" rtlCol="0">
+            <a:spAutoFit/>
+          </a:bodyPr>
+          <a:lstStyle/>
+          <a:p>
+            <a:r>
+              <a:rPr lang="zh-CN" altLang="en-US" sz="1800" kern="1200" dirty="0">
+                <a:solidFill>
+                  <a:schemeClr val="tx1"/>
+                </a:solidFill>
+                <a:latin typeface="+mn-lt"/>
+                <a:ea typeface="+mn-ea"/>
+                <a:cs typeface="+mn-cs"/>
+              </a:rPr>
+              <a:t> </a:t>
+            </a:r>
+            <a:r>
+              <a:rPr lang="de-DE" altLang="zh-CN" sz="1800" kern="1200" dirty="0">
+                <a:solidFill>
+                  <a:schemeClr val="tx1"/>
+                </a:solidFill>
+                <a:latin typeface="+mn-lt"/>
+                <a:ea typeface="+mn-ea"/>
+                <a:cs typeface="+mn-cs"/>
+              </a:rPr>
+              <a:t>	[11]</a:t>
+            </a:r>
+            <a:endParaRPr lang="zh-CN" altLang="en-US" sz="1800" kern="1200" dirty="0">
+              <a:solidFill>
+                <a:schemeClr val="tx1"/>
+              </a:solidFill>
+              <a:latin typeface="+mn-lt"/>
+              <a:ea typeface="+mn-ea"/>
+              <a:cs typeface="+mn-cs"/>
+            </a:endParaRPr>
+          </a:p>
+        </p:txBody>
+      </p:sp>
+      <p:sp>
+        <p:nvSpPr>
+          <p:cNvPr id="10" name="文本框 9">
+            <a:extLst>
+              <a:ext uri="{FF2B5EF4-FFF2-40B4-BE49-F238E27FC236}">
+                <a16:creationId xmlns:a16="http://schemas.microsoft.com/office/drawing/2014/main" id="{343BF9F2-0A09-4AA0-BB86-D184B8ACD052}"/>
+              </a:ext>
+            </a:extLst>
+          </p:cNvPr>
+          <p:cNvSpPr txBox="1"/>
+          <p:nvPr/>
+        </p:nvSpPr>
+        <p:spPr>
+          <a:xfrm>
+            <a:off x="3810000" y="2832538"/>
+            <a:ext cx="812800" cy="923330"/>
+          </a:xfrm>
+          <a:prstGeom prst="rect">
+            <a:avLst/>
+          </a:prstGeom>
+          <a:noFill/>
+        </p:spPr>
+        <p:txBody>
+          <a:bodyPr wrap="square" rtlCol="0">
+            <a:spAutoFit/>
+          </a:bodyPr>
+          <a:lstStyle/>
+          <a:p>
+            <a:r>
+              <a:rPr lang="zh-CN" altLang="en-US" sz="1800" kern="1200" dirty="0">
+                <a:solidFill>
+                  <a:schemeClr val="tx1"/>
+                </a:solidFill>
+                <a:latin typeface="+mn-lt"/>
+                <a:ea typeface="+mn-ea"/>
+                <a:cs typeface="+mn-cs"/>
+              </a:rPr>
+              <a:t> </a:t>
+            </a:r>
+            <a:r>
+              <a:rPr lang="de-DE" altLang="zh-CN" sz="1800" kern="1200" dirty="0">
+                <a:solidFill>
+                  <a:schemeClr val="tx1"/>
+                </a:solidFill>
+                <a:latin typeface="+mn-lt"/>
+                <a:ea typeface="+mn-ea"/>
+                <a:cs typeface="+mn-cs"/>
+              </a:rPr>
+              <a:t>	[10]</a:t>
+            </a:r>
+            <a:endParaRPr lang="zh-CN" altLang="en-US" sz="1800" kern="1200" dirty="0">
+              <a:solidFill>
+                <a:schemeClr val="tx1"/>
+              </a:solidFill>
+              <a:latin typeface="+mn-lt"/>
+              <a:ea typeface="+mn-ea"/>
+              <a:cs typeface="+mn-cs"/>
+            </a:endParaRPr>
           </a:p>
         </p:txBody>
       </p:sp>
@@ -17519,7 +18005,7 @@
           <p:nvPr/>
         </p:nvPicPr>
         <p:blipFill>
-          <a:blip r:embed="rId3">
+          <a:blip r:embed="rId3" cstate="hqprint">
             <a:extLst>
               <a:ext uri="{28A0092B-C50C-407E-A947-70E740481C1C}">
                 <a14:useLocalDpi xmlns:a14="http://schemas.microsoft.com/office/drawing/2010/main" val="0"/>
